--- a/features/dev_florian/resources/Icons.pptx
+++ b/features/dev_florian/resources/Icons.pptx
@@ -82,11 +82,14 @@
     <p:sldId id="331" r:id="rId76"/>
     <p:sldId id="332" r:id="rId77"/>
     <p:sldId id="333" r:id="rId78"/>
+    <p:sldId id="334" r:id="rId79"/>
+    <p:sldId id="335" r:id="rId80"/>
+    <p:sldId id="338" r:id="rId81"/>
   </p:sldIdLst>
   <p:sldSz cx="7199313" cy="7199313"/>
   <p:notesSz cx="6858000" cy="9144000"/>
   <p:custDataLst>
-    <p:tags r:id="rId79"/>
+    <p:tags r:id="rId82"/>
   </p:custDataLst>
   <p:defaultTextStyle>
     <a:defPPr>
@@ -233,7 +236,7 @@
           <a:graphicData uri="http://schemas.openxmlformats.org/presentationml/2006/ole">
             <mc:AlternateContent xmlns:mc="http://schemas.openxmlformats.org/markup-compatibility/2006">
               <mc:Choice xmlns:v="urn:schemas-microsoft-com:vml" Requires="v">
-                <p:oleObj spid="_x0000_s2182" name="think-cell Folie" r:id="rId4" imgW="592" imgH="588" progId="TCLayout.ActiveDocument.1">
+                <p:oleObj spid="_x0000_s2184" name="think-cell Folie" r:id="rId4" imgW="592" imgH="588" progId="TCLayout.ActiveDocument.1">
                   <p:embed/>
                 </p:oleObj>
               </mc:Choice>
@@ -382,7 +385,7 @@
           <a:p>
             <a:fld id="{311EFB77-D67C-4B41-8660-F7D06438CC8C}" type="datetimeFigureOut">
               <a:rPr lang="de-DE" smtClean="0"/>
-              <a:t>06.12.2019</a:t>
+              <a:t>04.06.2020</a:t>
             </a:fld>
             <a:endParaRPr lang="de-DE"/>
           </a:p>
@@ -552,7 +555,7 @@
           <a:p>
             <a:fld id="{311EFB77-D67C-4B41-8660-F7D06438CC8C}" type="datetimeFigureOut">
               <a:rPr lang="de-DE" smtClean="0"/>
-              <a:t>06.12.2019</a:t>
+              <a:t>04.06.2020</a:t>
             </a:fld>
             <a:endParaRPr lang="de-DE"/>
           </a:p>
@@ -732,7 +735,7 @@
           <a:p>
             <a:fld id="{311EFB77-D67C-4B41-8660-F7D06438CC8C}" type="datetimeFigureOut">
               <a:rPr lang="de-DE" smtClean="0"/>
-              <a:t>06.12.2019</a:t>
+              <a:t>04.06.2020</a:t>
             </a:fld>
             <a:endParaRPr lang="de-DE"/>
           </a:p>
@@ -835,7 +838,7 @@
           <a:graphicData uri="http://schemas.openxmlformats.org/presentationml/2006/ole">
             <mc:AlternateContent xmlns:mc="http://schemas.openxmlformats.org/markup-compatibility/2006">
               <mc:Choice xmlns:v="urn:schemas-microsoft-com:vml" Requires="v">
-                <p:oleObj spid="_x0000_s8303" name="think-cell Folie" r:id="rId4" imgW="592" imgH="588" progId="TCLayout.ActiveDocument.1">
+                <p:oleObj spid="_x0000_s8305" name="think-cell Folie" r:id="rId4" imgW="592" imgH="588" progId="TCLayout.ActiveDocument.1">
                   <p:embed/>
                 </p:oleObj>
               </mc:Choice>
@@ -962,7 +965,7 @@
           <a:p>
             <a:fld id="{311EFB77-D67C-4B41-8660-F7D06438CC8C}" type="datetimeFigureOut">
               <a:rPr lang="de-DE" smtClean="0"/>
-              <a:t>06.12.2019</a:t>
+              <a:t>04.06.2020</a:t>
             </a:fld>
             <a:endParaRPr lang="de-DE"/>
           </a:p>
@@ -1206,7 +1209,7 @@
           <a:p>
             <a:fld id="{311EFB77-D67C-4B41-8660-F7D06438CC8C}" type="datetimeFigureOut">
               <a:rPr lang="de-DE" smtClean="0"/>
-              <a:t>06.12.2019</a:t>
+              <a:t>04.06.2020</a:t>
             </a:fld>
             <a:endParaRPr lang="de-DE"/>
           </a:p>
@@ -1438,7 +1441,7 @@
           <a:p>
             <a:fld id="{311EFB77-D67C-4B41-8660-F7D06438CC8C}" type="datetimeFigureOut">
               <a:rPr lang="de-DE" smtClean="0"/>
-              <a:t>06.12.2019</a:t>
+              <a:t>04.06.2020</a:t>
             </a:fld>
             <a:endParaRPr lang="de-DE"/>
           </a:p>
@@ -1805,7 +1808,7 @@
           <a:p>
             <a:fld id="{311EFB77-D67C-4B41-8660-F7D06438CC8C}" type="datetimeFigureOut">
               <a:rPr lang="de-DE" smtClean="0"/>
-              <a:t>06.12.2019</a:t>
+              <a:t>04.06.2020</a:t>
             </a:fld>
             <a:endParaRPr lang="de-DE"/>
           </a:p>
@@ -1923,7 +1926,7 @@
           <a:p>
             <a:fld id="{311EFB77-D67C-4B41-8660-F7D06438CC8C}" type="datetimeFigureOut">
               <a:rPr lang="de-DE" smtClean="0"/>
-              <a:t>06.12.2019</a:t>
+              <a:t>04.06.2020</a:t>
             </a:fld>
             <a:endParaRPr lang="de-DE"/>
           </a:p>
@@ -2018,7 +2021,7 @@
           <a:p>
             <a:fld id="{311EFB77-D67C-4B41-8660-F7D06438CC8C}" type="datetimeFigureOut">
               <a:rPr lang="de-DE" smtClean="0"/>
-              <a:t>06.12.2019</a:t>
+              <a:t>04.06.2020</a:t>
             </a:fld>
             <a:endParaRPr lang="de-DE"/>
           </a:p>
@@ -2295,7 +2298,7 @@
           <a:p>
             <a:fld id="{311EFB77-D67C-4B41-8660-F7D06438CC8C}" type="datetimeFigureOut">
               <a:rPr lang="de-DE" smtClean="0"/>
-              <a:t>06.12.2019</a:t>
+              <a:t>04.06.2020</a:t>
             </a:fld>
             <a:endParaRPr lang="de-DE"/>
           </a:p>
@@ -2552,7 +2555,7 @@
           <a:p>
             <a:fld id="{311EFB77-D67C-4B41-8660-F7D06438CC8C}" type="datetimeFigureOut">
               <a:rPr lang="de-DE" smtClean="0"/>
-              <a:t>06.12.2019</a:t>
+              <a:t>04.06.2020</a:t>
             </a:fld>
             <a:endParaRPr lang="de-DE"/>
           </a:p>
@@ -2670,7 +2673,7 @@
           <a:graphicData uri="http://schemas.openxmlformats.org/presentationml/2006/ole">
             <mc:AlternateContent xmlns:mc="http://schemas.openxmlformats.org/markup-compatibility/2006">
               <mc:Choice xmlns:v="urn:schemas-microsoft-com:vml" Requires="v">
-                <p:oleObj spid="_x0000_s1158" name="think-cell Folie" r:id="rId16" imgW="592" imgH="588" progId="TCLayout.ActiveDocument.1">
+                <p:oleObj spid="_x0000_s1160" name="think-cell Folie" r:id="rId16" imgW="592" imgH="588" progId="TCLayout.ActiveDocument.1">
                   <p:embed/>
                 </p:oleObj>
               </mc:Choice>
@@ -2884,7 +2887,7 @@
           <a:p>
             <a:fld id="{311EFB77-D67C-4B41-8660-F7D06438CC8C}" type="datetimeFigureOut">
               <a:rPr lang="de-DE" smtClean="0"/>
-              <a:t>06.12.2019</a:t>
+              <a:t>04.06.2020</a:t>
             </a:fld>
             <a:endParaRPr lang="de-DE"/>
           </a:p>
@@ -3314,7 +3317,7 @@
           <a:graphicData uri="http://schemas.openxmlformats.org/presentationml/2006/ole">
             <mc:AlternateContent xmlns:mc="http://schemas.openxmlformats.org/markup-compatibility/2006">
               <mc:Choice xmlns:v="urn:schemas-microsoft-com:vml" Requires="v">
-                <p:oleObj spid="_x0000_s4224" name="think-cell Folie" r:id="rId4" imgW="592" imgH="588" progId="TCLayout.ActiveDocument.1">
+                <p:oleObj spid="_x0000_s4226" name="think-cell Folie" r:id="rId4" imgW="592" imgH="588" progId="TCLayout.ActiveDocument.1">
                   <p:embed/>
                 </p:oleObj>
               </mc:Choice>
@@ -7805,7 +7808,7 @@
           <a:graphicData uri="http://schemas.openxmlformats.org/presentationml/2006/ole">
             <mc:AlternateContent xmlns:mc="http://schemas.openxmlformats.org/markup-compatibility/2006">
               <mc:Choice xmlns:v="urn:schemas-microsoft-com:vml" Requires="v">
-                <p:oleObj spid="_x0000_s3208" name="think-cell Folie" r:id="rId4" imgW="592" imgH="588" progId="TCLayout.ActiveDocument.1">
+                <p:oleObj spid="_x0000_s3210" name="think-cell Folie" r:id="rId4" imgW="592" imgH="588" progId="TCLayout.ActiveDocument.1">
                   <p:embed/>
                 </p:oleObj>
               </mc:Choice>
@@ -12108,7 +12111,7 @@
           <a:graphicData uri="http://schemas.openxmlformats.org/presentationml/2006/ole">
             <mc:AlternateContent xmlns:mc="http://schemas.openxmlformats.org/markup-compatibility/2006">
               <mc:Choice xmlns:v="urn:schemas-microsoft-com:vml" Requires="v">
-                <p:oleObj spid="_x0000_s7287" name="think-cell Folie" r:id="rId4" imgW="592" imgH="588" progId="TCLayout.ActiveDocument.1">
+                <p:oleObj spid="_x0000_s7289" name="think-cell Folie" r:id="rId4" imgW="592" imgH="588" progId="TCLayout.ActiveDocument.1">
                   <p:embed/>
                 </p:oleObj>
               </mc:Choice>
@@ -15566,7 +15569,7 @@
           <a:graphicData uri="http://schemas.openxmlformats.org/presentationml/2006/ole">
             <mc:AlternateContent xmlns:mc="http://schemas.openxmlformats.org/markup-compatibility/2006">
               <mc:Choice xmlns:v="urn:schemas-microsoft-com:vml" Requires="v">
-                <p:oleObj spid="_x0000_s5244" name="think-cell Folie" r:id="rId4" imgW="592" imgH="588" progId="TCLayout.ActiveDocument.1">
+                <p:oleObj spid="_x0000_s5246" name="think-cell Folie" r:id="rId4" imgW="592" imgH="588" progId="TCLayout.ActiveDocument.1">
                   <p:embed/>
                 </p:oleObj>
               </mc:Choice>
@@ -19365,7 +19368,7 @@
           <a:graphicData uri="http://schemas.openxmlformats.org/presentationml/2006/ole">
             <mc:AlternateContent xmlns:mc="http://schemas.openxmlformats.org/markup-compatibility/2006">
               <mc:Choice xmlns:v="urn:schemas-microsoft-com:vml" Requires="v">
-                <p:oleObj spid="_x0000_s9327" name="think-cell Folie" r:id="rId4" imgW="592" imgH="588" progId="TCLayout.ActiveDocument.1">
+                <p:oleObj spid="_x0000_s9329" name="think-cell Folie" r:id="rId4" imgW="592" imgH="588" progId="TCLayout.ActiveDocument.1">
                   <p:embed/>
                 </p:oleObj>
               </mc:Choice>
@@ -21441,7 +21444,7 @@
           <a:graphicData uri="http://schemas.openxmlformats.org/presentationml/2006/ole">
             <mc:AlternateContent xmlns:mc="http://schemas.openxmlformats.org/markup-compatibility/2006">
               <mc:Choice xmlns:v="urn:schemas-microsoft-com:vml" Requires="v">
-                <p:oleObj spid="_x0000_s11355" name="think-cell Folie" r:id="rId4" imgW="631" imgH="631" progId="TCLayout.ActiveDocument.1">
+                <p:oleObj spid="_x0000_s11357" name="think-cell Folie" r:id="rId4" imgW="631" imgH="631" progId="TCLayout.ActiveDocument.1">
                   <p:embed/>
                 </p:oleObj>
               </mc:Choice>
@@ -22160,7 +22163,7 @@
           <a:graphicData uri="http://schemas.openxmlformats.org/presentationml/2006/ole">
             <mc:AlternateContent xmlns:mc="http://schemas.openxmlformats.org/markup-compatibility/2006">
               <mc:Choice xmlns:v="urn:schemas-microsoft-com:vml" Requires="v">
-                <p:oleObj spid="_x0000_s12353" name="think-cell Folie" r:id="rId4" imgW="631" imgH="631" progId="TCLayout.ActiveDocument.1">
+                <p:oleObj spid="_x0000_s12355" name="think-cell Folie" r:id="rId4" imgW="631" imgH="631" progId="TCLayout.ActiveDocument.1">
                   <p:embed/>
                 </p:oleObj>
               </mc:Choice>
@@ -22445,7 +22448,7 @@
           <a:graphicData uri="http://schemas.openxmlformats.org/presentationml/2006/ole">
             <mc:AlternateContent xmlns:mc="http://schemas.openxmlformats.org/markup-compatibility/2006">
               <mc:Choice xmlns:v="urn:schemas-microsoft-com:vml" Requires="v">
-                <p:oleObj spid="_x0000_s13377" name="think-cell Folie" r:id="rId4" imgW="631" imgH="631" progId="TCLayout.ActiveDocument.1">
+                <p:oleObj spid="_x0000_s13379" name="think-cell Folie" r:id="rId4" imgW="631" imgH="631" progId="TCLayout.ActiveDocument.1">
                   <p:embed/>
                 </p:oleObj>
               </mc:Choice>
@@ -22934,7 +22937,7 @@
           <a:graphicData uri="http://schemas.openxmlformats.org/presentationml/2006/ole">
             <mc:AlternateContent xmlns:mc="http://schemas.openxmlformats.org/markup-compatibility/2006">
               <mc:Choice xmlns:v="urn:schemas-microsoft-com:vml" Requires="v">
-                <p:oleObj spid="_x0000_s14379" name="think-cell Folie" r:id="rId4" imgW="631" imgH="631" progId="TCLayout.ActiveDocument.1">
+                <p:oleObj spid="_x0000_s14381" name="think-cell Folie" r:id="rId4" imgW="631" imgH="631" progId="TCLayout.ActiveDocument.1">
                   <p:embed/>
                 </p:oleObj>
               </mc:Choice>
@@ -23637,7 +23640,7 @@
           <a:graphicData uri="http://schemas.openxmlformats.org/presentationml/2006/ole">
             <mc:AlternateContent xmlns:mc="http://schemas.openxmlformats.org/markup-compatibility/2006">
               <mc:Choice xmlns:v="urn:schemas-microsoft-com:vml" Requires="v">
-                <p:oleObj spid="_x0000_s15403" name="think-cell Folie" r:id="rId4" imgW="631" imgH="631" progId="TCLayout.ActiveDocument.1">
+                <p:oleObj spid="_x0000_s15405" name="think-cell Folie" r:id="rId4" imgW="631" imgH="631" progId="TCLayout.ActiveDocument.1">
                   <p:embed/>
                 </p:oleObj>
               </mc:Choice>
@@ -25183,7 +25186,7 @@
           <a:graphicData uri="http://schemas.openxmlformats.org/presentationml/2006/ole">
             <mc:AlternateContent xmlns:mc="http://schemas.openxmlformats.org/markup-compatibility/2006">
               <mc:Choice xmlns:v="urn:schemas-microsoft-com:vml" Requires="v">
-                <p:oleObj spid="_x0000_s16427" name="think-cell Folie" r:id="rId4" imgW="631" imgH="631" progId="TCLayout.ActiveDocument.1">
+                <p:oleObj spid="_x0000_s16429" name="think-cell Folie" r:id="rId4" imgW="631" imgH="631" progId="TCLayout.ActiveDocument.1">
                   <p:embed/>
                 </p:oleObj>
               </mc:Choice>
@@ -25688,7 +25691,7 @@
           <a:graphicData uri="http://schemas.openxmlformats.org/presentationml/2006/ole">
             <mc:AlternateContent xmlns:mc="http://schemas.openxmlformats.org/markup-compatibility/2006">
               <mc:Choice xmlns:v="urn:schemas-microsoft-com:vml" Requires="v">
-                <p:oleObj spid="_x0000_s17447" name="think-cell Folie" r:id="rId7" imgW="631" imgH="631" progId="TCLayout.ActiveDocument.1">
+                <p:oleObj spid="_x0000_s17449" name="think-cell Folie" r:id="rId7" imgW="631" imgH="631" progId="TCLayout.ActiveDocument.1">
                   <p:embed/>
                 </p:oleObj>
               </mc:Choice>
@@ -25911,7 +25914,7 @@
           <a:graphicData uri="http://schemas.openxmlformats.org/presentationml/2006/ole">
             <mc:AlternateContent xmlns:mc="http://schemas.openxmlformats.org/markup-compatibility/2006">
               <mc:Choice xmlns:v="urn:schemas-microsoft-com:vml" Requires="v">
-                <p:oleObj spid="_x0000_s19488" name="think-cell Folie" r:id="rId4" imgW="631" imgH="631" progId="TCLayout.ActiveDocument.1">
+                <p:oleObj spid="_x0000_s19490" name="think-cell Folie" r:id="rId4" imgW="631" imgH="631" progId="TCLayout.ActiveDocument.1">
                   <p:embed/>
                 </p:oleObj>
               </mc:Choice>
@@ -26531,7 +26534,7 @@
           <a:graphicData uri="http://schemas.openxmlformats.org/presentationml/2006/ole">
             <mc:AlternateContent xmlns:mc="http://schemas.openxmlformats.org/markup-compatibility/2006">
               <mc:Choice xmlns:v="urn:schemas-microsoft-com:vml" Requires="v">
-                <p:oleObj spid="_x0000_s10349" name="think-cell Folie" r:id="rId4" imgW="592" imgH="588" progId="TCLayout.ActiveDocument.1">
+                <p:oleObj spid="_x0000_s10351" name="think-cell Folie" r:id="rId4" imgW="592" imgH="588" progId="TCLayout.ActiveDocument.1">
                   <p:embed/>
                 </p:oleObj>
               </mc:Choice>
@@ -27321,7 +27324,7 @@
           <a:graphicData uri="http://schemas.openxmlformats.org/presentationml/2006/ole">
             <mc:AlternateContent xmlns:mc="http://schemas.openxmlformats.org/markup-compatibility/2006">
               <mc:Choice xmlns:v="urn:schemas-microsoft-com:vml" Requires="v">
-                <p:oleObj spid="_x0000_s20512" name="think-cell Folie" r:id="rId4" imgW="631" imgH="631" progId="TCLayout.ActiveDocument.1">
+                <p:oleObj spid="_x0000_s20514" name="think-cell Folie" r:id="rId4" imgW="631" imgH="631" progId="TCLayout.ActiveDocument.1">
                   <p:embed/>
                 </p:oleObj>
               </mc:Choice>
@@ -27946,7 +27949,7 @@
           <a:graphicData uri="http://schemas.openxmlformats.org/presentationml/2006/ole">
             <mc:AlternateContent xmlns:mc="http://schemas.openxmlformats.org/markup-compatibility/2006">
               <mc:Choice xmlns:v="urn:schemas-microsoft-com:vml" Requires="v">
-                <p:oleObj spid="_x0000_s18469" name="think-cell Folie" r:id="rId4" imgW="631" imgH="631" progId="TCLayout.ActiveDocument.1">
+                <p:oleObj spid="_x0000_s18471" name="think-cell Folie" r:id="rId4" imgW="631" imgH="631" progId="TCLayout.ActiveDocument.1">
                   <p:embed/>
                 </p:oleObj>
               </mc:Choice>
@@ -29321,7 +29324,7 @@
           <a:graphicData uri="http://schemas.openxmlformats.org/presentationml/2006/ole">
             <mc:AlternateContent xmlns:mc="http://schemas.openxmlformats.org/markup-compatibility/2006">
               <mc:Choice xmlns:v="urn:schemas-microsoft-com:vml" Requires="v">
-                <p:oleObj spid="_x0000_s21534" name="think-cell Folie" r:id="rId4" imgW="631" imgH="631" progId="TCLayout.ActiveDocument.1">
+                <p:oleObj spid="_x0000_s21536" name="think-cell Folie" r:id="rId4" imgW="631" imgH="631" progId="TCLayout.ActiveDocument.1">
                   <p:embed/>
                 </p:oleObj>
               </mc:Choice>
@@ -30696,7 +30699,7 @@
           <a:graphicData uri="http://schemas.openxmlformats.org/presentationml/2006/ole">
             <mc:AlternateContent xmlns:mc="http://schemas.openxmlformats.org/markup-compatibility/2006">
               <mc:Choice xmlns:v="urn:schemas-microsoft-com:vml" Requires="v">
-                <p:oleObj spid="_x0000_s22557" name="think-cell Folie" r:id="rId4" imgW="631" imgH="631" progId="TCLayout.ActiveDocument.1">
+                <p:oleObj spid="_x0000_s22559" name="think-cell Folie" r:id="rId4" imgW="631" imgH="631" progId="TCLayout.ActiveDocument.1">
                   <p:embed/>
                 </p:oleObj>
               </mc:Choice>
@@ -32075,7 +32078,7 @@
           <a:graphicData uri="http://schemas.openxmlformats.org/presentationml/2006/ole">
             <mc:AlternateContent xmlns:mc="http://schemas.openxmlformats.org/markup-compatibility/2006">
               <mc:Choice xmlns:v="urn:schemas-microsoft-com:vml" Requires="v">
-                <p:oleObj spid="_x0000_s23580" name="think-cell Folie" r:id="rId4" imgW="631" imgH="631" progId="TCLayout.ActiveDocument.1">
+                <p:oleObj spid="_x0000_s23582" name="think-cell Folie" r:id="rId4" imgW="631" imgH="631" progId="TCLayout.ActiveDocument.1">
                   <p:embed/>
                 </p:oleObj>
               </mc:Choice>
@@ -32412,7 +32415,7 @@
           <a:graphicData uri="http://schemas.openxmlformats.org/presentationml/2006/ole">
             <mc:AlternateContent xmlns:mc="http://schemas.openxmlformats.org/markup-compatibility/2006">
               <mc:Choice xmlns:v="urn:schemas-microsoft-com:vml" Requires="v">
-                <p:oleObj spid="_x0000_s24600" name="think-cell Folie" r:id="rId4" imgW="631" imgH="631" progId="TCLayout.ActiveDocument.1">
+                <p:oleObj spid="_x0000_s24602" name="think-cell Folie" r:id="rId4" imgW="631" imgH="631" progId="TCLayout.ActiveDocument.1">
                   <p:embed/>
                 </p:oleObj>
               </mc:Choice>
@@ -32751,7 +32754,7 @@
           <a:graphicData uri="http://schemas.openxmlformats.org/presentationml/2006/ole">
             <mc:AlternateContent xmlns:mc="http://schemas.openxmlformats.org/markup-compatibility/2006">
               <mc:Choice xmlns:v="urn:schemas-microsoft-com:vml" Requires="v">
-                <p:oleObj spid="_x0000_s25623" name="think-cell Folie" r:id="rId4" imgW="631" imgH="631" progId="TCLayout.ActiveDocument.1">
+                <p:oleObj spid="_x0000_s25625" name="think-cell Folie" r:id="rId4" imgW="631" imgH="631" progId="TCLayout.ActiveDocument.1">
                   <p:embed/>
                 </p:oleObj>
               </mc:Choice>
@@ -33024,7 +33027,7 @@
           <a:graphicData uri="http://schemas.openxmlformats.org/presentationml/2006/ole">
             <mc:AlternateContent xmlns:mc="http://schemas.openxmlformats.org/markup-compatibility/2006">
               <mc:Choice xmlns:v="urn:schemas-microsoft-com:vml" Requires="v">
-                <p:oleObj spid="_x0000_s26644" name="think-cell Folie" r:id="rId4" imgW="631" imgH="631" progId="TCLayout.ActiveDocument.1">
+                <p:oleObj spid="_x0000_s26646" name="think-cell Folie" r:id="rId4" imgW="631" imgH="631" progId="TCLayout.ActiveDocument.1">
                   <p:embed/>
                 </p:oleObj>
               </mc:Choice>
@@ -33371,7 +33374,7 @@
           <a:graphicData uri="http://schemas.openxmlformats.org/presentationml/2006/ole">
             <mc:AlternateContent xmlns:mc="http://schemas.openxmlformats.org/markup-compatibility/2006">
               <mc:Choice xmlns:v="urn:schemas-microsoft-com:vml" Requires="v">
-                <p:oleObj spid="_x0000_s27667" name="think-cell Folie" r:id="rId4" imgW="631" imgH="631" progId="TCLayout.ActiveDocument.1">
+                <p:oleObj spid="_x0000_s27669" name="think-cell Folie" r:id="rId4" imgW="631" imgH="631" progId="TCLayout.ActiveDocument.1">
                   <p:embed/>
                 </p:oleObj>
               </mc:Choice>
@@ -33779,7 +33782,7 @@
           <a:graphicData uri="http://schemas.openxmlformats.org/presentationml/2006/ole">
             <mc:AlternateContent xmlns:mc="http://schemas.openxmlformats.org/markup-compatibility/2006">
               <mc:Choice xmlns:v="urn:schemas-microsoft-com:vml" Requires="v">
-                <p:oleObj spid="_x0000_s28691" name="think-cell Folie" r:id="rId4" imgW="631" imgH="631" progId="TCLayout.ActiveDocument.1">
+                <p:oleObj spid="_x0000_s28693" name="think-cell Folie" r:id="rId4" imgW="631" imgH="631" progId="TCLayout.ActiveDocument.1">
                   <p:embed/>
                 </p:oleObj>
               </mc:Choice>
@@ -34318,7 +34321,7 @@
           <a:graphicData uri="http://schemas.openxmlformats.org/presentationml/2006/ole">
             <mc:AlternateContent xmlns:mc="http://schemas.openxmlformats.org/markup-compatibility/2006">
               <mc:Choice xmlns:v="urn:schemas-microsoft-com:vml" Requires="v">
-                <p:oleObj spid="_x0000_s29712" name="think-cell Folie" r:id="rId5" imgW="631" imgH="631" progId="TCLayout.ActiveDocument.1">
+                <p:oleObj spid="_x0000_s29714" name="think-cell Folie" r:id="rId5" imgW="631" imgH="631" progId="TCLayout.ActiveDocument.1">
                   <p:embed/>
                 </p:oleObj>
               </mc:Choice>
@@ -34781,7 +34784,7 @@
           <a:graphicData uri="http://schemas.openxmlformats.org/presentationml/2006/ole">
             <mc:AlternateContent xmlns:mc="http://schemas.openxmlformats.org/markup-compatibility/2006">
               <mc:Choice xmlns:v="urn:schemas-microsoft-com:vml" Requires="v">
-                <p:oleObj spid="_x0000_s30736" name="think-cell Folie" r:id="rId5" imgW="631" imgH="631" progId="TCLayout.ActiveDocument.1">
+                <p:oleObj spid="_x0000_s30738" name="think-cell Folie" r:id="rId5" imgW="631" imgH="631" progId="TCLayout.ActiveDocument.1">
                   <p:embed/>
                 </p:oleObj>
               </mc:Choice>
@@ -35264,7 +35267,7 @@
           <a:graphicData uri="http://schemas.openxmlformats.org/presentationml/2006/ole">
             <mc:AlternateContent xmlns:mc="http://schemas.openxmlformats.org/markup-compatibility/2006">
               <mc:Choice xmlns:v="urn:schemas-microsoft-com:vml" Requires="v">
-                <p:oleObj spid="_x0000_s31760" name="think-cell Folie" r:id="rId6" imgW="631" imgH="631" progId="TCLayout.ActiveDocument.1">
+                <p:oleObj spid="_x0000_s31762" name="think-cell Folie" r:id="rId6" imgW="631" imgH="631" progId="TCLayout.ActiveDocument.1">
                   <p:embed/>
                 </p:oleObj>
               </mc:Choice>
@@ -35965,7 +35968,7 @@
           <a:graphicData uri="http://schemas.openxmlformats.org/presentationml/2006/ole">
             <mc:AlternateContent xmlns:mc="http://schemas.openxmlformats.org/markup-compatibility/2006">
               <mc:Choice xmlns:v="urn:schemas-microsoft-com:vml" Requires="v">
-                <p:oleObj spid="_x0000_s32783" name="think-cell Folie" r:id="rId4" imgW="631" imgH="631" progId="TCLayout.ActiveDocument.1">
+                <p:oleObj spid="_x0000_s32785" name="think-cell Folie" r:id="rId4" imgW="631" imgH="631" progId="TCLayout.ActiveDocument.1">
                   <p:embed/>
                 </p:oleObj>
               </mc:Choice>
@@ -36461,7 +36464,7 @@
           <a:graphicData uri="http://schemas.openxmlformats.org/presentationml/2006/ole">
             <mc:AlternateContent xmlns:mc="http://schemas.openxmlformats.org/markup-compatibility/2006">
               <mc:Choice xmlns:v="urn:schemas-microsoft-com:vml" Requires="v">
-                <p:oleObj spid="_x0000_s34824" name="think-cell Folie" r:id="rId4" imgW="631" imgH="631" progId="TCLayout.ActiveDocument.1">
+                <p:oleObj spid="_x0000_s34826" name="think-cell Folie" r:id="rId4" imgW="631" imgH="631" progId="TCLayout.ActiveDocument.1">
                   <p:embed/>
                 </p:oleObj>
               </mc:Choice>
@@ -36957,7 +36960,7 @@
           <a:graphicData uri="http://schemas.openxmlformats.org/presentationml/2006/ole">
             <mc:AlternateContent xmlns:mc="http://schemas.openxmlformats.org/markup-compatibility/2006">
               <mc:Choice xmlns:v="urn:schemas-microsoft-com:vml" Requires="v">
-                <p:oleObj spid="_x0000_s35845" name="think-cell Folie" r:id="rId4" imgW="631" imgH="631" progId="TCLayout.ActiveDocument.1">
+                <p:oleObj spid="_x0000_s35847" name="think-cell Folie" r:id="rId4" imgW="631" imgH="631" progId="TCLayout.ActiveDocument.1">
                   <p:embed/>
                 </p:oleObj>
               </mc:Choice>
@@ -37252,7 +37255,7 @@
           <a:graphicData uri="http://schemas.openxmlformats.org/presentationml/2006/ole">
             <mc:AlternateContent xmlns:mc="http://schemas.openxmlformats.org/markup-compatibility/2006">
               <mc:Choice xmlns:v="urn:schemas-microsoft-com:vml" Requires="v">
-                <p:oleObj spid="_x0000_s36867" name="think-cell Folie" r:id="rId5" imgW="631" imgH="631" progId="TCLayout.ActiveDocument.1">
+                <p:oleObj spid="_x0000_s36869" name="think-cell Folie" r:id="rId5" imgW="631" imgH="631" progId="TCLayout.ActiveDocument.1">
                   <p:embed/>
                 </p:oleObj>
               </mc:Choice>
@@ -37465,7 +37468,7 @@
           <a:graphicData uri="http://schemas.openxmlformats.org/presentationml/2006/ole">
             <mc:AlternateContent xmlns:mc="http://schemas.openxmlformats.org/markup-compatibility/2006">
               <mc:Choice xmlns:v="urn:schemas-microsoft-com:vml" Requires="v">
-                <p:oleObj spid="_x0000_s38914" name="think-cell Folie" r:id="rId5" imgW="631" imgH="631" progId="TCLayout.ActiveDocument.1">
+                <p:oleObj spid="_x0000_s38916" name="think-cell Folie" r:id="rId5" imgW="631" imgH="631" progId="TCLayout.ActiveDocument.1">
                   <p:embed/>
                 </p:oleObj>
               </mc:Choice>
@@ -37653,6 +37656,612 @@
 </p:sld>
 </file>
 
+<file path=ppt/slides/slide78.xml><?xml version="1.0" encoding="utf-8"?>
+<p:sld xmlns:a="http://schemas.openxmlformats.org/drawingml/2006/main" xmlns:r="http://schemas.openxmlformats.org/officeDocument/2006/relationships" xmlns:p="http://schemas.openxmlformats.org/presentationml/2006/main">
+  <p:cSld>
+    <p:spTree>
+      <p:nvGrpSpPr>
+        <p:cNvPr id="1" name=""/>
+        <p:cNvGrpSpPr/>
+        <p:nvPr/>
+      </p:nvGrpSpPr>
+      <p:grpSpPr>
+        <a:xfrm>
+          <a:off x="0" y="0"/>
+          <a:ext cx="0" cy="0"/>
+          <a:chOff x="0" y="0"/>
+          <a:chExt cx="0" cy="0"/>
+        </a:xfrm>
+      </p:grpSpPr>
+      <p:graphicFrame>
+        <p:nvGraphicFramePr>
+          <p:cNvPr id="9" name="Objekt 8" hidden="1"/>
+          <p:cNvGraphicFramePr>
+            <a:graphicFrameLocks noChangeAspect="1"/>
+          </p:cNvGraphicFramePr>
+          <p:nvPr>
+            <p:custDataLst>
+              <p:tags r:id="rId2"/>
+            </p:custDataLst>
+            <p:extLst>
+              <p:ext uri="{D42A27DB-BD31-4B8C-83A1-F6EECF244321}">
+                <p14:modId xmlns:p14="http://schemas.microsoft.com/office/powerpoint/2010/main" val="2091374419"/>
+              </p:ext>
+            </p:extLst>
+          </p:nvPr>
+        </p:nvGraphicFramePr>
+        <p:xfrm>
+          <a:off x="1588" y="1588"/>
+          <a:ext cx="1588" cy="1588"/>
+        </p:xfrm>
+        <a:graphic>
+          <a:graphicData uri="http://schemas.openxmlformats.org/presentationml/2006/ole">
+            <mc:AlternateContent xmlns:mc="http://schemas.openxmlformats.org/markup-compatibility/2006">
+              <mc:Choice xmlns:v="urn:schemas-microsoft-com:vml" Requires="v">
+                <p:oleObj spid="_x0000_s39939" name="think-cell Folie" r:id="rId5" imgW="631" imgH="631" progId="TCLayout.ActiveDocument.1">
+                  <p:embed/>
+                </p:oleObj>
+              </mc:Choice>
+              <mc:Fallback>
+                <p:oleObj name="think-cell Folie" r:id="rId5" imgW="631" imgH="631" progId="TCLayout.ActiveDocument.1">
+                  <p:embed/>
+                  <p:pic>
+                    <p:nvPicPr>
+                      <p:cNvPr id="0" name=""/>
+                      <p:cNvPicPr/>
+                      <p:nvPr/>
+                    </p:nvPicPr>
+                    <p:blipFill>
+                      <a:blip r:embed="rId6"/>
+                      <a:stretch>
+                        <a:fillRect/>
+                      </a:stretch>
+                    </p:blipFill>
+                    <p:spPr>
+                      <a:xfrm>
+                        <a:off x="1588" y="1588"/>
+                        <a:ext cx="1588" cy="1588"/>
+                      </a:xfrm>
+                      <a:prstGeom prst="rect">
+                        <a:avLst/>
+                      </a:prstGeom>
+                    </p:spPr>
+                  </p:pic>
+                </p:oleObj>
+              </mc:Fallback>
+            </mc:AlternateContent>
+          </a:graphicData>
+        </a:graphic>
+      </p:graphicFrame>
+      <p:grpSp>
+        <p:nvGrpSpPr>
+          <p:cNvPr id="8" name="Gruppieren 7"/>
+          <p:cNvGrpSpPr>
+            <a:grpSpLocks noChangeAspect="1"/>
+          </p:cNvGrpSpPr>
+          <p:nvPr>
+            <p:custDataLst>
+              <p:tags r:id="rId3"/>
+            </p:custDataLst>
+          </p:nvPr>
+        </p:nvGrpSpPr>
+        <p:grpSpPr>
+          <a:xfrm>
+            <a:off x="2310131" y="160923"/>
+            <a:ext cx="2579050" cy="6877466"/>
+            <a:chOff x="1270000" y="1270000"/>
+            <a:chExt cx="381000" cy="1016000"/>
+          </a:xfrm>
+        </p:grpSpPr>
+        <p:sp>
+          <p:nvSpPr>
+            <p:cNvPr id="4" name="Rechteck 3"/>
+            <p:cNvSpPr/>
+            <p:nvPr/>
+          </p:nvSpPr>
+          <p:spPr>
+            <a:xfrm>
+              <a:off x="1270000" y="1270000"/>
+              <a:ext cx="381000" cy="1016000"/>
+            </a:xfrm>
+            <a:prstGeom prst="rect">
+              <a:avLst/>
+            </a:prstGeom>
+            <a:solidFill>
+              <a:srgbClr val="D9D9D9"/>
+            </a:solidFill>
+            <a:ln w="76200">
+              <a:solidFill>
+                <a:srgbClr val="000000"/>
+              </a:solidFill>
+            </a:ln>
+          </p:spPr>
+          <p:style>
+            <a:lnRef idx="2">
+              <a:schemeClr val="accent1">
+                <a:shade val="50000"/>
+              </a:schemeClr>
+            </a:lnRef>
+            <a:fillRef idx="1">
+              <a:schemeClr val="accent1"/>
+            </a:fillRef>
+            <a:effectRef idx="0">
+              <a:schemeClr val="accent1"/>
+            </a:effectRef>
+            <a:fontRef idx="minor">
+              <a:schemeClr val="lt1"/>
+            </a:fontRef>
+          </p:style>
+          <p:txBody>
+            <a:bodyPr rtlCol="0" anchor="ctr"/>
+            <a:lstStyle/>
+            <a:p>
+              <a:pPr algn="ctr"/>
+              <a:endParaRPr lang="en-US"/>
+            </a:p>
+          </p:txBody>
+        </p:sp>
+        <p:sp>
+          <p:nvSpPr>
+            <p:cNvPr id="5" name="Ellipse 4"/>
+            <p:cNvSpPr/>
+            <p:nvPr/>
+          </p:nvSpPr>
+          <p:spPr>
+            <a:xfrm>
+              <a:off x="1333500" y="1333500"/>
+              <a:ext cx="254000" cy="254000"/>
+            </a:xfrm>
+            <a:prstGeom prst="ellipse">
+              <a:avLst/>
+            </a:prstGeom>
+            <a:solidFill>
+              <a:srgbClr val="FF0000"/>
+            </a:solidFill>
+            <a:ln w="76200">
+              <a:solidFill>
+                <a:srgbClr val="000000"/>
+              </a:solidFill>
+            </a:ln>
+          </p:spPr>
+          <p:style>
+            <a:lnRef idx="2">
+              <a:schemeClr val="accent1">
+                <a:shade val="50000"/>
+              </a:schemeClr>
+            </a:lnRef>
+            <a:fillRef idx="1">
+              <a:schemeClr val="accent1"/>
+            </a:fillRef>
+            <a:effectRef idx="0">
+              <a:schemeClr val="accent1"/>
+            </a:effectRef>
+            <a:fontRef idx="minor">
+              <a:schemeClr val="lt1"/>
+            </a:fontRef>
+          </p:style>
+          <p:txBody>
+            <a:bodyPr rtlCol="0" anchor="ctr"/>
+            <a:lstStyle/>
+            <a:p>
+              <a:pPr algn="ctr"/>
+              <a:endParaRPr lang="en-US"/>
+            </a:p>
+          </p:txBody>
+        </p:sp>
+        <p:sp>
+          <p:nvSpPr>
+            <p:cNvPr id="6" name="Ellipse 5"/>
+            <p:cNvSpPr/>
+            <p:nvPr/>
+          </p:nvSpPr>
+          <p:spPr>
+            <a:xfrm>
+              <a:off x="1333500" y="1651000"/>
+              <a:ext cx="254000" cy="254000"/>
+            </a:xfrm>
+            <a:prstGeom prst="ellipse">
+              <a:avLst/>
+            </a:prstGeom>
+            <a:solidFill>
+              <a:srgbClr val="FFFF00"/>
+            </a:solidFill>
+            <a:ln w="76200">
+              <a:solidFill>
+                <a:srgbClr val="000000"/>
+              </a:solidFill>
+            </a:ln>
+          </p:spPr>
+          <p:style>
+            <a:lnRef idx="2">
+              <a:schemeClr val="accent1">
+                <a:shade val="50000"/>
+              </a:schemeClr>
+            </a:lnRef>
+            <a:fillRef idx="1">
+              <a:schemeClr val="accent1"/>
+            </a:fillRef>
+            <a:effectRef idx="0">
+              <a:schemeClr val="accent1"/>
+            </a:effectRef>
+            <a:fontRef idx="minor">
+              <a:schemeClr val="lt1"/>
+            </a:fontRef>
+          </p:style>
+          <p:txBody>
+            <a:bodyPr rtlCol="0" anchor="ctr"/>
+            <a:lstStyle/>
+            <a:p>
+              <a:pPr algn="ctr"/>
+              <a:endParaRPr lang="en-US"/>
+            </a:p>
+          </p:txBody>
+        </p:sp>
+        <p:sp>
+          <p:nvSpPr>
+            <p:cNvPr id="7" name="Ellipse 6"/>
+            <p:cNvSpPr/>
+            <p:nvPr/>
+          </p:nvSpPr>
+          <p:spPr>
+            <a:xfrm>
+              <a:off x="1333500" y="1968500"/>
+              <a:ext cx="254000" cy="254000"/>
+            </a:xfrm>
+            <a:prstGeom prst="ellipse">
+              <a:avLst/>
+            </a:prstGeom>
+            <a:solidFill>
+              <a:srgbClr val="00B050"/>
+            </a:solidFill>
+            <a:ln w="76200">
+              <a:solidFill>
+                <a:srgbClr val="000000"/>
+              </a:solidFill>
+            </a:ln>
+          </p:spPr>
+          <p:style>
+            <a:lnRef idx="2">
+              <a:schemeClr val="accent1">
+                <a:shade val="50000"/>
+              </a:schemeClr>
+            </a:lnRef>
+            <a:fillRef idx="1">
+              <a:schemeClr val="accent1"/>
+            </a:fillRef>
+            <a:effectRef idx="0">
+              <a:schemeClr val="accent1"/>
+            </a:effectRef>
+            <a:fontRef idx="minor">
+              <a:schemeClr val="lt1"/>
+            </a:fontRef>
+          </p:style>
+          <p:txBody>
+            <a:bodyPr rtlCol="0" anchor="ctr"/>
+            <a:lstStyle/>
+            <a:p>
+              <a:pPr algn="ctr"/>
+              <a:endParaRPr lang="en-US"/>
+            </a:p>
+          </p:txBody>
+        </p:sp>
+      </p:grpSp>
+    </p:spTree>
+    <p:extLst>
+      <p:ext uri="{BB962C8B-B14F-4D97-AF65-F5344CB8AC3E}">
+        <p14:creationId xmlns:p14="http://schemas.microsoft.com/office/powerpoint/2010/main" val="1470958760"/>
+      </p:ext>
+    </p:extLst>
+  </p:cSld>
+  <p:clrMapOvr>
+    <a:masterClrMapping/>
+  </p:clrMapOvr>
+</p:sld>
+</file>
+
+<file path=ppt/slides/slide79.xml><?xml version="1.0" encoding="utf-8"?>
+<p:sld xmlns:a="http://schemas.openxmlformats.org/drawingml/2006/main" xmlns:r="http://schemas.openxmlformats.org/officeDocument/2006/relationships" xmlns:p="http://schemas.openxmlformats.org/presentationml/2006/main">
+  <p:cSld>
+    <p:spTree>
+      <p:nvGrpSpPr>
+        <p:cNvPr id="1" name=""/>
+        <p:cNvGrpSpPr/>
+        <p:nvPr/>
+      </p:nvGrpSpPr>
+      <p:grpSpPr>
+        <a:xfrm>
+          <a:off x="0" y="0"/>
+          <a:ext cx="0" cy="0"/>
+          <a:chOff x="0" y="0"/>
+          <a:chExt cx="0" cy="0"/>
+        </a:xfrm>
+      </p:grpSpPr>
+      <p:graphicFrame>
+        <p:nvGraphicFramePr>
+          <p:cNvPr id="9" name="Objekt 8" hidden="1"/>
+          <p:cNvGraphicFramePr>
+            <a:graphicFrameLocks noChangeAspect="1"/>
+          </p:cNvGraphicFramePr>
+          <p:nvPr>
+            <p:custDataLst>
+              <p:tags r:id="rId2"/>
+            </p:custDataLst>
+            <p:extLst>
+              <p:ext uri="{D42A27DB-BD31-4B8C-83A1-F6EECF244321}">
+                <p14:modId xmlns:p14="http://schemas.microsoft.com/office/powerpoint/2010/main" val="2091374419"/>
+              </p:ext>
+            </p:extLst>
+          </p:nvPr>
+        </p:nvGraphicFramePr>
+        <p:xfrm>
+          <a:off x="1588" y="1588"/>
+          <a:ext cx="1588" cy="1588"/>
+        </p:xfrm>
+        <a:graphic>
+          <a:graphicData uri="http://schemas.openxmlformats.org/presentationml/2006/ole">
+            <mc:AlternateContent xmlns:mc="http://schemas.openxmlformats.org/markup-compatibility/2006">
+              <mc:Choice xmlns:v="urn:schemas-microsoft-com:vml" Requires="v">
+                <p:oleObj spid="_x0000_s40963" name="think-cell Folie" r:id="rId5" imgW="631" imgH="631" progId="TCLayout.ActiveDocument.1">
+                  <p:embed/>
+                </p:oleObj>
+              </mc:Choice>
+              <mc:Fallback>
+                <p:oleObj name="think-cell Folie" r:id="rId5" imgW="631" imgH="631" progId="TCLayout.ActiveDocument.1">
+                  <p:embed/>
+                  <p:pic>
+                    <p:nvPicPr>
+                      <p:cNvPr id="9" name="Objekt 8" hidden="1"/>
+                      <p:cNvPicPr/>
+                      <p:nvPr/>
+                    </p:nvPicPr>
+                    <p:blipFill>
+                      <a:blip r:embed="rId6"/>
+                      <a:stretch>
+                        <a:fillRect/>
+                      </a:stretch>
+                    </p:blipFill>
+                    <p:spPr>
+                      <a:xfrm>
+                        <a:off x="1588" y="1588"/>
+                        <a:ext cx="1588" cy="1588"/>
+                      </a:xfrm>
+                      <a:prstGeom prst="rect">
+                        <a:avLst/>
+                      </a:prstGeom>
+                    </p:spPr>
+                  </p:pic>
+                </p:oleObj>
+              </mc:Fallback>
+            </mc:AlternateContent>
+          </a:graphicData>
+        </a:graphic>
+      </p:graphicFrame>
+      <p:grpSp>
+        <p:nvGrpSpPr>
+          <p:cNvPr id="8" name="Gruppieren 7"/>
+          <p:cNvGrpSpPr>
+            <a:grpSpLocks noChangeAspect="1"/>
+          </p:cNvGrpSpPr>
+          <p:nvPr>
+            <p:custDataLst>
+              <p:tags r:id="rId3"/>
+            </p:custDataLst>
+          </p:nvPr>
+        </p:nvGrpSpPr>
+        <p:grpSpPr>
+          <a:xfrm rot="5400000">
+            <a:off x="2310131" y="160923"/>
+            <a:ext cx="2579050" cy="6877466"/>
+            <a:chOff x="1270000" y="1270000"/>
+            <a:chExt cx="381000" cy="1016000"/>
+          </a:xfrm>
+        </p:grpSpPr>
+        <p:sp>
+          <p:nvSpPr>
+            <p:cNvPr id="4" name="Rechteck 3"/>
+            <p:cNvSpPr/>
+            <p:nvPr/>
+          </p:nvSpPr>
+          <p:spPr>
+            <a:xfrm>
+              <a:off x="1270000" y="1270000"/>
+              <a:ext cx="381000" cy="1016000"/>
+            </a:xfrm>
+            <a:prstGeom prst="rect">
+              <a:avLst/>
+            </a:prstGeom>
+            <a:solidFill>
+              <a:srgbClr val="D9D9D9"/>
+            </a:solidFill>
+            <a:ln w="76200">
+              <a:solidFill>
+                <a:srgbClr val="000000"/>
+              </a:solidFill>
+            </a:ln>
+          </p:spPr>
+          <p:style>
+            <a:lnRef idx="2">
+              <a:schemeClr val="accent1">
+                <a:shade val="50000"/>
+              </a:schemeClr>
+            </a:lnRef>
+            <a:fillRef idx="1">
+              <a:schemeClr val="accent1"/>
+            </a:fillRef>
+            <a:effectRef idx="0">
+              <a:schemeClr val="accent1"/>
+            </a:effectRef>
+            <a:fontRef idx="minor">
+              <a:schemeClr val="lt1"/>
+            </a:fontRef>
+          </p:style>
+          <p:txBody>
+            <a:bodyPr rtlCol="0" anchor="ctr"/>
+            <a:lstStyle/>
+            <a:p>
+              <a:pPr algn="ctr"/>
+              <a:endParaRPr lang="en-US"/>
+            </a:p>
+          </p:txBody>
+        </p:sp>
+        <p:sp>
+          <p:nvSpPr>
+            <p:cNvPr id="5" name="Ellipse 4"/>
+            <p:cNvSpPr/>
+            <p:nvPr/>
+          </p:nvSpPr>
+          <p:spPr>
+            <a:xfrm>
+              <a:off x="1333500" y="1333500"/>
+              <a:ext cx="254000" cy="254000"/>
+            </a:xfrm>
+            <a:prstGeom prst="ellipse">
+              <a:avLst/>
+            </a:prstGeom>
+            <a:solidFill>
+              <a:srgbClr val="FF0000"/>
+            </a:solidFill>
+            <a:ln w="76200">
+              <a:solidFill>
+                <a:srgbClr val="000000"/>
+              </a:solidFill>
+            </a:ln>
+          </p:spPr>
+          <p:style>
+            <a:lnRef idx="2">
+              <a:schemeClr val="accent1">
+                <a:shade val="50000"/>
+              </a:schemeClr>
+            </a:lnRef>
+            <a:fillRef idx="1">
+              <a:schemeClr val="accent1"/>
+            </a:fillRef>
+            <a:effectRef idx="0">
+              <a:schemeClr val="accent1"/>
+            </a:effectRef>
+            <a:fontRef idx="minor">
+              <a:schemeClr val="lt1"/>
+            </a:fontRef>
+          </p:style>
+          <p:txBody>
+            <a:bodyPr rtlCol="0" anchor="ctr"/>
+            <a:lstStyle/>
+            <a:p>
+              <a:pPr algn="ctr"/>
+              <a:endParaRPr lang="en-US"/>
+            </a:p>
+          </p:txBody>
+        </p:sp>
+        <p:sp>
+          <p:nvSpPr>
+            <p:cNvPr id="6" name="Ellipse 5"/>
+            <p:cNvSpPr/>
+            <p:nvPr/>
+          </p:nvSpPr>
+          <p:spPr>
+            <a:xfrm>
+              <a:off x="1333500" y="1651000"/>
+              <a:ext cx="254000" cy="254000"/>
+            </a:xfrm>
+            <a:prstGeom prst="ellipse">
+              <a:avLst/>
+            </a:prstGeom>
+            <a:solidFill>
+              <a:srgbClr val="FFFF00"/>
+            </a:solidFill>
+            <a:ln w="76200">
+              <a:solidFill>
+                <a:srgbClr val="000000"/>
+              </a:solidFill>
+            </a:ln>
+          </p:spPr>
+          <p:style>
+            <a:lnRef idx="2">
+              <a:schemeClr val="accent1">
+                <a:shade val="50000"/>
+              </a:schemeClr>
+            </a:lnRef>
+            <a:fillRef idx="1">
+              <a:schemeClr val="accent1"/>
+            </a:fillRef>
+            <a:effectRef idx="0">
+              <a:schemeClr val="accent1"/>
+            </a:effectRef>
+            <a:fontRef idx="minor">
+              <a:schemeClr val="lt1"/>
+            </a:fontRef>
+          </p:style>
+          <p:txBody>
+            <a:bodyPr rtlCol="0" anchor="ctr"/>
+            <a:lstStyle/>
+            <a:p>
+              <a:pPr algn="ctr"/>
+              <a:endParaRPr lang="en-US"/>
+            </a:p>
+          </p:txBody>
+        </p:sp>
+        <p:sp>
+          <p:nvSpPr>
+            <p:cNvPr id="7" name="Ellipse 6"/>
+            <p:cNvSpPr/>
+            <p:nvPr/>
+          </p:nvSpPr>
+          <p:spPr>
+            <a:xfrm>
+              <a:off x="1333500" y="1968500"/>
+              <a:ext cx="254000" cy="254000"/>
+            </a:xfrm>
+            <a:prstGeom prst="ellipse">
+              <a:avLst/>
+            </a:prstGeom>
+            <a:solidFill>
+              <a:srgbClr val="00B050"/>
+            </a:solidFill>
+            <a:ln w="76200">
+              <a:solidFill>
+                <a:srgbClr val="000000"/>
+              </a:solidFill>
+            </a:ln>
+          </p:spPr>
+          <p:style>
+            <a:lnRef idx="2">
+              <a:schemeClr val="accent1">
+                <a:shade val="50000"/>
+              </a:schemeClr>
+            </a:lnRef>
+            <a:fillRef idx="1">
+              <a:schemeClr val="accent1"/>
+            </a:fillRef>
+            <a:effectRef idx="0">
+              <a:schemeClr val="accent1"/>
+            </a:effectRef>
+            <a:fontRef idx="minor">
+              <a:schemeClr val="lt1"/>
+            </a:fontRef>
+          </p:style>
+          <p:txBody>
+            <a:bodyPr rtlCol="0" anchor="ctr"/>
+            <a:lstStyle/>
+            <a:p>
+              <a:pPr algn="ctr"/>
+              <a:endParaRPr lang="en-US"/>
+            </a:p>
+          </p:txBody>
+        </p:sp>
+      </p:grpSp>
+    </p:spTree>
+    <p:extLst>
+      <p:ext uri="{BB962C8B-B14F-4D97-AF65-F5344CB8AC3E}">
+        <p14:creationId xmlns:p14="http://schemas.microsoft.com/office/powerpoint/2010/main" val="604443744"/>
+      </p:ext>
+    </p:extLst>
+  </p:cSld>
+  <p:clrMapOvr>
+    <a:masterClrMapping/>
+  </p:clrMapOvr>
+</p:sld>
+</file>
+
 <file path=ppt/slides/slide8.xml><?xml version="1.0" encoding="utf-8"?>
 <p:sld xmlns:a="http://schemas.openxmlformats.org/drawingml/2006/main" xmlns:r="http://schemas.openxmlformats.org/officeDocument/2006/relationships" xmlns:p="http://schemas.openxmlformats.org/presentationml/2006/main">
   <p:cSld>
@@ -37772,6 +38381,150 @@
     <p:extLst>
       <p:ext uri="{BB962C8B-B14F-4D97-AF65-F5344CB8AC3E}">
         <p14:creationId xmlns:p14="http://schemas.microsoft.com/office/powerpoint/2010/main" val="3822676959"/>
+      </p:ext>
+    </p:extLst>
+  </p:cSld>
+  <p:clrMapOvr>
+    <a:masterClrMapping/>
+  </p:clrMapOvr>
+</p:sld>
+</file>
+
+<file path=ppt/slides/slide80.xml><?xml version="1.0" encoding="utf-8"?>
+<p:sld xmlns:a="http://schemas.openxmlformats.org/drawingml/2006/main" xmlns:r="http://schemas.openxmlformats.org/officeDocument/2006/relationships" xmlns:p="http://schemas.openxmlformats.org/presentationml/2006/main">
+  <p:cSld>
+    <p:spTree>
+      <p:nvGrpSpPr>
+        <p:cNvPr id="1" name=""/>
+        <p:cNvGrpSpPr/>
+        <p:nvPr/>
+      </p:nvGrpSpPr>
+      <p:grpSpPr>
+        <a:xfrm>
+          <a:off x="0" y="0"/>
+          <a:ext cx="0" cy="0"/>
+          <a:chOff x="0" y="0"/>
+          <a:chExt cx="0" cy="0"/>
+        </a:xfrm>
+      </p:grpSpPr>
+      <p:graphicFrame>
+        <p:nvGraphicFramePr>
+          <p:cNvPr id="5" name="Objekt 4" hidden="1"/>
+          <p:cNvGraphicFramePr>
+            <a:graphicFrameLocks noChangeAspect="1"/>
+          </p:cNvGraphicFramePr>
+          <p:nvPr>
+            <p:custDataLst>
+              <p:tags r:id="rId2"/>
+            </p:custDataLst>
+            <p:extLst>
+              <p:ext uri="{D42A27DB-BD31-4B8C-83A1-F6EECF244321}">
+                <p14:modId xmlns:p14="http://schemas.microsoft.com/office/powerpoint/2010/main" val="4033563140"/>
+              </p:ext>
+            </p:extLst>
+          </p:nvPr>
+        </p:nvGraphicFramePr>
+        <p:xfrm>
+          <a:off x="1588" y="1588"/>
+          <a:ext cx="1588" cy="1588"/>
+        </p:xfrm>
+        <a:graphic>
+          <a:graphicData uri="http://schemas.openxmlformats.org/presentationml/2006/ole">
+            <mc:AlternateContent xmlns:mc="http://schemas.openxmlformats.org/markup-compatibility/2006">
+              <mc:Choice xmlns:v="urn:schemas-microsoft-com:vml" Requires="v">
+                <p:oleObj spid="_x0000_s44035" name="think-cell Folie" r:id="rId5" imgW="631" imgH="631" progId="TCLayout.ActiveDocument.1">
+                  <p:embed/>
+                </p:oleObj>
+              </mc:Choice>
+              <mc:Fallback>
+                <p:oleObj name="think-cell Folie" r:id="rId5" imgW="631" imgH="631" progId="TCLayout.ActiveDocument.1">
+                  <p:embed/>
+                  <p:pic>
+                    <p:nvPicPr>
+                      <p:cNvPr id="0" name=""/>
+                      <p:cNvPicPr/>
+                      <p:nvPr/>
+                    </p:nvPicPr>
+                    <p:blipFill>
+                      <a:blip r:embed="rId6"/>
+                      <a:stretch>
+                        <a:fillRect/>
+                      </a:stretch>
+                    </p:blipFill>
+                    <p:spPr>
+                      <a:xfrm>
+                        <a:off x="1588" y="1588"/>
+                        <a:ext cx="1588" cy="1588"/>
+                      </a:xfrm>
+                      <a:prstGeom prst="rect">
+                        <a:avLst/>
+                      </a:prstGeom>
+                    </p:spPr>
+                  </p:pic>
+                </p:oleObj>
+              </mc:Fallback>
+            </mc:AlternateContent>
+          </a:graphicData>
+        </a:graphic>
+      </p:graphicFrame>
+      <p:sp>
+        <p:nvSpPr>
+          <p:cNvPr id="4" name="Ellipse 3"/>
+          <p:cNvSpPr>
+            <a:spLocks noChangeAspect="1"/>
+          </p:cNvSpPr>
+          <p:nvPr>
+            <p:custDataLst>
+              <p:tags r:id="rId3"/>
+            </p:custDataLst>
+          </p:nvPr>
+        </p:nvSpPr>
+        <p:spPr>
+          <a:xfrm>
+            <a:off x="2310131" y="2310131"/>
+            <a:ext cx="2579050" cy="2579050"/>
+          </a:xfrm>
+          <a:prstGeom prst="ellipse">
+            <a:avLst/>
+          </a:prstGeom>
+          <a:solidFill>
+            <a:srgbClr val="FF0000"/>
+          </a:solidFill>
+          <a:ln w="76200">
+            <a:solidFill>
+              <a:srgbClr val="000000"/>
+            </a:solidFill>
+          </a:ln>
+        </p:spPr>
+        <p:style>
+          <a:lnRef idx="2">
+            <a:schemeClr val="accent1">
+              <a:shade val="50000"/>
+            </a:schemeClr>
+          </a:lnRef>
+          <a:fillRef idx="1">
+            <a:schemeClr val="accent1"/>
+          </a:fillRef>
+          <a:effectRef idx="0">
+            <a:schemeClr val="accent1"/>
+          </a:effectRef>
+          <a:fontRef idx="minor">
+            <a:schemeClr val="lt1"/>
+          </a:fontRef>
+        </p:style>
+        <p:txBody>
+          <a:bodyPr rtlCol="0" anchor="ctr"/>
+          <a:lstStyle/>
+          <a:p>
+            <a:pPr algn="ctr"/>
+            <a:endParaRPr lang="en-US"/>
+          </a:p>
+        </p:txBody>
+      </p:sp>
+    </p:spTree>
+    <p:extLst>
+      <p:ext uri="{BB962C8B-B14F-4D97-AF65-F5344CB8AC3E}">
+        <p14:creationId xmlns:p14="http://schemas.microsoft.com/office/powerpoint/2010/main" val="2407890922"/>
       </p:ext>
     </p:extLst>
   </p:cSld>
@@ -38159,9 +38912,45 @@
 </p:tagLst>
 </file>
 
+<file path=ppt/tags/tag47.xml><?xml version="1.0" encoding="utf-8"?>
+<p:tagLst xmlns:a="http://schemas.openxmlformats.org/drawingml/2006/main" xmlns:r="http://schemas.openxmlformats.org/officeDocument/2006/relationships" xmlns:p="http://schemas.openxmlformats.org/presentationml/2006/main">
+  <p:tag name="THINKCELLSHAPEDONOTDELETE" val="thinkcellActiveDocDoNotDelete"/>
+</p:tagLst>
+</file>
+
+<file path=ppt/tags/tag48.xml><?xml version="1.0" encoding="utf-8"?>
+<p:tagLst xmlns:a="http://schemas.openxmlformats.org/drawingml/2006/main" xmlns:r="http://schemas.openxmlformats.org/officeDocument/2006/relationships" xmlns:p="http://schemas.openxmlformats.org/presentationml/2006/main">
+  <p:tag name="BKT_CONTEXTDIALOG" val="BKT_DIALOG_AMPEL3"/>
+</p:tagLst>
+</file>
+
+<file path=ppt/tags/tag49.xml><?xml version="1.0" encoding="utf-8"?>
+<p:tagLst xmlns:a="http://schemas.openxmlformats.org/drawingml/2006/main" xmlns:r="http://schemas.openxmlformats.org/officeDocument/2006/relationships" xmlns:p="http://schemas.openxmlformats.org/presentationml/2006/main">
+  <p:tag name="THINKCELLSHAPEDONOTDELETE" val="thinkcellActiveDocDoNotDelete"/>
+</p:tagLst>
+</file>
+
 <file path=ppt/tags/tag5.xml><?xml version="1.0" encoding="utf-8"?>
 <p:tagLst xmlns:a="http://schemas.openxmlformats.org/drawingml/2006/main" xmlns:r="http://schemas.openxmlformats.org/officeDocument/2006/relationships" xmlns:p="http://schemas.openxmlformats.org/presentationml/2006/main">
   <p:tag name="THINKCELLSHAPEDONOTDELETE" val="thinkcellActiveDocDoNotDelete"/>
+</p:tagLst>
+</file>
+
+<file path=ppt/tags/tag50.xml><?xml version="1.0" encoding="utf-8"?>
+<p:tagLst xmlns:a="http://schemas.openxmlformats.org/drawingml/2006/main" xmlns:r="http://schemas.openxmlformats.org/officeDocument/2006/relationships" xmlns:p="http://schemas.openxmlformats.org/presentationml/2006/main">
+  <p:tag name="BKT_CONTEXTDIALOG" val="BKT_DIALOG_AMPEL3"/>
+</p:tagLst>
+</file>
+
+<file path=ppt/tags/tag51.xml><?xml version="1.0" encoding="utf-8"?>
+<p:tagLst xmlns:a="http://schemas.openxmlformats.org/drawingml/2006/main" xmlns:r="http://schemas.openxmlformats.org/officeDocument/2006/relationships" xmlns:p="http://schemas.openxmlformats.org/presentationml/2006/main">
+  <p:tag name="THINKCELLSHAPEDONOTDELETE" val="thinkcellActiveDocDoNotDelete"/>
+</p:tagLst>
+</file>
+
+<file path=ppt/tags/tag52.xml><?xml version="1.0" encoding="utf-8"?>
+<p:tagLst xmlns:a="http://schemas.openxmlformats.org/drawingml/2006/main" xmlns:r="http://schemas.openxmlformats.org/officeDocument/2006/relationships" xmlns:p="http://schemas.openxmlformats.org/presentationml/2006/main">
+  <p:tag name="BKT_CONTEXTDIALOG" val="BKT_DIALOG_AMPEL3"/>
 </p:tagLst>
 </file>
 

--- a/features/dev_florian/resources/Icons.pptx
+++ b/features/dev_florian/resources/Icons.pptx
@@ -85,11 +85,15 @@
     <p:sldId id="334" r:id="rId79"/>
     <p:sldId id="335" r:id="rId80"/>
     <p:sldId id="338" r:id="rId81"/>
+    <p:sldId id="339" r:id="rId82"/>
+    <p:sldId id="341" r:id="rId83"/>
+    <p:sldId id="340" r:id="rId84"/>
+    <p:sldId id="342" r:id="rId85"/>
   </p:sldIdLst>
   <p:sldSz cx="7199313" cy="7199313"/>
   <p:notesSz cx="6858000" cy="9144000"/>
   <p:custDataLst>
-    <p:tags r:id="rId82"/>
+    <p:tags r:id="rId86"/>
   </p:custDataLst>
   <p:defaultTextStyle>
     <a:defPPr>
@@ -236,7 +240,7 @@
           <a:graphicData uri="http://schemas.openxmlformats.org/presentationml/2006/ole">
             <mc:AlternateContent xmlns:mc="http://schemas.openxmlformats.org/markup-compatibility/2006">
               <mc:Choice xmlns:v="urn:schemas-microsoft-com:vml" Requires="v">
-                <p:oleObj spid="_x0000_s2184" name="think-cell Folie" r:id="rId4" imgW="592" imgH="588" progId="TCLayout.ActiveDocument.1">
+                <p:oleObj spid="_x0000_s2192" name="think-cell Folie" r:id="rId4" imgW="592" imgH="588" progId="TCLayout.ActiveDocument.1">
                   <p:embed/>
                 </p:oleObj>
               </mc:Choice>
@@ -385,7 +389,7 @@
           <a:p>
             <a:fld id="{311EFB77-D67C-4B41-8660-F7D06438CC8C}" type="datetimeFigureOut">
               <a:rPr lang="de-DE" smtClean="0"/>
-              <a:t>04.06.2020</a:t>
+              <a:t>21.10.2020</a:t>
             </a:fld>
             <a:endParaRPr lang="de-DE"/>
           </a:p>
@@ -555,7 +559,7 @@
           <a:p>
             <a:fld id="{311EFB77-D67C-4B41-8660-F7D06438CC8C}" type="datetimeFigureOut">
               <a:rPr lang="de-DE" smtClean="0"/>
-              <a:t>04.06.2020</a:t>
+              <a:t>21.10.2020</a:t>
             </a:fld>
             <a:endParaRPr lang="de-DE"/>
           </a:p>
@@ -735,7 +739,7 @@
           <a:p>
             <a:fld id="{311EFB77-D67C-4B41-8660-F7D06438CC8C}" type="datetimeFigureOut">
               <a:rPr lang="de-DE" smtClean="0"/>
-              <a:t>04.06.2020</a:t>
+              <a:t>21.10.2020</a:t>
             </a:fld>
             <a:endParaRPr lang="de-DE"/>
           </a:p>
@@ -838,7 +842,7 @@
           <a:graphicData uri="http://schemas.openxmlformats.org/presentationml/2006/ole">
             <mc:AlternateContent xmlns:mc="http://schemas.openxmlformats.org/markup-compatibility/2006">
               <mc:Choice xmlns:v="urn:schemas-microsoft-com:vml" Requires="v">
-                <p:oleObj spid="_x0000_s8305" name="think-cell Folie" r:id="rId4" imgW="592" imgH="588" progId="TCLayout.ActiveDocument.1">
+                <p:oleObj spid="_x0000_s8313" name="think-cell Folie" r:id="rId4" imgW="592" imgH="588" progId="TCLayout.ActiveDocument.1">
                   <p:embed/>
                 </p:oleObj>
               </mc:Choice>
@@ -965,7 +969,7 @@
           <a:p>
             <a:fld id="{311EFB77-D67C-4B41-8660-F7D06438CC8C}" type="datetimeFigureOut">
               <a:rPr lang="de-DE" smtClean="0"/>
-              <a:t>04.06.2020</a:t>
+              <a:t>21.10.2020</a:t>
             </a:fld>
             <a:endParaRPr lang="de-DE"/>
           </a:p>
@@ -1209,7 +1213,7 @@
           <a:p>
             <a:fld id="{311EFB77-D67C-4B41-8660-F7D06438CC8C}" type="datetimeFigureOut">
               <a:rPr lang="de-DE" smtClean="0"/>
-              <a:t>04.06.2020</a:t>
+              <a:t>21.10.2020</a:t>
             </a:fld>
             <a:endParaRPr lang="de-DE"/>
           </a:p>
@@ -1441,7 +1445,7 @@
           <a:p>
             <a:fld id="{311EFB77-D67C-4B41-8660-F7D06438CC8C}" type="datetimeFigureOut">
               <a:rPr lang="de-DE" smtClean="0"/>
-              <a:t>04.06.2020</a:t>
+              <a:t>21.10.2020</a:t>
             </a:fld>
             <a:endParaRPr lang="de-DE"/>
           </a:p>
@@ -1808,7 +1812,7 @@
           <a:p>
             <a:fld id="{311EFB77-D67C-4B41-8660-F7D06438CC8C}" type="datetimeFigureOut">
               <a:rPr lang="de-DE" smtClean="0"/>
-              <a:t>04.06.2020</a:t>
+              <a:t>21.10.2020</a:t>
             </a:fld>
             <a:endParaRPr lang="de-DE"/>
           </a:p>
@@ -1926,7 +1930,7 @@
           <a:p>
             <a:fld id="{311EFB77-D67C-4B41-8660-F7D06438CC8C}" type="datetimeFigureOut">
               <a:rPr lang="de-DE" smtClean="0"/>
-              <a:t>04.06.2020</a:t>
+              <a:t>21.10.2020</a:t>
             </a:fld>
             <a:endParaRPr lang="de-DE"/>
           </a:p>
@@ -2021,7 +2025,7 @@
           <a:p>
             <a:fld id="{311EFB77-D67C-4B41-8660-F7D06438CC8C}" type="datetimeFigureOut">
               <a:rPr lang="de-DE" smtClean="0"/>
-              <a:t>04.06.2020</a:t>
+              <a:t>21.10.2020</a:t>
             </a:fld>
             <a:endParaRPr lang="de-DE"/>
           </a:p>
@@ -2298,7 +2302,7 @@
           <a:p>
             <a:fld id="{311EFB77-D67C-4B41-8660-F7D06438CC8C}" type="datetimeFigureOut">
               <a:rPr lang="de-DE" smtClean="0"/>
-              <a:t>04.06.2020</a:t>
+              <a:t>21.10.2020</a:t>
             </a:fld>
             <a:endParaRPr lang="de-DE"/>
           </a:p>
@@ -2555,7 +2559,7 @@
           <a:p>
             <a:fld id="{311EFB77-D67C-4B41-8660-F7D06438CC8C}" type="datetimeFigureOut">
               <a:rPr lang="de-DE" smtClean="0"/>
-              <a:t>04.06.2020</a:t>
+              <a:t>21.10.2020</a:t>
             </a:fld>
             <a:endParaRPr lang="de-DE"/>
           </a:p>
@@ -2673,7 +2677,7 @@
           <a:graphicData uri="http://schemas.openxmlformats.org/presentationml/2006/ole">
             <mc:AlternateContent xmlns:mc="http://schemas.openxmlformats.org/markup-compatibility/2006">
               <mc:Choice xmlns:v="urn:schemas-microsoft-com:vml" Requires="v">
-                <p:oleObj spid="_x0000_s1160" name="think-cell Folie" r:id="rId16" imgW="592" imgH="588" progId="TCLayout.ActiveDocument.1">
+                <p:oleObj spid="_x0000_s1168" name="think-cell Folie" r:id="rId16" imgW="592" imgH="588" progId="TCLayout.ActiveDocument.1">
                   <p:embed/>
                 </p:oleObj>
               </mc:Choice>
@@ -2887,7 +2891,7 @@
           <a:p>
             <a:fld id="{311EFB77-D67C-4B41-8660-F7D06438CC8C}" type="datetimeFigureOut">
               <a:rPr lang="de-DE" smtClean="0"/>
-              <a:t>04.06.2020</a:t>
+              <a:t>21.10.2020</a:t>
             </a:fld>
             <a:endParaRPr lang="de-DE"/>
           </a:p>
@@ -3317,7 +3321,7 @@
           <a:graphicData uri="http://schemas.openxmlformats.org/presentationml/2006/ole">
             <mc:AlternateContent xmlns:mc="http://schemas.openxmlformats.org/markup-compatibility/2006">
               <mc:Choice xmlns:v="urn:schemas-microsoft-com:vml" Requires="v">
-                <p:oleObj spid="_x0000_s4226" name="think-cell Folie" r:id="rId4" imgW="592" imgH="588" progId="TCLayout.ActiveDocument.1">
+                <p:oleObj spid="_x0000_s4234" name="think-cell Folie" r:id="rId4" imgW="592" imgH="588" progId="TCLayout.ActiveDocument.1">
                   <p:embed/>
                 </p:oleObj>
               </mc:Choice>
@@ -7808,7 +7812,7 @@
           <a:graphicData uri="http://schemas.openxmlformats.org/presentationml/2006/ole">
             <mc:AlternateContent xmlns:mc="http://schemas.openxmlformats.org/markup-compatibility/2006">
               <mc:Choice xmlns:v="urn:schemas-microsoft-com:vml" Requires="v">
-                <p:oleObj spid="_x0000_s3210" name="think-cell Folie" r:id="rId4" imgW="592" imgH="588" progId="TCLayout.ActiveDocument.1">
+                <p:oleObj spid="_x0000_s3218" name="think-cell Folie" r:id="rId4" imgW="592" imgH="588" progId="TCLayout.ActiveDocument.1">
                   <p:embed/>
                 </p:oleObj>
               </mc:Choice>
@@ -12111,7 +12115,7 @@
           <a:graphicData uri="http://schemas.openxmlformats.org/presentationml/2006/ole">
             <mc:AlternateContent xmlns:mc="http://schemas.openxmlformats.org/markup-compatibility/2006">
               <mc:Choice xmlns:v="urn:schemas-microsoft-com:vml" Requires="v">
-                <p:oleObj spid="_x0000_s7289" name="think-cell Folie" r:id="rId4" imgW="592" imgH="588" progId="TCLayout.ActiveDocument.1">
+                <p:oleObj spid="_x0000_s7297" name="think-cell Folie" r:id="rId4" imgW="592" imgH="588" progId="TCLayout.ActiveDocument.1">
                   <p:embed/>
                 </p:oleObj>
               </mc:Choice>
@@ -15569,7 +15573,7 @@
           <a:graphicData uri="http://schemas.openxmlformats.org/presentationml/2006/ole">
             <mc:AlternateContent xmlns:mc="http://schemas.openxmlformats.org/markup-compatibility/2006">
               <mc:Choice xmlns:v="urn:schemas-microsoft-com:vml" Requires="v">
-                <p:oleObj spid="_x0000_s5246" name="think-cell Folie" r:id="rId4" imgW="592" imgH="588" progId="TCLayout.ActiveDocument.1">
+                <p:oleObj spid="_x0000_s5254" name="think-cell Folie" r:id="rId4" imgW="592" imgH="588" progId="TCLayout.ActiveDocument.1">
                   <p:embed/>
                 </p:oleObj>
               </mc:Choice>
@@ -19368,7 +19372,7 @@
           <a:graphicData uri="http://schemas.openxmlformats.org/presentationml/2006/ole">
             <mc:AlternateContent xmlns:mc="http://schemas.openxmlformats.org/markup-compatibility/2006">
               <mc:Choice xmlns:v="urn:schemas-microsoft-com:vml" Requires="v">
-                <p:oleObj spid="_x0000_s9329" name="think-cell Folie" r:id="rId4" imgW="592" imgH="588" progId="TCLayout.ActiveDocument.1">
+                <p:oleObj spid="_x0000_s9337" name="think-cell Folie" r:id="rId4" imgW="592" imgH="588" progId="TCLayout.ActiveDocument.1">
                   <p:embed/>
                 </p:oleObj>
               </mc:Choice>
@@ -21444,7 +21448,7 @@
           <a:graphicData uri="http://schemas.openxmlformats.org/presentationml/2006/ole">
             <mc:AlternateContent xmlns:mc="http://schemas.openxmlformats.org/markup-compatibility/2006">
               <mc:Choice xmlns:v="urn:schemas-microsoft-com:vml" Requires="v">
-                <p:oleObj spid="_x0000_s11357" name="think-cell Folie" r:id="rId4" imgW="631" imgH="631" progId="TCLayout.ActiveDocument.1">
+                <p:oleObj spid="_x0000_s11365" name="think-cell Folie" r:id="rId4" imgW="631" imgH="631" progId="TCLayout.ActiveDocument.1">
                   <p:embed/>
                 </p:oleObj>
               </mc:Choice>
@@ -22163,7 +22167,7 @@
           <a:graphicData uri="http://schemas.openxmlformats.org/presentationml/2006/ole">
             <mc:AlternateContent xmlns:mc="http://schemas.openxmlformats.org/markup-compatibility/2006">
               <mc:Choice xmlns:v="urn:schemas-microsoft-com:vml" Requires="v">
-                <p:oleObj spid="_x0000_s12355" name="think-cell Folie" r:id="rId4" imgW="631" imgH="631" progId="TCLayout.ActiveDocument.1">
+                <p:oleObj spid="_x0000_s12363" name="think-cell Folie" r:id="rId4" imgW="631" imgH="631" progId="TCLayout.ActiveDocument.1">
                   <p:embed/>
                 </p:oleObj>
               </mc:Choice>
@@ -22448,7 +22452,7 @@
           <a:graphicData uri="http://schemas.openxmlformats.org/presentationml/2006/ole">
             <mc:AlternateContent xmlns:mc="http://schemas.openxmlformats.org/markup-compatibility/2006">
               <mc:Choice xmlns:v="urn:schemas-microsoft-com:vml" Requires="v">
-                <p:oleObj spid="_x0000_s13379" name="think-cell Folie" r:id="rId4" imgW="631" imgH="631" progId="TCLayout.ActiveDocument.1">
+                <p:oleObj spid="_x0000_s13387" name="think-cell Folie" r:id="rId4" imgW="631" imgH="631" progId="TCLayout.ActiveDocument.1">
                   <p:embed/>
                 </p:oleObj>
               </mc:Choice>
@@ -22937,7 +22941,7 @@
           <a:graphicData uri="http://schemas.openxmlformats.org/presentationml/2006/ole">
             <mc:AlternateContent xmlns:mc="http://schemas.openxmlformats.org/markup-compatibility/2006">
               <mc:Choice xmlns:v="urn:schemas-microsoft-com:vml" Requires="v">
-                <p:oleObj spid="_x0000_s14381" name="think-cell Folie" r:id="rId4" imgW="631" imgH="631" progId="TCLayout.ActiveDocument.1">
+                <p:oleObj spid="_x0000_s14389" name="think-cell Folie" r:id="rId4" imgW="631" imgH="631" progId="TCLayout.ActiveDocument.1">
                   <p:embed/>
                 </p:oleObj>
               </mc:Choice>
@@ -23640,7 +23644,7 @@
           <a:graphicData uri="http://schemas.openxmlformats.org/presentationml/2006/ole">
             <mc:AlternateContent xmlns:mc="http://schemas.openxmlformats.org/markup-compatibility/2006">
               <mc:Choice xmlns:v="urn:schemas-microsoft-com:vml" Requires="v">
-                <p:oleObj spid="_x0000_s15405" name="think-cell Folie" r:id="rId4" imgW="631" imgH="631" progId="TCLayout.ActiveDocument.1">
+                <p:oleObj spid="_x0000_s15413" name="think-cell Folie" r:id="rId4" imgW="631" imgH="631" progId="TCLayout.ActiveDocument.1">
                   <p:embed/>
                 </p:oleObj>
               </mc:Choice>
@@ -25186,7 +25190,7 @@
           <a:graphicData uri="http://schemas.openxmlformats.org/presentationml/2006/ole">
             <mc:AlternateContent xmlns:mc="http://schemas.openxmlformats.org/markup-compatibility/2006">
               <mc:Choice xmlns:v="urn:schemas-microsoft-com:vml" Requires="v">
-                <p:oleObj spid="_x0000_s16429" name="think-cell Folie" r:id="rId4" imgW="631" imgH="631" progId="TCLayout.ActiveDocument.1">
+                <p:oleObj spid="_x0000_s16437" name="think-cell Folie" r:id="rId4" imgW="631" imgH="631" progId="TCLayout.ActiveDocument.1">
                   <p:embed/>
                 </p:oleObj>
               </mc:Choice>
@@ -25691,7 +25695,7 @@
           <a:graphicData uri="http://schemas.openxmlformats.org/presentationml/2006/ole">
             <mc:AlternateContent xmlns:mc="http://schemas.openxmlformats.org/markup-compatibility/2006">
               <mc:Choice xmlns:v="urn:schemas-microsoft-com:vml" Requires="v">
-                <p:oleObj spid="_x0000_s17449" name="think-cell Folie" r:id="rId7" imgW="631" imgH="631" progId="TCLayout.ActiveDocument.1">
+                <p:oleObj spid="_x0000_s17457" name="think-cell Folie" r:id="rId7" imgW="631" imgH="631" progId="TCLayout.ActiveDocument.1">
                   <p:embed/>
                 </p:oleObj>
               </mc:Choice>
@@ -25914,7 +25918,7 @@
           <a:graphicData uri="http://schemas.openxmlformats.org/presentationml/2006/ole">
             <mc:AlternateContent xmlns:mc="http://schemas.openxmlformats.org/markup-compatibility/2006">
               <mc:Choice xmlns:v="urn:schemas-microsoft-com:vml" Requires="v">
-                <p:oleObj spid="_x0000_s19490" name="think-cell Folie" r:id="rId4" imgW="631" imgH="631" progId="TCLayout.ActiveDocument.1">
+                <p:oleObj spid="_x0000_s19498" name="think-cell Folie" r:id="rId4" imgW="631" imgH="631" progId="TCLayout.ActiveDocument.1">
                   <p:embed/>
                 </p:oleObj>
               </mc:Choice>
@@ -26534,7 +26538,7 @@
           <a:graphicData uri="http://schemas.openxmlformats.org/presentationml/2006/ole">
             <mc:AlternateContent xmlns:mc="http://schemas.openxmlformats.org/markup-compatibility/2006">
               <mc:Choice xmlns:v="urn:schemas-microsoft-com:vml" Requires="v">
-                <p:oleObj spid="_x0000_s10351" name="think-cell Folie" r:id="rId4" imgW="592" imgH="588" progId="TCLayout.ActiveDocument.1">
+                <p:oleObj spid="_x0000_s10359" name="think-cell Folie" r:id="rId4" imgW="592" imgH="588" progId="TCLayout.ActiveDocument.1">
                   <p:embed/>
                 </p:oleObj>
               </mc:Choice>
@@ -27324,7 +27328,7 @@
           <a:graphicData uri="http://schemas.openxmlformats.org/presentationml/2006/ole">
             <mc:AlternateContent xmlns:mc="http://schemas.openxmlformats.org/markup-compatibility/2006">
               <mc:Choice xmlns:v="urn:schemas-microsoft-com:vml" Requires="v">
-                <p:oleObj spid="_x0000_s20514" name="think-cell Folie" r:id="rId4" imgW="631" imgH="631" progId="TCLayout.ActiveDocument.1">
+                <p:oleObj spid="_x0000_s20522" name="think-cell Folie" r:id="rId4" imgW="631" imgH="631" progId="TCLayout.ActiveDocument.1">
                   <p:embed/>
                 </p:oleObj>
               </mc:Choice>
@@ -27949,7 +27953,7 @@
           <a:graphicData uri="http://schemas.openxmlformats.org/presentationml/2006/ole">
             <mc:AlternateContent xmlns:mc="http://schemas.openxmlformats.org/markup-compatibility/2006">
               <mc:Choice xmlns:v="urn:schemas-microsoft-com:vml" Requires="v">
-                <p:oleObj spid="_x0000_s18471" name="think-cell Folie" r:id="rId4" imgW="631" imgH="631" progId="TCLayout.ActiveDocument.1">
+                <p:oleObj spid="_x0000_s18479" name="think-cell Folie" r:id="rId4" imgW="631" imgH="631" progId="TCLayout.ActiveDocument.1">
                   <p:embed/>
                 </p:oleObj>
               </mc:Choice>
@@ -29324,7 +29328,7 @@
           <a:graphicData uri="http://schemas.openxmlformats.org/presentationml/2006/ole">
             <mc:AlternateContent xmlns:mc="http://schemas.openxmlformats.org/markup-compatibility/2006">
               <mc:Choice xmlns:v="urn:schemas-microsoft-com:vml" Requires="v">
-                <p:oleObj spid="_x0000_s21536" name="think-cell Folie" r:id="rId4" imgW="631" imgH="631" progId="TCLayout.ActiveDocument.1">
+                <p:oleObj spid="_x0000_s21544" name="think-cell Folie" r:id="rId4" imgW="631" imgH="631" progId="TCLayout.ActiveDocument.1">
                   <p:embed/>
                 </p:oleObj>
               </mc:Choice>
@@ -30699,7 +30703,7 @@
           <a:graphicData uri="http://schemas.openxmlformats.org/presentationml/2006/ole">
             <mc:AlternateContent xmlns:mc="http://schemas.openxmlformats.org/markup-compatibility/2006">
               <mc:Choice xmlns:v="urn:schemas-microsoft-com:vml" Requires="v">
-                <p:oleObj spid="_x0000_s22559" name="think-cell Folie" r:id="rId4" imgW="631" imgH="631" progId="TCLayout.ActiveDocument.1">
+                <p:oleObj spid="_x0000_s22567" name="think-cell Folie" r:id="rId4" imgW="631" imgH="631" progId="TCLayout.ActiveDocument.1">
                   <p:embed/>
                 </p:oleObj>
               </mc:Choice>
@@ -32078,7 +32082,7 @@
           <a:graphicData uri="http://schemas.openxmlformats.org/presentationml/2006/ole">
             <mc:AlternateContent xmlns:mc="http://schemas.openxmlformats.org/markup-compatibility/2006">
               <mc:Choice xmlns:v="urn:schemas-microsoft-com:vml" Requires="v">
-                <p:oleObj spid="_x0000_s23582" name="think-cell Folie" r:id="rId4" imgW="631" imgH="631" progId="TCLayout.ActiveDocument.1">
+                <p:oleObj spid="_x0000_s23590" name="think-cell Folie" r:id="rId4" imgW="631" imgH="631" progId="TCLayout.ActiveDocument.1">
                   <p:embed/>
                 </p:oleObj>
               </mc:Choice>
@@ -32415,7 +32419,7 @@
           <a:graphicData uri="http://schemas.openxmlformats.org/presentationml/2006/ole">
             <mc:AlternateContent xmlns:mc="http://schemas.openxmlformats.org/markup-compatibility/2006">
               <mc:Choice xmlns:v="urn:schemas-microsoft-com:vml" Requires="v">
-                <p:oleObj spid="_x0000_s24602" name="think-cell Folie" r:id="rId4" imgW="631" imgH="631" progId="TCLayout.ActiveDocument.1">
+                <p:oleObj spid="_x0000_s24610" name="think-cell Folie" r:id="rId4" imgW="631" imgH="631" progId="TCLayout.ActiveDocument.1">
                   <p:embed/>
                 </p:oleObj>
               </mc:Choice>
@@ -32754,7 +32758,7 @@
           <a:graphicData uri="http://schemas.openxmlformats.org/presentationml/2006/ole">
             <mc:AlternateContent xmlns:mc="http://schemas.openxmlformats.org/markup-compatibility/2006">
               <mc:Choice xmlns:v="urn:schemas-microsoft-com:vml" Requires="v">
-                <p:oleObj spid="_x0000_s25625" name="think-cell Folie" r:id="rId4" imgW="631" imgH="631" progId="TCLayout.ActiveDocument.1">
+                <p:oleObj spid="_x0000_s25633" name="think-cell Folie" r:id="rId4" imgW="631" imgH="631" progId="TCLayout.ActiveDocument.1">
                   <p:embed/>
                 </p:oleObj>
               </mc:Choice>
@@ -33027,7 +33031,7 @@
           <a:graphicData uri="http://schemas.openxmlformats.org/presentationml/2006/ole">
             <mc:AlternateContent xmlns:mc="http://schemas.openxmlformats.org/markup-compatibility/2006">
               <mc:Choice xmlns:v="urn:schemas-microsoft-com:vml" Requires="v">
-                <p:oleObj spid="_x0000_s26646" name="think-cell Folie" r:id="rId4" imgW="631" imgH="631" progId="TCLayout.ActiveDocument.1">
+                <p:oleObj spid="_x0000_s26654" name="think-cell Folie" r:id="rId4" imgW="631" imgH="631" progId="TCLayout.ActiveDocument.1">
                   <p:embed/>
                 </p:oleObj>
               </mc:Choice>
@@ -33374,7 +33378,7 @@
           <a:graphicData uri="http://schemas.openxmlformats.org/presentationml/2006/ole">
             <mc:AlternateContent xmlns:mc="http://schemas.openxmlformats.org/markup-compatibility/2006">
               <mc:Choice xmlns:v="urn:schemas-microsoft-com:vml" Requires="v">
-                <p:oleObj spid="_x0000_s27669" name="think-cell Folie" r:id="rId4" imgW="631" imgH="631" progId="TCLayout.ActiveDocument.1">
+                <p:oleObj spid="_x0000_s27677" name="think-cell Folie" r:id="rId4" imgW="631" imgH="631" progId="TCLayout.ActiveDocument.1">
                   <p:embed/>
                 </p:oleObj>
               </mc:Choice>
@@ -33782,7 +33786,7 @@
           <a:graphicData uri="http://schemas.openxmlformats.org/presentationml/2006/ole">
             <mc:AlternateContent xmlns:mc="http://schemas.openxmlformats.org/markup-compatibility/2006">
               <mc:Choice xmlns:v="urn:schemas-microsoft-com:vml" Requires="v">
-                <p:oleObj spid="_x0000_s28693" name="think-cell Folie" r:id="rId4" imgW="631" imgH="631" progId="TCLayout.ActiveDocument.1">
+                <p:oleObj spid="_x0000_s28701" name="think-cell Folie" r:id="rId4" imgW="631" imgH="631" progId="TCLayout.ActiveDocument.1">
                   <p:embed/>
                 </p:oleObj>
               </mc:Choice>
@@ -34321,7 +34325,7 @@
           <a:graphicData uri="http://schemas.openxmlformats.org/presentationml/2006/ole">
             <mc:AlternateContent xmlns:mc="http://schemas.openxmlformats.org/markup-compatibility/2006">
               <mc:Choice xmlns:v="urn:schemas-microsoft-com:vml" Requires="v">
-                <p:oleObj spid="_x0000_s29714" name="think-cell Folie" r:id="rId5" imgW="631" imgH="631" progId="TCLayout.ActiveDocument.1">
+                <p:oleObj spid="_x0000_s29722" name="think-cell Folie" r:id="rId5" imgW="631" imgH="631" progId="TCLayout.ActiveDocument.1">
                   <p:embed/>
                 </p:oleObj>
               </mc:Choice>
@@ -34784,7 +34788,7 @@
           <a:graphicData uri="http://schemas.openxmlformats.org/presentationml/2006/ole">
             <mc:AlternateContent xmlns:mc="http://schemas.openxmlformats.org/markup-compatibility/2006">
               <mc:Choice xmlns:v="urn:schemas-microsoft-com:vml" Requires="v">
-                <p:oleObj spid="_x0000_s30738" name="think-cell Folie" r:id="rId5" imgW="631" imgH="631" progId="TCLayout.ActiveDocument.1">
+                <p:oleObj spid="_x0000_s30746" name="think-cell Folie" r:id="rId5" imgW="631" imgH="631" progId="TCLayout.ActiveDocument.1">
                   <p:embed/>
                 </p:oleObj>
               </mc:Choice>
@@ -35267,7 +35271,7 @@
           <a:graphicData uri="http://schemas.openxmlformats.org/presentationml/2006/ole">
             <mc:AlternateContent xmlns:mc="http://schemas.openxmlformats.org/markup-compatibility/2006">
               <mc:Choice xmlns:v="urn:schemas-microsoft-com:vml" Requires="v">
-                <p:oleObj spid="_x0000_s31762" name="think-cell Folie" r:id="rId6" imgW="631" imgH="631" progId="TCLayout.ActiveDocument.1">
+                <p:oleObj spid="_x0000_s31770" name="think-cell Folie" r:id="rId6" imgW="631" imgH="631" progId="TCLayout.ActiveDocument.1">
                   <p:embed/>
                 </p:oleObj>
               </mc:Choice>
@@ -35968,7 +35972,7 @@
           <a:graphicData uri="http://schemas.openxmlformats.org/presentationml/2006/ole">
             <mc:AlternateContent xmlns:mc="http://schemas.openxmlformats.org/markup-compatibility/2006">
               <mc:Choice xmlns:v="urn:schemas-microsoft-com:vml" Requires="v">
-                <p:oleObj spid="_x0000_s32785" name="think-cell Folie" r:id="rId4" imgW="631" imgH="631" progId="TCLayout.ActiveDocument.1">
+                <p:oleObj spid="_x0000_s32793" name="think-cell Folie" r:id="rId4" imgW="631" imgH="631" progId="TCLayout.ActiveDocument.1">
                   <p:embed/>
                 </p:oleObj>
               </mc:Choice>
@@ -36464,7 +36468,7 @@
           <a:graphicData uri="http://schemas.openxmlformats.org/presentationml/2006/ole">
             <mc:AlternateContent xmlns:mc="http://schemas.openxmlformats.org/markup-compatibility/2006">
               <mc:Choice xmlns:v="urn:schemas-microsoft-com:vml" Requires="v">
-                <p:oleObj spid="_x0000_s34826" name="think-cell Folie" r:id="rId4" imgW="631" imgH="631" progId="TCLayout.ActiveDocument.1">
+                <p:oleObj spid="_x0000_s34834" name="think-cell Folie" r:id="rId4" imgW="631" imgH="631" progId="TCLayout.ActiveDocument.1">
                   <p:embed/>
                 </p:oleObj>
               </mc:Choice>
@@ -36960,7 +36964,7 @@
           <a:graphicData uri="http://schemas.openxmlformats.org/presentationml/2006/ole">
             <mc:AlternateContent xmlns:mc="http://schemas.openxmlformats.org/markup-compatibility/2006">
               <mc:Choice xmlns:v="urn:schemas-microsoft-com:vml" Requires="v">
-                <p:oleObj spid="_x0000_s35847" name="think-cell Folie" r:id="rId4" imgW="631" imgH="631" progId="TCLayout.ActiveDocument.1">
+                <p:oleObj spid="_x0000_s35855" name="think-cell Folie" r:id="rId4" imgW="631" imgH="631" progId="TCLayout.ActiveDocument.1">
                   <p:embed/>
                 </p:oleObj>
               </mc:Choice>
@@ -37255,7 +37259,7 @@
           <a:graphicData uri="http://schemas.openxmlformats.org/presentationml/2006/ole">
             <mc:AlternateContent xmlns:mc="http://schemas.openxmlformats.org/markup-compatibility/2006">
               <mc:Choice xmlns:v="urn:schemas-microsoft-com:vml" Requires="v">
-                <p:oleObj spid="_x0000_s36869" name="think-cell Folie" r:id="rId5" imgW="631" imgH="631" progId="TCLayout.ActiveDocument.1">
+                <p:oleObj spid="_x0000_s36877" name="think-cell Folie" r:id="rId5" imgW="631" imgH="631" progId="TCLayout.ActiveDocument.1">
                   <p:embed/>
                 </p:oleObj>
               </mc:Choice>
@@ -37468,7 +37472,7 @@
           <a:graphicData uri="http://schemas.openxmlformats.org/presentationml/2006/ole">
             <mc:AlternateContent xmlns:mc="http://schemas.openxmlformats.org/markup-compatibility/2006">
               <mc:Choice xmlns:v="urn:schemas-microsoft-com:vml" Requires="v">
-                <p:oleObj spid="_x0000_s38916" name="think-cell Folie" r:id="rId5" imgW="631" imgH="631" progId="TCLayout.ActiveDocument.1">
+                <p:oleObj spid="_x0000_s38924" name="think-cell Folie" r:id="rId5" imgW="631" imgH="631" progId="TCLayout.ActiveDocument.1">
                   <p:embed/>
                 </p:oleObj>
               </mc:Choice>
@@ -37698,7 +37702,7 @@
           <a:graphicData uri="http://schemas.openxmlformats.org/presentationml/2006/ole">
             <mc:AlternateContent xmlns:mc="http://schemas.openxmlformats.org/markup-compatibility/2006">
               <mc:Choice xmlns:v="urn:schemas-microsoft-com:vml" Requires="v">
-                <p:oleObj spid="_x0000_s39939" name="think-cell Folie" r:id="rId5" imgW="631" imgH="631" progId="TCLayout.ActiveDocument.1">
+                <p:oleObj spid="_x0000_s39947" name="think-cell Folie" r:id="rId5" imgW="631" imgH="631" progId="TCLayout.ActiveDocument.1">
                   <p:embed/>
                 </p:oleObj>
               </mc:Choice>
@@ -38001,7 +38005,7 @@
           <a:graphicData uri="http://schemas.openxmlformats.org/presentationml/2006/ole">
             <mc:AlternateContent xmlns:mc="http://schemas.openxmlformats.org/markup-compatibility/2006">
               <mc:Choice xmlns:v="urn:schemas-microsoft-com:vml" Requires="v">
-                <p:oleObj spid="_x0000_s40963" name="think-cell Folie" r:id="rId5" imgW="631" imgH="631" progId="TCLayout.ActiveDocument.1">
+                <p:oleObj spid="_x0000_s40971" name="think-cell Folie" r:id="rId5" imgW="631" imgH="631" progId="TCLayout.ActiveDocument.1">
                   <p:embed/>
                 </p:oleObj>
               </mc:Choice>
@@ -38432,7 +38436,7 @@
           <a:graphicData uri="http://schemas.openxmlformats.org/presentationml/2006/ole">
             <mc:AlternateContent xmlns:mc="http://schemas.openxmlformats.org/markup-compatibility/2006">
               <mc:Choice xmlns:v="urn:schemas-microsoft-com:vml" Requires="v">
-                <p:oleObj spid="_x0000_s44035" name="think-cell Folie" r:id="rId5" imgW="631" imgH="631" progId="TCLayout.ActiveDocument.1">
+                <p:oleObj spid="_x0000_s44043" name="think-cell Folie" r:id="rId5" imgW="631" imgH="631" progId="TCLayout.ActiveDocument.1">
                   <p:embed/>
                 </p:oleObj>
               </mc:Choice>
@@ -38531,6 +38535,1262 @@
   <p:clrMapOvr>
     <a:masterClrMapping/>
   </p:clrMapOvr>
+</p:sld>
+</file>
+
+<file path=ppt/slides/slide81.xml><?xml version="1.0" encoding="utf-8"?>
+<p:sld xmlns:a="http://schemas.openxmlformats.org/drawingml/2006/main" xmlns:r="http://schemas.openxmlformats.org/officeDocument/2006/relationships" xmlns:p="http://schemas.openxmlformats.org/presentationml/2006/main">
+  <p:cSld>
+    <p:spTree>
+      <p:nvGrpSpPr>
+        <p:cNvPr id="1" name=""/>
+        <p:cNvGrpSpPr/>
+        <p:nvPr/>
+      </p:nvGrpSpPr>
+      <p:grpSpPr>
+        <a:xfrm>
+          <a:off x="0" y="0"/>
+          <a:ext cx="0" cy="0"/>
+          <a:chOff x="0" y="0"/>
+          <a:chExt cx="0" cy="0"/>
+        </a:xfrm>
+      </p:grpSpPr>
+      <p:graphicFrame>
+        <p:nvGraphicFramePr>
+          <p:cNvPr id="4" name="Objekt 3" hidden="1"/>
+          <p:cNvGraphicFramePr>
+            <a:graphicFrameLocks noChangeAspect="1"/>
+          </p:cNvGraphicFramePr>
+          <p:nvPr>
+            <p:custDataLst>
+              <p:tags r:id="rId2"/>
+            </p:custDataLst>
+            <p:extLst/>
+          </p:nvPr>
+        </p:nvGraphicFramePr>
+        <p:xfrm>
+          <a:off x="1588" y="1588"/>
+          <a:ext cx="1588" cy="1588"/>
+        </p:xfrm>
+        <a:graphic>
+          <a:graphicData uri="http://schemas.openxmlformats.org/presentationml/2006/ole">
+            <mc:AlternateContent xmlns:mc="http://schemas.openxmlformats.org/markup-compatibility/2006">
+              <mc:Choice xmlns:v="urn:schemas-microsoft-com:vml" Requires="v">
+                <p:oleObj spid="_x0000_s45065" name="think-cell Folie" r:id="rId4" imgW="631" imgH="631" progId="TCLayout.ActiveDocument.1">
+                  <p:embed/>
+                </p:oleObj>
+              </mc:Choice>
+              <mc:Fallback>
+                <p:oleObj name="think-cell Folie" r:id="rId4" imgW="631" imgH="631" progId="TCLayout.ActiveDocument.1">
+                  <p:embed/>
+                  <p:pic>
+                    <p:nvPicPr>
+                      <p:cNvPr id="4" name="Objekt 3" hidden="1"/>
+                      <p:cNvPicPr/>
+                      <p:nvPr/>
+                    </p:nvPicPr>
+                    <p:blipFill>
+                      <a:blip r:embed="rId5"/>
+                      <a:stretch>
+                        <a:fillRect/>
+                      </a:stretch>
+                    </p:blipFill>
+                    <p:spPr>
+                      <a:xfrm>
+                        <a:off x="1588" y="1588"/>
+                        <a:ext cx="1588" cy="1588"/>
+                      </a:xfrm>
+                      <a:prstGeom prst="rect">
+                        <a:avLst/>
+                      </a:prstGeom>
+                    </p:spPr>
+                  </p:pic>
+                </p:oleObj>
+              </mc:Fallback>
+            </mc:AlternateContent>
+          </a:graphicData>
+        </a:graphic>
+      </p:graphicFrame>
+      <p:sp>
+        <p:nvSpPr>
+          <p:cNvPr id="7" name="Rechteck 6"/>
+          <p:cNvSpPr>
+            <a:spLocks noChangeAspect="1"/>
+          </p:cNvSpPr>
+          <p:nvPr/>
+        </p:nvSpPr>
+        <p:spPr>
+          <a:xfrm>
+            <a:off x="165625" y="1592587"/>
+            <a:ext cx="3282046" cy="3282046"/>
+          </a:xfrm>
+          <a:prstGeom prst="rect">
+            <a:avLst/>
+          </a:prstGeom>
+          <a:solidFill>
+            <a:schemeClr val="accent4">
+              <a:lumMod val="100000"/>
+            </a:schemeClr>
+          </a:solidFill>
+          <a:ln w="127000" cap="flat" cmpd="sng" algn="ctr">
+            <a:solidFill>
+              <a:schemeClr val="bg1">
+                <a:lumMod val="100000"/>
+              </a:schemeClr>
+            </a:solidFill>
+            <a:prstDash val="solid"/>
+            <a:miter lim="800000"/>
+          </a:ln>
+          <a:effectLst/>
+        </p:spPr>
+        <p:style>
+          <a:lnRef idx="2">
+            <a:schemeClr val="accent1">
+              <a:shade val="50000"/>
+            </a:schemeClr>
+          </a:lnRef>
+          <a:fillRef idx="1">
+            <a:schemeClr val="accent1"/>
+          </a:fillRef>
+          <a:effectRef idx="0">
+            <a:schemeClr val="accent1"/>
+          </a:effectRef>
+          <a:fontRef idx="minor">
+            <a:schemeClr val="lt1"/>
+          </a:fontRef>
+        </p:style>
+        <p:txBody>
+          <a:bodyPr rtlCol="0" anchor="ctr"/>
+          <a:lstStyle/>
+          <a:p>
+            <a:pPr algn="ctr"/>
+            <a:endParaRPr lang="en-US"/>
+          </a:p>
+        </p:txBody>
+      </p:sp>
+      <p:sp>
+        <p:nvSpPr>
+          <p:cNvPr id="10" name="Rechteck 9"/>
+          <p:cNvSpPr>
+            <a:spLocks noChangeAspect="1"/>
+          </p:cNvSpPr>
+          <p:nvPr/>
+        </p:nvSpPr>
+        <p:spPr>
+          <a:xfrm>
+            <a:off x="1958633" y="1958633"/>
+            <a:ext cx="3282046" cy="3282046"/>
+          </a:xfrm>
+          <a:prstGeom prst="rect">
+            <a:avLst/>
+          </a:prstGeom>
+          <a:solidFill>
+            <a:schemeClr val="accent4">
+              <a:lumMod val="100000"/>
+            </a:schemeClr>
+          </a:solidFill>
+          <a:ln w="127000" cap="flat" cmpd="sng" algn="ctr">
+            <a:solidFill>
+              <a:schemeClr val="bg1">
+                <a:lumMod val="100000"/>
+              </a:schemeClr>
+            </a:solidFill>
+            <a:prstDash val="solid"/>
+            <a:miter lim="800000"/>
+          </a:ln>
+          <a:effectLst/>
+          <a:extLst/>
+        </p:spPr>
+        <p:style>
+          <a:lnRef idx="2">
+            <a:schemeClr val="accent1">
+              <a:shade val="50000"/>
+            </a:schemeClr>
+          </a:lnRef>
+          <a:fillRef idx="1">
+            <a:schemeClr val="accent1"/>
+          </a:fillRef>
+          <a:effectRef idx="0">
+            <a:schemeClr val="accent1"/>
+          </a:effectRef>
+          <a:fontRef idx="minor">
+            <a:schemeClr val="lt1"/>
+          </a:fontRef>
+        </p:style>
+        <p:txBody>
+          <a:bodyPr rtlCol="0" anchor="ctr"/>
+          <a:lstStyle/>
+          <a:p>
+            <a:pPr algn="ctr"/>
+            <a:endParaRPr lang="en-US"/>
+          </a:p>
+        </p:txBody>
+      </p:sp>
+      <p:sp>
+        <p:nvSpPr>
+          <p:cNvPr id="5" name="Rechteck 4"/>
+          <p:cNvSpPr>
+            <a:spLocks noChangeAspect="1"/>
+          </p:cNvSpPr>
+          <p:nvPr/>
+        </p:nvSpPr>
+        <p:spPr>
+          <a:xfrm>
+            <a:off x="3751641" y="2324679"/>
+            <a:ext cx="3282046" cy="3282046"/>
+          </a:xfrm>
+          <a:prstGeom prst="rect">
+            <a:avLst/>
+          </a:prstGeom>
+          <a:solidFill>
+            <a:schemeClr val="accent1"/>
+          </a:solidFill>
+          <a:ln w="127000" cap="flat" cmpd="sng" algn="ctr">
+            <a:solidFill>
+              <a:schemeClr val="bg1">
+                <a:lumMod val="100000"/>
+              </a:schemeClr>
+            </a:solidFill>
+            <a:prstDash val="solid"/>
+            <a:miter lim="800000"/>
+          </a:ln>
+          <a:effectLst/>
+          <a:extLst/>
+        </p:spPr>
+        <p:style>
+          <a:lnRef idx="2">
+            <a:schemeClr val="accent1">
+              <a:shade val="50000"/>
+            </a:schemeClr>
+          </a:lnRef>
+          <a:fillRef idx="1">
+            <a:schemeClr val="accent1"/>
+          </a:fillRef>
+          <a:effectRef idx="0">
+            <a:schemeClr val="accent1"/>
+          </a:effectRef>
+          <a:fontRef idx="minor">
+            <a:schemeClr val="lt1"/>
+          </a:fontRef>
+        </p:style>
+        <p:txBody>
+          <a:bodyPr rtlCol="0" anchor="ctr"/>
+          <a:lstStyle/>
+          <a:p>
+            <a:pPr algn="ctr"/>
+            <a:endParaRPr lang="en-US"/>
+          </a:p>
+        </p:txBody>
+      </p:sp>
+      <p:sp>
+        <p:nvSpPr>
+          <p:cNvPr id="15" name="Right Arrow 14"/>
+          <p:cNvSpPr/>
+          <p:nvPr/>
+        </p:nvSpPr>
+        <p:spPr>
+          <a:xfrm>
+            <a:off x="1351509" y="2857535"/>
+            <a:ext cx="3615763" cy="1484242"/>
+          </a:xfrm>
+          <a:prstGeom prst="rightArrow">
+            <a:avLst/>
+          </a:prstGeom>
+          <a:solidFill>
+            <a:schemeClr val="tx1">
+              <a:lumMod val="100000"/>
+            </a:schemeClr>
+          </a:solidFill>
+          <a:ln>
+            <a:noFill/>
+          </a:ln>
+        </p:spPr>
+        <p:style>
+          <a:lnRef idx="2">
+            <a:schemeClr val="accent1">
+              <a:shade val="50000"/>
+            </a:schemeClr>
+          </a:lnRef>
+          <a:fillRef idx="1">
+            <a:schemeClr val="accent1"/>
+          </a:fillRef>
+          <a:effectRef idx="0">
+            <a:schemeClr val="accent1"/>
+          </a:effectRef>
+          <a:fontRef idx="minor">
+            <a:schemeClr val="lt1"/>
+          </a:fontRef>
+        </p:style>
+        <p:txBody>
+          <a:bodyPr rtlCol="0" anchor="ctr"/>
+          <a:lstStyle/>
+          <a:p>
+            <a:pPr algn="ctr"/>
+            <a:endParaRPr lang="en-US"/>
+          </a:p>
+        </p:txBody>
+      </p:sp>
+    </p:spTree>
+    <p:extLst>
+      <p:ext uri="{BB962C8B-B14F-4D97-AF65-F5344CB8AC3E}">
+        <p14:creationId xmlns:p14="http://schemas.microsoft.com/office/powerpoint/2010/main" val="992206538"/>
+      </p:ext>
+    </p:extLst>
+  </p:cSld>
+  <p:clrMapOvr>
+    <a:masterClrMapping/>
+  </p:clrMapOvr>
+  <p:timing>
+    <p:tnLst>
+      <p:par>
+        <p:cTn id="1" dur="indefinite" restart="never" nodeType="tmRoot"/>
+      </p:par>
+    </p:tnLst>
+  </p:timing>
+</p:sld>
+</file>
+
+<file path=ppt/slides/slide82.xml><?xml version="1.0" encoding="utf-8"?>
+<p:sld xmlns:a="http://schemas.openxmlformats.org/drawingml/2006/main" xmlns:r="http://schemas.openxmlformats.org/officeDocument/2006/relationships" xmlns:p="http://schemas.openxmlformats.org/presentationml/2006/main">
+  <p:cSld>
+    <p:spTree>
+      <p:nvGrpSpPr>
+        <p:cNvPr id="1" name=""/>
+        <p:cNvGrpSpPr/>
+        <p:nvPr/>
+      </p:nvGrpSpPr>
+      <p:grpSpPr>
+        <a:xfrm>
+          <a:off x="0" y="0"/>
+          <a:ext cx="0" cy="0"/>
+          <a:chOff x="0" y="0"/>
+          <a:chExt cx="0" cy="0"/>
+        </a:xfrm>
+      </p:grpSpPr>
+      <p:graphicFrame>
+        <p:nvGraphicFramePr>
+          <p:cNvPr id="4" name="Objekt 3" hidden="1"/>
+          <p:cNvGraphicFramePr>
+            <a:graphicFrameLocks noChangeAspect="1"/>
+          </p:cNvGraphicFramePr>
+          <p:nvPr>
+            <p:custDataLst>
+              <p:tags r:id="rId2"/>
+            </p:custDataLst>
+            <p:extLst>
+              <p:ext uri="{D42A27DB-BD31-4B8C-83A1-F6EECF244321}">
+                <p14:modId xmlns:p14="http://schemas.microsoft.com/office/powerpoint/2010/main" val="4182616365"/>
+              </p:ext>
+            </p:extLst>
+          </p:nvPr>
+        </p:nvGraphicFramePr>
+        <p:xfrm>
+          <a:off x="1588" y="1588"/>
+          <a:ext cx="1588" cy="1588"/>
+        </p:xfrm>
+        <a:graphic>
+          <a:graphicData uri="http://schemas.openxmlformats.org/presentationml/2006/ole">
+            <mc:AlternateContent xmlns:mc="http://schemas.openxmlformats.org/markup-compatibility/2006">
+              <mc:Choice xmlns:v="urn:schemas-microsoft-com:vml" Requires="v">
+                <p:oleObj spid="_x0000_s47106" name="think-cell Folie" r:id="rId4" imgW="631" imgH="631" progId="TCLayout.ActiveDocument.1">
+                  <p:embed/>
+                </p:oleObj>
+              </mc:Choice>
+              <mc:Fallback>
+                <p:oleObj name="think-cell Folie" r:id="rId4" imgW="631" imgH="631" progId="TCLayout.ActiveDocument.1">
+                  <p:embed/>
+                  <p:pic>
+                    <p:nvPicPr>
+                      <p:cNvPr id="4" name="Objekt 3" hidden="1"/>
+                      <p:cNvPicPr/>
+                      <p:nvPr/>
+                    </p:nvPicPr>
+                    <p:blipFill>
+                      <a:blip r:embed="rId5"/>
+                      <a:stretch>
+                        <a:fillRect/>
+                      </a:stretch>
+                    </p:blipFill>
+                    <p:spPr>
+                      <a:xfrm>
+                        <a:off x="1588" y="1588"/>
+                        <a:ext cx="1588" cy="1588"/>
+                      </a:xfrm>
+                      <a:prstGeom prst="rect">
+                        <a:avLst/>
+                      </a:prstGeom>
+                    </p:spPr>
+                  </p:pic>
+                </p:oleObj>
+              </mc:Fallback>
+            </mc:AlternateContent>
+          </a:graphicData>
+        </a:graphic>
+      </p:graphicFrame>
+      <p:sp>
+        <p:nvSpPr>
+          <p:cNvPr id="5" name="Rechteck 4"/>
+          <p:cNvSpPr>
+            <a:spLocks noChangeAspect="1"/>
+          </p:cNvSpPr>
+          <p:nvPr/>
+        </p:nvSpPr>
+        <p:spPr>
+          <a:xfrm>
+            <a:off x="3751641" y="2324679"/>
+            <a:ext cx="3282046" cy="3282046"/>
+          </a:xfrm>
+          <a:prstGeom prst="rect">
+            <a:avLst/>
+          </a:prstGeom>
+          <a:solidFill>
+            <a:schemeClr val="accent4">
+              <a:lumMod val="100000"/>
+            </a:schemeClr>
+          </a:solidFill>
+          <a:ln w="127000" cap="flat" cmpd="sng" algn="ctr">
+            <a:solidFill>
+              <a:schemeClr val="bg1">
+                <a:lumMod val="100000"/>
+              </a:schemeClr>
+            </a:solidFill>
+            <a:prstDash val="solid"/>
+            <a:miter lim="800000"/>
+          </a:ln>
+          <a:effectLst/>
+          <a:extLst/>
+        </p:spPr>
+        <p:style>
+          <a:lnRef idx="2">
+            <a:schemeClr val="accent1">
+              <a:shade val="50000"/>
+            </a:schemeClr>
+          </a:lnRef>
+          <a:fillRef idx="1">
+            <a:schemeClr val="accent1"/>
+          </a:fillRef>
+          <a:effectRef idx="0">
+            <a:schemeClr val="accent1"/>
+          </a:effectRef>
+          <a:fontRef idx="minor">
+            <a:schemeClr val="lt1"/>
+          </a:fontRef>
+        </p:style>
+        <p:txBody>
+          <a:bodyPr rtlCol="0" anchor="ctr"/>
+          <a:lstStyle/>
+          <a:p>
+            <a:pPr algn="ctr"/>
+            <a:endParaRPr lang="en-US"/>
+          </a:p>
+        </p:txBody>
+      </p:sp>
+      <p:sp>
+        <p:nvSpPr>
+          <p:cNvPr id="10" name="Rechteck 9"/>
+          <p:cNvSpPr>
+            <a:spLocks noChangeAspect="1"/>
+          </p:cNvSpPr>
+          <p:nvPr/>
+        </p:nvSpPr>
+        <p:spPr>
+          <a:xfrm>
+            <a:off x="1958633" y="1958633"/>
+            <a:ext cx="3282046" cy="3282046"/>
+          </a:xfrm>
+          <a:prstGeom prst="rect">
+            <a:avLst/>
+          </a:prstGeom>
+          <a:solidFill>
+            <a:schemeClr val="accent4">
+              <a:lumMod val="100000"/>
+            </a:schemeClr>
+          </a:solidFill>
+          <a:ln w="127000" cap="flat" cmpd="sng" algn="ctr">
+            <a:solidFill>
+              <a:schemeClr val="bg1">
+                <a:lumMod val="100000"/>
+              </a:schemeClr>
+            </a:solidFill>
+            <a:prstDash val="solid"/>
+            <a:miter lim="800000"/>
+          </a:ln>
+          <a:effectLst/>
+          <a:extLst/>
+        </p:spPr>
+        <p:style>
+          <a:lnRef idx="2">
+            <a:schemeClr val="accent1">
+              <a:shade val="50000"/>
+            </a:schemeClr>
+          </a:lnRef>
+          <a:fillRef idx="1">
+            <a:schemeClr val="accent1"/>
+          </a:fillRef>
+          <a:effectRef idx="0">
+            <a:schemeClr val="accent1"/>
+          </a:effectRef>
+          <a:fontRef idx="minor">
+            <a:schemeClr val="lt1"/>
+          </a:fontRef>
+        </p:style>
+        <p:txBody>
+          <a:bodyPr rtlCol="0" anchor="ctr"/>
+          <a:lstStyle/>
+          <a:p>
+            <a:pPr algn="ctr"/>
+            <a:endParaRPr lang="en-US"/>
+          </a:p>
+        </p:txBody>
+      </p:sp>
+      <p:sp>
+        <p:nvSpPr>
+          <p:cNvPr id="7" name="Rechteck 6"/>
+          <p:cNvSpPr>
+            <a:spLocks noChangeAspect="1"/>
+          </p:cNvSpPr>
+          <p:nvPr/>
+        </p:nvSpPr>
+        <p:spPr>
+          <a:xfrm>
+            <a:off x="165625" y="1592587"/>
+            <a:ext cx="3282046" cy="3282046"/>
+          </a:xfrm>
+          <a:prstGeom prst="rect">
+            <a:avLst/>
+          </a:prstGeom>
+          <a:solidFill>
+            <a:schemeClr val="accent1"/>
+          </a:solidFill>
+          <a:ln w="127000" cap="flat" cmpd="sng" algn="ctr">
+            <a:solidFill>
+              <a:schemeClr val="bg1">
+                <a:lumMod val="100000"/>
+              </a:schemeClr>
+            </a:solidFill>
+            <a:prstDash val="solid"/>
+            <a:miter lim="800000"/>
+          </a:ln>
+          <a:effectLst/>
+        </p:spPr>
+        <p:style>
+          <a:lnRef idx="2">
+            <a:schemeClr val="accent1">
+              <a:shade val="50000"/>
+            </a:schemeClr>
+          </a:lnRef>
+          <a:fillRef idx="1">
+            <a:schemeClr val="accent1"/>
+          </a:fillRef>
+          <a:effectRef idx="0">
+            <a:schemeClr val="accent1"/>
+          </a:effectRef>
+          <a:fontRef idx="minor">
+            <a:schemeClr val="lt1"/>
+          </a:fontRef>
+        </p:style>
+        <p:txBody>
+          <a:bodyPr rtlCol="0" anchor="ctr"/>
+          <a:lstStyle/>
+          <a:p>
+            <a:pPr algn="ctr"/>
+            <a:endParaRPr lang="en-US"/>
+          </a:p>
+        </p:txBody>
+      </p:sp>
+      <p:sp>
+        <p:nvSpPr>
+          <p:cNvPr id="15" name="Right Arrow 14"/>
+          <p:cNvSpPr/>
+          <p:nvPr/>
+        </p:nvSpPr>
+        <p:spPr>
+          <a:xfrm flipH="1">
+            <a:off x="2293002" y="2857535"/>
+            <a:ext cx="3615763" cy="1484242"/>
+          </a:xfrm>
+          <a:prstGeom prst="rightArrow">
+            <a:avLst/>
+          </a:prstGeom>
+          <a:solidFill>
+            <a:schemeClr val="tx1">
+              <a:lumMod val="100000"/>
+            </a:schemeClr>
+          </a:solidFill>
+          <a:ln>
+            <a:noFill/>
+          </a:ln>
+        </p:spPr>
+        <p:style>
+          <a:lnRef idx="2">
+            <a:schemeClr val="accent1">
+              <a:shade val="50000"/>
+            </a:schemeClr>
+          </a:lnRef>
+          <a:fillRef idx="1">
+            <a:schemeClr val="accent1"/>
+          </a:fillRef>
+          <a:effectRef idx="0">
+            <a:schemeClr val="accent1"/>
+          </a:effectRef>
+          <a:fontRef idx="minor">
+            <a:schemeClr val="lt1"/>
+          </a:fontRef>
+        </p:style>
+        <p:txBody>
+          <a:bodyPr rtlCol="0" anchor="ctr"/>
+          <a:lstStyle/>
+          <a:p>
+            <a:pPr algn="ctr"/>
+            <a:endParaRPr lang="en-US"/>
+          </a:p>
+        </p:txBody>
+      </p:sp>
+    </p:spTree>
+    <p:extLst>
+      <p:ext uri="{BB962C8B-B14F-4D97-AF65-F5344CB8AC3E}">
+        <p14:creationId xmlns:p14="http://schemas.microsoft.com/office/powerpoint/2010/main" val="3785916830"/>
+      </p:ext>
+    </p:extLst>
+  </p:cSld>
+  <p:clrMapOvr>
+    <a:masterClrMapping/>
+  </p:clrMapOvr>
+  <p:timing>
+    <p:tnLst>
+      <p:par>
+        <p:cTn id="1" dur="indefinite" restart="never" nodeType="tmRoot"/>
+      </p:par>
+    </p:tnLst>
+  </p:timing>
+</p:sld>
+</file>
+
+<file path=ppt/slides/slide83.xml><?xml version="1.0" encoding="utf-8"?>
+<p:sld xmlns:a="http://schemas.openxmlformats.org/drawingml/2006/main" xmlns:r="http://schemas.openxmlformats.org/officeDocument/2006/relationships" xmlns:p="http://schemas.openxmlformats.org/presentationml/2006/main">
+  <p:cSld>
+    <p:spTree>
+      <p:nvGrpSpPr>
+        <p:cNvPr id="1" name=""/>
+        <p:cNvGrpSpPr/>
+        <p:nvPr/>
+      </p:nvGrpSpPr>
+      <p:grpSpPr>
+        <a:xfrm>
+          <a:off x="0" y="0"/>
+          <a:ext cx="0" cy="0"/>
+          <a:chOff x="0" y="0"/>
+          <a:chExt cx="0" cy="0"/>
+        </a:xfrm>
+      </p:grpSpPr>
+      <p:graphicFrame>
+        <p:nvGraphicFramePr>
+          <p:cNvPr id="4" name="Objekt 3" hidden="1"/>
+          <p:cNvGraphicFramePr>
+            <a:graphicFrameLocks noChangeAspect="1"/>
+          </p:cNvGraphicFramePr>
+          <p:nvPr>
+            <p:custDataLst>
+              <p:tags r:id="rId2"/>
+            </p:custDataLst>
+            <p:extLst/>
+          </p:nvPr>
+        </p:nvGraphicFramePr>
+        <p:xfrm>
+          <a:off x="1588" y="1588"/>
+          <a:ext cx="1588" cy="1588"/>
+        </p:xfrm>
+        <a:graphic>
+          <a:graphicData uri="http://schemas.openxmlformats.org/presentationml/2006/ole">
+            <mc:AlternateContent xmlns:mc="http://schemas.openxmlformats.org/markup-compatibility/2006">
+              <mc:Choice xmlns:v="urn:schemas-microsoft-com:vml" Requires="v">
+                <p:oleObj spid="_x0000_s46086" name="think-cell Folie" r:id="rId4" imgW="631" imgH="631" progId="TCLayout.ActiveDocument.1">
+                  <p:embed/>
+                </p:oleObj>
+              </mc:Choice>
+              <mc:Fallback>
+                <p:oleObj name="think-cell Folie" r:id="rId4" imgW="631" imgH="631" progId="TCLayout.ActiveDocument.1">
+                  <p:embed/>
+                  <p:pic>
+                    <p:nvPicPr>
+                      <p:cNvPr id="4" name="Objekt 3" hidden="1"/>
+                      <p:cNvPicPr/>
+                      <p:nvPr/>
+                    </p:nvPicPr>
+                    <p:blipFill>
+                      <a:blip r:embed="rId5"/>
+                      <a:stretch>
+                        <a:fillRect/>
+                      </a:stretch>
+                    </p:blipFill>
+                    <p:spPr>
+                      <a:xfrm>
+                        <a:off x="1588" y="1588"/>
+                        <a:ext cx="1588" cy="1588"/>
+                      </a:xfrm>
+                      <a:prstGeom prst="rect">
+                        <a:avLst/>
+                      </a:prstGeom>
+                    </p:spPr>
+                  </p:pic>
+                </p:oleObj>
+              </mc:Fallback>
+            </mc:AlternateContent>
+          </a:graphicData>
+        </a:graphic>
+      </p:graphicFrame>
+      <p:sp>
+        <p:nvSpPr>
+          <p:cNvPr id="7" name="Rechteck 6"/>
+          <p:cNvSpPr>
+            <a:spLocks noChangeAspect="1"/>
+          </p:cNvSpPr>
+          <p:nvPr/>
+        </p:nvSpPr>
+        <p:spPr>
+          <a:xfrm rot="5400000" flipH="1">
+            <a:off x="2324679" y="3751641"/>
+            <a:ext cx="3282046" cy="3282046"/>
+          </a:xfrm>
+          <a:prstGeom prst="rect">
+            <a:avLst/>
+          </a:prstGeom>
+          <a:solidFill>
+            <a:schemeClr val="accent4">
+              <a:lumMod val="100000"/>
+            </a:schemeClr>
+          </a:solidFill>
+          <a:ln w="127000" cap="flat" cmpd="sng" algn="ctr">
+            <a:solidFill>
+              <a:schemeClr val="bg1">
+                <a:lumMod val="100000"/>
+              </a:schemeClr>
+            </a:solidFill>
+            <a:prstDash val="solid"/>
+            <a:miter lim="800000"/>
+          </a:ln>
+          <a:effectLst/>
+        </p:spPr>
+        <p:style>
+          <a:lnRef idx="2">
+            <a:schemeClr val="accent1">
+              <a:shade val="50000"/>
+            </a:schemeClr>
+          </a:lnRef>
+          <a:fillRef idx="1">
+            <a:schemeClr val="accent1"/>
+          </a:fillRef>
+          <a:effectRef idx="0">
+            <a:schemeClr val="accent1"/>
+          </a:effectRef>
+          <a:fontRef idx="minor">
+            <a:schemeClr val="lt1"/>
+          </a:fontRef>
+        </p:style>
+        <p:txBody>
+          <a:bodyPr rtlCol="0" anchor="ctr"/>
+          <a:lstStyle/>
+          <a:p>
+            <a:pPr algn="ctr"/>
+            <a:endParaRPr lang="en-US"/>
+          </a:p>
+        </p:txBody>
+      </p:sp>
+      <p:sp>
+        <p:nvSpPr>
+          <p:cNvPr id="10" name="Rechteck 9"/>
+          <p:cNvSpPr>
+            <a:spLocks noChangeAspect="1"/>
+          </p:cNvSpPr>
+          <p:nvPr/>
+        </p:nvSpPr>
+        <p:spPr>
+          <a:xfrm rot="5400000" flipH="1">
+            <a:off x="1958633" y="1958633"/>
+            <a:ext cx="3282046" cy="3282046"/>
+          </a:xfrm>
+          <a:prstGeom prst="rect">
+            <a:avLst/>
+          </a:prstGeom>
+          <a:solidFill>
+            <a:schemeClr val="accent4">
+              <a:lumMod val="100000"/>
+            </a:schemeClr>
+          </a:solidFill>
+          <a:ln w="127000" cap="flat" cmpd="sng" algn="ctr">
+            <a:solidFill>
+              <a:schemeClr val="bg1">
+                <a:lumMod val="100000"/>
+              </a:schemeClr>
+            </a:solidFill>
+            <a:prstDash val="solid"/>
+            <a:miter lim="800000"/>
+          </a:ln>
+          <a:effectLst/>
+          <a:extLst/>
+        </p:spPr>
+        <p:style>
+          <a:lnRef idx="2">
+            <a:schemeClr val="accent1">
+              <a:shade val="50000"/>
+            </a:schemeClr>
+          </a:lnRef>
+          <a:fillRef idx="1">
+            <a:schemeClr val="accent1"/>
+          </a:fillRef>
+          <a:effectRef idx="0">
+            <a:schemeClr val="accent1"/>
+          </a:effectRef>
+          <a:fontRef idx="minor">
+            <a:schemeClr val="lt1"/>
+          </a:fontRef>
+        </p:style>
+        <p:txBody>
+          <a:bodyPr rtlCol="0" anchor="ctr"/>
+          <a:lstStyle/>
+          <a:p>
+            <a:pPr algn="ctr"/>
+            <a:endParaRPr lang="en-US"/>
+          </a:p>
+        </p:txBody>
+      </p:sp>
+      <p:sp>
+        <p:nvSpPr>
+          <p:cNvPr id="5" name="Rechteck 4"/>
+          <p:cNvSpPr>
+            <a:spLocks noChangeAspect="1"/>
+          </p:cNvSpPr>
+          <p:nvPr/>
+        </p:nvSpPr>
+        <p:spPr>
+          <a:xfrm rot="5400000" flipH="1">
+            <a:off x="1592587" y="165625"/>
+            <a:ext cx="3282046" cy="3282046"/>
+          </a:xfrm>
+          <a:prstGeom prst="rect">
+            <a:avLst/>
+          </a:prstGeom>
+          <a:solidFill>
+            <a:schemeClr val="accent1"/>
+          </a:solidFill>
+          <a:ln w="127000" cap="flat" cmpd="sng" algn="ctr">
+            <a:solidFill>
+              <a:schemeClr val="bg1">
+                <a:lumMod val="100000"/>
+              </a:schemeClr>
+            </a:solidFill>
+            <a:prstDash val="solid"/>
+            <a:miter lim="800000"/>
+          </a:ln>
+          <a:effectLst/>
+          <a:extLst/>
+        </p:spPr>
+        <p:style>
+          <a:lnRef idx="2">
+            <a:schemeClr val="accent1">
+              <a:shade val="50000"/>
+            </a:schemeClr>
+          </a:lnRef>
+          <a:fillRef idx="1">
+            <a:schemeClr val="accent1"/>
+          </a:fillRef>
+          <a:effectRef idx="0">
+            <a:schemeClr val="accent1"/>
+          </a:effectRef>
+          <a:fontRef idx="minor">
+            <a:schemeClr val="lt1"/>
+          </a:fontRef>
+        </p:style>
+        <p:txBody>
+          <a:bodyPr rtlCol="0" anchor="ctr"/>
+          <a:lstStyle/>
+          <a:p>
+            <a:pPr algn="ctr"/>
+            <a:endParaRPr lang="en-US"/>
+          </a:p>
+        </p:txBody>
+      </p:sp>
+      <p:sp>
+        <p:nvSpPr>
+          <p:cNvPr id="11" name="Right Arrow 14"/>
+          <p:cNvSpPr/>
+          <p:nvPr/>
+        </p:nvSpPr>
+        <p:spPr>
+          <a:xfrm rot="16200000">
+            <a:off x="1791775" y="3494229"/>
+            <a:ext cx="3615763" cy="1484242"/>
+          </a:xfrm>
+          <a:prstGeom prst="rightArrow">
+            <a:avLst/>
+          </a:prstGeom>
+          <a:solidFill>
+            <a:schemeClr val="tx1">
+              <a:lumMod val="100000"/>
+            </a:schemeClr>
+          </a:solidFill>
+          <a:ln>
+            <a:noFill/>
+          </a:ln>
+        </p:spPr>
+        <p:style>
+          <a:lnRef idx="2">
+            <a:schemeClr val="accent1">
+              <a:shade val="50000"/>
+            </a:schemeClr>
+          </a:lnRef>
+          <a:fillRef idx="1">
+            <a:schemeClr val="accent1"/>
+          </a:fillRef>
+          <a:effectRef idx="0">
+            <a:schemeClr val="accent1"/>
+          </a:effectRef>
+          <a:fontRef idx="minor">
+            <a:schemeClr val="lt1"/>
+          </a:fontRef>
+        </p:style>
+        <p:txBody>
+          <a:bodyPr rtlCol="0" anchor="ctr"/>
+          <a:lstStyle/>
+          <a:p>
+            <a:pPr algn="ctr"/>
+            <a:endParaRPr lang="en-US"/>
+          </a:p>
+        </p:txBody>
+      </p:sp>
+    </p:spTree>
+    <p:extLst>
+      <p:ext uri="{BB962C8B-B14F-4D97-AF65-F5344CB8AC3E}">
+        <p14:creationId xmlns:p14="http://schemas.microsoft.com/office/powerpoint/2010/main" val="3125830067"/>
+      </p:ext>
+    </p:extLst>
+  </p:cSld>
+  <p:clrMapOvr>
+    <a:masterClrMapping/>
+  </p:clrMapOvr>
+  <p:timing>
+    <p:tnLst>
+      <p:par>
+        <p:cTn id="1" dur="indefinite" restart="never" nodeType="tmRoot"/>
+      </p:par>
+    </p:tnLst>
+  </p:timing>
+</p:sld>
+</file>
+
+<file path=ppt/slides/slide84.xml><?xml version="1.0" encoding="utf-8"?>
+<p:sld xmlns:a="http://schemas.openxmlformats.org/drawingml/2006/main" xmlns:r="http://schemas.openxmlformats.org/officeDocument/2006/relationships" xmlns:p="http://schemas.openxmlformats.org/presentationml/2006/main">
+  <p:cSld>
+    <p:spTree>
+      <p:nvGrpSpPr>
+        <p:cNvPr id="1" name=""/>
+        <p:cNvGrpSpPr/>
+        <p:nvPr/>
+      </p:nvGrpSpPr>
+      <p:grpSpPr>
+        <a:xfrm>
+          <a:off x="0" y="0"/>
+          <a:ext cx="0" cy="0"/>
+          <a:chOff x="0" y="0"/>
+          <a:chExt cx="0" cy="0"/>
+        </a:xfrm>
+      </p:grpSpPr>
+      <p:graphicFrame>
+        <p:nvGraphicFramePr>
+          <p:cNvPr id="4" name="Objekt 3" hidden="1"/>
+          <p:cNvGraphicFramePr>
+            <a:graphicFrameLocks noChangeAspect="1"/>
+          </p:cNvGraphicFramePr>
+          <p:nvPr>
+            <p:custDataLst>
+              <p:tags r:id="rId2"/>
+            </p:custDataLst>
+            <p:extLst>
+              <p:ext uri="{D42A27DB-BD31-4B8C-83A1-F6EECF244321}">
+                <p14:modId xmlns:p14="http://schemas.microsoft.com/office/powerpoint/2010/main" val="679948710"/>
+              </p:ext>
+            </p:extLst>
+          </p:nvPr>
+        </p:nvGraphicFramePr>
+        <p:xfrm>
+          <a:off x="1588" y="1588"/>
+          <a:ext cx="1588" cy="1588"/>
+        </p:xfrm>
+        <a:graphic>
+          <a:graphicData uri="http://schemas.openxmlformats.org/presentationml/2006/ole">
+            <mc:AlternateContent xmlns:mc="http://schemas.openxmlformats.org/markup-compatibility/2006">
+              <mc:Choice xmlns:v="urn:schemas-microsoft-com:vml" Requires="v">
+                <p:oleObj spid="_x0000_s48130" name="think-cell Folie" r:id="rId4" imgW="631" imgH="631" progId="TCLayout.ActiveDocument.1">
+                  <p:embed/>
+                </p:oleObj>
+              </mc:Choice>
+              <mc:Fallback>
+                <p:oleObj name="think-cell Folie" r:id="rId4" imgW="631" imgH="631" progId="TCLayout.ActiveDocument.1">
+                  <p:embed/>
+                  <p:pic>
+                    <p:nvPicPr>
+                      <p:cNvPr id="4" name="Objekt 3" hidden="1"/>
+                      <p:cNvPicPr/>
+                      <p:nvPr/>
+                    </p:nvPicPr>
+                    <p:blipFill>
+                      <a:blip r:embed="rId5"/>
+                      <a:stretch>
+                        <a:fillRect/>
+                      </a:stretch>
+                    </p:blipFill>
+                    <p:spPr>
+                      <a:xfrm>
+                        <a:off x="1588" y="1588"/>
+                        <a:ext cx="1588" cy="1588"/>
+                      </a:xfrm>
+                      <a:prstGeom prst="rect">
+                        <a:avLst/>
+                      </a:prstGeom>
+                    </p:spPr>
+                  </p:pic>
+                </p:oleObj>
+              </mc:Fallback>
+            </mc:AlternateContent>
+          </a:graphicData>
+        </a:graphic>
+      </p:graphicFrame>
+      <p:sp>
+        <p:nvSpPr>
+          <p:cNvPr id="5" name="Rechteck 4"/>
+          <p:cNvSpPr>
+            <a:spLocks noChangeAspect="1"/>
+          </p:cNvSpPr>
+          <p:nvPr/>
+        </p:nvSpPr>
+        <p:spPr>
+          <a:xfrm rot="5400000" flipH="1">
+            <a:off x="1592587" y="165625"/>
+            <a:ext cx="3282046" cy="3282046"/>
+          </a:xfrm>
+          <a:prstGeom prst="rect">
+            <a:avLst/>
+          </a:prstGeom>
+          <a:solidFill>
+            <a:schemeClr val="accent4">
+              <a:lumMod val="100000"/>
+            </a:schemeClr>
+          </a:solidFill>
+          <a:ln w="127000" cap="flat" cmpd="sng" algn="ctr">
+            <a:solidFill>
+              <a:schemeClr val="bg1">
+                <a:lumMod val="100000"/>
+              </a:schemeClr>
+            </a:solidFill>
+            <a:prstDash val="solid"/>
+            <a:miter lim="800000"/>
+          </a:ln>
+          <a:effectLst/>
+          <a:extLst/>
+        </p:spPr>
+        <p:style>
+          <a:lnRef idx="2">
+            <a:schemeClr val="accent1">
+              <a:shade val="50000"/>
+            </a:schemeClr>
+          </a:lnRef>
+          <a:fillRef idx="1">
+            <a:schemeClr val="accent1"/>
+          </a:fillRef>
+          <a:effectRef idx="0">
+            <a:schemeClr val="accent1"/>
+          </a:effectRef>
+          <a:fontRef idx="minor">
+            <a:schemeClr val="lt1"/>
+          </a:fontRef>
+        </p:style>
+        <p:txBody>
+          <a:bodyPr rtlCol="0" anchor="ctr"/>
+          <a:lstStyle/>
+          <a:p>
+            <a:pPr algn="ctr"/>
+            <a:endParaRPr lang="en-US"/>
+          </a:p>
+        </p:txBody>
+      </p:sp>
+      <p:sp>
+        <p:nvSpPr>
+          <p:cNvPr id="10" name="Rechteck 9"/>
+          <p:cNvSpPr>
+            <a:spLocks noChangeAspect="1"/>
+          </p:cNvSpPr>
+          <p:nvPr/>
+        </p:nvSpPr>
+        <p:spPr>
+          <a:xfrm rot="5400000" flipH="1">
+            <a:off x="1958633" y="1958633"/>
+            <a:ext cx="3282046" cy="3282046"/>
+          </a:xfrm>
+          <a:prstGeom prst="rect">
+            <a:avLst/>
+          </a:prstGeom>
+          <a:solidFill>
+            <a:schemeClr val="accent4">
+              <a:lumMod val="100000"/>
+            </a:schemeClr>
+          </a:solidFill>
+          <a:ln w="127000" cap="flat" cmpd="sng" algn="ctr">
+            <a:solidFill>
+              <a:schemeClr val="bg1">
+                <a:lumMod val="100000"/>
+              </a:schemeClr>
+            </a:solidFill>
+            <a:prstDash val="solid"/>
+            <a:miter lim="800000"/>
+          </a:ln>
+          <a:effectLst/>
+          <a:extLst/>
+        </p:spPr>
+        <p:style>
+          <a:lnRef idx="2">
+            <a:schemeClr val="accent1">
+              <a:shade val="50000"/>
+            </a:schemeClr>
+          </a:lnRef>
+          <a:fillRef idx="1">
+            <a:schemeClr val="accent1"/>
+          </a:fillRef>
+          <a:effectRef idx="0">
+            <a:schemeClr val="accent1"/>
+          </a:effectRef>
+          <a:fontRef idx="minor">
+            <a:schemeClr val="lt1"/>
+          </a:fontRef>
+        </p:style>
+        <p:txBody>
+          <a:bodyPr rtlCol="0" anchor="ctr"/>
+          <a:lstStyle/>
+          <a:p>
+            <a:pPr algn="ctr"/>
+            <a:endParaRPr lang="en-US"/>
+          </a:p>
+        </p:txBody>
+      </p:sp>
+      <p:sp>
+        <p:nvSpPr>
+          <p:cNvPr id="7" name="Rechteck 6"/>
+          <p:cNvSpPr>
+            <a:spLocks noChangeAspect="1"/>
+          </p:cNvSpPr>
+          <p:nvPr/>
+        </p:nvSpPr>
+        <p:spPr>
+          <a:xfrm rot="5400000" flipH="1">
+            <a:off x="2324679" y="3751641"/>
+            <a:ext cx="3282046" cy="3282046"/>
+          </a:xfrm>
+          <a:prstGeom prst="rect">
+            <a:avLst/>
+          </a:prstGeom>
+          <a:solidFill>
+            <a:schemeClr val="accent1"/>
+          </a:solidFill>
+          <a:ln w="127000" cap="flat" cmpd="sng" algn="ctr">
+            <a:solidFill>
+              <a:schemeClr val="bg1">
+                <a:lumMod val="100000"/>
+              </a:schemeClr>
+            </a:solidFill>
+            <a:prstDash val="solid"/>
+            <a:miter lim="800000"/>
+          </a:ln>
+          <a:effectLst/>
+        </p:spPr>
+        <p:style>
+          <a:lnRef idx="2">
+            <a:schemeClr val="accent1">
+              <a:shade val="50000"/>
+            </a:schemeClr>
+          </a:lnRef>
+          <a:fillRef idx="1">
+            <a:schemeClr val="accent1"/>
+          </a:fillRef>
+          <a:effectRef idx="0">
+            <a:schemeClr val="accent1"/>
+          </a:effectRef>
+          <a:fontRef idx="minor">
+            <a:schemeClr val="lt1"/>
+          </a:fontRef>
+        </p:style>
+        <p:txBody>
+          <a:bodyPr rtlCol="0" anchor="ctr"/>
+          <a:lstStyle/>
+          <a:p>
+            <a:pPr algn="ctr"/>
+            <a:endParaRPr lang="en-US"/>
+          </a:p>
+        </p:txBody>
+      </p:sp>
+      <p:sp>
+        <p:nvSpPr>
+          <p:cNvPr id="11" name="Right Arrow 14"/>
+          <p:cNvSpPr/>
+          <p:nvPr/>
+        </p:nvSpPr>
+        <p:spPr>
+          <a:xfrm rot="5400000" flipV="1">
+            <a:off x="1791776" y="2471457"/>
+            <a:ext cx="3615763" cy="1484242"/>
+          </a:xfrm>
+          <a:prstGeom prst="rightArrow">
+            <a:avLst/>
+          </a:prstGeom>
+          <a:solidFill>
+            <a:schemeClr val="tx1">
+              <a:lumMod val="100000"/>
+            </a:schemeClr>
+          </a:solidFill>
+          <a:ln>
+            <a:noFill/>
+          </a:ln>
+        </p:spPr>
+        <p:style>
+          <a:lnRef idx="2">
+            <a:schemeClr val="accent1">
+              <a:shade val="50000"/>
+            </a:schemeClr>
+          </a:lnRef>
+          <a:fillRef idx="1">
+            <a:schemeClr val="accent1"/>
+          </a:fillRef>
+          <a:effectRef idx="0">
+            <a:schemeClr val="accent1"/>
+          </a:effectRef>
+          <a:fontRef idx="minor">
+            <a:schemeClr val="lt1"/>
+          </a:fontRef>
+        </p:style>
+        <p:txBody>
+          <a:bodyPr rtlCol="0" anchor="ctr"/>
+          <a:lstStyle/>
+          <a:p>
+            <a:pPr algn="ctr"/>
+            <a:endParaRPr lang="en-US"/>
+          </a:p>
+        </p:txBody>
+      </p:sp>
+    </p:spTree>
+    <p:extLst>
+      <p:ext uri="{BB962C8B-B14F-4D97-AF65-F5344CB8AC3E}">
+        <p14:creationId xmlns:p14="http://schemas.microsoft.com/office/powerpoint/2010/main" val="2715038703"/>
+      </p:ext>
+    </p:extLst>
+  </p:cSld>
+  <p:clrMapOvr>
+    <a:masterClrMapping/>
+  </p:clrMapOvr>
+  <p:timing>
+    <p:tnLst>
+      <p:par>
+        <p:cTn id="1" dur="indefinite" restart="never" nodeType="tmRoot"/>
+      </p:par>
+    </p:tnLst>
+  </p:timing>
 </p:sld>
 </file>
 
@@ -38954,6 +40214,30 @@
 </p:tagLst>
 </file>
 
+<file path=ppt/tags/tag53.xml><?xml version="1.0" encoding="utf-8"?>
+<p:tagLst xmlns:a="http://schemas.openxmlformats.org/drawingml/2006/main" xmlns:r="http://schemas.openxmlformats.org/officeDocument/2006/relationships" xmlns:p="http://schemas.openxmlformats.org/presentationml/2006/main">
+  <p:tag name="THINKCELLSHAPEDONOTDELETE" val="thinkcellActiveDocDoNotDelete"/>
+</p:tagLst>
+</file>
+
+<file path=ppt/tags/tag54.xml><?xml version="1.0" encoding="utf-8"?>
+<p:tagLst xmlns:a="http://schemas.openxmlformats.org/drawingml/2006/main" xmlns:r="http://schemas.openxmlformats.org/officeDocument/2006/relationships" xmlns:p="http://schemas.openxmlformats.org/presentationml/2006/main">
+  <p:tag name="THINKCELLSHAPEDONOTDELETE" val="thinkcellActiveDocDoNotDelete"/>
+</p:tagLst>
+</file>
+
+<file path=ppt/tags/tag55.xml><?xml version="1.0" encoding="utf-8"?>
+<p:tagLst xmlns:a="http://schemas.openxmlformats.org/drawingml/2006/main" xmlns:r="http://schemas.openxmlformats.org/officeDocument/2006/relationships" xmlns:p="http://schemas.openxmlformats.org/presentationml/2006/main">
+  <p:tag name="THINKCELLSHAPEDONOTDELETE" val="thinkcellActiveDocDoNotDelete"/>
+</p:tagLst>
+</file>
+
+<file path=ppt/tags/tag56.xml><?xml version="1.0" encoding="utf-8"?>
+<p:tagLst xmlns:a="http://schemas.openxmlformats.org/drawingml/2006/main" xmlns:r="http://schemas.openxmlformats.org/officeDocument/2006/relationships" xmlns:p="http://schemas.openxmlformats.org/presentationml/2006/main">
+  <p:tag name="THINKCELLSHAPEDONOTDELETE" val="thinkcellActiveDocDoNotDelete"/>
+</p:tagLst>
+</file>
+
 <file path=ppt/tags/tag6.xml><?xml version="1.0" encoding="utf-8"?>
 <p:tagLst xmlns:a="http://schemas.openxmlformats.org/drawingml/2006/main" xmlns:r="http://schemas.openxmlformats.org/officeDocument/2006/relationships" xmlns:p="http://schemas.openxmlformats.org/presentationml/2006/main">
   <p:tag name="THINKCELLSHAPEDONOTDELETE" val="thinkcellActiveDocDoNotDelete"/>

--- a/features/dev_florian/resources/Icons.pptx
+++ b/features/dev_florian/resources/Icons.pptx
@@ -89,11 +89,14 @@
     <p:sldId id="341" r:id="rId83"/>
     <p:sldId id="340" r:id="rId84"/>
     <p:sldId id="342" r:id="rId85"/>
+    <p:sldId id="343" r:id="rId86"/>
+    <p:sldId id="344" r:id="rId87"/>
+    <p:sldId id="345" r:id="rId88"/>
   </p:sldIdLst>
   <p:sldSz cx="7199313" cy="7199313"/>
   <p:notesSz cx="6858000" cy="9144000"/>
   <p:custDataLst>
-    <p:tags r:id="rId86"/>
+    <p:tags r:id="rId89"/>
   </p:custDataLst>
   <p:defaultTextStyle>
     <a:defPPr>
@@ -240,7 +243,7 @@
           <a:graphicData uri="http://schemas.openxmlformats.org/presentationml/2006/ole">
             <mc:AlternateContent xmlns:mc="http://schemas.openxmlformats.org/markup-compatibility/2006">
               <mc:Choice xmlns:v="urn:schemas-microsoft-com:vml" Requires="v">
-                <p:oleObj spid="_x0000_s2192" name="think-cell Folie" r:id="rId4" imgW="592" imgH="588" progId="TCLayout.ActiveDocument.1">
+                <p:oleObj spid="_x0000_s2204" name="think-cell Folie" r:id="rId4" imgW="592" imgH="588" progId="TCLayout.ActiveDocument.1">
                   <p:embed/>
                 </p:oleObj>
               </mc:Choice>
@@ -389,7 +392,7 @@
           <a:p>
             <a:fld id="{311EFB77-D67C-4B41-8660-F7D06438CC8C}" type="datetimeFigureOut">
               <a:rPr lang="de-DE" smtClean="0"/>
-              <a:t>21.10.2020</a:t>
+              <a:t>12.11.2020</a:t>
             </a:fld>
             <a:endParaRPr lang="de-DE"/>
           </a:p>
@@ -559,7 +562,7 @@
           <a:p>
             <a:fld id="{311EFB77-D67C-4B41-8660-F7D06438CC8C}" type="datetimeFigureOut">
               <a:rPr lang="de-DE" smtClean="0"/>
-              <a:t>21.10.2020</a:t>
+              <a:t>12.11.2020</a:t>
             </a:fld>
             <a:endParaRPr lang="de-DE"/>
           </a:p>
@@ -739,7 +742,7 @@
           <a:p>
             <a:fld id="{311EFB77-D67C-4B41-8660-F7D06438CC8C}" type="datetimeFigureOut">
               <a:rPr lang="de-DE" smtClean="0"/>
-              <a:t>21.10.2020</a:t>
+              <a:t>12.11.2020</a:t>
             </a:fld>
             <a:endParaRPr lang="de-DE"/>
           </a:p>
@@ -842,7 +845,7 @@
           <a:graphicData uri="http://schemas.openxmlformats.org/presentationml/2006/ole">
             <mc:AlternateContent xmlns:mc="http://schemas.openxmlformats.org/markup-compatibility/2006">
               <mc:Choice xmlns:v="urn:schemas-microsoft-com:vml" Requires="v">
-                <p:oleObj spid="_x0000_s8313" name="think-cell Folie" r:id="rId4" imgW="592" imgH="588" progId="TCLayout.ActiveDocument.1">
+                <p:oleObj spid="_x0000_s8325" name="think-cell Folie" r:id="rId4" imgW="592" imgH="588" progId="TCLayout.ActiveDocument.1">
                   <p:embed/>
                 </p:oleObj>
               </mc:Choice>
@@ -969,7 +972,7 @@
           <a:p>
             <a:fld id="{311EFB77-D67C-4B41-8660-F7D06438CC8C}" type="datetimeFigureOut">
               <a:rPr lang="de-DE" smtClean="0"/>
-              <a:t>21.10.2020</a:t>
+              <a:t>12.11.2020</a:t>
             </a:fld>
             <a:endParaRPr lang="de-DE"/>
           </a:p>
@@ -1213,7 +1216,7 @@
           <a:p>
             <a:fld id="{311EFB77-D67C-4B41-8660-F7D06438CC8C}" type="datetimeFigureOut">
               <a:rPr lang="de-DE" smtClean="0"/>
-              <a:t>21.10.2020</a:t>
+              <a:t>12.11.2020</a:t>
             </a:fld>
             <a:endParaRPr lang="de-DE"/>
           </a:p>
@@ -1445,7 +1448,7 @@
           <a:p>
             <a:fld id="{311EFB77-D67C-4B41-8660-F7D06438CC8C}" type="datetimeFigureOut">
               <a:rPr lang="de-DE" smtClean="0"/>
-              <a:t>21.10.2020</a:t>
+              <a:t>12.11.2020</a:t>
             </a:fld>
             <a:endParaRPr lang="de-DE"/>
           </a:p>
@@ -1812,7 +1815,7 @@
           <a:p>
             <a:fld id="{311EFB77-D67C-4B41-8660-F7D06438CC8C}" type="datetimeFigureOut">
               <a:rPr lang="de-DE" smtClean="0"/>
-              <a:t>21.10.2020</a:t>
+              <a:t>12.11.2020</a:t>
             </a:fld>
             <a:endParaRPr lang="de-DE"/>
           </a:p>
@@ -1930,7 +1933,7 @@
           <a:p>
             <a:fld id="{311EFB77-D67C-4B41-8660-F7D06438CC8C}" type="datetimeFigureOut">
               <a:rPr lang="de-DE" smtClean="0"/>
-              <a:t>21.10.2020</a:t>
+              <a:t>12.11.2020</a:t>
             </a:fld>
             <a:endParaRPr lang="de-DE"/>
           </a:p>
@@ -2025,7 +2028,7 @@
           <a:p>
             <a:fld id="{311EFB77-D67C-4B41-8660-F7D06438CC8C}" type="datetimeFigureOut">
               <a:rPr lang="de-DE" smtClean="0"/>
-              <a:t>21.10.2020</a:t>
+              <a:t>12.11.2020</a:t>
             </a:fld>
             <a:endParaRPr lang="de-DE"/>
           </a:p>
@@ -2302,7 +2305,7 @@
           <a:p>
             <a:fld id="{311EFB77-D67C-4B41-8660-F7D06438CC8C}" type="datetimeFigureOut">
               <a:rPr lang="de-DE" smtClean="0"/>
-              <a:t>21.10.2020</a:t>
+              <a:t>12.11.2020</a:t>
             </a:fld>
             <a:endParaRPr lang="de-DE"/>
           </a:p>
@@ -2559,7 +2562,7 @@
           <a:p>
             <a:fld id="{311EFB77-D67C-4B41-8660-F7D06438CC8C}" type="datetimeFigureOut">
               <a:rPr lang="de-DE" smtClean="0"/>
-              <a:t>21.10.2020</a:t>
+              <a:t>12.11.2020</a:t>
             </a:fld>
             <a:endParaRPr lang="de-DE"/>
           </a:p>
@@ -2677,7 +2680,7 @@
           <a:graphicData uri="http://schemas.openxmlformats.org/presentationml/2006/ole">
             <mc:AlternateContent xmlns:mc="http://schemas.openxmlformats.org/markup-compatibility/2006">
               <mc:Choice xmlns:v="urn:schemas-microsoft-com:vml" Requires="v">
-                <p:oleObj spid="_x0000_s1168" name="think-cell Folie" r:id="rId16" imgW="592" imgH="588" progId="TCLayout.ActiveDocument.1">
+                <p:oleObj spid="_x0000_s1180" name="think-cell Folie" r:id="rId16" imgW="592" imgH="588" progId="TCLayout.ActiveDocument.1">
                   <p:embed/>
                 </p:oleObj>
               </mc:Choice>
@@ -2891,7 +2894,7 @@
           <a:p>
             <a:fld id="{311EFB77-D67C-4B41-8660-F7D06438CC8C}" type="datetimeFigureOut">
               <a:rPr lang="de-DE" smtClean="0"/>
-              <a:t>21.10.2020</a:t>
+              <a:t>12.11.2020</a:t>
             </a:fld>
             <a:endParaRPr lang="de-DE"/>
           </a:p>
@@ -3321,7 +3324,7 @@
           <a:graphicData uri="http://schemas.openxmlformats.org/presentationml/2006/ole">
             <mc:AlternateContent xmlns:mc="http://schemas.openxmlformats.org/markup-compatibility/2006">
               <mc:Choice xmlns:v="urn:schemas-microsoft-com:vml" Requires="v">
-                <p:oleObj spid="_x0000_s4234" name="think-cell Folie" r:id="rId4" imgW="592" imgH="588" progId="TCLayout.ActiveDocument.1">
+                <p:oleObj spid="_x0000_s4246" name="think-cell Folie" r:id="rId4" imgW="592" imgH="588" progId="TCLayout.ActiveDocument.1">
                   <p:embed/>
                 </p:oleObj>
               </mc:Choice>
@@ -7812,7 +7815,7 @@
           <a:graphicData uri="http://schemas.openxmlformats.org/presentationml/2006/ole">
             <mc:AlternateContent xmlns:mc="http://schemas.openxmlformats.org/markup-compatibility/2006">
               <mc:Choice xmlns:v="urn:schemas-microsoft-com:vml" Requires="v">
-                <p:oleObj spid="_x0000_s3218" name="think-cell Folie" r:id="rId4" imgW="592" imgH="588" progId="TCLayout.ActiveDocument.1">
+                <p:oleObj spid="_x0000_s3230" name="think-cell Folie" r:id="rId4" imgW="592" imgH="588" progId="TCLayout.ActiveDocument.1">
                   <p:embed/>
                 </p:oleObj>
               </mc:Choice>
@@ -12115,7 +12118,7 @@
           <a:graphicData uri="http://schemas.openxmlformats.org/presentationml/2006/ole">
             <mc:AlternateContent xmlns:mc="http://schemas.openxmlformats.org/markup-compatibility/2006">
               <mc:Choice xmlns:v="urn:schemas-microsoft-com:vml" Requires="v">
-                <p:oleObj spid="_x0000_s7297" name="think-cell Folie" r:id="rId4" imgW="592" imgH="588" progId="TCLayout.ActiveDocument.1">
+                <p:oleObj spid="_x0000_s7309" name="think-cell Folie" r:id="rId4" imgW="592" imgH="588" progId="TCLayout.ActiveDocument.1">
                   <p:embed/>
                 </p:oleObj>
               </mc:Choice>
@@ -15573,7 +15576,7 @@
           <a:graphicData uri="http://schemas.openxmlformats.org/presentationml/2006/ole">
             <mc:AlternateContent xmlns:mc="http://schemas.openxmlformats.org/markup-compatibility/2006">
               <mc:Choice xmlns:v="urn:schemas-microsoft-com:vml" Requires="v">
-                <p:oleObj spid="_x0000_s5254" name="think-cell Folie" r:id="rId4" imgW="592" imgH="588" progId="TCLayout.ActiveDocument.1">
+                <p:oleObj spid="_x0000_s5266" name="think-cell Folie" r:id="rId4" imgW="592" imgH="588" progId="TCLayout.ActiveDocument.1">
                   <p:embed/>
                 </p:oleObj>
               </mc:Choice>
@@ -19372,7 +19375,7 @@
           <a:graphicData uri="http://schemas.openxmlformats.org/presentationml/2006/ole">
             <mc:AlternateContent xmlns:mc="http://schemas.openxmlformats.org/markup-compatibility/2006">
               <mc:Choice xmlns:v="urn:schemas-microsoft-com:vml" Requires="v">
-                <p:oleObj spid="_x0000_s9337" name="think-cell Folie" r:id="rId4" imgW="592" imgH="588" progId="TCLayout.ActiveDocument.1">
+                <p:oleObj spid="_x0000_s9349" name="think-cell Folie" r:id="rId4" imgW="592" imgH="588" progId="TCLayout.ActiveDocument.1">
                   <p:embed/>
                 </p:oleObj>
               </mc:Choice>
@@ -21448,7 +21451,7 @@
           <a:graphicData uri="http://schemas.openxmlformats.org/presentationml/2006/ole">
             <mc:AlternateContent xmlns:mc="http://schemas.openxmlformats.org/markup-compatibility/2006">
               <mc:Choice xmlns:v="urn:schemas-microsoft-com:vml" Requires="v">
-                <p:oleObj spid="_x0000_s11365" name="think-cell Folie" r:id="rId4" imgW="631" imgH="631" progId="TCLayout.ActiveDocument.1">
+                <p:oleObj spid="_x0000_s11377" name="think-cell Folie" r:id="rId4" imgW="631" imgH="631" progId="TCLayout.ActiveDocument.1">
                   <p:embed/>
                 </p:oleObj>
               </mc:Choice>
@@ -22167,7 +22170,7 @@
           <a:graphicData uri="http://schemas.openxmlformats.org/presentationml/2006/ole">
             <mc:AlternateContent xmlns:mc="http://schemas.openxmlformats.org/markup-compatibility/2006">
               <mc:Choice xmlns:v="urn:schemas-microsoft-com:vml" Requires="v">
-                <p:oleObj spid="_x0000_s12363" name="think-cell Folie" r:id="rId4" imgW="631" imgH="631" progId="TCLayout.ActiveDocument.1">
+                <p:oleObj spid="_x0000_s12375" name="think-cell Folie" r:id="rId4" imgW="631" imgH="631" progId="TCLayout.ActiveDocument.1">
                   <p:embed/>
                 </p:oleObj>
               </mc:Choice>
@@ -22452,7 +22455,7 @@
           <a:graphicData uri="http://schemas.openxmlformats.org/presentationml/2006/ole">
             <mc:AlternateContent xmlns:mc="http://schemas.openxmlformats.org/markup-compatibility/2006">
               <mc:Choice xmlns:v="urn:schemas-microsoft-com:vml" Requires="v">
-                <p:oleObj spid="_x0000_s13387" name="think-cell Folie" r:id="rId4" imgW="631" imgH="631" progId="TCLayout.ActiveDocument.1">
+                <p:oleObj spid="_x0000_s13399" name="think-cell Folie" r:id="rId4" imgW="631" imgH="631" progId="TCLayout.ActiveDocument.1">
                   <p:embed/>
                 </p:oleObj>
               </mc:Choice>
@@ -22941,7 +22944,7 @@
           <a:graphicData uri="http://schemas.openxmlformats.org/presentationml/2006/ole">
             <mc:AlternateContent xmlns:mc="http://schemas.openxmlformats.org/markup-compatibility/2006">
               <mc:Choice xmlns:v="urn:schemas-microsoft-com:vml" Requires="v">
-                <p:oleObj spid="_x0000_s14389" name="think-cell Folie" r:id="rId4" imgW="631" imgH="631" progId="TCLayout.ActiveDocument.1">
+                <p:oleObj spid="_x0000_s14401" name="think-cell Folie" r:id="rId4" imgW="631" imgH="631" progId="TCLayout.ActiveDocument.1">
                   <p:embed/>
                 </p:oleObj>
               </mc:Choice>
@@ -23644,7 +23647,7 @@
           <a:graphicData uri="http://schemas.openxmlformats.org/presentationml/2006/ole">
             <mc:AlternateContent xmlns:mc="http://schemas.openxmlformats.org/markup-compatibility/2006">
               <mc:Choice xmlns:v="urn:schemas-microsoft-com:vml" Requires="v">
-                <p:oleObj spid="_x0000_s15413" name="think-cell Folie" r:id="rId4" imgW="631" imgH="631" progId="TCLayout.ActiveDocument.1">
+                <p:oleObj spid="_x0000_s15425" name="think-cell Folie" r:id="rId4" imgW="631" imgH="631" progId="TCLayout.ActiveDocument.1">
                   <p:embed/>
                 </p:oleObj>
               </mc:Choice>
@@ -25190,7 +25193,7 @@
           <a:graphicData uri="http://schemas.openxmlformats.org/presentationml/2006/ole">
             <mc:AlternateContent xmlns:mc="http://schemas.openxmlformats.org/markup-compatibility/2006">
               <mc:Choice xmlns:v="urn:schemas-microsoft-com:vml" Requires="v">
-                <p:oleObj spid="_x0000_s16437" name="think-cell Folie" r:id="rId4" imgW="631" imgH="631" progId="TCLayout.ActiveDocument.1">
+                <p:oleObj spid="_x0000_s16449" name="think-cell Folie" r:id="rId4" imgW="631" imgH="631" progId="TCLayout.ActiveDocument.1">
                   <p:embed/>
                 </p:oleObj>
               </mc:Choice>
@@ -25695,7 +25698,7 @@
           <a:graphicData uri="http://schemas.openxmlformats.org/presentationml/2006/ole">
             <mc:AlternateContent xmlns:mc="http://schemas.openxmlformats.org/markup-compatibility/2006">
               <mc:Choice xmlns:v="urn:schemas-microsoft-com:vml" Requires="v">
-                <p:oleObj spid="_x0000_s17457" name="think-cell Folie" r:id="rId7" imgW="631" imgH="631" progId="TCLayout.ActiveDocument.1">
+                <p:oleObj spid="_x0000_s17469" name="think-cell Folie" r:id="rId7" imgW="631" imgH="631" progId="TCLayout.ActiveDocument.1">
                   <p:embed/>
                 </p:oleObj>
               </mc:Choice>
@@ -25918,7 +25921,7 @@
           <a:graphicData uri="http://schemas.openxmlformats.org/presentationml/2006/ole">
             <mc:AlternateContent xmlns:mc="http://schemas.openxmlformats.org/markup-compatibility/2006">
               <mc:Choice xmlns:v="urn:schemas-microsoft-com:vml" Requires="v">
-                <p:oleObj spid="_x0000_s19498" name="think-cell Folie" r:id="rId4" imgW="631" imgH="631" progId="TCLayout.ActiveDocument.1">
+                <p:oleObj spid="_x0000_s19510" name="think-cell Folie" r:id="rId4" imgW="631" imgH="631" progId="TCLayout.ActiveDocument.1">
                   <p:embed/>
                 </p:oleObj>
               </mc:Choice>
@@ -26538,7 +26541,7 @@
           <a:graphicData uri="http://schemas.openxmlformats.org/presentationml/2006/ole">
             <mc:AlternateContent xmlns:mc="http://schemas.openxmlformats.org/markup-compatibility/2006">
               <mc:Choice xmlns:v="urn:schemas-microsoft-com:vml" Requires="v">
-                <p:oleObj spid="_x0000_s10359" name="think-cell Folie" r:id="rId4" imgW="592" imgH="588" progId="TCLayout.ActiveDocument.1">
+                <p:oleObj spid="_x0000_s10371" name="think-cell Folie" r:id="rId4" imgW="592" imgH="588" progId="TCLayout.ActiveDocument.1">
                   <p:embed/>
                 </p:oleObj>
               </mc:Choice>
@@ -27328,7 +27331,7 @@
           <a:graphicData uri="http://schemas.openxmlformats.org/presentationml/2006/ole">
             <mc:AlternateContent xmlns:mc="http://schemas.openxmlformats.org/markup-compatibility/2006">
               <mc:Choice xmlns:v="urn:schemas-microsoft-com:vml" Requires="v">
-                <p:oleObj spid="_x0000_s20522" name="think-cell Folie" r:id="rId4" imgW="631" imgH="631" progId="TCLayout.ActiveDocument.1">
+                <p:oleObj spid="_x0000_s20534" name="think-cell Folie" r:id="rId4" imgW="631" imgH="631" progId="TCLayout.ActiveDocument.1">
                   <p:embed/>
                 </p:oleObj>
               </mc:Choice>
@@ -27953,7 +27956,7 @@
           <a:graphicData uri="http://schemas.openxmlformats.org/presentationml/2006/ole">
             <mc:AlternateContent xmlns:mc="http://schemas.openxmlformats.org/markup-compatibility/2006">
               <mc:Choice xmlns:v="urn:schemas-microsoft-com:vml" Requires="v">
-                <p:oleObj spid="_x0000_s18479" name="think-cell Folie" r:id="rId4" imgW="631" imgH="631" progId="TCLayout.ActiveDocument.1">
+                <p:oleObj spid="_x0000_s18491" name="think-cell Folie" r:id="rId4" imgW="631" imgH="631" progId="TCLayout.ActiveDocument.1">
                   <p:embed/>
                 </p:oleObj>
               </mc:Choice>
@@ -29328,7 +29331,7 @@
           <a:graphicData uri="http://schemas.openxmlformats.org/presentationml/2006/ole">
             <mc:AlternateContent xmlns:mc="http://schemas.openxmlformats.org/markup-compatibility/2006">
               <mc:Choice xmlns:v="urn:schemas-microsoft-com:vml" Requires="v">
-                <p:oleObj spid="_x0000_s21544" name="think-cell Folie" r:id="rId4" imgW="631" imgH="631" progId="TCLayout.ActiveDocument.1">
+                <p:oleObj spid="_x0000_s21556" name="think-cell Folie" r:id="rId4" imgW="631" imgH="631" progId="TCLayout.ActiveDocument.1">
                   <p:embed/>
                 </p:oleObj>
               </mc:Choice>
@@ -30703,7 +30706,7 @@
           <a:graphicData uri="http://schemas.openxmlformats.org/presentationml/2006/ole">
             <mc:AlternateContent xmlns:mc="http://schemas.openxmlformats.org/markup-compatibility/2006">
               <mc:Choice xmlns:v="urn:schemas-microsoft-com:vml" Requires="v">
-                <p:oleObj spid="_x0000_s22567" name="think-cell Folie" r:id="rId4" imgW="631" imgH="631" progId="TCLayout.ActiveDocument.1">
+                <p:oleObj spid="_x0000_s22579" name="think-cell Folie" r:id="rId4" imgW="631" imgH="631" progId="TCLayout.ActiveDocument.1">
                   <p:embed/>
                 </p:oleObj>
               </mc:Choice>
@@ -32082,7 +32085,7 @@
           <a:graphicData uri="http://schemas.openxmlformats.org/presentationml/2006/ole">
             <mc:AlternateContent xmlns:mc="http://schemas.openxmlformats.org/markup-compatibility/2006">
               <mc:Choice xmlns:v="urn:schemas-microsoft-com:vml" Requires="v">
-                <p:oleObj spid="_x0000_s23590" name="think-cell Folie" r:id="rId4" imgW="631" imgH="631" progId="TCLayout.ActiveDocument.1">
+                <p:oleObj spid="_x0000_s23602" name="think-cell Folie" r:id="rId4" imgW="631" imgH="631" progId="TCLayout.ActiveDocument.1">
                   <p:embed/>
                 </p:oleObj>
               </mc:Choice>
@@ -32419,7 +32422,7 @@
           <a:graphicData uri="http://schemas.openxmlformats.org/presentationml/2006/ole">
             <mc:AlternateContent xmlns:mc="http://schemas.openxmlformats.org/markup-compatibility/2006">
               <mc:Choice xmlns:v="urn:schemas-microsoft-com:vml" Requires="v">
-                <p:oleObj spid="_x0000_s24610" name="think-cell Folie" r:id="rId4" imgW="631" imgH="631" progId="TCLayout.ActiveDocument.1">
+                <p:oleObj spid="_x0000_s24622" name="think-cell Folie" r:id="rId4" imgW="631" imgH="631" progId="TCLayout.ActiveDocument.1">
                   <p:embed/>
                 </p:oleObj>
               </mc:Choice>
@@ -32758,7 +32761,7 @@
           <a:graphicData uri="http://schemas.openxmlformats.org/presentationml/2006/ole">
             <mc:AlternateContent xmlns:mc="http://schemas.openxmlformats.org/markup-compatibility/2006">
               <mc:Choice xmlns:v="urn:schemas-microsoft-com:vml" Requires="v">
-                <p:oleObj spid="_x0000_s25633" name="think-cell Folie" r:id="rId4" imgW="631" imgH="631" progId="TCLayout.ActiveDocument.1">
+                <p:oleObj spid="_x0000_s25645" name="think-cell Folie" r:id="rId4" imgW="631" imgH="631" progId="TCLayout.ActiveDocument.1">
                   <p:embed/>
                 </p:oleObj>
               </mc:Choice>
@@ -33031,7 +33034,7 @@
           <a:graphicData uri="http://schemas.openxmlformats.org/presentationml/2006/ole">
             <mc:AlternateContent xmlns:mc="http://schemas.openxmlformats.org/markup-compatibility/2006">
               <mc:Choice xmlns:v="urn:schemas-microsoft-com:vml" Requires="v">
-                <p:oleObj spid="_x0000_s26654" name="think-cell Folie" r:id="rId4" imgW="631" imgH="631" progId="TCLayout.ActiveDocument.1">
+                <p:oleObj spid="_x0000_s26666" name="think-cell Folie" r:id="rId4" imgW="631" imgH="631" progId="TCLayout.ActiveDocument.1">
                   <p:embed/>
                 </p:oleObj>
               </mc:Choice>
@@ -33378,7 +33381,7 @@
           <a:graphicData uri="http://schemas.openxmlformats.org/presentationml/2006/ole">
             <mc:AlternateContent xmlns:mc="http://schemas.openxmlformats.org/markup-compatibility/2006">
               <mc:Choice xmlns:v="urn:schemas-microsoft-com:vml" Requires="v">
-                <p:oleObj spid="_x0000_s27677" name="think-cell Folie" r:id="rId4" imgW="631" imgH="631" progId="TCLayout.ActiveDocument.1">
+                <p:oleObj spid="_x0000_s27689" name="think-cell Folie" r:id="rId4" imgW="631" imgH="631" progId="TCLayout.ActiveDocument.1">
                   <p:embed/>
                 </p:oleObj>
               </mc:Choice>
@@ -33786,7 +33789,7 @@
           <a:graphicData uri="http://schemas.openxmlformats.org/presentationml/2006/ole">
             <mc:AlternateContent xmlns:mc="http://schemas.openxmlformats.org/markup-compatibility/2006">
               <mc:Choice xmlns:v="urn:schemas-microsoft-com:vml" Requires="v">
-                <p:oleObj spid="_x0000_s28701" name="think-cell Folie" r:id="rId4" imgW="631" imgH="631" progId="TCLayout.ActiveDocument.1">
+                <p:oleObj spid="_x0000_s28713" name="think-cell Folie" r:id="rId4" imgW="631" imgH="631" progId="TCLayout.ActiveDocument.1">
                   <p:embed/>
                 </p:oleObj>
               </mc:Choice>
@@ -34325,7 +34328,7 @@
           <a:graphicData uri="http://schemas.openxmlformats.org/presentationml/2006/ole">
             <mc:AlternateContent xmlns:mc="http://schemas.openxmlformats.org/markup-compatibility/2006">
               <mc:Choice xmlns:v="urn:schemas-microsoft-com:vml" Requires="v">
-                <p:oleObj spid="_x0000_s29722" name="think-cell Folie" r:id="rId5" imgW="631" imgH="631" progId="TCLayout.ActiveDocument.1">
+                <p:oleObj spid="_x0000_s29734" name="think-cell Folie" r:id="rId5" imgW="631" imgH="631" progId="TCLayout.ActiveDocument.1">
                   <p:embed/>
                 </p:oleObj>
               </mc:Choice>
@@ -34788,7 +34791,7 @@
           <a:graphicData uri="http://schemas.openxmlformats.org/presentationml/2006/ole">
             <mc:AlternateContent xmlns:mc="http://schemas.openxmlformats.org/markup-compatibility/2006">
               <mc:Choice xmlns:v="urn:schemas-microsoft-com:vml" Requires="v">
-                <p:oleObj spid="_x0000_s30746" name="think-cell Folie" r:id="rId5" imgW="631" imgH="631" progId="TCLayout.ActiveDocument.1">
+                <p:oleObj spid="_x0000_s30758" name="think-cell Folie" r:id="rId5" imgW="631" imgH="631" progId="TCLayout.ActiveDocument.1">
                   <p:embed/>
                 </p:oleObj>
               </mc:Choice>
@@ -35271,7 +35274,7 @@
           <a:graphicData uri="http://schemas.openxmlformats.org/presentationml/2006/ole">
             <mc:AlternateContent xmlns:mc="http://schemas.openxmlformats.org/markup-compatibility/2006">
               <mc:Choice xmlns:v="urn:schemas-microsoft-com:vml" Requires="v">
-                <p:oleObj spid="_x0000_s31770" name="think-cell Folie" r:id="rId6" imgW="631" imgH="631" progId="TCLayout.ActiveDocument.1">
+                <p:oleObj spid="_x0000_s31782" name="think-cell Folie" r:id="rId6" imgW="631" imgH="631" progId="TCLayout.ActiveDocument.1">
                   <p:embed/>
                 </p:oleObj>
               </mc:Choice>
@@ -35972,7 +35975,7 @@
           <a:graphicData uri="http://schemas.openxmlformats.org/presentationml/2006/ole">
             <mc:AlternateContent xmlns:mc="http://schemas.openxmlformats.org/markup-compatibility/2006">
               <mc:Choice xmlns:v="urn:schemas-microsoft-com:vml" Requires="v">
-                <p:oleObj spid="_x0000_s32793" name="think-cell Folie" r:id="rId4" imgW="631" imgH="631" progId="TCLayout.ActiveDocument.1">
+                <p:oleObj spid="_x0000_s32805" name="think-cell Folie" r:id="rId4" imgW="631" imgH="631" progId="TCLayout.ActiveDocument.1">
                   <p:embed/>
                 </p:oleObj>
               </mc:Choice>
@@ -36468,7 +36471,7 @@
           <a:graphicData uri="http://schemas.openxmlformats.org/presentationml/2006/ole">
             <mc:AlternateContent xmlns:mc="http://schemas.openxmlformats.org/markup-compatibility/2006">
               <mc:Choice xmlns:v="urn:schemas-microsoft-com:vml" Requires="v">
-                <p:oleObj spid="_x0000_s34834" name="think-cell Folie" r:id="rId4" imgW="631" imgH="631" progId="TCLayout.ActiveDocument.1">
+                <p:oleObj spid="_x0000_s34846" name="think-cell Folie" r:id="rId4" imgW="631" imgH="631" progId="TCLayout.ActiveDocument.1">
                   <p:embed/>
                 </p:oleObj>
               </mc:Choice>
@@ -36964,7 +36967,7 @@
           <a:graphicData uri="http://schemas.openxmlformats.org/presentationml/2006/ole">
             <mc:AlternateContent xmlns:mc="http://schemas.openxmlformats.org/markup-compatibility/2006">
               <mc:Choice xmlns:v="urn:schemas-microsoft-com:vml" Requires="v">
-                <p:oleObj spid="_x0000_s35855" name="think-cell Folie" r:id="rId4" imgW="631" imgH="631" progId="TCLayout.ActiveDocument.1">
+                <p:oleObj spid="_x0000_s35867" name="think-cell Folie" r:id="rId4" imgW="631" imgH="631" progId="TCLayout.ActiveDocument.1">
                   <p:embed/>
                 </p:oleObj>
               </mc:Choice>
@@ -37259,7 +37262,7 @@
           <a:graphicData uri="http://schemas.openxmlformats.org/presentationml/2006/ole">
             <mc:AlternateContent xmlns:mc="http://schemas.openxmlformats.org/markup-compatibility/2006">
               <mc:Choice xmlns:v="urn:schemas-microsoft-com:vml" Requires="v">
-                <p:oleObj spid="_x0000_s36877" name="think-cell Folie" r:id="rId5" imgW="631" imgH="631" progId="TCLayout.ActiveDocument.1">
+                <p:oleObj spid="_x0000_s36889" name="think-cell Folie" r:id="rId5" imgW="631" imgH="631" progId="TCLayout.ActiveDocument.1">
                   <p:embed/>
                 </p:oleObj>
               </mc:Choice>
@@ -37472,7 +37475,7 @@
           <a:graphicData uri="http://schemas.openxmlformats.org/presentationml/2006/ole">
             <mc:AlternateContent xmlns:mc="http://schemas.openxmlformats.org/markup-compatibility/2006">
               <mc:Choice xmlns:v="urn:schemas-microsoft-com:vml" Requires="v">
-                <p:oleObj spid="_x0000_s38924" name="think-cell Folie" r:id="rId5" imgW="631" imgH="631" progId="TCLayout.ActiveDocument.1">
+                <p:oleObj spid="_x0000_s38936" name="think-cell Folie" r:id="rId5" imgW="631" imgH="631" progId="TCLayout.ActiveDocument.1">
                   <p:embed/>
                 </p:oleObj>
               </mc:Choice>
@@ -37702,7 +37705,7 @@
           <a:graphicData uri="http://schemas.openxmlformats.org/presentationml/2006/ole">
             <mc:AlternateContent xmlns:mc="http://schemas.openxmlformats.org/markup-compatibility/2006">
               <mc:Choice xmlns:v="urn:schemas-microsoft-com:vml" Requires="v">
-                <p:oleObj spid="_x0000_s39947" name="think-cell Folie" r:id="rId5" imgW="631" imgH="631" progId="TCLayout.ActiveDocument.1">
+                <p:oleObj spid="_x0000_s39959" name="think-cell Folie" r:id="rId5" imgW="631" imgH="631" progId="TCLayout.ActiveDocument.1">
                   <p:embed/>
                 </p:oleObj>
               </mc:Choice>
@@ -38005,7 +38008,7 @@
           <a:graphicData uri="http://schemas.openxmlformats.org/presentationml/2006/ole">
             <mc:AlternateContent xmlns:mc="http://schemas.openxmlformats.org/markup-compatibility/2006">
               <mc:Choice xmlns:v="urn:schemas-microsoft-com:vml" Requires="v">
-                <p:oleObj spid="_x0000_s40971" name="think-cell Folie" r:id="rId5" imgW="631" imgH="631" progId="TCLayout.ActiveDocument.1">
+                <p:oleObj spid="_x0000_s40983" name="think-cell Folie" r:id="rId5" imgW="631" imgH="631" progId="TCLayout.ActiveDocument.1">
                   <p:embed/>
                 </p:oleObj>
               </mc:Choice>
@@ -38436,7 +38439,7 @@
           <a:graphicData uri="http://schemas.openxmlformats.org/presentationml/2006/ole">
             <mc:AlternateContent xmlns:mc="http://schemas.openxmlformats.org/markup-compatibility/2006">
               <mc:Choice xmlns:v="urn:schemas-microsoft-com:vml" Requires="v">
-                <p:oleObj spid="_x0000_s44043" name="think-cell Folie" r:id="rId5" imgW="631" imgH="631" progId="TCLayout.ActiveDocument.1">
+                <p:oleObj spid="_x0000_s44055" name="think-cell Folie" r:id="rId5" imgW="631" imgH="631" progId="TCLayout.ActiveDocument.1">
                   <p:embed/>
                 </p:oleObj>
               </mc:Choice>
@@ -38576,7 +38579,7 @@
           <a:graphicData uri="http://schemas.openxmlformats.org/presentationml/2006/ole">
             <mc:AlternateContent xmlns:mc="http://schemas.openxmlformats.org/markup-compatibility/2006">
               <mc:Choice xmlns:v="urn:schemas-microsoft-com:vml" Requires="v">
-                <p:oleObj spid="_x0000_s45065" name="think-cell Folie" r:id="rId4" imgW="631" imgH="631" progId="TCLayout.ActiveDocument.1">
+                <p:oleObj spid="_x0000_s45077" name="think-cell Folie" r:id="rId4" imgW="631" imgH="631" progId="TCLayout.ActiveDocument.1">
                   <p:embed/>
                 </p:oleObj>
               </mc:Choice>
@@ -38892,7 +38895,7 @@
           <a:graphicData uri="http://schemas.openxmlformats.org/presentationml/2006/ole">
             <mc:AlternateContent xmlns:mc="http://schemas.openxmlformats.org/markup-compatibility/2006">
               <mc:Choice xmlns:v="urn:schemas-microsoft-com:vml" Requires="v">
-                <p:oleObj spid="_x0000_s47106" name="think-cell Folie" r:id="rId4" imgW="631" imgH="631" progId="TCLayout.ActiveDocument.1">
+                <p:oleObj spid="_x0000_s47118" name="think-cell Folie" r:id="rId4" imgW="631" imgH="631" progId="TCLayout.ActiveDocument.1">
                   <p:embed/>
                 </p:oleObj>
               </mc:Choice>
@@ -39204,7 +39207,7 @@
           <a:graphicData uri="http://schemas.openxmlformats.org/presentationml/2006/ole">
             <mc:AlternateContent xmlns:mc="http://schemas.openxmlformats.org/markup-compatibility/2006">
               <mc:Choice xmlns:v="urn:schemas-microsoft-com:vml" Requires="v">
-                <p:oleObj spid="_x0000_s46086" name="think-cell Folie" r:id="rId4" imgW="631" imgH="631" progId="TCLayout.ActiveDocument.1">
+                <p:oleObj spid="_x0000_s46098" name="think-cell Folie" r:id="rId4" imgW="631" imgH="631" progId="TCLayout.ActiveDocument.1">
                   <p:embed/>
                 </p:oleObj>
               </mc:Choice>
@@ -39520,7 +39523,7 @@
           <a:graphicData uri="http://schemas.openxmlformats.org/presentationml/2006/ole">
             <mc:AlternateContent xmlns:mc="http://schemas.openxmlformats.org/markup-compatibility/2006">
               <mc:Choice xmlns:v="urn:schemas-microsoft-com:vml" Requires="v">
-                <p:oleObj spid="_x0000_s48130" name="think-cell Folie" r:id="rId4" imgW="631" imgH="631" progId="TCLayout.ActiveDocument.1">
+                <p:oleObj spid="_x0000_s48142" name="think-cell Folie" r:id="rId4" imgW="631" imgH="631" progId="TCLayout.ActiveDocument.1">
                   <p:embed/>
                 </p:oleObj>
               </mc:Choice>
@@ -39778,6 +39781,1504 @@
     <p:extLst>
       <p:ext uri="{BB962C8B-B14F-4D97-AF65-F5344CB8AC3E}">
         <p14:creationId xmlns:p14="http://schemas.microsoft.com/office/powerpoint/2010/main" val="2715038703"/>
+      </p:ext>
+    </p:extLst>
+  </p:cSld>
+  <p:clrMapOvr>
+    <a:masterClrMapping/>
+  </p:clrMapOvr>
+  <p:timing>
+    <p:tnLst>
+      <p:par>
+        <p:cTn id="1" dur="indefinite" restart="never" nodeType="tmRoot"/>
+      </p:par>
+    </p:tnLst>
+  </p:timing>
+</p:sld>
+</file>
+
+<file path=ppt/slides/slide85.xml><?xml version="1.0" encoding="utf-8"?>
+<p:sld xmlns:a="http://schemas.openxmlformats.org/drawingml/2006/main" xmlns:r="http://schemas.openxmlformats.org/officeDocument/2006/relationships" xmlns:p="http://schemas.openxmlformats.org/presentationml/2006/main">
+  <p:cSld>
+    <p:spTree>
+      <p:nvGrpSpPr>
+        <p:cNvPr id="1" name=""/>
+        <p:cNvGrpSpPr/>
+        <p:nvPr/>
+      </p:nvGrpSpPr>
+      <p:grpSpPr>
+        <a:xfrm>
+          <a:off x="0" y="0"/>
+          <a:ext cx="0" cy="0"/>
+          <a:chOff x="0" y="0"/>
+          <a:chExt cx="0" cy="0"/>
+        </a:xfrm>
+      </p:grpSpPr>
+      <p:graphicFrame>
+        <p:nvGraphicFramePr>
+          <p:cNvPr id="4" name="Objekt 3" hidden="1"/>
+          <p:cNvGraphicFramePr>
+            <a:graphicFrameLocks noChangeAspect="1"/>
+          </p:cNvGraphicFramePr>
+          <p:nvPr>
+            <p:custDataLst>
+              <p:tags r:id="rId2"/>
+            </p:custDataLst>
+            <p:extLst>
+              <p:ext uri="{D42A27DB-BD31-4B8C-83A1-F6EECF244321}">
+                <p14:modId xmlns:p14="http://schemas.microsoft.com/office/powerpoint/2010/main" val="1385730514"/>
+              </p:ext>
+            </p:extLst>
+          </p:nvPr>
+        </p:nvGraphicFramePr>
+        <p:xfrm>
+          <a:off x="1588" y="1588"/>
+          <a:ext cx="1588" cy="1588"/>
+        </p:xfrm>
+        <a:graphic>
+          <a:graphicData uri="http://schemas.openxmlformats.org/presentationml/2006/ole">
+            <mc:AlternateContent xmlns:mc="http://schemas.openxmlformats.org/markup-compatibility/2006">
+              <mc:Choice xmlns:v="urn:schemas-microsoft-com:vml" Requires="v">
+                <p:oleObj spid="_x0000_s49165" name="think-cell Folie" r:id="rId4" imgW="526" imgH="526" progId="TCLayout.ActiveDocument.1">
+                  <p:embed/>
+                </p:oleObj>
+              </mc:Choice>
+              <mc:Fallback>
+                <p:oleObj name="think-cell Folie" r:id="rId4" imgW="526" imgH="526" progId="TCLayout.ActiveDocument.1">
+                  <p:embed/>
+                  <p:pic>
+                    <p:nvPicPr>
+                      <p:cNvPr id="0" name=""/>
+                      <p:cNvPicPr/>
+                      <p:nvPr/>
+                    </p:nvPicPr>
+                    <p:blipFill>
+                      <a:blip r:embed="rId5"/>
+                      <a:stretch>
+                        <a:fillRect/>
+                      </a:stretch>
+                    </p:blipFill>
+                    <p:spPr>
+                      <a:xfrm>
+                        <a:off x="1588" y="1588"/>
+                        <a:ext cx="1588" cy="1588"/>
+                      </a:xfrm>
+                      <a:prstGeom prst="rect">
+                        <a:avLst/>
+                      </a:prstGeom>
+                    </p:spPr>
+                  </p:pic>
+                </p:oleObj>
+              </mc:Fallback>
+            </mc:AlternateContent>
+          </a:graphicData>
+        </a:graphic>
+      </p:graphicFrame>
+      <p:sp>
+        <p:nvSpPr>
+          <p:cNvPr id="5" name="Rechteck 4"/>
+          <p:cNvSpPr>
+            <a:spLocks/>
+          </p:cNvSpPr>
+          <p:nvPr/>
+        </p:nvSpPr>
+        <p:spPr>
+          <a:xfrm>
+            <a:off x="3428009" y="1012277"/>
+            <a:ext cx="3384000" cy="216000"/>
+          </a:xfrm>
+          <a:prstGeom prst="rect">
+            <a:avLst/>
+          </a:prstGeom>
+          <a:solidFill>
+            <a:schemeClr val="tx1">
+              <a:lumMod val="100000"/>
+            </a:schemeClr>
+          </a:solidFill>
+          <a:ln w="57150" cap="flat" cmpd="sng" algn="ctr">
+            <a:noFill/>
+            <a:prstDash val="solid"/>
+            <a:miter lim="800000"/>
+          </a:ln>
+          <a:effectLst/>
+          <a:extLst/>
+        </p:spPr>
+        <p:style>
+          <a:lnRef idx="2">
+            <a:schemeClr val="accent1">
+              <a:shade val="50000"/>
+            </a:schemeClr>
+          </a:lnRef>
+          <a:fillRef idx="1">
+            <a:schemeClr val="accent1"/>
+          </a:fillRef>
+          <a:effectRef idx="0">
+            <a:schemeClr val="accent1"/>
+          </a:effectRef>
+          <a:fontRef idx="minor">
+            <a:schemeClr val="lt1"/>
+          </a:fontRef>
+        </p:style>
+        <p:txBody>
+          <a:bodyPr rtlCol="0" anchor="ctr"/>
+          <a:lstStyle/>
+          <a:p>
+            <a:pPr algn="ctr"/>
+            <a:endParaRPr lang="en-US"/>
+          </a:p>
+        </p:txBody>
+      </p:sp>
+      <p:sp>
+        <p:nvSpPr>
+          <p:cNvPr id="6" name="Rechteck 5"/>
+          <p:cNvSpPr/>
+          <p:nvPr/>
+        </p:nvSpPr>
+        <p:spPr>
+          <a:xfrm>
+            <a:off x="291385" y="773137"/>
+            <a:ext cx="1596932" cy="654406"/>
+          </a:xfrm>
+          <a:prstGeom prst="rect">
+            <a:avLst/>
+          </a:prstGeom>
+          <a:solidFill>
+            <a:schemeClr val="accent1">
+              <a:lumMod val="75000"/>
+            </a:schemeClr>
+          </a:solidFill>
+          <a:ln w="12700" cap="flat" cmpd="sng" algn="ctr">
+            <a:noFill/>
+            <a:prstDash val="solid"/>
+            <a:miter lim="800000"/>
+          </a:ln>
+          <a:effectLst/>
+        </p:spPr>
+        <p:style>
+          <a:lnRef idx="2">
+            <a:schemeClr val="accent1">
+              <a:shade val="50000"/>
+            </a:schemeClr>
+          </a:lnRef>
+          <a:fillRef idx="1">
+            <a:schemeClr val="accent1"/>
+          </a:fillRef>
+          <a:effectRef idx="0">
+            <a:schemeClr val="accent1"/>
+          </a:effectRef>
+          <a:fontRef idx="minor">
+            <a:schemeClr val="lt1"/>
+          </a:fontRef>
+        </p:style>
+        <p:txBody>
+          <a:bodyPr rtlCol="0" anchor="ctr"/>
+          <a:lstStyle/>
+          <a:p>
+            <a:pPr algn="ctr"/>
+            <a:endParaRPr lang="en-US"/>
+          </a:p>
+        </p:txBody>
+      </p:sp>
+      <p:sp>
+        <p:nvSpPr>
+          <p:cNvPr id="7" name="Eingekerbter Richtungspfeil 16"/>
+          <p:cNvSpPr/>
+          <p:nvPr/>
+        </p:nvSpPr>
+        <p:spPr>
+          <a:xfrm>
+            <a:off x="1183981" y="68884"/>
+            <a:ext cx="1334570" cy="2062912"/>
+          </a:xfrm>
+          <a:prstGeom prst="chevron">
+            <a:avLst/>
+          </a:prstGeom>
+          <a:solidFill>
+            <a:schemeClr val="accent1">
+              <a:lumMod val="75000"/>
+            </a:schemeClr>
+          </a:solidFill>
+          <a:ln w="12700" cap="flat" cmpd="sng" algn="ctr">
+            <a:noFill/>
+            <a:prstDash val="solid"/>
+            <a:miter lim="800000"/>
+          </a:ln>
+          <a:effectLst/>
+        </p:spPr>
+        <p:style>
+          <a:lnRef idx="2">
+            <a:schemeClr val="accent1">
+              <a:shade val="50000"/>
+            </a:schemeClr>
+          </a:lnRef>
+          <a:fillRef idx="1">
+            <a:schemeClr val="accent1"/>
+          </a:fillRef>
+          <a:effectRef idx="0">
+            <a:schemeClr val="accent1"/>
+          </a:effectRef>
+          <a:fontRef idx="minor">
+            <a:schemeClr val="lt1"/>
+          </a:fontRef>
+        </p:style>
+        <p:txBody>
+          <a:bodyPr rtlCol="0" anchor="ctr"/>
+          <a:lstStyle/>
+          <a:p>
+            <a:pPr algn="ctr"/>
+            <a:endParaRPr lang="en-US">
+              <a:solidFill>
+                <a:schemeClr val="tx1"/>
+              </a:solidFill>
+            </a:endParaRPr>
+          </a:p>
+        </p:txBody>
+      </p:sp>
+      <p:sp>
+        <p:nvSpPr>
+          <p:cNvPr id="9" name="Rechteck 8"/>
+          <p:cNvSpPr>
+            <a:spLocks/>
+          </p:cNvSpPr>
+          <p:nvPr/>
+        </p:nvSpPr>
+        <p:spPr>
+          <a:xfrm>
+            <a:off x="291385" y="2166877"/>
+            <a:ext cx="6520624" cy="216000"/>
+          </a:xfrm>
+          <a:prstGeom prst="rect">
+            <a:avLst/>
+          </a:prstGeom>
+          <a:solidFill>
+            <a:schemeClr val="tx1">
+              <a:lumMod val="100000"/>
+            </a:schemeClr>
+          </a:solidFill>
+          <a:ln w="57150" cap="flat" cmpd="sng" algn="ctr">
+            <a:noFill/>
+            <a:prstDash val="solid"/>
+            <a:miter lim="800000"/>
+          </a:ln>
+          <a:effectLst/>
+          <a:extLst/>
+        </p:spPr>
+        <p:style>
+          <a:lnRef idx="2">
+            <a:schemeClr val="accent1">
+              <a:shade val="50000"/>
+            </a:schemeClr>
+          </a:lnRef>
+          <a:fillRef idx="1">
+            <a:schemeClr val="accent1"/>
+          </a:fillRef>
+          <a:effectRef idx="0">
+            <a:schemeClr val="accent1"/>
+          </a:effectRef>
+          <a:fontRef idx="minor">
+            <a:schemeClr val="lt1"/>
+          </a:fontRef>
+        </p:style>
+        <p:txBody>
+          <a:bodyPr rtlCol="0" anchor="ctr"/>
+          <a:lstStyle/>
+          <a:p>
+            <a:pPr algn="ctr"/>
+            <a:endParaRPr lang="en-US"/>
+          </a:p>
+        </p:txBody>
+      </p:sp>
+      <p:sp>
+        <p:nvSpPr>
+          <p:cNvPr id="10" name="Rechteck 9"/>
+          <p:cNvSpPr>
+            <a:spLocks/>
+          </p:cNvSpPr>
+          <p:nvPr/>
+        </p:nvSpPr>
+        <p:spPr>
+          <a:xfrm>
+            <a:off x="291385" y="3321477"/>
+            <a:ext cx="6520624" cy="216000"/>
+          </a:xfrm>
+          <a:prstGeom prst="rect">
+            <a:avLst/>
+          </a:prstGeom>
+          <a:solidFill>
+            <a:schemeClr val="tx1">
+              <a:lumMod val="100000"/>
+            </a:schemeClr>
+          </a:solidFill>
+          <a:ln w="57150" cap="flat" cmpd="sng" algn="ctr">
+            <a:noFill/>
+            <a:prstDash val="solid"/>
+            <a:miter lim="800000"/>
+          </a:ln>
+          <a:effectLst/>
+          <a:extLst/>
+        </p:spPr>
+        <p:style>
+          <a:lnRef idx="2">
+            <a:schemeClr val="accent1">
+              <a:shade val="50000"/>
+            </a:schemeClr>
+          </a:lnRef>
+          <a:fillRef idx="1">
+            <a:schemeClr val="accent1"/>
+          </a:fillRef>
+          <a:effectRef idx="0">
+            <a:schemeClr val="accent1"/>
+          </a:effectRef>
+          <a:fontRef idx="minor">
+            <a:schemeClr val="lt1"/>
+          </a:fontRef>
+        </p:style>
+        <p:txBody>
+          <a:bodyPr rtlCol="0" anchor="ctr"/>
+          <a:lstStyle/>
+          <a:p>
+            <a:pPr algn="ctr"/>
+            <a:endParaRPr lang="en-US"/>
+          </a:p>
+        </p:txBody>
+      </p:sp>
+      <p:sp>
+        <p:nvSpPr>
+          <p:cNvPr id="11" name="Rechteck 10"/>
+          <p:cNvSpPr>
+            <a:spLocks/>
+          </p:cNvSpPr>
+          <p:nvPr/>
+        </p:nvSpPr>
+        <p:spPr>
+          <a:xfrm>
+            <a:off x="291385" y="4476077"/>
+            <a:ext cx="6520624" cy="216000"/>
+          </a:xfrm>
+          <a:prstGeom prst="rect">
+            <a:avLst/>
+          </a:prstGeom>
+          <a:solidFill>
+            <a:schemeClr val="tx1">
+              <a:lumMod val="100000"/>
+            </a:schemeClr>
+          </a:solidFill>
+          <a:ln w="57150" cap="flat" cmpd="sng" algn="ctr">
+            <a:noFill/>
+            <a:prstDash val="solid"/>
+            <a:miter lim="800000"/>
+          </a:ln>
+          <a:effectLst/>
+          <a:extLst/>
+        </p:spPr>
+        <p:style>
+          <a:lnRef idx="2">
+            <a:schemeClr val="accent1">
+              <a:shade val="50000"/>
+            </a:schemeClr>
+          </a:lnRef>
+          <a:fillRef idx="1">
+            <a:schemeClr val="accent1"/>
+          </a:fillRef>
+          <a:effectRef idx="0">
+            <a:schemeClr val="accent1"/>
+          </a:effectRef>
+          <a:fontRef idx="minor">
+            <a:schemeClr val="lt1"/>
+          </a:fontRef>
+        </p:style>
+        <p:txBody>
+          <a:bodyPr rtlCol="0" anchor="ctr"/>
+          <a:lstStyle/>
+          <a:p>
+            <a:pPr algn="ctr"/>
+            <a:endParaRPr lang="en-US"/>
+          </a:p>
+        </p:txBody>
+      </p:sp>
+      <p:sp>
+        <p:nvSpPr>
+          <p:cNvPr id="12" name="Rechteck 11"/>
+          <p:cNvSpPr>
+            <a:spLocks/>
+          </p:cNvSpPr>
+          <p:nvPr/>
+        </p:nvSpPr>
+        <p:spPr>
+          <a:xfrm>
+            <a:off x="291385" y="6785279"/>
+            <a:ext cx="6520624" cy="216000"/>
+          </a:xfrm>
+          <a:prstGeom prst="rect">
+            <a:avLst/>
+          </a:prstGeom>
+          <a:solidFill>
+            <a:schemeClr val="tx1">
+              <a:lumMod val="100000"/>
+            </a:schemeClr>
+          </a:solidFill>
+          <a:ln w="57150" cap="flat" cmpd="sng" algn="ctr">
+            <a:noFill/>
+            <a:prstDash val="solid"/>
+            <a:miter lim="800000"/>
+          </a:ln>
+          <a:effectLst/>
+          <a:extLst/>
+        </p:spPr>
+        <p:style>
+          <a:lnRef idx="2">
+            <a:schemeClr val="accent1">
+              <a:shade val="50000"/>
+            </a:schemeClr>
+          </a:lnRef>
+          <a:fillRef idx="1">
+            <a:schemeClr val="accent1"/>
+          </a:fillRef>
+          <a:effectRef idx="0">
+            <a:schemeClr val="accent1"/>
+          </a:effectRef>
+          <a:fontRef idx="minor">
+            <a:schemeClr val="lt1"/>
+          </a:fontRef>
+        </p:style>
+        <p:txBody>
+          <a:bodyPr rtlCol="0" anchor="ctr"/>
+          <a:lstStyle/>
+          <a:p>
+            <a:pPr algn="ctr"/>
+            <a:endParaRPr lang="en-US"/>
+          </a:p>
+        </p:txBody>
+      </p:sp>
+      <p:sp>
+        <p:nvSpPr>
+          <p:cNvPr id="13" name="Rechteck 12"/>
+          <p:cNvSpPr>
+            <a:spLocks/>
+          </p:cNvSpPr>
+          <p:nvPr/>
+        </p:nvSpPr>
+        <p:spPr>
+          <a:xfrm>
+            <a:off x="291385" y="5630677"/>
+            <a:ext cx="6520624" cy="216000"/>
+          </a:xfrm>
+          <a:prstGeom prst="rect">
+            <a:avLst/>
+          </a:prstGeom>
+          <a:solidFill>
+            <a:schemeClr val="tx1">
+              <a:lumMod val="100000"/>
+            </a:schemeClr>
+          </a:solidFill>
+          <a:ln w="57150" cap="flat" cmpd="sng" algn="ctr">
+            <a:noFill/>
+            <a:prstDash val="solid"/>
+            <a:miter lim="800000"/>
+          </a:ln>
+          <a:effectLst/>
+          <a:extLst/>
+        </p:spPr>
+        <p:style>
+          <a:lnRef idx="2">
+            <a:schemeClr val="accent1">
+              <a:shade val="50000"/>
+            </a:schemeClr>
+          </a:lnRef>
+          <a:fillRef idx="1">
+            <a:schemeClr val="accent1"/>
+          </a:fillRef>
+          <a:effectRef idx="0">
+            <a:schemeClr val="accent1"/>
+          </a:effectRef>
+          <a:fontRef idx="minor">
+            <a:schemeClr val="lt1"/>
+          </a:fontRef>
+        </p:style>
+        <p:txBody>
+          <a:bodyPr rtlCol="0" anchor="ctr"/>
+          <a:lstStyle/>
+          <a:p>
+            <a:pPr algn="ctr"/>
+            <a:endParaRPr lang="en-US"/>
+          </a:p>
+        </p:txBody>
+      </p:sp>
+    </p:spTree>
+    <p:extLst>
+      <p:ext uri="{BB962C8B-B14F-4D97-AF65-F5344CB8AC3E}">
+        <p14:creationId xmlns:p14="http://schemas.microsoft.com/office/powerpoint/2010/main" val="3270665891"/>
+      </p:ext>
+    </p:extLst>
+  </p:cSld>
+  <p:clrMapOvr>
+    <a:masterClrMapping/>
+  </p:clrMapOvr>
+  <p:timing>
+    <p:tnLst>
+      <p:par>
+        <p:cTn id="1" dur="indefinite" restart="never" nodeType="tmRoot"/>
+      </p:par>
+    </p:tnLst>
+  </p:timing>
+</p:sld>
+</file>
+
+<file path=ppt/slides/slide86.xml><?xml version="1.0" encoding="utf-8"?>
+<p:sld xmlns:a="http://schemas.openxmlformats.org/drawingml/2006/main" xmlns:r="http://schemas.openxmlformats.org/officeDocument/2006/relationships" xmlns:p="http://schemas.openxmlformats.org/presentationml/2006/main">
+  <p:cSld>
+    <p:spTree>
+      <p:nvGrpSpPr>
+        <p:cNvPr id="1" name=""/>
+        <p:cNvGrpSpPr/>
+        <p:nvPr/>
+      </p:nvGrpSpPr>
+      <p:grpSpPr>
+        <a:xfrm>
+          <a:off x="0" y="0"/>
+          <a:ext cx="0" cy="0"/>
+          <a:chOff x="0" y="0"/>
+          <a:chExt cx="0" cy="0"/>
+        </a:xfrm>
+      </p:grpSpPr>
+      <p:graphicFrame>
+        <p:nvGraphicFramePr>
+          <p:cNvPr id="4" name="Objekt 3" hidden="1"/>
+          <p:cNvGraphicFramePr>
+            <a:graphicFrameLocks noChangeAspect="1"/>
+          </p:cNvGraphicFramePr>
+          <p:nvPr>
+            <p:custDataLst>
+              <p:tags r:id="rId2"/>
+            </p:custDataLst>
+          </p:nvPr>
+        </p:nvGraphicFramePr>
+        <p:xfrm>
+          <a:off x="1588" y="1588"/>
+          <a:ext cx="1588" cy="1588"/>
+        </p:xfrm>
+        <a:graphic>
+          <a:graphicData uri="http://schemas.openxmlformats.org/presentationml/2006/ole">
+            <mc:AlternateContent xmlns:mc="http://schemas.openxmlformats.org/markup-compatibility/2006">
+              <mc:Choice xmlns:v="urn:schemas-microsoft-com:vml" Requires="v">
+                <p:oleObj spid="_x0000_s50189" name="think-cell Folie" r:id="rId4" imgW="526" imgH="526" progId="TCLayout.ActiveDocument.1">
+                  <p:embed/>
+                </p:oleObj>
+              </mc:Choice>
+              <mc:Fallback>
+                <p:oleObj name="think-cell Folie" r:id="rId4" imgW="526" imgH="526" progId="TCLayout.ActiveDocument.1">
+                  <p:embed/>
+                  <p:pic>
+                    <p:nvPicPr>
+                      <p:cNvPr id="4" name="Objekt 3" hidden="1"/>
+                      <p:cNvPicPr/>
+                      <p:nvPr/>
+                    </p:nvPicPr>
+                    <p:blipFill>
+                      <a:blip r:embed="rId5"/>
+                      <a:stretch>
+                        <a:fillRect/>
+                      </a:stretch>
+                    </p:blipFill>
+                    <p:spPr>
+                      <a:xfrm>
+                        <a:off x="1588" y="1588"/>
+                        <a:ext cx="1588" cy="1588"/>
+                      </a:xfrm>
+                      <a:prstGeom prst="rect">
+                        <a:avLst/>
+                      </a:prstGeom>
+                    </p:spPr>
+                  </p:pic>
+                </p:oleObj>
+              </mc:Fallback>
+            </mc:AlternateContent>
+          </a:graphicData>
+        </a:graphic>
+      </p:graphicFrame>
+      <p:grpSp>
+        <p:nvGrpSpPr>
+          <p:cNvPr id="2" name="Gruppieren 1"/>
+          <p:cNvGrpSpPr/>
+          <p:nvPr/>
+        </p:nvGrpSpPr>
+        <p:grpSpPr>
+          <a:xfrm rot="5400000">
+            <a:off x="808798" y="219229"/>
+            <a:ext cx="2515954" cy="2326390"/>
+            <a:chOff x="291388" y="782136"/>
+            <a:chExt cx="2227163" cy="1262862"/>
+          </a:xfrm>
+        </p:grpSpPr>
+        <p:sp>
+          <p:nvSpPr>
+            <p:cNvPr id="6" name="Rechteck 5"/>
+            <p:cNvSpPr/>
+            <p:nvPr/>
+          </p:nvSpPr>
+          <p:spPr>
+            <a:xfrm>
+              <a:off x="291388" y="1246670"/>
+              <a:ext cx="1596932" cy="333797"/>
+            </a:xfrm>
+            <a:prstGeom prst="rect">
+              <a:avLst/>
+            </a:prstGeom>
+            <a:solidFill>
+              <a:schemeClr val="accent1">
+                <a:lumMod val="75000"/>
+              </a:schemeClr>
+            </a:solidFill>
+            <a:ln w="12700" cap="flat" cmpd="sng" algn="ctr">
+              <a:noFill/>
+              <a:prstDash val="solid"/>
+              <a:miter lim="800000"/>
+            </a:ln>
+            <a:effectLst/>
+          </p:spPr>
+          <p:style>
+            <a:lnRef idx="2">
+              <a:schemeClr val="accent1">
+                <a:shade val="50000"/>
+              </a:schemeClr>
+            </a:lnRef>
+            <a:fillRef idx="1">
+              <a:schemeClr val="accent1"/>
+            </a:fillRef>
+            <a:effectRef idx="0">
+              <a:schemeClr val="accent1"/>
+            </a:effectRef>
+            <a:fontRef idx="minor">
+              <a:schemeClr val="lt1"/>
+            </a:fontRef>
+          </p:style>
+          <p:txBody>
+            <a:bodyPr rtlCol="0" anchor="ctr"/>
+            <a:lstStyle/>
+            <a:p>
+              <a:pPr algn="ctr"/>
+              <a:endParaRPr lang="en-US"/>
+            </a:p>
+          </p:txBody>
+        </p:sp>
+        <p:sp>
+          <p:nvSpPr>
+            <p:cNvPr id="7" name="Eingekerbter Richtungspfeil 16"/>
+            <p:cNvSpPr/>
+            <p:nvPr/>
+          </p:nvSpPr>
+          <p:spPr>
+            <a:xfrm>
+              <a:off x="1183981" y="782136"/>
+              <a:ext cx="1334570" cy="1262862"/>
+            </a:xfrm>
+            <a:prstGeom prst="chevron">
+              <a:avLst/>
+            </a:prstGeom>
+            <a:solidFill>
+              <a:schemeClr val="accent1">
+                <a:lumMod val="75000"/>
+              </a:schemeClr>
+            </a:solidFill>
+            <a:ln w="12700" cap="flat" cmpd="sng" algn="ctr">
+              <a:noFill/>
+              <a:prstDash val="solid"/>
+              <a:miter lim="800000"/>
+            </a:ln>
+            <a:effectLst/>
+          </p:spPr>
+          <p:style>
+            <a:lnRef idx="2">
+              <a:schemeClr val="accent1">
+                <a:shade val="50000"/>
+              </a:schemeClr>
+            </a:lnRef>
+            <a:fillRef idx="1">
+              <a:schemeClr val="accent1"/>
+            </a:fillRef>
+            <a:effectRef idx="0">
+              <a:schemeClr val="accent1"/>
+            </a:effectRef>
+            <a:fontRef idx="minor">
+              <a:schemeClr val="lt1"/>
+            </a:fontRef>
+          </p:style>
+          <p:txBody>
+            <a:bodyPr rtlCol="0" anchor="ctr"/>
+            <a:lstStyle/>
+            <a:p>
+              <a:pPr algn="ctr"/>
+              <a:endParaRPr lang="en-US">
+                <a:solidFill>
+                  <a:schemeClr val="tx1"/>
+                </a:solidFill>
+              </a:endParaRPr>
+            </a:p>
+          </p:txBody>
+        </p:sp>
+      </p:grpSp>
+      <p:sp>
+        <p:nvSpPr>
+          <p:cNvPr id="9" name="Rechteck 8"/>
+          <p:cNvSpPr>
+            <a:spLocks/>
+          </p:cNvSpPr>
+          <p:nvPr/>
+        </p:nvSpPr>
+        <p:spPr>
+          <a:xfrm>
+            <a:off x="291385" y="3097366"/>
+            <a:ext cx="6520624" cy="216000"/>
+          </a:xfrm>
+          <a:prstGeom prst="rect">
+            <a:avLst/>
+          </a:prstGeom>
+          <a:solidFill>
+            <a:schemeClr val="tx1">
+              <a:lumMod val="100000"/>
+            </a:schemeClr>
+          </a:solidFill>
+          <a:ln w="57150" cap="flat" cmpd="sng" algn="ctr">
+            <a:noFill/>
+            <a:prstDash val="solid"/>
+            <a:miter lim="800000"/>
+          </a:ln>
+          <a:effectLst/>
+          <a:extLst/>
+        </p:spPr>
+        <p:style>
+          <a:lnRef idx="2">
+            <a:schemeClr val="accent1">
+              <a:shade val="50000"/>
+            </a:schemeClr>
+          </a:lnRef>
+          <a:fillRef idx="1">
+            <a:schemeClr val="accent1"/>
+          </a:fillRef>
+          <a:effectRef idx="0">
+            <a:schemeClr val="accent1"/>
+          </a:effectRef>
+          <a:fontRef idx="minor">
+            <a:schemeClr val="lt1"/>
+          </a:fontRef>
+        </p:style>
+        <p:txBody>
+          <a:bodyPr rtlCol="0" anchor="ctr"/>
+          <a:lstStyle/>
+          <a:p>
+            <a:pPr algn="ctr"/>
+            <a:endParaRPr lang="en-US"/>
+          </a:p>
+        </p:txBody>
+      </p:sp>
+      <p:sp>
+        <p:nvSpPr>
+          <p:cNvPr id="10" name="Rechteck 9"/>
+          <p:cNvSpPr>
+            <a:spLocks/>
+          </p:cNvSpPr>
+          <p:nvPr/>
+        </p:nvSpPr>
+        <p:spPr>
+          <a:xfrm>
+            <a:off x="291385" y="4032562"/>
+            <a:ext cx="6520624" cy="216000"/>
+          </a:xfrm>
+          <a:prstGeom prst="rect">
+            <a:avLst/>
+          </a:prstGeom>
+          <a:solidFill>
+            <a:schemeClr val="tx1">
+              <a:lumMod val="100000"/>
+            </a:schemeClr>
+          </a:solidFill>
+          <a:ln w="57150" cap="flat" cmpd="sng" algn="ctr">
+            <a:noFill/>
+            <a:prstDash val="solid"/>
+            <a:miter lim="800000"/>
+          </a:ln>
+          <a:effectLst/>
+          <a:extLst/>
+        </p:spPr>
+        <p:style>
+          <a:lnRef idx="2">
+            <a:schemeClr val="accent1">
+              <a:shade val="50000"/>
+            </a:schemeClr>
+          </a:lnRef>
+          <a:fillRef idx="1">
+            <a:schemeClr val="accent1"/>
+          </a:fillRef>
+          <a:effectRef idx="0">
+            <a:schemeClr val="accent1"/>
+          </a:effectRef>
+          <a:fontRef idx="minor">
+            <a:schemeClr val="lt1"/>
+          </a:fontRef>
+        </p:style>
+        <p:txBody>
+          <a:bodyPr rtlCol="0" anchor="ctr"/>
+          <a:lstStyle/>
+          <a:p>
+            <a:pPr algn="ctr"/>
+            <a:endParaRPr lang="en-US"/>
+          </a:p>
+        </p:txBody>
+      </p:sp>
+      <p:sp>
+        <p:nvSpPr>
+          <p:cNvPr id="11" name="Rechteck 10"/>
+          <p:cNvSpPr>
+            <a:spLocks/>
+          </p:cNvSpPr>
+          <p:nvPr/>
+        </p:nvSpPr>
+        <p:spPr>
+          <a:xfrm>
+            <a:off x="291385" y="4967758"/>
+            <a:ext cx="4410471" cy="216000"/>
+          </a:xfrm>
+          <a:prstGeom prst="rect">
+            <a:avLst/>
+          </a:prstGeom>
+          <a:solidFill>
+            <a:schemeClr val="tx1">
+              <a:lumMod val="100000"/>
+            </a:schemeClr>
+          </a:solidFill>
+          <a:ln w="57150" cap="flat" cmpd="sng" algn="ctr">
+            <a:noFill/>
+            <a:prstDash val="solid"/>
+            <a:miter lim="800000"/>
+          </a:ln>
+          <a:effectLst/>
+          <a:extLst/>
+        </p:spPr>
+        <p:style>
+          <a:lnRef idx="2">
+            <a:schemeClr val="accent1">
+              <a:shade val="50000"/>
+            </a:schemeClr>
+          </a:lnRef>
+          <a:fillRef idx="1">
+            <a:schemeClr val="accent1"/>
+          </a:fillRef>
+          <a:effectRef idx="0">
+            <a:schemeClr val="accent1"/>
+          </a:effectRef>
+          <a:fontRef idx="minor">
+            <a:schemeClr val="lt1"/>
+          </a:fontRef>
+        </p:style>
+        <p:txBody>
+          <a:bodyPr rtlCol="0" anchor="ctr"/>
+          <a:lstStyle/>
+          <a:p>
+            <a:pPr algn="ctr"/>
+            <a:endParaRPr lang="en-US"/>
+          </a:p>
+        </p:txBody>
+      </p:sp>
+      <p:sp>
+        <p:nvSpPr>
+          <p:cNvPr id="12" name="Rechteck 11"/>
+          <p:cNvSpPr>
+            <a:spLocks/>
+          </p:cNvSpPr>
+          <p:nvPr/>
+        </p:nvSpPr>
+        <p:spPr>
+          <a:xfrm>
+            <a:off x="291385" y="5902954"/>
+            <a:ext cx="4410471" cy="216000"/>
+          </a:xfrm>
+          <a:prstGeom prst="rect">
+            <a:avLst/>
+          </a:prstGeom>
+          <a:solidFill>
+            <a:schemeClr val="tx1">
+              <a:lumMod val="100000"/>
+            </a:schemeClr>
+          </a:solidFill>
+          <a:ln w="57150" cap="flat" cmpd="sng" algn="ctr">
+            <a:noFill/>
+            <a:prstDash val="solid"/>
+            <a:miter lim="800000"/>
+          </a:ln>
+          <a:effectLst/>
+          <a:extLst/>
+        </p:spPr>
+        <p:style>
+          <a:lnRef idx="2">
+            <a:schemeClr val="accent1">
+              <a:shade val="50000"/>
+            </a:schemeClr>
+          </a:lnRef>
+          <a:fillRef idx="1">
+            <a:schemeClr val="accent1"/>
+          </a:fillRef>
+          <a:effectRef idx="0">
+            <a:schemeClr val="accent1"/>
+          </a:effectRef>
+          <a:fontRef idx="minor">
+            <a:schemeClr val="lt1"/>
+          </a:fontRef>
+        </p:style>
+        <p:txBody>
+          <a:bodyPr rtlCol="0" anchor="ctr"/>
+          <a:lstStyle/>
+          <a:p>
+            <a:pPr algn="ctr"/>
+            <a:endParaRPr lang="en-US"/>
+          </a:p>
+        </p:txBody>
+      </p:sp>
+      <p:sp>
+        <p:nvSpPr>
+          <p:cNvPr id="13" name="Rechteck 12"/>
+          <p:cNvSpPr>
+            <a:spLocks/>
+          </p:cNvSpPr>
+          <p:nvPr/>
+        </p:nvSpPr>
+        <p:spPr>
+          <a:xfrm>
+            <a:off x="291385" y="6838149"/>
+            <a:ext cx="6520624" cy="216000"/>
+          </a:xfrm>
+          <a:prstGeom prst="rect">
+            <a:avLst/>
+          </a:prstGeom>
+          <a:solidFill>
+            <a:schemeClr val="tx1">
+              <a:lumMod val="100000"/>
+            </a:schemeClr>
+          </a:solidFill>
+          <a:ln w="57150" cap="flat" cmpd="sng" algn="ctr">
+            <a:noFill/>
+            <a:prstDash val="solid"/>
+            <a:miter lim="800000"/>
+          </a:ln>
+          <a:effectLst/>
+          <a:extLst/>
+        </p:spPr>
+        <p:style>
+          <a:lnRef idx="2">
+            <a:schemeClr val="accent1">
+              <a:shade val="50000"/>
+            </a:schemeClr>
+          </a:lnRef>
+          <a:fillRef idx="1">
+            <a:schemeClr val="accent1"/>
+          </a:fillRef>
+          <a:effectRef idx="0">
+            <a:schemeClr val="accent1"/>
+          </a:effectRef>
+          <a:fontRef idx="minor">
+            <a:schemeClr val="lt1"/>
+          </a:fontRef>
+        </p:style>
+        <p:txBody>
+          <a:bodyPr rtlCol="0" anchor="ctr"/>
+          <a:lstStyle/>
+          <a:p>
+            <a:pPr algn="ctr"/>
+            <a:endParaRPr lang="en-US"/>
+          </a:p>
+        </p:txBody>
+      </p:sp>
+    </p:spTree>
+    <p:extLst>
+      <p:ext uri="{BB962C8B-B14F-4D97-AF65-F5344CB8AC3E}">
+        <p14:creationId xmlns:p14="http://schemas.microsoft.com/office/powerpoint/2010/main" val="2339647210"/>
+      </p:ext>
+    </p:extLst>
+  </p:cSld>
+  <p:clrMapOvr>
+    <a:masterClrMapping/>
+  </p:clrMapOvr>
+  <p:timing>
+    <p:tnLst>
+      <p:par>
+        <p:cTn id="1" dur="indefinite" restart="never" nodeType="tmRoot"/>
+      </p:par>
+    </p:tnLst>
+  </p:timing>
+</p:sld>
+</file>
+
+<file path=ppt/slides/slide87.xml><?xml version="1.0" encoding="utf-8"?>
+<p:sld xmlns:a="http://schemas.openxmlformats.org/drawingml/2006/main" xmlns:r="http://schemas.openxmlformats.org/officeDocument/2006/relationships" xmlns:p="http://schemas.openxmlformats.org/presentationml/2006/main">
+  <p:cSld>
+    <p:spTree>
+      <p:nvGrpSpPr>
+        <p:cNvPr id="1" name=""/>
+        <p:cNvGrpSpPr/>
+        <p:nvPr/>
+      </p:nvGrpSpPr>
+      <p:grpSpPr>
+        <a:xfrm>
+          <a:off x="0" y="0"/>
+          <a:ext cx="0" cy="0"/>
+          <a:chOff x="0" y="0"/>
+          <a:chExt cx="0" cy="0"/>
+        </a:xfrm>
+      </p:grpSpPr>
+      <p:graphicFrame>
+        <p:nvGraphicFramePr>
+          <p:cNvPr id="4" name="Objekt 3" hidden="1"/>
+          <p:cNvGraphicFramePr>
+            <a:graphicFrameLocks noChangeAspect="1"/>
+          </p:cNvGraphicFramePr>
+          <p:nvPr>
+            <p:custDataLst>
+              <p:tags r:id="rId2"/>
+            </p:custDataLst>
+            <p:extLst>
+              <p:ext uri="{D42A27DB-BD31-4B8C-83A1-F6EECF244321}">
+                <p14:modId xmlns:p14="http://schemas.microsoft.com/office/powerpoint/2010/main" val="4270605631"/>
+              </p:ext>
+            </p:extLst>
+          </p:nvPr>
+        </p:nvGraphicFramePr>
+        <p:xfrm>
+          <a:off x="1588" y="1588"/>
+          <a:ext cx="1588" cy="1588"/>
+        </p:xfrm>
+        <a:graphic>
+          <a:graphicData uri="http://schemas.openxmlformats.org/presentationml/2006/ole">
+            <mc:AlternateContent xmlns:mc="http://schemas.openxmlformats.org/markup-compatibility/2006">
+              <mc:Choice xmlns:v="urn:schemas-microsoft-com:vml" Requires="v">
+                <p:oleObj spid="_x0000_s51211" name="think-cell Folie" r:id="rId4" imgW="526" imgH="526" progId="TCLayout.ActiveDocument.1">
+                  <p:embed/>
+                </p:oleObj>
+              </mc:Choice>
+              <mc:Fallback>
+                <p:oleObj name="think-cell Folie" r:id="rId4" imgW="526" imgH="526" progId="TCLayout.ActiveDocument.1">
+                  <p:embed/>
+                  <p:pic>
+                    <p:nvPicPr>
+                      <p:cNvPr id="4" name="Objekt 3" hidden="1"/>
+                      <p:cNvPicPr/>
+                      <p:nvPr/>
+                    </p:nvPicPr>
+                    <p:blipFill>
+                      <a:blip r:embed="rId5"/>
+                      <a:stretch>
+                        <a:fillRect/>
+                      </a:stretch>
+                    </p:blipFill>
+                    <p:spPr>
+                      <a:xfrm>
+                        <a:off x="1588" y="1588"/>
+                        <a:ext cx="1588" cy="1588"/>
+                      </a:xfrm>
+                      <a:prstGeom prst="rect">
+                        <a:avLst/>
+                      </a:prstGeom>
+                    </p:spPr>
+                  </p:pic>
+                </p:oleObj>
+              </mc:Fallback>
+            </mc:AlternateContent>
+          </a:graphicData>
+        </a:graphic>
+      </p:graphicFrame>
+      <p:grpSp>
+        <p:nvGrpSpPr>
+          <p:cNvPr id="14" name="Gruppieren 13"/>
+          <p:cNvGrpSpPr/>
+          <p:nvPr/>
+        </p:nvGrpSpPr>
+        <p:grpSpPr>
+          <a:xfrm rot="5400000">
+            <a:off x="808798" y="4572426"/>
+            <a:ext cx="2515954" cy="2326390"/>
+            <a:chOff x="291388" y="782136"/>
+            <a:chExt cx="2227163" cy="1262862"/>
+          </a:xfrm>
+        </p:grpSpPr>
+        <p:sp>
+          <p:nvSpPr>
+            <p:cNvPr id="15" name="Rechteck 14"/>
+            <p:cNvSpPr/>
+            <p:nvPr/>
+          </p:nvSpPr>
+          <p:spPr>
+            <a:xfrm>
+              <a:off x="291388" y="1246670"/>
+              <a:ext cx="1596932" cy="333797"/>
+            </a:xfrm>
+            <a:prstGeom prst="rect">
+              <a:avLst/>
+            </a:prstGeom>
+            <a:solidFill>
+              <a:schemeClr val="accent1">
+                <a:lumMod val="75000"/>
+              </a:schemeClr>
+            </a:solidFill>
+            <a:ln w="12700" cap="flat" cmpd="sng" algn="ctr">
+              <a:noFill/>
+              <a:prstDash val="solid"/>
+              <a:miter lim="800000"/>
+            </a:ln>
+            <a:effectLst/>
+          </p:spPr>
+          <p:style>
+            <a:lnRef idx="2">
+              <a:schemeClr val="accent1">
+                <a:shade val="50000"/>
+              </a:schemeClr>
+            </a:lnRef>
+            <a:fillRef idx="1">
+              <a:schemeClr val="accent1"/>
+            </a:fillRef>
+            <a:effectRef idx="0">
+              <a:schemeClr val="accent1"/>
+            </a:effectRef>
+            <a:fontRef idx="minor">
+              <a:schemeClr val="lt1"/>
+            </a:fontRef>
+          </p:style>
+          <p:txBody>
+            <a:bodyPr rtlCol="0" anchor="ctr"/>
+            <a:lstStyle/>
+            <a:p>
+              <a:pPr algn="ctr"/>
+              <a:endParaRPr lang="en-US"/>
+            </a:p>
+          </p:txBody>
+        </p:sp>
+        <p:sp>
+          <p:nvSpPr>
+            <p:cNvPr id="16" name="Eingekerbter Richtungspfeil 16"/>
+            <p:cNvSpPr/>
+            <p:nvPr/>
+          </p:nvSpPr>
+          <p:spPr>
+            <a:xfrm>
+              <a:off x="1183981" y="782136"/>
+              <a:ext cx="1334570" cy="1262862"/>
+            </a:xfrm>
+            <a:prstGeom prst="chevron">
+              <a:avLst/>
+            </a:prstGeom>
+            <a:solidFill>
+              <a:schemeClr val="accent1">
+                <a:lumMod val="75000"/>
+              </a:schemeClr>
+            </a:solidFill>
+            <a:ln w="12700" cap="flat" cmpd="sng" algn="ctr">
+              <a:noFill/>
+              <a:prstDash val="solid"/>
+              <a:miter lim="800000"/>
+            </a:ln>
+            <a:effectLst/>
+          </p:spPr>
+          <p:style>
+            <a:lnRef idx="2">
+              <a:schemeClr val="accent1">
+                <a:shade val="50000"/>
+              </a:schemeClr>
+            </a:lnRef>
+            <a:fillRef idx="1">
+              <a:schemeClr val="accent1"/>
+            </a:fillRef>
+            <a:effectRef idx="0">
+              <a:schemeClr val="accent1"/>
+            </a:effectRef>
+            <a:fontRef idx="minor">
+              <a:schemeClr val="lt1"/>
+            </a:fontRef>
+          </p:style>
+          <p:txBody>
+            <a:bodyPr rtlCol="0" anchor="ctr"/>
+            <a:lstStyle/>
+            <a:p>
+              <a:pPr algn="ctr"/>
+              <a:endParaRPr lang="en-US">
+                <a:solidFill>
+                  <a:schemeClr val="tx1"/>
+                </a:solidFill>
+              </a:endParaRPr>
+            </a:p>
+          </p:txBody>
+        </p:sp>
+      </p:grpSp>
+      <p:sp>
+        <p:nvSpPr>
+          <p:cNvPr id="20" name="Rechteck 19"/>
+          <p:cNvSpPr>
+            <a:spLocks/>
+          </p:cNvSpPr>
+          <p:nvPr/>
+        </p:nvSpPr>
+        <p:spPr>
+          <a:xfrm>
+            <a:off x="291385" y="124447"/>
+            <a:ext cx="6520624" cy="216000"/>
+          </a:xfrm>
+          <a:prstGeom prst="rect">
+            <a:avLst/>
+          </a:prstGeom>
+          <a:solidFill>
+            <a:schemeClr val="tx1">
+              <a:lumMod val="100000"/>
+            </a:schemeClr>
+          </a:solidFill>
+          <a:ln w="57150" cap="flat" cmpd="sng" algn="ctr">
+            <a:noFill/>
+            <a:prstDash val="solid"/>
+            <a:miter lim="800000"/>
+          </a:ln>
+          <a:effectLst/>
+          <a:extLst/>
+        </p:spPr>
+        <p:style>
+          <a:lnRef idx="2">
+            <a:schemeClr val="accent1">
+              <a:shade val="50000"/>
+            </a:schemeClr>
+          </a:lnRef>
+          <a:fillRef idx="1">
+            <a:schemeClr val="accent1"/>
+          </a:fillRef>
+          <a:effectRef idx="0">
+            <a:schemeClr val="accent1"/>
+          </a:effectRef>
+          <a:fontRef idx="minor">
+            <a:schemeClr val="lt1"/>
+          </a:fontRef>
+        </p:style>
+        <p:txBody>
+          <a:bodyPr rtlCol="0" anchor="ctr"/>
+          <a:lstStyle/>
+          <a:p>
+            <a:pPr algn="ctr"/>
+            <a:endParaRPr lang="en-US"/>
+          </a:p>
+        </p:txBody>
+      </p:sp>
+      <p:sp>
+        <p:nvSpPr>
+          <p:cNvPr id="21" name="Rechteck 20"/>
+          <p:cNvSpPr>
+            <a:spLocks/>
+          </p:cNvSpPr>
+          <p:nvPr/>
+        </p:nvSpPr>
+        <p:spPr>
+          <a:xfrm>
+            <a:off x="291385" y="1059643"/>
+            <a:ext cx="6520624" cy="216000"/>
+          </a:xfrm>
+          <a:prstGeom prst="rect">
+            <a:avLst/>
+          </a:prstGeom>
+          <a:solidFill>
+            <a:schemeClr val="tx1">
+              <a:lumMod val="100000"/>
+            </a:schemeClr>
+          </a:solidFill>
+          <a:ln w="57150" cap="flat" cmpd="sng" algn="ctr">
+            <a:noFill/>
+            <a:prstDash val="solid"/>
+            <a:miter lim="800000"/>
+          </a:ln>
+          <a:effectLst/>
+          <a:extLst/>
+        </p:spPr>
+        <p:style>
+          <a:lnRef idx="2">
+            <a:schemeClr val="accent1">
+              <a:shade val="50000"/>
+            </a:schemeClr>
+          </a:lnRef>
+          <a:fillRef idx="1">
+            <a:schemeClr val="accent1"/>
+          </a:fillRef>
+          <a:effectRef idx="0">
+            <a:schemeClr val="accent1"/>
+          </a:effectRef>
+          <a:fontRef idx="minor">
+            <a:schemeClr val="lt1"/>
+          </a:fontRef>
+        </p:style>
+        <p:txBody>
+          <a:bodyPr rtlCol="0" anchor="ctr"/>
+          <a:lstStyle/>
+          <a:p>
+            <a:pPr algn="ctr"/>
+            <a:endParaRPr lang="en-US"/>
+          </a:p>
+        </p:txBody>
+      </p:sp>
+      <p:sp>
+        <p:nvSpPr>
+          <p:cNvPr id="22" name="Rechteck 21"/>
+          <p:cNvSpPr>
+            <a:spLocks/>
+          </p:cNvSpPr>
+          <p:nvPr/>
+        </p:nvSpPr>
+        <p:spPr>
+          <a:xfrm>
+            <a:off x="291385" y="1994839"/>
+            <a:ext cx="4410471" cy="216000"/>
+          </a:xfrm>
+          <a:prstGeom prst="rect">
+            <a:avLst/>
+          </a:prstGeom>
+          <a:solidFill>
+            <a:schemeClr val="tx1">
+              <a:lumMod val="100000"/>
+            </a:schemeClr>
+          </a:solidFill>
+          <a:ln w="57150" cap="flat" cmpd="sng" algn="ctr">
+            <a:noFill/>
+            <a:prstDash val="solid"/>
+            <a:miter lim="800000"/>
+          </a:ln>
+          <a:effectLst/>
+          <a:extLst/>
+        </p:spPr>
+        <p:style>
+          <a:lnRef idx="2">
+            <a:schemeClr val="accent1">
+              <a:shade val="50000"/>
+            </a:schemeClr>
+          </a:lnRef>
+          <a:fillRef idx="1">
+            <a:schemeClr val="accent1"/>
+          </a:fillRef>
+          <a:effectRef idx="0">
+            <a:schemeClr val="accent1"/>
+          </a:effectRef>
+          <a:fontRef idx="minor">
+            <a:schemeClr val="lt1"/>
+          </a:fontRef>
+        </p:style>
+        <p:txBody>
+          <a:bodyPr rtlCol="0" anchor="ctr"/>
+          <a:lstStyle/>
+          <a:p>
+            <a:pPr algn="ctr"/>
+            <a:endParaRPr lang="en-US"/>
+          </a:p>
+        </p:txBody>
+      </p:sp>
+      <p:sp>
+        <p:nvSpPr>
+          <p:cNvPr id="23" name="Rechteck 22"/>
+          <p:cNvSpPr>
+            <a:spLocks/>
+          </p:cNvSpPr>
+          <p:nvPr/>
+        </p:nvSpPr>
+        <p:spPr>
+          <a:xfrm>
+            <a:off x="291385" y="2930035"/>
+            <a:ext cx="4410471" cy="216000"/>
+          </a:xfrm>
+          <a:prstGeom prst="rect">
+            <a:avLst/>
+          </a:prstGeom>
+          <a:solidFill>
+            <a:schemeClr val="tx1">
+              <a:lumMod val="100000"/>
+            </a:schemeClr>
+          </a:solidFill>
+          <a:ln w="57150" cap="flat" cmpd="sng" algn="ctr">
+            <a:noFill/>
+            <a:prstDash val="solid"/>
+            <a:miter lim="800000"/>
+          </a:ln>
+          <a:effectLst/>
+          <a:extLst/>
+        </p:spPr>
+        <p:style>
+          <a:lnRef idx="2">
+            <a:schemeClr val="accent1">
+              <a:shade val="50000"/>
+            </a:schemeClr>
+          </a:lnRef>
+          <a:fillRef idx="1">
+            <a:schemeClr val="accent1"/>
+          </a:fillRef>
+          <a:effectRef idx="0">
+            <a:schemeClr val="accent1"/>
+          </a:effectRef>
+          <a:fontRef idx="minor">
+            <a:schemeClr val="lt1"/>
+          </a:fontRef>
+        </p:style>
+        <p:txBody>
+          <a:bodyPr rtlCol="0" anchor="ctr"/>
+          <a:lstStyle/>
+          <a:p>
+            <a:pPr algn="ctr"/>
+            <a:endParaRPr lang="en-US"/>
+          </a:p>
+        </p:txBody>
+      </p:sp>
+      <p:sp>
+        <p:nvSpPr>
+          <p:cNvPr id="24" name="Rechteck 23"/>
+          <p:cNvSpPr>
+            <a:spLocks/>
+          </p:cNvSpPr>
+          <p:nvPr/>
+        </p:nvSpPr>
+        <p:spPr>
+          <a:xfrm>
+            <a:off x="291385" y="3865230"/>
+            <a:ext cx="6520624" cy="216000"/>
+          </a:xfrm>
+          <a:prstGeom prst="rect">
+            <a:avLst/>
+          </a:prstGeom>
+          <a:solidFill>
+            <a:schemeClr val="tx1">
+              <a:lumMod val="100000"/>
+            </a:schemeClr>
+          </a:solidFill>
+          <a:ln w="57150" cap="flat" cmpd="sng" algn="ctr">
+            <a:noFill/>
+            <a:prstDash val="solid"/>
+            <a:miter lim="800000"/>
+          </a:ln>
+          <a:effectLst/>
+          <a:extLst/>
+        </p:spPr>
+        <p:style>
+          <a:lnRef idx="2">
+            <a:schemeClr val="accent1">
+              <a:shade val="50000"/>
+            </a:schemeClr>
+          </a:lnRef>
+          <a:fillRef idx="1">
+            <a:schemeClr val="accent1"/>
+          </a:fillRef>
+          <a:effectRef idx="0">
+            <a:schemeClr val="accent1"/>
+          </a:effectRef>
+          <a:fontRef idx="minor">
+            <a:schemeClr val="lt1"/>
+          </a:fontRef>
+        </p:style>
+        <p:txBody>
+          <a:bodyPr rtlCol="0" anchor="ctr"/>
+          <a:lstStyle/>
+          <a:p>
+            <a:pPr algn="ctr"/>
+            <a:endParaRPr lang="en-US"/>
+          </a:p>
+        </p:txBody>
+      </p:sp>
+    </p:spTree>
+    <p:extLst>
+      <p:ext uri="{BB962C8B-B14F-4D97-AF65-F5344CB8AC3E}">
+        <p14:creationId xmlns:p14="http://schemas.microsoft.com/office/powerpoint/2010/main" val="2006263100"/>
       </p:ext>
     </p:extLst>
   </p:cSld>
@@ -40238,6 +41739,24 @@
 </p:tagLst>
 </file>
 
+<file path=ppt/tags/tag57.xml><?xml version="1.0" encoding="utf-8"?>
+<p:tagLst xmlns:a="http://schemas.openxmlformats.org/drawingml/2006/main" xmlns:r="http://schemas.openxmlformats.org/officeDocument/2006/relationships" xmlns:p="http://schemas.openxmlformats.org/presentationml/2006/main">
+  <p:tag name="THINKCELLSHAPEDONOTDELETE" val="thinkcellActiveDocDoNotDelete"/>
+</p:tagLst>
+</file>
+
+<file path=ppt/tags/tag58.xml><?xml version="1.0" encoding="utf-8"?>
+<p:tagLst xmlns:a="http://schemas.openxmlformats.org/drawingml/2006/main" xmlns:r="http://schemas.openxmlformats.org/officeDocument/2006/relationships" xmlns:p="http://schemas.openxmlformats.org/presentationml/2006/main">
+  <p:tag name="THINKCELLSHAPEDONOTDELETE" val="thinkcellActiveDocDoNotDelete"/>
+</p:tagLst>
+</file>
+
+<file path=ppt/tags/tag59.xml><?xml version="1.0" encoding="utf-8"?>
+<p:tagLst xmlns:a="http://schemas.openxmlformats.org/drawingml/2006/main" xmlns:r="http://schemas.openxmlformats.org/officeDocument/2006/relationships" xmlns:p="http://schemas.openxmlformats.org/presentationml/2006/main">
+  <p:tag name="THINKCELLSHAPEDONOTDELETE" val="thinkcellActiveDocDoNotDelete"/>
+</p:tagLst>
+</file>
+
 <file path=ppt/tags/tag6.xml><?xml version="1.0" encoding="utf-8"?>
 <p:tagLst xmlns:a="http://schemas.openxmlformats.org/drawingml/2006/main" xmlns:r="http://schemas.openxmlformats.org/officeDocument/2006/relationships" xmlns:p="http://schemas.openxmlformats.org/presentationml/2006/main">
   <p:tag name="THINKCELLSHAPEDONOTDELETE" val="thinkcellActiveDocDoNotDelete"/>

--- a/features/dev_florian/resources/Icons.pptx
+++ b/features/dev_florian/resources/Icons.pptx
@@ -81,22 +81,30 @@
     <p:sldId id="330" r:id="rId75"/>
     <p:sldId id="331" r:id="rId76"/>
     <p:sldId id="332" r:id="rId77"/>
-    <p:sldId id="333" r:id="rId78"/>
-    <p:sldId id="334" r:id="rId79"/>
-    <p:sldId id="335" r:id="rId80"/>
-    <p:sldId id="338" r:id="rId81"/>
-    <p:sldId id="339" r:id="rId82"/>
-    <p:sldId id="341" r:id="rId83"/>
-    <p:sldId id="340" r:id="rId84"/>
-    <p:sldId id="342" r:id="rId85"/>
-    <p:sldId id="343" r:id="rId86"/>
-    <p:sldId id="344" r:id="rId87"/>
-    <p:sldId id="345" r:id="rId88"/>
+    <p:sldId id="349" r:id="rId78"/>
+    <p:sldId id="346" r:id="rId79"/>
+    <p:sldId id="347" r:id="rId80"/>
+    <p:sldId id="348" r:id="rId81"/>
+    <p:sldId id="351" r:id="rId82"/>
+    <p:sldId id="352" r:id="rId83"/>
+    <p:sldId id="353" r:id="rId84"/>
+    <p:sldId id="333" r:id="rId85"/>
+    <p:sldId id="350" r:id="rId86"/>
+    <p:sldId id="334" r:id="rId87"/>
+    <p:sldId id="335" r:id="rId88"/>
+    <p:sldId id="338" r:id="rId89"/>
+    <p:sldId id="339" r:id="rId90"/>
+    <p:sldId id="341" r:id="rId91"/>
+    <p:sldId id="340" r:id="rId92"/>
+    <p:sldId id="342" r:id="rId93"/>
+    <p:sldId id="343" r:id="rId94"/>
+    <p:sldId id="344" r:id="rId95"/>
+    <p:sldId id="345" r:id="rId96"/>
   </p:sldIdLst>
   <p:sldSz cx="7199313" cy="7199313"/>
   <p:notesSz cx="6858000" cy="9144000"/>
   <p:custDataLst>
-    <p:tags r:id="rId89"/>
+    <p:tags r:id="rId97"/>
   </p:custDataLst>
   <p:defaultTextStyle>
     <a:defPPr>
@@ -226,7 +234,7 @@
           </p:cNvGraphicFramePr>
           <p:nvPr userDrawn="1">
             <p:custDataLst>
-              <p:tags r:id="rId2"/>
+              <p:tags r:id="rId1"/>
             </p:custDataLst>
             <p:extLst>
               <p:ext uri="{D42A27DB-BD31-4B8C-83A1-F6EECF244321}">
@@ -243,12 +251,12 @@
           <a:graphicData uri="http://schemas.openxmlformats.org/presentationml/2006/ole">
             <mc:AlternateContent xmlns:mc="http://schemas.openxmlformats.org/markup-compatibility/2006">
               <mc:Choice xmlns:v="urn:schemas-microsoft-com:vml" Requires="v">
-                <p:oleObj spid="_x0000_s2204" name="think-cell Folie" r:id="rId4" imgW="592" imgH="588" progId="TCLayout.ActiveDocument.1">
+                <p:oleObj name="think-cell Folie" r:id="rId3" imgW="592" imgH="588" progId="TCLayout.ActiveDocument.1">
                   <p:embed/>
                 </p:oleObj>
               </mc:Choice>
               <mc:Fallback>
-                <p:oleObj name="think-cell Folie" r:id="rId4" imgW="592" imgH="588" progId="TCLayout.ActiveDocument.1">
+                <p:oleObj name="think-cell Folie" r:id="rId3" imgW="592" imgH="588" progId="TCLayout.ActiveDocument.1">
                   <p:embed/>
                   <p:pic>
                     <p:nvPicPr>
@@ -257,7 +265,7 @@
                       <p:nvPr/>
                     </p:nvPicPr>
                     <p:blipFill>
-                      <a:blip r:embed="rId5"/>
+                      <a:blip r:embed="rId4"/>
                       <a:stretch>
                         <a:fillRect/>
                       </a:stretch>
@@ -303,7 +311,7 @@
           </a:lstStyle>
           <a:p>
             <a:r>
-              <a:rPr lang="de-DE" smtClean="0"/>
+              <a:rPr lang="de-DE"/>
               <a:t>Titelmasterformat durch Klicken bearbeiten</a:t>
             </a:r>
             <a:endParaRPr lang="en-US" dirty="0"/>
@@ -368,7 +376,7 @@
           </a:lstStyle>
           <a:p>
             <a:r>
-              <a:rPr lang="de-DE" smtClean="0"/>
+              <a:rPr lang="de-DE"/>
               <a:t>Formatvorlage des Untertitelmasters durch Klicken bearbeiten</a:t>
             </a:r>
             <a:endParaRPr lang="en-US" dirty="0"/>
@@ -392,7 +400,7 @@
           <a:p>
             <a:fld id="{311EFB77-D67C-4B41-8660-F7D06438CC8C}" type="datetimeFigureOut">
               <a:rPr lang="de-DE" smtClean="0"/>
-              <a:t>12.11.2020</a:t>
+              <a:t>11.12.2022</a:t>
             </a:fld>
             <a:endParaRPr lang="de-DE"/>
           </a:p>
@@ -486,7 +494,7 @@
           <a:lstStyle/>
           <a:p>
             <a:r>
-              <a:rPr lang="de-DE" smtClean="0"/>
+              <a:rPr lang="de-DE"/>
               <a:t>Titelmasterformat durch Klicken bearbeiten</a:t>
             </a:r>
             <a:endParaRPr lang="en-US" dirty="0"/>
@@ -510,35 +518,35 @@
           <a:p>
             <a:pPr lvl="0"/>
             <a:r>
-              <a:rPr lang="de-DE" smtClean="0"/>
+              <a:rPr lang="de-DE"/>
               <a:t>Textmasterformat bearbeiten</a:t>
             </a:r>
           </a:p>
           <a:p>
             <a:pPr lvl="1"/>
             <a:r>
-              <a:rPr lang="de-DE" smtClean="0"/>
+              <a:rPr lang="de-DE"/>
               <a:t>Zweite Ebene</a:t>
             </a:r>
           </a:p>
           <a:p>
             <a:pPr lvl="2"/>
             <a:r>
-              <a:rPr lang="de-DE" smtClean="0"/>
+              <a:rPr lang="de-DE"/>
               <a:t>Dritte Ebene</a:t>
             </a:r>
           </a:p>
           <a:p>
             <a:pPr lvl="3"/>
             <a:r>
-              <a:rPr lang="de-DE" smtClean="0"/>
+              <a:rPr lang="de-DE"/>
               <a:t>Vierte Ebene</a:t>
             </a:r>
           </a:p>
           <a:p>
             <a:pPr lvl="4"/>
             <a:r>
-              <a:rPr lang="de-DE" smtClean="0"/>
+              <a:rPr lang="de-DE"/>
               <a:t>Fünfte Ebene</a:t>
             </a:r>
             <a:endParaRPr lang="en-US" dirty="0"/>
@@ -562,7 +570,7 @@
           <a:p>
             <a:fld id="{311EFB77-D67C-4B41-8660-F7D06438CC8C}" type="datetimeFigureOut">
               <a:rPr lang="de-DE" smtClean="0"/>
-              <a:t>12.11.2020</a:t>
+              <a:t>11.12.2022</a:t>
             </a:fld>
             <a:endParaRPr lang="de-DE"/>
           </a:p>
@@ -661,7 +669,7 @@
           <a:lstStyle/>
           <a:p>
             <a:r>
-              <a:rPr lang="de-DE" smtClean="0"/>
+              <a:rPr lang="de-DE"/>
               <a:t>Titelmasterformat durch Klicken bearbeiten</a:t>
             </a:r>
             <a:endParaRPr lang="en-US" dirty="0"/>
@@ -690,35 +698,35 @@
           <a:p>
             <a:pPr lvl="0"/>
             <a:r>
-              <a:rPr lang="de-DE" smtClean="0"/>
+              <a:rPr lang="de-DE"/>
               <a:t>Textmasterformat bearbeiten</a:t>
             </a:r>
           </a:p>
           <a:p>
             <a:pPr lvl="1"/>
             <a:r>
-              <a:rPr lang="de-DE" smtClean="0"/>
+              <a:rPr lang="de-DE"/>
               <a:t>Zweite Ebene</a:t>
             </a:r>
           </a:p>
           <a:p>
             <a:pPr lvl="2"/>
             <a:r>
-              <a:rPr lang="de-DE" smtClean="0"/>
+              <a:rPr lang="de-DE"/>
               <a:t>Dritte Ebene</a:t>
             </a:r>
           </a:p>
           <a:p>
             <a:pPr lvl="3"/>
             <a:r>
-              <a:rPr lang="de-DE" smtClean="0"/>
+              <a:rPr lang="de-DE"/>
               <a:t>Vierte Ebene</a:t>
             </a:r>
           </a:p>
           <a:p>
             <a:pPr lvl="4"/>
             <a:r>
-              <a:rPr lang="de-DE" smtClean="0"/>
+              <a:rPr lang="de-DE"/>
               <a:t>Fünfte Ebene</a:t>
             </a:r>
             <a:endParaRPr lang="en-US" dirty="0"/>
@@ -742,7 +750,7 @@
           <a:p>
             <a:fld id="{311EFB77-D67C-4B41-8660-F7D06438CC8C}" type="datetimeFigureOut">
               <a:rPr lang="de-DE" smtClean="0"/>
-              <a:t>12.11.2020</a:t>
+              <a:t>11.12.2022</a:t>
             </a:fld>
             <a:endParaRPr lang="de-DE"/>
           </a:p>
@@ -828,7 +836,7 @@
           </p:cNvGraphicFramePr>
           <p:nvPr userDrawn="1">
             <p:custDataLst>
-              <p:tags r:id="rId2"/>
+              <p:tags r:id="rId1"/>
             </p:custDataLst>
             <p:extLst>
               <p:ext uri="{D42A27DB-BD31-4B8C-83A1-F6EECF244321}">
@@ -845,12 +853,12 @@
           <a:graphicData uri="http://schemas.openxmlformats.org/presentationml/2006/ole">
             <mc:AlternateContent xmlns:mc="http://schemas.openxmlformats.org/markup-compatibility/2006">
               <mc:Choice xmlns:v="urn:schemas-microsoft-com:vml" Requires="v">
-                <p:oleObj spid="_x0000_s8325" name="think-cell Folie" r:id="rId4" imgW="592" imgH="588" progId="TCLayout.ActiveDocument.1">
+                <p:oleObj name="think-cell Folie" r:id="rId3" imgW="592" imgH="588" progId="TCLayout.ActiveDocument.1">
                   <p:embed/>
                 </p:oleObj>
               </mc:Choice>
               <mc:Fallback>
-                <p:oleObj name="think-cell Folie" r:id="rId4" imgW="592" imgH="588" progId="TCLayout.ActiveDocument.1">
+                <p:oleObj name="think-cell Folie" r:id="rId3" imgW="592" imgH="588" progId="TCLayout.ActiveDocument.1">
                   <p:embed/>
                   <p:pic>
                     <p:nvPicPr>
@@ -859,7 +867,7 @@
                       <p:nvPr/>
                     </p:nvPicPr>
                     <p:blipFill>
-                      <a:blip r:embed="rId5"/>
+                      <a:blip r:embed="rId4"/>
                       <a:stretch>
                         <a:fillRect/>
                       </a:stretch>
@@ -896,7 +904,7 @@
           <a:lstStyle/>
           <a:p>
             <a:r>
-              <a:rPr lang="de-DE" smtClean="0"/>
+              <a:rPr lang="de-DE"/>
               <a:t>Titelmasterformat durch Klicken bearbeiten</a:t>
             </a:r>
             <a:endParaRPr lang="en-US" dirty="0"/>
@@ -920,35 +928,35 @@
           <a:p>
             <a:pPr lvl="0"/>
             <a:r>
-              <a:rPr lang="de-DE" smtClean="0"/>
+              <a:rPr lang="de-DE"/>
               <a:t>Textmasterformat bearbeiten</a:t>
             </a:r>
           </a:p>
           <a:p>
             <a:pPr lvl="1"/>
             <a:r>
-              <a:rPr lang="de-DE" smtClean="0"/>
+              <a:rPr lang="de-DE"/>
               <a:t>Zweite Ebene</a:t>
             </a:r>
           </a:p>
           <a:p>
             <a:pPr lvl="2"/>
             <a:r>
-              <a:rPr lang="de-DE" smtClean="0"/>
+              <a:rPr lang="de-DE"/>
               <a:t>Dritte Ebene</a:t>
             </a:r>
           </a:p>
           <a:p>
             <a:pPr lvl="3"/>
             <a:r>
-              <a:rPr lang="de-DE" smtClean="0"/>
+              <a:rPr lang="de-DE"/>
               <a:t>Vierte Ebene</a:t>
             </a:r>
           </a:p>
           <a:p>
             <a:pPr lvl="4"/>
             <a:r>
-              <a:rPr lang="de-DE" smtClean="0"/>
+              <a:rPr lang="de-DE"/>
               <a:t>Fünfte Ebene</a:t>
             </a:r>
             <a:endParaRPr lang="en-US" dirty="0"/>
@@ -972,7 +980,7 @@
           <a:p>
             <a:fld id="{311EFB77-D67C-4B41-8660-F7D06438CC8C}" type="datetimeFigureOut">
               <a:rPr lang="de-DE" smtClean="0"/>
-              <a:t>12.11.2020</a:t>
+              <a:t>11.12.2022</a:t>
             </a:fld>
             <a:endParaRPr lang="de-DE"/>
           </a:p>
@@ -1075,7 +1083,7 @@
           </a:lstStyle>
           <a:p>
             <a:r>
-              <a:rPr lang="de-DE" smtClean="0"/>
+              <a:rPr lang="de-DE"/>
               <a:t>Titelmasterformat durch Klicken bearbeiten</a:t>
             </a:r>
             <a:endParaRPr lang="en-US" dirty="0"/>
@@ -1193,7 +1201,7 @@
           <a:p>
             <a:pPr lvl="0"/>
             <a:r>
-              <a:rPr lang="de-DE" smtClean="0"/>
+              <a:rPr lang="de-DE"/>
               <a:t>Textmasterformat bearbeiten</a:t>
             </a:r>
           </a:p>
@@ -1216,7 +1224,7 @@
           <a:p>
             <a:fld id="{311EFB77-D67C-4B41-8660-F7D06438CC8C}" type="datetimeFigureOut">
               <a:rPr lang="de-DE" smtClean="0"/>
-              <a:t>12.11.2020</a:t>
+              <a:t>11.12.2022</a:t>
             </a:fld>
             <a:endParaRPr lang="de-DE"/>
           </a:p>
@@ -1310,7 +1318,7 @@
           <a:lstStyle/>
           <a:p>
             <a:r>
-              <a:rPr lang="de-DE" smtClean="0"/>
+              <a:rPr lang="de-DE"/>
               <a:t>Titelmasterformat durch Klicken bearbeiten</a:t>
             </a:r>
             <a:endParaRPr lang="en-US" dirty="0"/>
@@ -1339,35 +1347,35 @@
           <a:p>
             <a:pPr lvl="0"/>
             <a:r>
-              <a:rPr lang="de-DE" smtClean="0"/>
+              <a:rPr lang="de-DE"/>
               <a:t>Textmasterformat bearbeiten</a:t>
             </a:r>
           </a:p>
           <a:p>
             <a:pPr lvl="1"/>
             <a:r>
-              <a:rPr lang="de-DE" smtClean="0"/>
+              <a:rPr lang="de-DE"/>
               <a:t>Zweite Ebene</a:t>
             </a:r>
           </a:p>
           <a:p>
             <a:pPr lvl="2"/>
             <a:r>
-              <a:rPr lang="de-DE" smtClean="0"/>
+              <a:rPr lang="de-DE"/>
               <a:t>Dritte Ebene</a:t>
             </a:r>
           </a:p>
           <a:p>
             <a:pPr lvl="3"/>
             <a:r>
-              <a:rPr lang="de-DE" smtClean="0"/>
+              <a:rPr lang="de-DE"/>
               <a:t>Vierte Ebene</a:t>
             </a:r>
           </a:p>
           <a:p>
             <a:pPr lvl="4"/>
             <a:r>
-              <a:rPr lang="de-DE" smtClean="0"/>
+              <a:rPr lang="de-DE"/>
               <a:t>Fünfte Ebene</a:t>
             </a:r>
             <a:endParaRPr lang="en-US" dirty="0"/>
@@ -1396,35 +1404,35 @@
           <a:p>
             <a:pPr lvl="0"/>
             <a:r>
-              <a:rPr lang="de-DE" smtClean="0"/>
+              <a:rPr lang="de-DE"/>
               <a:t>Textmasterformat bearbeiten</a:t>
             </a:r>
           </a:p>
           <a:p>
             <a:pPr lvl="1"/>
             <a:r>
-              <a:rPr lang="de-DE" smtClean="0"/>
+              <a:rPr lang="de-DE"/>
               <a:t>Zweite Ebene</a:t>
             </a:r>
           </a:p>
           <a:p>
             <a:pPr lvl="2"/>
             <a:r>
-              <a:rPr lang="de-DE" smtClean="0"/>
+              <a:rPr lang="de-DE"/>
               <a:t>Dritte Ebene</a:t>
             </a:r>
           </a:p>
           <a:p>
             <a:pPr lvl="3"/>
             <a:r>
-              <a:rPr lang="de-DE" smtClean="0"/>
+              <a:rPr lang="de-DE"/>
               <a:t>Vierte Ebene</a:t>
             </a:r>
           </a:p>
           <a:p>
             <a:pPr lvl="4"/>
             <a:r>
-              <a:rPr lang="de-DE" smtClean="0"/>
+              <a:rPr lang="de-DE"/>
               <a:t>Fünfte Ebene</a:t>
             </a:r>
             <a:endParaRPr lang="en-US" dirty="0"/>
@@ -1448,7 +1456,7 @@
           <a:p>
             <a:fld id="{311EFB77-D67C-4B41-8660-F7D06438CC8C}" type="datetimeFigureOut">
               <a:rPr lang="de-DE" smtClean="0"/>
-              <a:t>12.11.2020</a:t>
+              <a:t>11.12.2022</a:t>
             </a:fld>
             <a:endParaRPr lang="de-DE"/>
           </a:p>
@@ -1547,7 +1555,7 @@
           <a:lstStyle/>
           <a:p>
             <a:r>
-              <a:rPr lang="de-DE" smtClean="0"/>
+              <a:rPr lang="de-DE"/>
               <a:t>Titelmasterformat durch Klicken bearbeiten</a:t>
             </a:r>
             <a:endParaRPr lang="en-US" dirty="0"/>
@@ -1613,7 +1621,7 @@
           <a:p>
             <a:pPr lvl="0"/>
             <a:r>
-              <a:rPr lang="de-DE" smtClean="0"/>
+              <a:rPr lang="de-DE"/>
               <a:t>Textmasterformat bearbeiten</a:t>
             </a:r>
           </a:p>
@@ -1641,35 +1649,35 @@
           <a:p>
             <a:pPr lvl="0"/>
             <a:r>
-              <a:rPr lang="de-DE" smtClean="0"/>
+              <a:rPr lang="de-DE"/>
               <a:t>Textmasterformat bearbeiten</a:t>
             </a:r>
           </a:p>
           <a:p>
             <a:pPr lvl="1"/>
             <a:r>
-              <a:rPr lang="de-DE" smtClean="0"/>
+              <a:rPr lang="de-DE"/>
               <a:t>Zweite Ebene</a:t>
             </a:r>
           </a:p>
           <a:p>
             <a:pPr lvl="2"/>
             <a:r>
-              <a:rPr lang="de-DE" smtClean="0"/>
+              <a:rPr lang="de-DE"/>
               <a:t>Dritte Ebene</a:t>
             </a:r>
           </a:p>
           <a:p>
             <a:pPr lvl="3"/>
             <a:r>
-              <a:rPr lang="de-DE" smtClean="0"/>
+              <a:rPr lang="de-DE"/>
               <a:t>Vierte Ebene</a:t>
             </a:r>
           </a:p>
           <a:p>
             <a:pPr lvl="4"/>
             <a:r>
-              <a:rPr lang="de-DE" smtClean="0"/>
+              <a:rPr lang="de-DE"/>
               <a:t>Fünfte Ebene</a:t>
             </a:r>
             <a:endParaRPr lang="en-US" dirty="0"/>
@@ -1735,7 +1743,7 @@
           <a:p>
             <a:pPr lvl="0"/>
             <a:r>
-              <a:rPr lang="de-DE" smtClean="0"/>
+              <a:rPr lang="de-DE"/>
               <a:t>Textmasterformat bearbeiten</a:t>
             </a:r>
           </a:p>
@@ -1763,35 +1771,35 @@
           <a:p>
             <a:pPr lvl="0"/>
             <a:r>
-              <a:rPr lang="de-DE" smtClean="0"/>
+              <a:rPr lang="de-DE"/>
               <a:t>Textmasterformat bearbeiten</a:t>
             </a:r>
           </a:p>
           <a:p>
             <a:pPr lvl="1"/>
             <a:r>
-              <a:rPr lang="de-DE" smtClean="0"/>
+              <a:rPr lang="de-DE"/>
               <a:t>Zweite Ebene</a:t>
             </a:r>
           </a:p>
           <a:p>
             <a:pPr lvl="2"/>
             <a:r>
-              <a:rPr lang="de-DE" smtClean="0"/>
+              <a:rPr lang="de-DE"/>
               <a:t>Dritte Ebene</a:t>
             </a:r>
           </a:p>
           <a:p>
             <a:pPr lvl="3"/>
             <a:r>
-              <a:rPr lang="de-DE" smtClean="0"/>
+              <a:rPr lang="de-DE"/>
               <a:t>Vierte Ebene</a:t>
             </a:r>
           </a:p>
           <a:p>
             <a:pPr lvl="4"/>
             <a:r>
-              <a:rPr lang="de-DE" smtClean="0"/>
+              <a:rPr lang="de-DE"/>
               <a:t>Fünfte Ebene</a:t>
             </a:r>
             <a:endParaRPr lang="en-US" dirty="0"/>
@@ -1815,7 +1823,7 @@
           <a:p>
             <a:fld id="{311EFB77-D67C-4B41-8660-F7D06438CC8C}" type="datetimeFigureOut">
               <a:rPr lang="de-DE" smtClean="0"/>
-              <a:t>12.11.2020</a:t>
+              <a:t>11.12.2022</a:t>
             </a:fld>
             <a:endParaRPr lang="de-DE"/>
           </a:p>
@@ -1909,7 +1917,7 @@
           <a:lstStyle/>
           <a:p>
             <a:r>
-              <a:rPr lang="de-DE" smtClean="0"/>
+              <a:rPr lang="de-DE"/>
               <a:t>Titelmasterformat durch Klicken bearbeiten</a:t>
             </a:r>
             <a:endParaRPr lang="en-US" dirty="0"/>
@@ -1933,7 +1941,7 @@
           <a:p>
             <a:fld id="{311EFB77-D67C-4B41-8660-F7D06438CC8C}" type="datetimeFigureOut">
               <a:rPr lang="de-DE" smtClean="0"/>
-              <a:t>12.11.2020</a:t>
+              <a:t>11.12.2022</a:t>
             </a:fld>
             <a:endParaRPr lang="de-DE"/>
           </a:p>
@@ -2028,7 +2036,7 @@
           <a:p>
             <a:fld id="{311EFB77-D67C-4B41-8660-F7D06438CC8C}" type="datetimeFigureOut">
               <a:rPr lang="de-DE" smtClean="0"/>
-              <a:t>12.11.2020</a:t>
+              <a:t>11.12.2022</a:t>
             </a:fld>
             <a:endParaRPr lang="de-DE"/>
           </a:p>
@@ -2131,7 +2139,7 @@
           </a:lstStyle>
           <a:p>
             <a:r>
-              <a:rPr lang="de-DE" smtClean="0"/>
+              <a:rPr lang="de-DE"/>
               <a:t>Titelmasterformat durch Klicken bearbeiten</a:t>
             </a:r>
             <a:endParaRPr lang="en-US" dirty="0"/>
@@ -2188,35 +2196,35 @@
           <a:p>
             <a:pPr lvl="0"/>
             <a:r>
-              <a:rPr lang="de-DE" smtClean="0"/>
+              <a:rPr lang="de-DE"/>
               <a:t>Textmasterformat bearbeiten</a:t>
             </a:r>
           </a:p>
           <a:p>
             <a:pPr lvl="1"/>
             <a:r>
-              <a:rPr lang="de-DE" smtClean="0"/>
+              <a:rPr lang="de-DE"/>
               <a:t>Zweite Ebene</a:t>
             </a:r>
           </a:p>
           <a:p>
             <a:pPr lvl="2"/>
             <a:r>
-              <a:rPr lang="de-DE" smtClean="0"/>
+              <a:rPr lang="de-DE"/>
               <a:t>Dritte Ebene</a:t>
             </a:r>
           </a:p>
           <a:p>
             <a:pPr lvl="3"/>
             <a:r>
-              <a:rPr lang="de-DE" smtClean="0"/>
+              <a:rPr lang="de-DE"/>
               <a:t>Vierte Ebene</a:t>
             </a:r>
           </a:p>
           <a:p>
             <a:pPr lvl="4"/>
             <a:r>
-              <a:rPr lang="de-DE" smtClean="0"/>
+              <a:rPr lang="de-DE"/>
               <a:t>Fünfte Ebene</a:t>
             </a:r>
             <a:endParaRPr lang="en-US" dirty="0"/>
@@ -2282,7 +2290,7 @@
           <a:p>
             <a:pPr lvl="0"/>
             <a:r>
-              <a:rPr lang="de-DE" smtClean="0"/>
+              <a:rPr lang="de-DE"/>
               <a:t>Textmasterformat bearbeiten</a:t>
             </a:r>
           </a:p>
@@ -2305,7 +2313,7 @@
           <a:p>
             <a:fld id="{311EFB77-D67C-4B41-8660-F7D06438CC8C}" type="datetimeFigureOut">
               <a:rPr lang="de-DE" smtClean="0"/>
-              <a:t>12.11.2020</a:t>
+              <a:t>11.12.2022</a:t>
             </a:fld>
             <a:endParaRPr lang="de-DE"/>
           </a:p>
@@ -2408,7 +2416,7 @@
           </a:lstStyle>
           <a:p>
             <a:r>
-              <a:rPr lang="de-DE" smtClean="0"/>
+              <a:rPr lang="de-DE"/>
               <a:t>Titelmasterformat durch Klicken bearbeiten</a:t>
             </a:r>
             <a:endParaRPr lang="en-US" dirty="0"/>
@@ -2473,7 +2481,7 @@
           </a:lstStyle>
           <a:p>
             <a:r>
-              <a:rPr lang="de-DE" smtClean="0"/>
+              <a:rPr lang="de-DE"/>
               <a:t>Bild durch Klicken auf Symbol hinzufügen</a:t>
             </a:r>
             <a:endParaRPr lang="en-US" dirty="0"/>
@@ -2539,7 +2547,7 @@
           <a:p>
             <a:pPr lvl="0"/>
             <a:r>
-              <a:rPr lang="de-DE" smtClean="0"/>
+              <a:rPr lang="de-DE"/>
               <a:t>Textmasterformat bearbeiten</a:t>
             </a:r>
           </a:p>
@@ -2562,7 +2570,7 @@
           <a:p>
             <a:fld id="{311EFB77-D67C-4B41-8660-F7D06438CC8C}" type="datetimeFigureOut">
               <a:rPr lang="de-DE" smtClean="0"/>
-              <a:t>12.11.2020</a:t>
+              <a:t>11.12.2022</a:t>
             </a:fld>
             <a:endParaRPr lang="de-DE"/>
           </a:p>
@@ -2663,7 +2671,7 @@
           </p:cNvGraphicFramePr>
           <p:nvPr userDrawn="1">
             <p:custDataLst>
-              <p:tags r:id="rId14"/>
+              <p:tags r:id="rId13"/>
             </p:custDataLst>
             <p:extLst>
               <p:ext uri="{D42A27DB-BD31-4B8C-83A1-F6EECF244321}">
@@ -2680,12 +2688,12 @@
           <a:graphicData uri="http://schemas.openxmlformats.org/presentationml/2006/ole">
             <mc:AlternateContent xmlns:mc="http://schemas.openxmlformats.org/markup-compatibility/2006">
               <mc:Choice xmlns:v="urn:schemas-microsoft-com:vml" Requires="v">
-                <p:oleObj spid="_x0000_s1180" name="think-cell Folie" r:id="rId16" imgW="592" imgH="588" progId="TCLayout.ActiveDocument.1">
+                <p:oleObj name="think-cell Folie" r:id="rId15" imgW="592" imgH="588" progId="TCLayout.ActiveDocument.1">
                   <p:embed/>
                 </p:oleObj>
               </mc:Choice>
               <mc:Fallback>
-                <p:oleObj name="think-cell Folie" r:id="rId16" imgW="592" imgH="588" progId="TCLayout.ActiveDocument.1">
+                <p:oleObj name="think-cell Folie" r:id="rId15" imgW="592" imgH="588" progId="TCLayout.ActiveDocument.1">
                   <p:embed/>
                   <p:pic>
                     <p:nvPicPr>
@@ -2694,7 +2702,7 @@
                       <p:nvPr/>
                     </p:nvPicPr>
                     <p:blipFill>
-                      <a:blip r:embed="rId17"/>
+                      <a:blip r:embed="rId16"/>
                       <a:stretch>
                         <a:fillRect/>
                       </a:stretch>
@@ -2721,7 +2729,7 @@
           <p:cNvSpPr/>
           <p:nvPr userDrawn="1">
             <p:custDataLst>
-              <p:tags r:id="rId15"/>
+              <p:tags r:id="rId14"/>
             </p:custDataLst>
           </p:nvPr>
         </p:nvSpPr>
@@ -2790,7 +2798,7 @@
           <a:lstStyle/>
           <a:p>
             <a:r>
-              <a:rPr lang="de-DE" smtClean="0"/>
+              <a:rPr lang="de-DE"/>
               <a:t>Titelmasterformat durch Klicken bearbeiten</a:t>
             </a:r>
             <a:endParaRPr lang="en-US" dirty="0"/>
@@ -2824,35 +2832,35 @@
           <a:p>
             <a:pPr lvl="0"/>
             <a:r>
-              <a:rPr lang="de-DE" smtClean="0"/>
+              <a:rPr lang="de-DE"/>
               <a:t>Textmasterformat bearbeiten</a:t>
             </a:r>
           </a:p>
           <a:p>
             <a:pPr lvl="1"/>
             <a:r>
-              <a:rPr lang="de-DE" smtClean="0"/>
+              <a:rPr lang="de-DE"/>
               <a:t>Zweite Ebene</a:t>
             </a:r>
           </a:p>
           <a:p>
             <a:pPr lvl="2"/>
             <a:r>
-              <a:rPr lang="de-DE" smtClean="0"/>
+              <a:rPr lang="de-DE"/>
               <a:t>Dritte Ebene</a:t>
             </a:r>
           </a:p>
           <a:p>
             <a:pPr lvl="3"/>
             <a:r>
-              <a:rPr lang="de-DE" smtClean="0"/>
+              <a:rPr lang="de-DE"/>
               <a:t>Vierte Ebene</a:t>
             </a:r>
           </a:p>
           <a:p>
             <a:pPr lvl="4"/>
             <a:r>
-              <a:rPr lang="de-DE" smtClean="0"/>
+              <a:rPr lang="de-DE"/>
               <a:t>Fünfte Ebene</a:t>
             </a:r>
             <a:endParaRPr lang="en-US" dirty="0"/>
@@ -2894,7 +2902,7 @@
           <a:p>
             <a:fld id="{311EFB77-D67C-4B41-8660-F7D06438CC8C}" type="datetimeFigureOut">
               <a:rPr lang="de-DE" smtClean="0"/>
-              <a:t>12.11.2020</a:t>
+              <a:t>11.12.2022</a:t>
             </a:fld>
             <a:endParaRPr lang="de-DE"/>
           </a:p>
@@ -3307,7 +3315,7 @@
           </p:cNvGraphicFramePr>
           <p:nvPr>
             <p:custDataLst>
-              <p:tags r:id="rId2"/>
+              <p:tags r:id="rId1"/>
             </p:custDataLst>
             <p:extLst>
               <p:ext uri="{D42A27DB-BD31-4B8C-83A1-F6EECF244321}">
@@ -3324,12 +3332,12 @@
           <a:graphicData uri="http://schemas.openxmlformats.org/presentationml/2006/ole">
             <mc:AlternateContent xmlns:mc="http://schemas.openxmlformats.org/markup-compatibility/2006">
               <mc:Choice xmlns:v="urn:schemas-microsoft-com:vml" Requires="v">
-                <p:oleObj spid="_x0000_s4246" name="think-cell Folie" r:id="rId4" imgW="592" imgH="588" progId="TCLayout.ActiveDocument.1">
+                <p:oleObj name="think-cell Folie" r:id="rId3" imgW="592" imgH="588" progId="TCLayout.ActiveDocument.1">
                   <p:embed/>
                 </p:oleObj>
               </mc:Choice>
               <mc:Fallback>
-                <p:oleObj name="think-cell Folie" r:id="rId4" imgW="592" imgH="588" progId="TCLayout.ActiveDocument.1">
+                <p:oleObj name="think-cell Folie" r:id="rId3" imgW="592" imgH="588" progId="TCLayout.ActiveDocument.1">
                   <p:embed/>
                   <p:pic>
                     <p:nvPicPr>
@@ -3338,7 +3346,7 @@
                       <p:nvPr/>
                     </p:nvPicPr>
                     <p:blipFill>
-                      <a:blip r:embed="rId5"/>
+                      <a:blip r:embed="rId4"/>
                       <a:stretch>
                         <a:fillRect/>
                       </a:stretch>
@@ -4077,13 +4085,6 @@
   <p:clrMapOvr>
     <a:masterClrMapping/>
   </p:clrMapOvr>
-  <p:timing>
-    <p:tnLst>
-      <p:par>
-        <p:cTn id="1" dur="indefinite" restart="never" nodeType="tmRoot"/>
-      </p:par>
-    </p:tnLst>
-  </p:timing>
 </p:sld>
 </file>
 
@@ -7763,13 +7764,6 @@
   <p:clrMapOvr>
     <a:masterClrMapping/>
   </p:clrMapOvr>
-  <p:timing>
-    <p:tnLst>
-      <p:par>
-        <p:cTn id="1" dur="indefinite" restart="never" nodeType="tmRoot"/>
-      </p:par>
-    </p:tnLst>
-  </p:timing>
 </p:sld>
 </file>
 
@@ -7798,7 +7792,7 @@
           </p:cNvGraphicFramePr>
           <p:nvPr>
             <p:custDataLst>
-              <p:tags r:id="rId2"/>
+              <p:tags r:id="rId1"/>
             </p:custDataLst>
             <p:extLst>
               <p:ext uri="{D42A27DB-BD31-4B8C-83A1-F6EECF244321}">
@@ -7815,12 +7809,12 @@
           <a:graphicData uri="http://schemas.openxmlformats.org/presentationml/2006/ole">
             <mc:AlternateContent xmlns:mc="http://schemas.openxmlformats.org/markup-compatibility/2006">
               <mc:Choice xmlns:v="urn:schemas-microsoft-com:vml" Requires="v">
-                <p:oleObj spid="_x0000_s3230" name="think-cell Folie" r:id="rId4" imgW="592" imgH="588" progId="TCLayout.ActiveDocument.1">
+                <p:oleObj name="think-cell Folie" r:id="rId3" imgW="592" imgH="588" progId="TCLayout.ActiveDocument.1">
                   <p:embed/>
                 </p:oleObj>
               </mc:Choice>
               <mc:Fallback>
-                <p:oleObj name="think-cell Folie" r:id="rId4" imgW="592" imgH="588" progId="TCLayout.ActiveDocument.1">
+                <p:oleObj name="think-cell Folie" r:id="rId3" imgW="592" imgH="588" progId="TCLayout.ActiveDocument.1">
                   <p:embed/>
                   <p:pic>
                     <p:nvPicPr>
@@ -7829,7 +7823,7 @@
                       <p:nvPr/>
                     </p:nvPicPr>
                     <p:blipFill>
-                      <a:blip r:embed="rId5"/>
+                      <a:blip r:embed="rId4"/>
                       <a:stretch>
                         <a:fillRect/>
                       </a:stretch>
@@ -8553,13 +8547,6 @@
   <p:clrMapOvr>
     <a:masterClrMapping/>
   </p:clrMapOvr>
-  <p:timing>
-    <p:tnLst>
-      <p:par>
-        <p:cTn id="1" dur="indefinite" restart="never" nodeType="tmRoot"/>
-      </p:par>
-    </p:tnLst>
-  </p:timing>
 </p:sld>
 </file>
 
@@ -9433,13 +9420,6 @@
   <p:clrMapOvr>
     <a:masterClrMapping/>
   </p:clrMapOvr>
-  <p:timing>
-    <p:tnLst>
-      <p:par>
-        <p:cTn id="1" dur="indefinite" restart="never" nodeType="tmRoot"/>
-      </p:par>
-    </p:tnLst>
-  </p:timing>
 </p:sld>
 </file>
 
@@ -9582,13 +9562,6 @@
   <p:clrMapOvr>
     <a:masterClrMapping/>
   </p:clrMapOvr>
-  <p:timing>
-    <p:tnLst>
-      <p:par>
-        <p:cTn id="1" dur="indefinite" restart="never" nodeType="tmRoot"/>
-      </p:par>
-    </p:tnLst>
-  </p:timing>
 </p:sld>
 </file>
 
@@ -9729,13 +9702,6 @@
   <p:clrMapOvr>
     <a:masterClrMapping/>
   </p:clrMapOvr>
-  <p:timing>
-    <p:tnLst>
-      <p:par>
-        <p:cTn id="1" dur="indefinite" restart="never" nodeType="tmRoot"/>
-      </p:par>
-    </p:tnLst>
-  </p:timing>
 </p:sld>
 </file>
 
@@ -9876,13 +9842,6 @@
   <p:clrMapOvr>
     <a:masterClrMapping/>
   </p:clrMapOvr>
-  <p:timing>
-    <p:tnLst>
-      <p:par>
-        <p:cTn id="1" dur="indefinite" restart="never" nodeType="tmRoot"/>
-      </p:par>
-    </p:tnLst>
-  </p:timing>
 </p:sld>
 </file>
 
@@ -10023,13 +9982,6 @@
   <p:clrMapOvr>
     <a:masterClrMapping/>
   </p:clrMapOvr>
-  <p:timing>
-    <p:tnLst>
-      <p:par>
-        <p:cTn id="1" dur="indefinite" restart="never" nodeType="tmRoot"/>
-      </p:par>
-    </p:tnLst>
-  </p:timing>
 </p:sld>
 </file>
 
@@ -10170,13 +10122,6 @@
   <p:clrMapOvr>
     <a:masterClrMapping/>
   </p:clrMapOvr>
-  <p:timing>
-    <p:tnLst>
-      <p:par>
-        <p:cTn id="1" dur="indefinite" restart="never" nodeType="tmRoot"/>
-      </p:par>
-    </p:tnLst>
-  </p:timing>
 </p:sld>
 </file>
 
@@ -10317,13 +10262,6 @@
   <p:clrMapOvr>
     <a:masterClrMapping/>
   </p:clrMapOvr>
-  <p:timing>
-    <p:tnLst>
-      <p:par>
-        <p:cTn id="1" dur="indefinite" restart="never" nodeType="tmRoot"/>
-      </p:par>
-    </p:tnLst>
-  </p:timing>
 </p:sld>
 </file>
 
@@ -10464,13 +10402,6 @@
   <p:clrMapOvr>
     <a:masterClrMapping/>
   </p:clrMapOvr>
-  <p:timing>
-    <p:tnLst>
-      <p:par>
-        <p:cTn id="1" dur="indefinite" restart="never" nodeType="tmRoot"/>
-      </p:par>
-    </p:tnLst>
-  </p:timing>
 </p:sld>
 </file>
 
@@ -10566,7 +10497,6 @@
             <a:miter lim="800000"/>
           </a:ln>
           <a:effectLst/>
-          <a:extLst/>
         </p:spPr>
         <p:style>
           <a:lnRef idx="2">
@@ -10620,7 +10550,6 @@
             <a:miter lim="800000"/>
           </a:ln>
           <a:effectLst/>
-          <a:extLst/>
         </p:spPr>
         <p:style>
           <a:lnRef idx="2">
@@ -10674,7 +10603,6 @@
             <a:miter lim="800000"/>
           </a:ln>
           <a:effectLst/>
-          <a:extLst/>
         </p:spPr>
         <p:style>
           <a:lnRef idx="2">
@@ -10729,7 +10657,6 @@
             <a:miter lim="800000"/>
           </a:ln>
           <a:effectLst/>
-          <a:extLst/>
         </p:spPr>
         <p:style>
           <a:lnRef idx="2">
@@ -10784,7 +10711,6 @@
             <a:miter lim="800000"/>
           </a:ln>
           <a:effectLst/>
-          <a:extLst/>
         </p:spPr>
         <p:style>
           <a:lnRef idx="2">
@@ -10839,7 +10765,6 @@
             <a:miter lim="800000"/>
           </a:ln>
           <a:effectLst/>
-          <a:extLst/>
         </p:spPr>
         <p:style>
           <a:lnRef idx="2">
@@ -10894,7 +10819,6 @@
             <a:miter lim="800000"/>
           </a:ln>
           <a:effectLst/>
-          <a:extLst/>
         </p:spPr>
         <p:style>
           <a:lnRef idx="2">
@@ -10949,7 +10873,6 @@
             <a:miter lim="800000"/>
           </a:ln>
           <a:effectLst/>
-          <a:extLst/>
         </p:spPr>
         <p:style>
           <a:lnRef idx="2">
@@ -11004,7 +10927,6 @@
             <a:miter lim="800000"/>
           </a:ln>
           <a:effectLst/>
-          <a:extLst/>
         </p:spPr>
         <p:style>
           <a:lnRef idx="2">
@@ -11059,7 +10981,6 @@
             <a:miter lim="800000"/>
           </a:ln>
           <a:effectLst/>
-          <a:extLst/>
         </p:spPr>
         <p:style>
           <a:lnRef idx="2">
@@ -11266,13 +11187,6 @@
   <p:clrMapOvr>
     <a:masterClrMapping/>
   </p:clrMapOvr>
-  <p:timing>
-    <p:tnLst>
-      <p:par>
-        <p:cTn id="1" dur="indefinite" restart="never" nodeType="tmRoot"/>
-      </p:par>
-    </p:tnLst>
-  </p:timing>
 </p:sld>
 </file>
 
@@ -11430,7 +11344,6 @@
             <a:miter lim="800000"/>
           </a:ln>
           <a:effectLst/>
-          <a:extLst/>
         </p:spPr>
         <p:style>
           <a:lnRef idx="2">
@@ -11484,7 +11397,6 @@
             <a:miter lim="800000"/>
           </a:ln>
           <a:effectLst/>
-          <a:extLst/>
         </p:spPr>
         <p:style>
           <a:lnRef idx="2">
@@ -11538,7 +11450,6 @@
             <a:miter lim="800000"/>
           </a:ln>
           <a:effectLst/>
-          <a:extLst/>
         </p:spPr>
         <p:style>
           <a:lnRef idx="2">
@@ -11593,7 +11504,6 @@
             <a:miter lim="800000"/>
           </a:ln>
           <a:effectLst/>
-          <a:extLst/>
         </p:spPr>
         <p:style>
           <a:lnRef idx="2">
@@ -11648,7 +11558,6 @@
             <a:miter lim="800000"/>
           </a:ln>
           <a:effectLst/>
-          <a:extLst/>
         </p:spPr>
         <p:style>
           <a:lnRef idx="2">
@@ -11703,7 +11612,6 @@
             <a:miter lim="800000"/>
           </a:ln>
           <a:effectLst/>
-          <a:extLst/>
         </p:spPr>
         <p:style>
           <a:lnRef idx="2">
@@ -11758,7 +11666,6 @@
             <a:miter lim="800000"/>
           </a:ln>
           <a:effectLst/>
-          <a:extLst/>
         </p:spPr>
         <p:style>
           <a:lnRef idx="2">
@@ -11813,7 +11720,6 @@
             <a:miter lim="800000"/>
           </a:ln>
           <a:effectLst/>
-          <a:extLst/>
         </p:spPr>
         <p:style>
           <a:lnRef idx="2">
@@ -11868,7 +11774,6 @@
             <a:miter lim="800000"/>
           </a:ln>
           <a:effectLst/>
-          <a:extLst/>
         </p:spPr>
         <p:style>
           <a:lnRef idx="2">
@@ -11923,7 +11828,6 @@
             <a:miter lim="800000"/>
           </a:ln>
           <a:effectLst/>
-          <a:extLst/>
         </p:spPr>
         <p:style>
           <a:lnRef idx="2">
@@ -12066,13 +11970,6 @@
   <p:clrMapOvr>
     <a:masterClrMapping/>
   </p:clrMapOvr>
-  <p:timing>
-    <p:tnLst>
-      <p:par>
-        <p:cTn id="1" dur="indefinite" restart="never" nodeType="tmRoot"/>
-      </p:par>
-    </p:tnLst>
-  </p:timing>
 </p:sld>
 </file>
 
@@ -12101,7 +11998,7 @@
           </p:cNvGraphicFramePr>
           <p:nvPr>
             <p:custDataLst>
-              <p:tags r:id="rId2"/>
+              <p:tags r:id="rId1"/>
             </p:custDataLst>
             <p:extLst>
               <p:ext uri="{D42A27DB-BD31-4B8C-83A1-F6EECF244321}">
@@ -12118,12 +12015,12 @@
           <a:graphicData uri="http://schemas.openxmlformats.org/presentationml/2006/ole">
             <mc:AlternateContent xmlns:mc="http://schemas.openxmlformats.org/markup-compatibility/2006">
               <mc:Choice xmlns:v="urn:schemas-microsoft-com:vml" Requires="v">
-                <p:oleObj spid="_x0000_s7309" name="think-cell Folie" r:id="rId4" imgW="592" imgH="588" progId="TCLayout.ActiveDocument.1">
+                <p:oleObj name="think-cell Folie" r:id="rId3" imgW="592" imgH="588" progId="TCLayout.ActiveDocument.1">
                   <p:embed/>
                 </p:oleObj>
               </mc:Choice>
               <mc:Fallback>
-                <p:oleObj name="think-cell Folie" r:id="rId4" imgW="592" imgH="588" progId="TCLayout.ActiveDocument.1">
+                <p:oleObj name="think-cell Folie" r:id="rId3" imgW="592" imgH="588" progId="TCLayout.ActiveDocument.1">
                   <p:embed/>
                   <p:pic>
                     <p:nvPicPr>
@@ -12132,7 +12029,7 @@
                       <p:nvPr/>
                     </p:nvPicPr>
                     <p:blipFill>
-                      <a:blip r:embed="rId5"/>
+                      <a:blip r:embed="rId4"/>
                       <a:stretch>
                         <a:fillRect/>
                       </a:stretch>
@@ -12746,13 +12643,6 @@
   <p:clrMapOvr>
     <a:masterClrMapping/>
   </p:clrMapOvr>
-  <p:timing>
-    <p:tnLst>
-      <p:par>
-        <p:cTn id="1" dur="indefinite" restart="never" nodeType="tmRoot"/>
-      </p:par>
-    </p:tnLst>
-  </p:timing>
 </p:sld>
 </file>
 
@@ -12910,7 +12800,6 @@
             <a:miter lim="800000"/>
           </a:ln>
           <a:effectLst/>
-          <a:extLst/>
         </p:spPr>
         <p:style>
           <a:lnRef idx="2">
@@ -12964,7 +12853,6 @@
             <a:miter lim="800000"/>
           </a:ln>
           <a:effectLst/>
-          <a:extLst/>
         </p:spPr>
         <p:style>
           <a:lnRef idx="2">
@@ -13018,7 +12906,6 @@
             <a:miter lim="800000"/>
           </a:ln>
           <a:effectLst/>
-          <a:extLst/>
         </p:spPr>
         <p:style>
           <a:lnRef idx="2">
@@ -13073,7 +12960,6 @@
             <a:miter lim="800000"/>
           </a:ln>
           <a:effectLst/>
-          <a:extLst/>
         </p:spPr>
         <p:style>
           <a:lnRef idx="2">
@@ -13128,7 +13014,6 @@
             <a:miter lim="800000"/>
           </a:ln>
           <a:effectLst/>
-          <a:extLst/>
         </p:spPr>
         <p:style>
           <a:lnRef idx="2">
@@ -13183,7 +13068,6 @@
             <a:miter lim="800000"/>
           </a:ln>
           <a:effectLst/>
-          <a:extLst/>
         </p:spPr>
         <p:style>
           <a:lnRef idx="2">
@@ -13238,7 +13122,6 @@
             <a:miter lim="800000"/>
           </a:ln>
           <a:effectLst/>
-          <a:extLst/>
         </p:spPr>
         <p:style>
           <a:lnRef idx="2">
@@ -13293,7 +13176,6 @@
             <a:miter lim="800000"/>
           </a:ln>
           <a:effectLst/>
-          <a:extLst/>
         </p:spPr>
         <p:style>
           <a:lnRef idx="2">
@@ -13348,7 +13230,6 @@
             <a:miter lim="800000"/>
           </a:ln>
           <a:effectLst/>
-          <a:extLst/>
         </p:spPr>
         <p:style>
           <a:lnRef idx="2">
@@ -13403,7 +13284,6 @@
             <a:miter lim="800000"/>
           </a:ln>
           <a:effectLst/>
-          <a:extLst/>
         </p:spPr>
         <p:style>
           <a:lnRef idx="2">
@@ -13546,13 +13426,6 @@
   <p:clrMapOvr>
     <a:masterClrMapping/>
   </p:clrMapOvr>
-  <p:timing>
-    <p:tnLst>
-      <p:par>
-        <p:cTn id="1" dur="indefinite" restart="never" nodeType="tmRoot"/>
-      </p:par>
-    </p:tnLst>
-  </p:timing>
 </p:sld>
 </file>
 
@@ -13710,7 +13583,6 @@
             <a:miter lim="800000"/>
           </a:ln>
           <a:effectLst/>
-          <a:extLst/>
         </p:spPr>
         <p:style>
           <a:lnRef idx="2">
@@ -13764,7 +13636,6 @@
             <a:miter lim="800000"/>
           </a:ln>
           <a:effectLst/>
-          <a:extLst/>
         </p:spPr>
         <p:style>
           <a:lnRef idx="2">
@@ -13818,7 +13689,6 @@
             <a:miter lim="800000"/>
           </a:ln>
           <a:effectLst/>
-          <a:extLst/>
         </p:spPr>
         <p:style>
           <a:lnRef idx="2">
@@ -13873,7 +13743,6 @@
             <a:miter lim="800000"/>
           </a:ln>
           <a:effectLst/>
-          <a:extLst/>
         </p:spPr>
         <p:style>
           <a:lnRef idx="2">
@@ -13928,7 +13797,6 @@
             <a:miter lim="800000"/>
           </a:ln>
           <a:effectLst/>
-          <a:extLst/>
         </p:spPr>
         <p:style>
           <a:lnRef idx="2">
@@ -13983,7 +13851,6 @@
             <a:miter lim="800000"/>
           </a:ln>
           <a:effectLst/>
-          <a:extLst/>
         </p:spPr>
         <p:style>
           <a:lnRef idx="2">
@@ -14038,7 +13905,6 @@
             <a:miter lim="800000"/>
           </a:ln>
           <a:effectLst/>
-          <a:extLst/>
         </p:spPr>
         <p:style>
           <a:lnRef idx="2">
@@ -14093,7 +13959,6 @@
             <a:miter lim="800000"/>
           </a:ln>
           <a:effectLst/>
-          <a:extLst/>
         </p:spPr>
         <p:style>
           <a:lnRef idx="2">
@@ -14148,7 +14013,6 @@
             <a:miter lim="800000"/>
           </a:ln>
           <a:effectLst/>
-          <a:extLst/>
         </p:spPr>
         <p:style>
           <a:lnRef idx="2">
@@ -14203,7 +14067,6 @@
             <a:miter lim="800000"/>
           </a:ln>
           <a:effectLst/>
-          <a:extLst/>
         </p:spPr>
         <p:style>
           <a:lnRef idx="2">
@@ -14346,13 +14209,6 @@
   <p:clrMapOvr>
     <a:masterClrMapping/>
   </p:clrMapOvr>
-  <p:timing>
-    <p:tnLst>
-      <p:par>
-        <p:cTn id="1" dur="indefinite" restart="never" nodeType="tmRoot"/>
-      </p:par>
-    </p:tnLst>
-  </p:timing>
 </p:sld>
 </file>
 
@@ -14495,13 +14351,6 @@
   <p:clrMapOvr>
     <a:masterClrMapping/>
   </p:clrMapOvr>
-  <p:timing>
-    <p:tnLst>
-      <p:par>
-        <p:cTn id="1" dur="indefinite" restart="never" nodeType="tmRoot"/>
-      </p:par>
-    </p:tnLst>
-  </p:timing>
 </p:sld>
 </file>
 
@@ -14642,13 +14491,6 @@
   <p:clrMapOvr>
     <a:masterClrMapping/>
   </p:clrMapOvr>
-  <p:timing>
-    <p:tnLst>
-      <p:par>
-        <p:cTn id="1" dur="indefinite" restart="never" nodeType="tmRoot"/>
-      </p:par>
-    </p:tnLst>
-  </p:timing>
 </p:sld>
 </file>
 
@@ -14789,13 +14631,6 @@
   <p:clrMapOvr>
     <a:masterClrMapping/>
   </p:clrMapOvr>
-  <p:timing>
-    <p:tnLst>
-      <p:par>
-        <p:cTn id="1" dur="indefinite" restart="never" nodeType="tmRoot"/>
-      </p:par>
-    </p:tnLst>
-  </p:timing>
 </p:sld>
 </file>
 
@@ -14936,13 +14771,6 @@
   <p:clrMapOvr>
     <a:masterClrMapping/>
   </p:clrMapOvr>
-  <p:timing>
-    <p:tnLst>
-      <p:par>
-        <p:cTn id="1" dur="indefinite" restart="never" nodeType="tmRoot"/>
-      </p:par>
-    </p:tnLst>
-  </p:timing>
 </p:sld>
 </file>
 
@@ -15083,13 +14911,6 @@
   <p:clrMapOvr>
     <a:masterClrMapping/>
   </p:clrMapOvr>
-  <p:timing>
-    <p:tnLst>
-      <p:par>
-        <p:cTn id="1" dur="indefinite" restart="never" nodeType="tmRoot"/>
-      </p:par>
-    </p:tnLst>
-  </p:timing>
 </p:sld>
 </file>
 
@@ -15230,13 +15051,6 @@
   <p:clrMapOvr>
     <a:masterClrMapping/>
   </p:clrMapOvr>
-  <p:timing>
-    <p:tnLst>
-      <p:par>
-        <p:cTn id="1" dur="indefinite" restart="never" nodeType="tmRoot"/>
-      </p:par>
-    </p:tnLst>
-  </p:timing>
 </p:sld>
 </file>
 
@@ -15377,13 +15191,6 @@
   <p:clrMapOvr>
     <a:masterClrMapping/>
   </p:clrMapOvr>
-  <p:timing>
-    <p:tnLst>
-      <p:par>
-        <p:cTn id="1" dur="indefinite" restart="never" nodeType="tmRoot"/>
-      </p:par>
-    </p:tnLst>
-  </p:timing>
 </p:sld>
 </file>
 
@@ -15524,13 +15331,6 @@
   <p:clrMapOvr>
     <a:masterClrMapping/>
   </p:clrMapOvr>
-  <p:timing>
-    <p:tnLst>
-      <p:par>
-        <p:cTn id="1" dur="indefinite" restart="never" nodeType="tmRoot"/>
-      </p:par>
-    </p:tnLst>
-  </p:timing>
 </p:sld>
 </file>
 
@@ -15559,7 +15359,7 @@
           </p:cNvGraphicFramePr>
           <p:nvPr>
             <p:custDataLst>
-              <p:tags r:id="rId2"/>
+              <p:tags r:id="rId1"/>
             </p:custDataLst>
             <p:extLst>
               <p:ext uri="{D42A27DB-BD31-4B8C-83A1-F6EECF244321}">
@@ -15576,12 +15376,12 @@
           <a:graphicData uri="http://schemas.openxmlformats.org/presentationml/2006/ole">
             <mc:AlternateContent xmlns:mc="http://schemas.openxmlformats.org/markup-compatibility/2006">
               <mc:Choice xmlns:v="urn:schemas-microsoft-com:vml" Requires="v">
-                <p:oleObj spid="_x0000_s5266" name="think-cell Folie" r:id="rId4" imgW="592" imgH="588" progId="TCLayout.ActiveDocument.1">
+                <p:oleObj name="think-cell Folie" r:id="rId3" imgW="592" imgH="588" progId="TCLayout.ActiveDocument.1">
                   <p:embed/>
                 </p:oleObj>
               </mc:Choice>
               <mc:Fallback>
-                <p:oleObj name="think-cell Folie" r:id="rId4" imgW="592" imgH="588" progId="TCLayout.ActiveDocument.1">
+                <p:oleObj name="think-cell Folie" r:id="rId3" imgW="592" imgH="588" progId="TCLayout.ActiveDocument.1">
                   <p:embed/>
                   <p:pic>
                     <p:nvPicPr>
@@ -15590,7 +15390,7 @@
                       <p:nvPr/>
                     </p:nvPicPr>
                     <p:blipFill>
-                      <a:blip r:embed="rId5"/>
+                      <a:blip r:embed="rId4"/>
                       <a:stretch>
                         <a:fillRect/>
                       </a:stretch>
@@ -16204,13 +16004,6 @@
   <p:clrMapOvr>
     <a:masterClrMapping/>
   </p:clrMapOvr>
-  <p:timing>
-    <p:tnLst>
-      <p:par>
-        <p:cTn id="1" dur="indefinite" restart="never" nodeType="tmRoot"/>
-      </p:par>
-    </p:tnLst>
-  </p:timing>
 </p:sld>
 </file>
 
@@ -18871,13 +18664,6 @@
   <p:clrMapOvr>
     <a:masterClrMapping/>
   </p:clrMapOvr>
-  <p:timing>
-    <p:tnLst>
-      <p:par>
-        <p:cTn id="1" dur="indefinite" restart="never" nodeType="tmRoot"/>
-      </p:par>
-    </p:tnLst>
-  </p:timing>
 </p:sld>
 </file>
 
@@ -19143,13 +18929,6 @@
   <p:clrMapOvr>
     <a:masterClrMapping/>
   </p:clrMapOvr>
-  <p:timing>
-    <p:tnLst>
-      <p:par>
-        <p:cTn id="1" dur="indefinite" restart="never" nodeType="tmRoot"/>
-      </p:par>
-    </p:tnLst>
-  </p:timing>
 </p:sld>
 </file>
 
@@ -19323,13 +19102,6 @@
   <p:clrMapOvr>
     <a:masterClrMapping/>
   </p:clrMapOvr>
-  <p:timing>
-    <p:tnLst>
-      <p:par>
-        <p:cTn id="1" dur="indefinite" restart="never" nodeType="tmRoot"/>
-      </p:par>
-    </p:tnLst>
-  </p:timing>
 </p:sld>
 </file>
 
@@ -19358,7 +19130,7 @@
           </p:cNvGraphicFramePr>
           <p:nvPr>
             <p:custDataLst>
-              <p:tags r:id="rId2"/>
+              <p:tags r:id="rId1"/>
             </p:custDataLst>
             <p:extLst>
               <p:ext uri="{D42A27DB-BD31-4B8C-83A1-F6EECF244321}">
@@ -19375,12 +19147,12 @@
           <a:graphicData uri="http://schemas.openxmlformats.org/presentationml/2006/ole">
             <mc:AlternateContent xmlns:mc="http://schemas.openxmlformats.org/markup-compatibility/2006">
               <mc:Choice xmlns:v="urn:schemas-microsoft-com:vml" Requires="v">
-                <p:oleObj spid="_x0000_s9349" name="think-cell Folie" r:id="rId4" imgW="592" imgH="588" progId="TCLayout.ActiveDocument.1">
+                <p:oleObj name="think-cell Folie" r:id="rId3" imgW="592" imgH="588" progId="TCLayout.ActiveDocument.1">
                   <p:embed/>
                 </p:oleObj>
               </mc:Choice>
               <mc:Fallback>
-                <p:oleObj name="think-cell Folie" r:id="rId4" imgW="592" imgH="588" progId="TCLayout.ActiveDocument.1">
+                <p:oleObj name="think-cell Folie" r:id="rId3" imgW="592" imgH="588" progId="TCLayout.ActiveDocument.1">
                   <p:embed/>
                   <p:pic>
                     <p:nvPicPr>
@@ -19389,7 +19161,7 @@
                       <p:nvPr/>
                     </p:nvPicPr>
                     <p:blipFill>
-                      <a:blip r:embed="rId5"/>
+                      <a:blip r:embed="rId4"/>
                       <a:stretch>
                         <a:fillRect/>
                       </a:stretch>
@@ -21399,13 +21171,6 @@
   <p:clrMapOvr>
     <a:masterClrMapping/>
   </p:clrMapOvr>
-  <p:timing>
-    <p:tnLst>
-      <p:par>
-        <p:cTn id="1" dur="indefinite" restart="never" nodeType="tmRoot"/>
-      </p:par>
-    </p:tnLst>
-  </p:timing>
 </p:sld>
 </file>
 
@@ -21434,7 +21199,7 @@
           </p:cNvGraphicFramePr>
           <p:nvPr>
             <p:custDataLst>
-              <p:tags r:id="rId2"/>
+              <p:tags r:id="rId1"/>
             </p:custDataLst>
             <p:extLst>
               <p:ext uri="{D42A27DB-BD31-4B8C-83A1-F6EECF244321}">
@@ -21451,12 +21216,12 @@
           <a:graphicData uri="http://schemas.openxmlformats.org/presentationml/2006/ole">
             <mc:AlternateContent xmlns:mc="http://schemas.openxmlformats.org/markup-compatibility/2006">
               <mc:Choice xmlns:v="urn:schemas-microsoft-com:vml" Requires="v">
-                <p:oleObj spid="_x0000_s11377" name="think-cell Folie" r:id="rId4" imgW="631" imgH="631" progId="TCLayout.ActiveDocument.1">
+                <p:oleObj name="think-cell Folie" r:id="rId3" imgW="631" imgH="631" progId="TCLayout.ActiveDocument.1">
                   <p:embed/>
                 </p:oleObj>
               </mc:Choice>
               <mc:Fallback>
-                <p:oleObj name="think-cell Folie" r:id="rId4" imgW="631" imgH="631" progId="TCLayout.ActiveDocument.1">
+                <p:oleObj name="think-cell Folie" r:id="rId3" imgW="631" imgH="631" progId="TCLayout.ActiveDocument.1">
                   <p:embed/>
                   <p:pic>
                     <p:nvPicPr>
@@ -21465,7 +21230,7 @@
                       <p:nvPr/>
                     </p:nvPicPr>
                     <p:blipFill>
-                      <a:blip r:embed="rId5"/>
+                      <a:blip r:embed="rId4"/>
                       <a:stretch>
                         <a:fillRect/>
                       </a:stretch>
@@ -21965,13 +21730,6 @@
   <p:clrMapOvr>
     <a:masterClrMapping/>
   </p:clrMapOvr>
-  <p:timing>
-    <p:tnLst>
-      <p:par>
-        <p:cTn id="1" dur="indefinite" restart="never" nodeType="tmRoot"/>
-      </p:par>
-    </p:tnLst>
-  </p:timing>
 </p:sld>
 </file>
 
@@ -22118,13 +21876,6 @@
   <p:clrMapOvr>
     <a:masterClrMapping/>
   </p:clrMapOvr>
-  <p:timing>
-    <p:tnLst>
-      <p:par>
-        <p:cTn id="1" dur="indefinite" restart="never" nodeType="tmRoot"/>
-      </p:par>
-    </p:tnLst>
-  </p:timing>
 </p:sld>
 </file>
 
@@ -22153,7 +21904,7 @@
           </p:cNvGraphicFramePr>
           <p:nvPr>
             <p:custDataLst>
-              <p:tags r:id="rId2"/>
+              <p:tags r:id="rId1"/>
             </p:custDataLst>
             <p:extLst>
               <p:ext uri="{D42A27DB-BD31-4B8C-83A1-F6EECF244321}">
@@ -22170,12 +21921,12 @@
           <a:graphicData uri="http://schemas.openxmlformats.org/presentationml/2006/ole">
             <mc:AlternateContent xmlns:mc="http://schemas.openxmlformats.org/markup-compatibility/2006">
               <mc:Choice xmlns:v="urn:schemas-microsoft-com:vml" Requires="v">
-                <p:oleObj spid="_x0000_s12375" name="think-cell Folie" r:id="rId4" imgW="631" imgH="631" progId="TCLayout.ActiveDocument.1">
+                <p:oleObj name="think-cell Folie" r:id="rId3" imgW="631" imgH="631" progId="TCLayout.ActiveDocument.1">
                   <p:embed/>
                 </p:oleObj>
               </mc:Choice>
               <mc:Fallback>
-                <p:oleObj name="think-cell Folie" r:id="rId4" imgW="631" imgH="631" progId="TCLayout.ActiveDocument.1">
+                <p:oleObj name="think-cell Folie" r:id="rId3" imgW="631" imgH="631" progId="TCLayout.ActiveDocument.1">
                   <p:embed/>
                   <p:pic>
                     <p:nvPicPr>
@@ -22184,7 +21935,7 @@
                       <p:nvPr/>
                     </p:nvPicPr>
                     <p:blipFill>
-                      <a:blip r:embed="rId5"/>
+                      <a:blip r:embed="rId4"/>
                       <a:stretch>
                         <a:fillRect/>
                       </a:stretch>
@@ -22443,7 +22194,7 @@
           </p:cNvGraphicFramePr>
           <p:nvPr>
             <p:custDataLst>
-              <p:tags r:id="rId2"/>
+              <p:tags r:id="rId1"/>
             </p:custDataLst>
           </p:nvPr>
         </p:nvGraphicFramePr>
@@ -22455,12 +22206,12 @@
           <a:graphicData uri="http://schemas.openxmlformats.org/presentationml/2006/ole">
             <mc:AlternateContent xmlns:mc="http://schemas.openxmlformats.org/markup-compatibility/2006">
               <mc:Choice xmlns:v="urn:schemas-microsoft-com:vml" Requires="v">
-                <p:oleObj spid="_x0000_s13399" name="think-cell Folie" r:id="rId4" imgW="631" imgH="631" progId="TCLayout.ActiveDocument.1">
+                <p:oleObj name="think-cell Folie" r:id="rId3" imgW="631" imgH="631" progId="TCLayout.ActiveDocument.1">
                   <p:embed/>
                 </p:oleObj>
               </mc:Choice>
               <mc:Fallback>
-                <p:oleObj name="think-cell Folie" r:id="rId4" imgW="631" imgH="631" progId="TCLayout.ActiveDocument.1">
+                <p:oleObj name="think-cell Folie" r:id="rId3" imgW="631" imgH="631" progId="TCLayout.ActiveDocument.1">
                   <p:embed/>
                   <p:pic>
                     <p:nvPicPr>
@@ -22469,7 +22220,7 @@
                       <p:nvPr/>
                     </p:nvPicPr>
                     <p:blipFill>
-                      <a:blip r:embed="rId5"/>
+                      <a:blip r:embed="rId4"/>
                       <a:stretch>
                         <a:fillRect/>
                       </a:stretch>
@@ -22892,13 +22643,6 @@
   <p:clrMapOvr>
     <a:masterClrMapping/>
   </p:clrMapOvr>
-  <p:timing>
-    <p:tnLst>
-      <p:par>
-        <p:cTn id="1" dur="indefinite" restart="never" nodeType="tmRoot"/>
-      </p:par>
-    </p:tnLst>
-  </p:timing>
 </p:sld>
 </file>
 
@@ -22927,7 +22671,7 @@
           </p:cNvGraphicFramePr>
           <p:nvPr>
             <p:custDataLst>
-              <p:tags r:id="rId2"/>
+              <p:tags r:id="rId1"/>
             </p:custDataLst>
             <p:extLst>
               <p:ext uri="{D42A27DB-BD31-4B8C-83A1-F6EECF244321}">
@@ -22944,12 +22688,12 @@
           <a:graphicData uri="http://schemas.openxmlformats.org/presentationml/2006/ole">
             <mc:AlternateContent xmlns:mc="http://schemas.openxmlformats.org/markup-compatibility/2006">
               <mc:Choice xmlns:v="urn:schemas-microsoft-com:vml" Requires="v">
-                <p:oleObj spid="_x0000_s14401" name="think-cell Folie" r:id="rId4" imgW="631" imgH="631" progId="TCLayout.ActiveDocument.1">
+                <p:oleObj name="think-cell Folie" r:id="rId3" imgW="631" imgH="631" progId="TCLayout.ActiveDocument.1">
                   <p:embed/>
                 </p:oleObj>
               </mc:Choice>
               <mc:Fallback>
-                <p:oleObj name="think-cell Folie" r:id="rId4" imgW="631" imgH="631" progId="TCLayout.ActiveDocument.1">
+                <p:oleObj name="think-cell Folie" r:id="rId3" imgW="631" imgH="631" progId="TCLayout.ActiveDocument.1">
                   <p:embed/>
                   <p:pic>
                     <p:nvPicPr>
@@ -22958,7 +22702,7 @@
                       <p:nvPr/>
                     </p:nvPicPr>
                     <p:blipFill>
-                      <a:blip r:embed="rId5"/>
+                      <a:blip r:embed="rId4"/>
                       <a:stretch>
                         <a:fillRect/>
                       </a:stretch>
@@ -23595,13 +23339,6 @@
   <p:clrMapOvr>
     <a:masterClrMapping/>
   </p:clrMapOvr>
-  <p:timing>
-    <p:tnLst>
-      <p:par>
-        <p:cTn id="1" dur="indefinite" restart="never" nodeType="tmRoot"/>
-      </p:par>
-    </p:tnLst>
-  </p:timing>
 </p:sld>
 </file>
 
@@ -23630,7 +23367,7 @@
           </p:cNvGraphicFramePr>
           <p:nvPr>
             <p:custDataLst>
-              <p:tags r:id="rId2"/>
+              <p:tags r:id="rId1"/>
             </p:custDataLst>
             <p:extLst>
               <p:ext uri="{D42A27DB-BD31-4B8C-83A1-F6EECF244321}">
@@ -23647,12 +23384,12 @@
           <a:graphicData uri="http://schemas.openxmlformats.org/presentationml/2006/ole">
             <mc:AlternateContent xmlns:mc="http://schemas.openxmlformats.org/markup-compatibility/2006">
               <mc:Choice xmlns:v="urn:schemas-microsoft-com:vml" Requires="v">
-                <p:oleObj spid="_x0000_s15425" name="think-cell Folie" r:id="rId4" imgW="631" imgH="631" progId="TCLayout.ActiveDocument.1">
+                <p:oleObj name="think-cell Folie" r:id="rId3" imgW="631" imgH="631" progId="TCLayout.ActiveDocument.1">
                   <p:embed/>
                 </p:oleObj>
               </mc:Choice>
               <mc:Fallback>
-                <p:oleObj name="think-cell Folie" r:id="rId4" imgW="631" imgH="631" progId="TCLayout.ActiveDocument.1">
+                <p:oleObj name="think-cell Folie" r:id="rId3" imgW="631" imgH="631" progId="TCLayout.ActiveDocument.1">
                   <p:embed/>
                   <p:pic>
                     <p:nvPicPr>
@@ -23661,7 +23398,7 @@
                       <p:nvPr/>
                     </p:nvPicPr>
                     <p:blipFill>
-                      <a:blip r:embed="rId5"/>
+                      <a:blip r:embed="rId4"/>
                       <a:stretch>
                         <a:fillRect/>
                       </a:stretch>
@@ -23723,7 +23460,6 @@
               <a:miter lim="800000"/>
             </a:ln>
             <a:effectLst/>
-            <a:extLst/>
           </p:spPr>
           <p:style>
             <a:lnRef idx="2">
@@ -23777,7 +23513,6 @@
               <a:miter lim="800000"/>
             </a:ln>
             <a:effectLst/>
-            <a:extLst/>
           </p:spPr>
           <p:style>
             <a:lnRef idx="2">
@@ -23831,7 +23566,6 @@
               <a:miter lim="800000"/>
             </a:ln>
             <a:effectLst/>
-            <a:extLst/>
           </p:spPr>
           <p:style>
             <a:lnRef idx="2">
@@ -23886,7 +23620,6 @@
               <a:miter lim="800000"/>
             </a:ln>
             <a:effectLst/>
-            <a:extLst/>
           </p:spPr>
           <p:style>
             <a:lnRef idx="2">
@@ -23941,7 +23674,6 @@
               <a:miter lim="800000"/>
             </a:ln>
             <a:effectLst/>
-            <a:extLst/>
           </p:spPr>
           <p:style>
             <a:lnRef idx="2">
@@ -23996,7 +23728,6 @@
               <a:miter lim="800000"/>
             </a:ln>
             <a:effectLst/>
-            <a:extLst/>
           </p:spPr>
           <p:style>
             <a:lnRef idx="2">
@@ -24051,7 +23782,6 @@
               <a:miter lim="800000"/>
             </a:ln>
             <a:effectLst/>
-            <a:extLst/>
           </p:spPr>
           <p:style>
             <a:lnRef idx="2">
@@ -24106,7 +23836,6 @@
               <a:miter lim="800000"/>
             </a:ln>
             <a:effectLst/>
-            <a:extLst/>
           </p:spPr>
           <p:style>
             <a:lnRef idx="2">
@@ -24161,7 +23890,6 @@
               <a:miter lim="800000"/>
             </a:ln>
             <a:effectLst/>
-            <a:extLst/>
           </p:spPr>
           <p:style>
             <a:lnRef idx="2">
@@ -24216,7 +23944,6 @@
               <a:miter lim="800000"/>
             </a:ln>
             <a:effectLst/>
-            <a:extLst/>
           </p:spPr>
           <p:style>
             <a:lnRef idx="2">
@@ -24285,7 +24012,6 @@
               <a:miter lim="800000"/>
             </a:ln>
             <a:effectLst/>
-            <a:extLst/>
           </p:spPr>
           <p:style>
             <a:lnRef idx="2">
@@ -24339,7 +24065,6 @@
               <a:miter lim="800000"/>
             </a:ln>
             <a:effectLst/>
-            <a:extLst/>
           </p:spPr>
           <p:style>
             <a:lnRef idx="2">
@@ -24393,7 +24118,6 @@
               <a:miter lim="800000"/>
             </a:ln>
             <a:effectLst/>
-            <a:extLst/>
           </p:spPr>
           <p:style>
             <a:lnRef idx="2">
@@ -24448,7 +24172,6 @@
               <a:miter lim="800000"/>
             </a:ln>
             <a:effectLst/>
-            <a:extLst/>
           </p:spPr>
           <p:style>
             <a:lnRef idx="2">
@@ -24503,7 +24226,6 @@
               <a:miter lim="800000"/>
             </a:ln>
             <a:effectLst/>
-            <a:extLst/>
           </p:spPr>
           <p:style>
             <a:lnRef idx="2">
@@ -24572,7 +24294,6 @@
               <a:miter lim="800000"/>
             </a:ln>
             <a:effectLst/>
-            <a:extLst/>
           </p:spPr>
           <p:style>
             <a:lnRef idx="2">
@@ -24626,7 +24347,6 @@
               <a:miter lim="800000"/>
             </a:ln>
             <a:effectLst/>
-            <a:extLst/>
           </p:spPr>
           <p:style>
             <a:lnRef idx="2">
@@ -24680,7 +24400,6 @@
               <a:miter lim="800000"/>
             </a:ln>
             <a:effectLst/>
-            <a:extLst/>
           </p:spPr>
           <p:style>
             <a:lnRef idx="2">
@@ -24735,7 +24454,6 @@
               <a:miter lim="800000"/>
             </a:ln>
             <a:effectLst/>
-            <a:extLst/>
           </p:spPr>
           <p:style>
             <a:lnRef idx="2">
@@ -24790,7 +24508,6 @@
               <a:miter lim="800000"/>
             </a:ln>
             <a:effectLst/>
-            <a:extLst/>
           </p:spPr>
           <p:style>
             <a:lnRef idx="2">
@@ -24845,7 +24562,6 @@
               <a:miter lim="800000"/>
             </a:ln>
             <a:effectLst/>
-            <a:extLst/>
           </p:spPr>
           <p:style>
             <a:lnRef idx="2">
@@ -24900,7 +24616,6 @@
               <a:miter lim="800000"/>
             </a:ln>
             <a:effectLst/>
-            <a:extLst/>
           </p:spPr>
           <p:style>
             <a:lnRef idx="2">
@@ -24955,7 +24670,6 @@
               <a:miter lim="800000"/>
             </a:ln>
             <a:effectLst/>
-            <a:extLst/>
           </p:spPr>
           <p:style>
             <a:lnRef idx="2">
@@ -25146,13 +24860,6 @@
   <p:clrMapOvr>
     <a:masterClrMapping/>
   </p:clrMapOvr>
-  <p:timing>
-    <p:tnLst>
-      <p:par>
-        <p:cTn id="1" dur="indefinite" restart="never" nodeType="tmRoot"/>
-      </p:par>
-    </p:tnLst>
-  </p:timing>
 </p:sld>
 </file>
 
@@ -25181,7 +24888,7 @@
           </p:cNvGraphicFramePr>
           <p:nvPr>
             <p:custDataLst>
-              <p:tags r:id="rId2"/>
+              <p:tags r:id="rId1"/>
             </p:custDataLst>
           </p:nvPr>
         </p:nvGraphicFramePr>
@@ -25193,12 +24900,12 @@
           <a:graphicData uri="http://schemas.openxmlformats.org/presentationml/2006/ole">
             <mc:AlternateContent xmlns:mc="http://schemas.openxmlformats.org/markup-compatibility/2006">
               <mc:Choice xmlns:v="urn:schemas-microsoft-com:vml" Requires="v">
-                <p:oleObj spid="_x0000_s16449" name="think-cell Folie" r:id="rId4" imgW="631" imgH="631" progId="TCLayout.ActiveDocument.1">
+                <p:oleObj name="think-cell Folie" r:id="rId3" imgW="631" imgH="631" progId="TCLayout.ActiveDocument.1">
                   <p:embed/>
                 </p:oleObj>
               </mc:Choice>
               <mc:Fallback>
-                <p:oleObj name="think-cell Folie" r:id="rId4" imgW="631" imgH="631" progId="TCLayout.ActiveDocument.1">
+                <p:oleObj name="think-cell Folie" r:id="rId3" imgW="631" imgH="631" progId="TCLayout.ActiveDocument.1">
                   <p:embed/>
                   <p:pic>
                     <p:nvPicPr>
@@ -25207,7 +24914,7 @@
                       <p:nvPr/>
                     </p:nvPicPr>
                     <p:blipFill>
-                      <a:blip r:embed="rId5"/>
+                      <a:blip r:embed="rId4"/>
                       <a:stretch>
                         <a:fillRect/>
                       </a:stretch>
@@ -25646,13 +25353,6 @@
   <p:clrMapOvr>
     <a:masterClrMapping/>
   </p:clrMapOvr>
-  <p:timing>
-    <p:tnLst>
-      <p:par>
-        <p:cTn id="1" dur="indefinite" restart="never" nodeType="tmRoot"/>
-      </p:par>
-    </p:tnLst>
-  </p:timing>
 </p:sld>
 </file>
 
@@ -25681,7 +25381,7 @@
           </p:cNvGraphicFramePr>
           <p:nvPr>
             <p:custDataLst>
-              <p:tags r:id="rId2"/>
+              <p:tags r:id="rId1"/>
             </p:custDataLst>
             <p:extLst>
               <p:ext uri="{D42A27DB-BD31-4B8C-83A1-F6EECF244321}">
@@ -25698,12 +25398,12 @@
           <a:graphicData uri="http://schemas.openxmlformats.org/presentationml/2006/ole">
             <mc:AlternateContent xmlns:mc="http://schemas.openxmlformats.org/markup-compatibility/2006">
               <mc:Choice xmlns:v="urn:schemas-microsoft-com:vml" Requires="v">
-                <p:oleObj spid="_x0000_s17469" name="think-cell Folie" r:id="rId7" imgW="631" imgH="631" progId="TCLayout.ActiveDocument.1">
+                <p:oleObj name="think-cell Folie" r:id="rId6" imgW="631" imgH="631" progId="TCLayout.ActiveDocument.1">
                   <p:embed/>
                 </p:oleObj>
               </mc:Choice>
               <mc:Fallback>
-                <p:oleObj name="think-cell Folie" r:id="rId7" imgW="631" imgH="631" progId="TCLayout.ActiveDocument.1">
+                <p:oleObj name="think-cell Folie" r:id="rId6" imgW="631" imgH="631" progId="TCLayout.ActiveDocument.1">
                   <p:embed/>
                   <p:pic>
                     <p:nvPicPr>
@@ -25712,7 +25412,7 @@
                       <p:nvPr/>
                     </p:nvPicPr>
                     <p:blipFill>
-                      <a:blip r:embed="rId8"/>
+                      <a:blip r:embed="rId7"/>
                       <a:stretch>
                         <a:fillRect/>
                       </a:stretch>
@@ -25741,12 +25441,12 @@
           </p:cNvPicPr>
           <p:nvPr>
             <p:custDataLst>
-              <p:tags r:id="rId3"/>
+              <p:tags r:id="rId2"/>
             </p:custDataLst>
           </p:nvPr>
         </p:nvPicPr>
         <p:blipFill rotWithShape="1">
-          <a:blip r:embed="rId9"/>
+          <a:blip r:embed="rId8"/>
           <a:srcRect/>
           <a:stretch/>
         </p:blipFill>
@@ -25783,12 +25483,12 @@
           </p:cNvPicPr>
           <p:nvPr>
             <p:custDataLst>
-              <p:tags r:id="rId4"/>
+              <p:tags r:id="rId3"/>
             </p:custDataLst>
           </p:nvPr>
         </p:nvPicPr>
         <p:blipFill rotWithShape="1">
-          <a:blip r:embed="rId10"/>
+          <a:blip r:embed="rId9"/>
           <a:srcRect/>
           <a:stretch/>
         </p:blipFill>
@@ -25825,12 +25525,12 @@
           </p:cNvPicPr>
           <p:nvPr>
             <p:custDataLst>
-              <p:tags r:id="rId5"/>
+              <p:tags r:id="rId4"/>
             </p:custDataLst>
           </p:nvPr>
         </p:nvPicPr>
         <p:blipFill rotWithShape="1">
-          <a:blip r:embed="rId11"/>
+          <a:blip r:embed="rId10"/>
           <a:srcRect/>
           <a:stretch/>
         </p:blipFill>
@@ -25869,13 +25569,6 @@
   <p:clrMapOvr>
     <a:masterClrMapping/>
   </p:clrMapOvr>
-  <p:timing>
-    <p:tnLst>
-      <p:par>
-        <p:cTn id="1" dur="indefinite" restart="never" nodeType="tmRoot"/>
-      </p:par>
-    </p:tnLst>
-  </p:timing>
 </p:sld>
 </file>
 
@@ -25904,7 +25597,7 @@
           </p:cNvGraphicFramePr>
           <p:nvPr>
             <p:custDataLst>
-              <p:tags r:id="rId2"/>
+              <p:tags r:id="rId1"/>
             </p:custDataLst>
             <p:extLst>
               <p:ext uri="{D42A27DB-BD31-4B8C-83A1-F6EECF244321}">
@@ -25921,12 +25614,12 @@
           <a:graphicData uri="http://schemas.openxmlformats.org/presentationml/2006/ole">
             <mc:AlternateContent xmlns:mc="http://schemas.openxmlformats.org/markup-compatibility/2006">
               <mc:Choice xmlns:v="urn:schemas-microsoft-com:vml" Requires="v">
-                <p:oleObj spid="_x0000_s19510" name="think-cell Folie" r:id="rId4" imgW="631" imgH="631" progId="TCLayout.ActiveDocument.1">
+                <p:oleObj name="think-cell Folie" r:id="rId3" imgW="631" imgH="631" progId="TCLayout.ActiveDocument.1">
                   <p:embed/>
                 </p:oleObj>
               </mc:Choice>
               <mc:Fallback>
-                <p:oleObj name="think-cell Folie" r:id="rId4" imgW="631" imgH="631" progId="TCLayout.ActiveDocument.1">
+                <p:oleObj name="think-cell Folie" r:id="rId3" imgW="631" imgH="631" progId="TCLayout.ActiveDocument.1">
                   <p:embed/>
                   <p:pic>
                     <p:nvPicPr>
@@ -25935,7 +25628,7 @@
                       <p:nvPr/>
                     </p:nvPicPr>
                     <p:blipFill>
-                      <a:blip r:embed="rId5"/>
+                      <a:blip r:embed="rId4"/>
                       <a:stretch>
                         <a:fillRect/>
                       </a:stretch>
@@ -26529,7 +26222,7 @@
           </p:cNvGraphicFramePr>
           <p:nvPr>
             <p:custDataLst>
-              <p:tags r:id="rId2"/>
+              <p:tags r:id="rId1"/>
             </p:custDataLst>
           </p:nvPr>
         </p:nvGraphicFramePr>
@@ -26541,12 +26234,12 @@
           <a:graphicData uri="http://schemas.openxmlformats.org/presentationml/2006/ole">
             <mc:AlternateContent xmlns:mc="http://schemas.openxmlformats.org/markup-compatibility/2006">
               <mc:Choice xmlns:v="urn:schemas-microsoft-com:vml" Requires="v">
-                <p:oleObj spid="_x0000_s10371" name="think-cell Folie" r:id="rId4" imgW="592" imgH="588" progId="TCLayout.ActiveDocument.1">
+                <p:oleObj name="think-cell Folie" r:id="rId3" imgW="592" imgH="588" progId="TCLayout.ActiveDocument.1">
                   <p:embed/>
                 </p:oleObj>
               </mc:Choice>
               <mc:Fallback>
-                <p:oleObj name="think-cell Folie" r:id="rId4" imgW="592" imgH="588" progId="TCLayout.ActiveDocument.1">
+                <p:oleObj name="think-cell Folie" r:id="rId3" imgW="592" imgH="588" progId="TCLayout.ActiveDocument.1">
                   <p:embed/>
                   <p:pic>
                     <p:nvPicPr>
@@ -26555,7 +26248,7 @@
                       <p:nvPr/>
                     </p:nvPicPr>
                     <p:blipFill>
-                      <a:blip r:embed="rId5"/>
+                      <a:blip r:embed="rId4"/>
                       <a:stretch>
                         <a:fillRect/>
                       </a:stretch>
@@ -27279,13 +26972,6 @@
   <p:clrMapOvr>
     <a:masterClrMapping/>
   </p:clrMapOvr>
-  <p:timing>
-    <p:tnLst>
-      <p:par>
-        <p:cTn id="1" dur="indefinite" restart="never" nodeType="tmRoot"/>
-      </p:par>
-    </p:tnLst>
-  </p:timing>
 </p:sld>
 </file>
 
@@ -27314,7 +27000,7 @@
           </p:cNvGraphicFramePr>
           <p:nvPr>
             <p:custDataLst>
-              <p:tags r:id="rId2"/>
+              <p:tags r:id="rId1"/>
             </p:custDataLst>
             <p:extLst>
               <p:ext uri="{D42A27DB-BD31-4B8C-83A1-F6EECF244321}">
@@ -27331,12 +27017,12 @@
           <a:graphicData uri="http://schemas.openxmlformats.org/presentationml/2006/ole">
             <mc:AlternateContent xmlns:mc="http://schemas.openxmlformats.org/markup-compatibility/2006">
               <mc:Choice xmlns:v="urn:schemas-microsoft-com:vml" Requires="v">
-                <p:oleObj spid="_x0000_s20534" name="think-cell Folie" r:id="rId4" imgW="631" imgH="631" progId="TCLayout.ActiveDocument.1">
+                <p:oleObj name="think-cell Folie" r:id="rId3" imgW="631" imgH="631" progId="TCLayout.ActiveDocument.1">
                   <p:embed/>
                 </p:oleObj>
               </mc:Choice>
               <mc:Fallback>
-                <p:oleObj name="think-cell Folie" r:id="rId4" imgW="631" imgH="631" progId="TCLayout.ActiveDocument.1">
+                <p:oleObj name="think-cell Folie" r:id="rId3" imgW="631" imgH="631" progId="TCLayout.ActiveDocument.1">
                   <p:embed/>
                   <p:pic>
                     <p:nvPicPr>
@@ -27345,7 +27031,7 @@
                       <p:nvPr/>
                     </p:nvPicPr>
                     <p:blipFill>
-                      <a:blip r:embed="rId5"/>
+                      <a:blip r:embed="rId4"/>
                       <a:stretch>
                         <a:fillRect/>
                       </a:stretch>
@@ -27939,7 +27625,7 @@
           </p:cNvGraphicFramePr>
           <p:nvPr>
             <p:custDataLst>
-              <p:tags r:id="rId2"/>
+              <p:tags r:id="rId1"/>
             </p:custDataLst>
             <p:extLst>
               <p:ext uri="{D42A27DB-BD31-4B8C-83A1-F6EECF244321}">
@@ -27956,12 +27642,12 @@
           <a:graphicData uri="http://schemas.openxmlformats.org/presentationml/2006/ole">
             <mc:AlternateContent xmlns:mc="http://schemas.openxmlformats.org/markup-compatibility/2006">
               <mc:Choice xmlns:v="urn:schemas-microsoft-com:vml" Requires="v">
-                <p:oleObj spid="_x0000_s18491" name="think-cell Folie" r:id="rId4" imgW="631" imgH="631" progId="TCLayout.ActiveDocument.1">
+                <p:oleObj name="think-cell Folie" r:id="rId3" imgW="631" imgH="631" progId="TCLayout.ActiveDocument.1">
                   <p:embed/>
                 </p:oleObj>
               </mc:Choice>
               <mc:Fallback>
-                <p:oleObj name="think-cell Folie" r:id="rId4" imgW="631" imgH="631" progId="TCLayout.ActiveDocument.1">
+                <p:oleObj name="think-cell Folie" r:id="rId3" imgW="631" imgH="631" progId="TCLayout.ActiveDocument.1">
                   <p:embed/>
                   <p:pic>
                     <p:nvPicPr>
@@ -27970,7 +27656,7 @@
                       <p:nvPr/>
                     </p:nvPicPr>
                     <p:blipFill>
-                      <a:blip r:embed="rId5"/>
+                      <a:blip r:embed="rId4"/>
                       <a:stretch>
                         <a:fillRect/>
                       </a:stretch>
@@ -29318,9 +29004,8 @@
           </p:cNvGraphicFramePr>
           <p:nvPr>
             <p:custDataLst>
-              <p:tags r:id="rId2"/>
+              <p:tags r:id="rId1"/>
             </p:custDataLst>
-            <p:extLst/>
           </p:nvPr>
         </p:nvGraphicFramePr>
         <p:xfrm>
@@ -29331,12 +29016,12 @@
           <a:graphicData uri="http://schemas.openxmlformats.org/presentationml/2006/ole">
             <mc:AlternateContent xmlns:mc="http://schemas.openxmlformats.org/markup-compatibility/2006">
               <mc:Choice xmlns:v="urn:schemas-microsoft-com:vml" Requires="v">
-                <p:oleObj spid="_x0000_s21556" name="think-cell Folie" r:id="rId4" imgW="631" imgH="631" progId="TCLayout.ActiveDocument.1">
+                <p:oleObj name="think-cell Folie" r:id="rId3" imgW="631" imgH="631" progId="TCLayout.ActiveDocument.1">
                   <p:embed/>
                 </p:oleObj>
               </mc:Choice>
               <mc:Fallback>
-                <p:oleObj name="think-cell Folie" r:id="rId4" imgW="631" imgH="631" progId="TCLayout.ActiveDocument.1">
+                <p:oleObj name="think-cell Folie" r:id="rId3" imgW="631" imgH="631" progId="TCLayout.ActiveDocument.1">
                   <p:embed/>
                   <p:pic>
                     <p:nvPicPr>
@@ -29345,7 +29030,7 @@
                       <p:nvPr/>
                     </p:nvPicPr>
                     <p:blipFill>
-                      <a:blip r:embed="rId5"/>
+                      <a:blip r:embed="rId4"/>
                       <a:stretch>
                         <a:fillRect/>
                       </a:stretch>
@@ -30693,9 +30378,8 @@
           </p:cNvGraphicFramePr>
           <p:nvPr>
             <p:custDataLst>
-              <p:tags r:id="rId2"/>
+              <p:tags r:id="rId1"/>
             </p:custDataLst>
-            <p:extLst/>
           </p:nvPr>
         </p:nvGraphicFramePr>
         <p:xfrm>
@@ -30706,12 +30390,12 @@
           <a:graphicData uri="http://schemas.openxmlformats.org/presentationml/2006/ole">
             <mc:AlternateContent xmlns:mc="http://schemas.openxmlformats.org/markup-compatibility/2006">
               <mc:Choice xmlns:v="urn:schemas-microsoft-com:vml" Requires="v">
-                <p:oleObj spid="_x0000_s22579" name="think-cell Folie" r:id="rId4" imgW="631" imgH="631" progId="TCLayout.ActiveDocument.1">
+                <p:oleObj name="think-cell Folie" r:id="rId3" imgW="631" imgH="631" progId="TCLayout.ActiveDocument.1">
                   <p:embed/>
                 </p:oleObj>
               </mc:Choice>
               <mc:Fallback>
-                <p:oleObj name="think-cell Folie" r:id="rId4" imgW="631" imgH="631" progId="TCLayout.ActiveDocument.1">
+                <p:oleObj name="think-cell Folie" r:id="rId3" imgW="631" imgH="631" progId="TCLayout.ActiveDocument.1">
                   <p:embed/>
                   <p:pic>
                     <p:nvPicPr>
@@ -30720,7 +30404,7 @@
                       <p:nvPr/>
                     </p:nvPicPr>
                     <p:blipFill>
-                      <a:blip r:embed="rId5"/>
+                      <a:blip r:embed="rId4"/>
                       <a:stretch>
                         <a:fillRect/>
                       </a:stretch>
@@ -32068,7 +31752,7 @@
           </p:cNvGraphicFramePr>
           <p:nvPr>
             <p:custDataLst>
-              <p:tags r:id="rId2"/>
+              <p:tags r:id="rId1"/>
             </p:custDataLst>
             <p:extLst>
               <p:ext uri="{D42A27DB-BD31-4B8C-83A1-F6EECF244321}">
@@ -32085,12 +31769,12 @@
           <a:graphicData uri="http://schemas.openxmlformats.org/presentationml/2006/ole">
             <mc:AlternateContent xmlns:mc="http://schemas.openxmlformats.org/markup-compatibility/2006">
               <mc:Choice xmlns:v="urn:schemas-microsoft-com:vml" Requires="v">
-                <p:oleObj spid="_x0000_s23602" name="think-cell Folie" r:id="rId4" imgW="631" imgH="631" progId="TCLayout.ActiveDocument.1">
+                <p:oleObj name="think-cell Folie" r:id="rId3" imgW="631" imgH="631" progId="TCLayout.ActiveDocument.1">
                   <p:embed/>
                 </p:oleObj>
               </mc:Choice>
               <mc:Fallback>
-                <p:oleObj name="think-cell Folie" r:id="rId4" imgW="631" imgH="631" progId="TCLayout.ActiveDocument.1">
+                <p:oleObj name="think-cell Folie" r:id="rId3" imgW="631" imgH="631" progId="TCLayout.ActiveDocument.1">
                   <p:embed/>
                   <p:pic>
                     <p:nvPicPr>
@@ -32099,7 +31783,7 @@
                       <p:nvPr/>
                     </p:nvPicPr>
                     <p:blipFill>
-                      <a:blip r:embed="rId5"/>
+                      <a:blip r:embed="rId4"/>
                       <a:stretch>
                         <a:fillRect/>
                       </a:stretch>
@@ -32370,13 +32054,6 @@
   <p:clrMapOvr>
     <a:masterClrMapping/>
   </p:clrMapOvr>
-  <p:timing>
-    <p:tnLst>
-      <p:par>
-        <p:cTn id="1" dur="indefinite" restart="never" nodeType="tmRoot"/>
-      </p:par>
-    </p:tnLst>
-  </p:timing>
 </p:sld>
 </file>
 
@@ -32405,7 +32082,7 @@
           </p:cNvGraphicFramePr>
           <p:nvPr>
             <p:custDataLst>
-              <p:tags r:id="rId2"/>
+              <p:tags r:id="rId1"/>
             </p:custDataLst>
             <p:extLst>
               <p:ext uri="{D42A27DB-BD31-4B8C-83A1-F6EECF244321}">
@@ -32422,12 +32099,12 @@
           <a:graphicData uri="http://schemas.openxmlformats.org/presentationml/2006/ole">
             <mc:AlternateContent xmlns:mc="http://schemas.openxmlformats.org/markup-compatibility/2006">
               <mc:Choice xmlns:v="urn:schemas-microsoft-com:vml" Requires="v">
-                <p:oleObj spid="_x0000_s24622" name="think-cell Folie" r:id="rId4" imgW="631" imgH="631" progId="TCLayout.ActiveDocument.1">
+                <p:oleObj name="think-cell Folie" r:id="rId3" imgW="631" imgH="631" progId="TCLayout.ActiveDocument.1">
                   <p:embed/>
                 </p:oleObj>
               </mc:Choice>
               <mc:Fallback>
-                <p:oleObj name="think-cell Folie" r:id="rId4" imgW="631" imgH="631" progId="TCLayout.ActiveDocument.1">
+                <p:oleObj name="think-cell Folie" r:id="rId3" imgW="631" imgH="631" progId="TCLayout.ActiveDocument.1">
                   <p:embed/>
                   <p:pic>
                     <p:nvPicPr>
@@ -32436,7 +32113,7 @@
                       <p:nvPr/>
                     </p:nvPicPr>
                     <p:blipFill>
-                      <a:blip r:embed="rId5"/>
+                      <a:blip r:embed="rId4"/>
                       <a:stretch>
                         <a:fillRect/>
                       </a:stretch>
@@ -32709,13 +32386,6 @@
   <p:clrMapOvr>
     <a:masterClrMapping/>
   </p:clrMapOvr>
-  <p:timing>
-    <p:tnLst>
-      <p:par>
-        <p:cTn id="1" dur="indefinite" restart="never" nodeType="tmRoot"/>
-      </p:par>
-    </p:tnLst>
-  </p:timing>
 </p:sld>
 </file>
 
@@ -32744,7 +32414,7 @@
           </p:cNvGraphicFramePr>
           <p:nvPr>
             <p:custDataLst>
-              <p:tags r:id="rId2"/>
+              <p:tags r:id="rId1"/>
             </p:custDataLst>
             <p:extLst>
               <p:ext uri="{D42A27DB-BD31-4B8C-83A1-F6EECF244321}">
@@ -32761,12 +32431,12 @@
           <a:graphicData uri="http://schemas.openxmlformats.org/presentationml/2006/ole">
             <mc:AlternateContent xmlns:mc="http://schemas.openxmlformats.org/markup-compatibility/2006">
               <mc:Choice xmlns:v="urn:schemas-microsoft-com:vml" Requires="v">
-                <p:oleObj spid="_x0000_s25645" name="think-cell Folie" r:id="rId4" imgW="631" imgH="631" progId="TCLayout.ActiveDocument.1">
+                <p:oleObj name="think-cell Folie" r:id="rId3" imgW="631" imgH="631" progId="TCLayout.ActiveDocument.1">
                   <p:embed/>
                 </p:oleObj>
               </mc:Choice>
               <mc:Fallback>
-                <p:oleObj name="think-cell Folie" r:id="rId4" imgW="631" imgH="631" progId="TCLayout.ActiveDocument.1">
+                <p:oleObj name="think-cell Folie" r:id="rId3" imgW="631" imgH="631" progId="TCLayout.ActiveDocument.1">
                   <p:embed/>
                   <p:pic>
                     <p:nvPicPr>
@@ -32775,7 +32445,7 @@
                       <p:nvPr/>
                     </p:nvPicPr>
                     <p:blipFill>
-                      <a:blip r:embed="rId5"/>
+                      <a:blip r:embed="rId4"/>
                       <a:stretch>
                         <a:fillRect/>
                       </a:stretch>
@@ -32982,13 +32652,6 @@
   <p:clrMapOvr>
     <a:masterClrMapping/>
   </p:clrMapOvr>
-  <p:timing>
-    <p:tnLst>
-      <p:par>
-        <p:cTn id="1" dur="indefinite" restart="never" nodeType="tmRoot"/>
-      </p:par>
-    </p:tnLst>
-  </p:timing>
 </p:sld>
 </file>
 
@@ -33017,7 +32680,7 @@
           </p:cNvGraphicFramePr>
           <p:nvPr>
             <p:custDataLst>
-              <p:tags r:id="rId2"/>
+              <p:tags r:id="rId1"/>
             </p:custDataLst>
             <p:extLst>
               <p:ext uri="{D42A27DB-BD31-4B8C-83A1-F6EECF244321}">
@@ -33034,12 +32697,12 @@
           <a:graphicData uri="http://schemas.openxmlformats.org/presentationml/2006/ole">
             <mc:AlternateContent xmlns:mc="http://schemas.openxmlformats.org/markup-compatibility/2006">
               <mc:Choice xmlns:v="urn:schemas-microsoft-com:vml" Requires="v">
-                <p:oleObj spid="_x0000_s26666" name="think-cell Folie" r:id="rId4" imgW="631" imgH="631" progId="TCLayout.ActiveDocument.1">
+                <p:oleObj name="think-cell Folie" r:id="rId3" imgW="631" imgH="631" progId="TCLayout.ActiveDocument.1">
                   <p:embed/>
                 </p:oleObj>
               </mc:Choice>
               <mc:Fallback>
-                <p:oleObj name="think-cell Folie" r:id="rId4" imgW="631" imgH="631" progId="TCLayout.ActiveDocument.1">
+                <p:oleObj name="think-cell Folie" r:id="rId3" imgW="631" imgH="631" progId="TCLayout.ActiveDocument.1">
                   <p:embed/>
                   <p:pic>
                     <p:nvPicPr>
@@ -33048,7 +32711,7 @@
                       <p:nvPr/>
                     </p:nvPicPr>
                     <p:blipFill>
-                      <a:blip r:embed="rId5"/>
+                      <a:blip r:embed="rId4"/>
                       <a:stretch>
                         <a:fillRect/>
                       </a:stretch>
@@ -33329,13 +32992,6 @@
   <p:clrMapOvr>
     <a:masterClrMapping/>
   </p:clrMapOvr>
-  <p:timing>
-    <p:tnLst>
-      <p:par>
-        <p:cTn id="1" dur="indefinite" restart="never" nodeType="tmRoot"/>
-      </p:par>
-    </p:tnLst>
-  </p:timing>
 </p:sld>
 </file>
 
@@ -33364,7 +33020,7 @@
           </p:cNvGraphicFramePr>
           <p:nvPr>
             <p:custDataLst>
-              <p:tags r:id="rId2"/>
+              <p:tags r:id="rId1"/>
             </p:custDataLst>
             <p:extLst>
               <p:ext uri="{D42A27DB-BD31-4B8C-83A1-F6EECF244321}">
@@ -33381,12 +33037,12 @@
           <a:graphicData uri="http://schemas.openxmlformats.org/presentationml/2006/ole">
             <mc:AlternateContent xmlns:mc="http://schemas.openxmlformats.org/markup-compatibility/2006">
               <mc:Choice xmlns:v="urn:schemas-microsoft-com:vml" Requires="v">
-                <p:oleObj spid="_x0000_s27689" name="think-cell Folie" r:id="rId4" imgW="631" imgH="631" progId="TCLayout.ActiveDocument.1">
+                <p:oleObj name="think-cell Folie" r:id="rId3" imgW="631" imgH="631" progId="TCLayout.ActiveDocument.1">
                   <p:embed/>
                 </p:oleObj>
               </mc:Choice>
               <mc:Fallback>
-                <p:oleObj name="think-cell Folie" r:id="rId4" imgW="631" imgH="631" progId="TCLayout.ActiveDocument.1">
+                <p:oleObj name="think-cell Folie" r:id="rId3" imgW="631" imgH="631" progId="TCLayout.ActiveDocument.1">
                   <p:embed/>
                   <p:pic>
                     <p:nvPicPr>
@@ -33395,7 +33051,7 @@
                       <p:nvPr/>
                     </p:nvPicPr>
                     <p:blipFill>
-                      <a:blip r:embed="rId5"/>
+                      <a:blip r:embed="rId4"/>
                       <a:stretch>
                         <a:fillRect/>
                       </a:stretch>
@@ -33742,13 +33398,6 @@
   <p:clrMapOvr>
     <a:masterClrMapping/>
   </p:clrMapOvr>
-  <p:timing>
-    <p:tnLst>
-      <p:par>
-        <p:cTn id="1" dur="indefinite" restart="never" nodeType="tmRoot"/>
-      </p:par>
-    </p:tnLst>
-  </p:timing>
 </p:sld>
 </file>
 
@@ -33777,7 +33426,7 @@
           </p:cNvGraphicFramePr>
           <p:nvPr>
             <p:custDataLst>
-              <p:tags r:id="rId2"/>
+              <p:tags r:id="rId1"/>
             </p:custDataLst>
           </p:nvPr>
         </p:nvGraphicFramePr>
@@ -33789,12 +33438,12 @@
           <a:graphicData uri="http://schemas.openxmlformats.org/presentationml/2006/ole">
             <mc:AlternateContent xmlns:mc="http://schemas.openxmlformats.org/markup-compatibility/2006">
               <mc:Choice xmlns:v="urn:schemas-microsoft-com:vml" Requires="v">
-                <p:oleObj spid="_x0000_s28713" name="think-cell Folie" r:id="rId4" imgW="631" imgH="631" progId="TCLayout.ActiveDocument.1">
+                <p:oleObj name="think-cell Folie" r:id="rId3" imgW="631" imgH="631" progId="TCLayout.ActiveDocument.1">
                   <p:embed/>
                 </p:oleObj>
               </mc:Choice>
               <mc:Fallback>
-                <p:oleObj name="think-cell Folie" r:id="rId4" imgW="631" imgH="631" progId="TCLayout.ActiveDocument.1">
+                <p:oleObj name="think-cell Folie" r:id="rId3" imgW="631" imgH="631" progId="TCLayout.ActiveDocument.1">
                   <p:embed/>
                   <p:pic>
                     <p:nvPicPr>
@@ -33803,7 +33452,7 @@
                       <p:nvPr/>
                     </p:nvPicPr>
                     <p:blipFill>
-                      <a:blip r:embed="rId5"/>
+                      <a:blip r:embed="rId4"/>
                       <a:stretch>
                         <a:fillRect/>
                       </a:stretch>
@@ -34150,13 +33799,6 @@
   <p:clrMapOvr>
     <a:masterClrMapping/>
   </p:clrMapOvr>
-  <p:timing>
-    <p:tnLst>
-      <p:par>
-        <p:cTn id="1" dur="indefinite" restart="never" nodeType="tmRoot"/>
-      </p:par>
-    </p:tnLst>
-  </p:timing>
 </p:sld>
 </file>
 
@@ -34311,7 +33953,7 @@
           </p:cNvGraphicFramePr>
           <p:nvPr>
             <p:custDataLst>
-              <p:tags r:id="rId2"/>
+              <p:tags r:id="rId1"/>
             </p:custDataLst>
             <p:extLst>
               <p:ext uri="{D42A27DB-BD31-4B8C-83A1-F6EECF244321}">
@@ -34328,12 +33970,12 @@
           <a:graphicData uri="http://schemas.openxmlformats.org/presentationml/2006/ole">
             <mc:AlternateContent xmlns:mc="http://schemas.openxmlformats.org/markup-compatibility/2006">
               <mc:Choice xmlns:v="urn:schemas-microsoft-com:vml" Requires="v">
-                <p:oleObj spid="_x0000_s29734" name="think-cell Folie" r:id="rId5" imgW="631" imgH="631" progId="TCLayout.ActiveDocument.1">
+                <p:oleObj name="think-cell Folie" r:id="rId4" imgW="631" imgH="631" progId="TCLayout.ActiveDocument.1">
                   <p:embed/>
                 </p:oleObj>
               </mc:Choice>
               <mc:Fallback>
-                <p:oleObj name="think-cell Folie" r:id="rId5" imgW="631" imgH="631" progId="TCLayout.ActiveDocument.1">
+                <p:oleObj name="think-cell Folie" r:id="rId4" imgW="631" imgH="631" progId="TCLayout.ActiveDocument.1">
                   <p:embed/>
                   <p:pic>
                     <p:nvPicPr>
@@ -34342,7 +33984,7 @@
                       <p:nvPr/>
                     </p:nvPicPr>
                     <p:blipFill>
-                      <a:blip r:embed="rId6"/>
+                      <a:blip r:embed="rId5"/>
                       <a:stretch>
                         <a:fillRect/>
                       </a:stretch>
@@ -34369,7 +34011,7 @@
           <p:cNvSpPr/>
           <p:nvPr>
             <p:custDataLst>
-              <p:tags r:id="rId3"/>
+              <p:tags r:id="rId2"/>
             </p:custDataLst>
           </p:nvPr>
         </p:nvSpPr>
@@ -34744,13 +34386,6 @@
   <p:clrMapOvr>
     <a:masterClrMapping/>
   </p:clrMapOvr>
-  <p:timing>
-    <p:tnLst>
-      <p:par>
-        <p:cTn id="1" dur="indefinite" restart="never" nodeType="tmRoot"/>
-      </p:par>
-    </p:tnLst>
-  </p:timing>
 </p:sld>
 </file>
 
@@ -34779,7 +34414,7 @@
           </p:cNvGraphicFramePr>
           <p:nvPr>
             <p:custDataLst>
-              <p:tags r:id="rId2"/>
+              <p:tags r:id="rId1"/>
             </p:custDataLst>
           </p:nvPr>
         </p:nvGraphicFramePr>
@@ -34791,12 +34426,12 @@
           <a:graphicData uri="http://schemas.openxmlformats.org/presentationml/2006/ole">
             <mc:AlternateContent xmlns:mc="http://schemas.openxmlformats.org/markup-compatibility/2006">
               <mc:Choice xmlns:v="urn:schemas-microsoft-com:vml" Requires="v">
-                <p:oleObj spid="_x0000_s30758" name="think-cell Folie" r:id="rId5" imgW="631" imgH="631" progId="TCLayout.ActiveDocument.1">
+                <p:oleObj name="think-cell Folie" r:id="rId4" imgW="631" imgH="631" progId="TCLayout.ActiveDocument.1">
                   <p:embed/>
                 </p:oleObj>
               </mc:Choice>
               <mc:Fallback>
-                <p:oleObj name="think-cell Folie" r:id="rId5" imgW="631" imgH="631" progId="TCLayout.ActiveDocument.1">
+                <p:oleObj name="think-cell Folie" r:id="rId4" imgW="631" imgH="631" progId="TCLayout.ActiveDocument.1">
                   <p:embed/>
                   <p:pic>
                     <p:nvPicPr>
@@ -34805,7 +34440,7 @@
                       <p:nvPr/>
                     </p:nvPicPr>
                     <p:blipFill>
-                      <a:blip r:embed="rId6"/>
+                      <a:blip r:embed="rId5"/>
                       <a:stretch>
                         <a:fillRect/>
                       </a:stretch>
@@ -34846,7 +34481,7 @@
             <p:cNvSpPr/>
             <p:nvPr>
               <p:custDataLst>
-                <p:tags r:id="rId3"/>
+                <p:tags r:id="rId2"/>
               </p:custDataLst>
             </p:nvPr>
           </p:nvSpPr>
@@ -35222,13 +34857,6 @@
   <p:clrMapOvr>
     <a:masterClrMapping/>
   </p:clrMapOvr>
-  <p:timing>
-    <p:tnLst>
-      <p:par>
-        <p:cTn id="1" dur="indefinite" restart="never" nodeType="tmRoot"/>
-      </p:par>
-    </p:tnLst>
-  </p:timing>
 </p:sld>
 </file>
 
@@ -35257,7 +34885,7 @@
           </p:cNvGraphicFramePr>
           <p:nvPr>
             <p:custDataLst>
-              <p:tags r:id="rId2"/>
+              <p:tags r:id="rId1"/>
             </p:custDataLst>
             <p:extLst>
               <p:ext uri="{D42A27DB-BD31-4B8C-83A1-F6EECF244321}">
@@ -35274,12 +34902,12 @@
           <a:graphicData uri="http://schemas.openxmlformats.org/presentationml/2006/ole">
             <mc:AlternateContent xmlns:mc="http://schemas.openxmlformats.org/markup-compatibility/2006">
               <mc:Choice xmlns:v="urn:schemas-microsoft-com:vml" Requires="v">
-                <p:oleObj spid="_x0000_s31782" name="think-cell Folie" r:id="rId6" imgW="631" imgH="631" progId="TCLayout.ActiveDocument.1">
+                <p:oleObj name="think-cell Folie" r:id="rId5" imgW="631" imgH="631" progId="TCLayout.ActiveDocument.1">
                   <p:embed/>
                 </p:oleObj>
               </mc:Choice>
               <mc:Fallback>
-                <p:oleObj name="think-cell Folie" r:id="rId6" imgW="631" imgH="631" progId="TCLayout.ActiveDocument.1">
+                <p:oleObj name="think-cell Folie" r:id="rId5" imgW="631" imgH="631" progId="TCLayout.ActiveDocument.1">
                   <p:embed/>
                   <p:pic>
                     <p:nvPicPr>
@@ -35288,7 +34916,7 @@
                       <p:nvPr/>
                     </p:nvPicPr>
                     <p:blipFill>
-                      <a:blip r:embed="rId7"/>
+                      <a:blip r:embed="rId6"/>
                       <a:stretch>
                         <a:fillRect/>
                       </a:stretch>
@@ -35315,7 +34943,7 @@
           <p:cNvSpPr/>
           <p:nvPr>
             <p:custDataLst>
-              <p:tags r:id="rId3"/>
+              <p:tags r:id="rId2"/>
             </p:custDataLst>
           </p:nvPr>
         </p:nvSpPr>
@@ -35495,7 +35123,7 @@
           <p:cNvSpPr/>
           <p:nvPr>
             <p:custDataLst>
-              <p:tags r:id="rId4"/>
+              <p:tags r:id="rId3"/>
             </p:custDataLst>
           </p:nvPr>
         </p:nvSpPr>
@@ -35923,13 +35551,6 @@
   <p:clrMapOvr>
     <a:masterClrMapping/>
   </p:clrMapOvr>
-  <p:timing>
-    <p:tnLst>
-      <p:par>
-        <p:cTn id="1" dur="indefinite" restart="never" nodeType="tmRoot"/>
-      </p:par>
-    </p:tnLst>
-  </p:timing>
 </p:sld>
 </file>
 
@@ -35958,7 +35579,7 @@
           </p:cNvGraphicFramePr>
           <p:nvPr>
             <p:custDataLst>
-              <p:tags r:id="rId2"/>
+              <p:tags r:id="rId1"/>
             </p:custDataLst>
             <p:extLst>
               <p:ext uri="{D42A27DB-BD31-4B8C-83A1-F6EECF244321}">
@@ -35975,12 +35596,12 @@
           <a:graphicData uri="http://schemas.openxmlformats.org/presentationml/2006/ole">
             <mc:AlternateContent xmlns:mc="http://schemas.openxmlformats.org/markup-compatibility/2006">
               <mc:Choice xmlns:v="urn:schemas-microsoft-com:vml" Requires="v">
-                <p:oleObj spid="_x0000_s32805" name="think-cell Folie" r:id="rId4" imgW="631" imgH="631" progId="TCLayout.ActiveDocument.1">
+                <p:oleObj name="think-cell Folie" r:id="rId3" imgW="631" imgH="631" progId="TCLayout.ActiveDocument.1">
                   <p:embed/>
                 </p:oleObj>
               </mc:Choice>
               <mc:Fallback>
-                <p:oleObj name="think-cell Folie" r:id="rId4" imgW="631" imgH="631" progId="TCLayout.ActiveDocument.1">
+                <p:oleObj name="think-cell Folie" r:id="rId3" imgW="631" imgH="631" progId="TCLayout.ActiveDocument.1">
                   <p:embed/>
                   <p:pic>
                     <p:nvPicPr>
@@ -35989,7 +35610,7 @@
                       <p:nvPr/>
                     </p:nvPicPr>
                     <p:blipFill>
-                      <a:blip r:embed="rId5"/>
+                      <a:blip r:embed="rId4"/>
                       <a:stretch>
                         <a:fillRect/>
                       </a:stretch>
@@ -36419,13 +36040,6 @@
   <p:clrMapOvr>
     <a:masterClrMapping/>
   </p:clrMapOvr>
-  <p:timing>
-    <p:tnLst>
-      <p:par>
-        <p:cTn id="1" dur="indefinite" restart="never" nodeType="tmRoot"/>
-      </p:par>
-    </p:tnLst>
-  </p:timing>
 </p:sld>
 </file>
 
@@ -36454,7 +36068,7 @@
           </p:cNvGraphicFramePr>
           <p:nvPr>
             <p:custDataLst>
-              <p:tags r:id="rId2"/>
+              <p:tags r:id="rId1"/>
             </p:custDataLst>
             <p:extLst>
               <p:ext uri="{D42A27DB-BD31-4B8C-83A1-F6EECF244321}">
@@ -36471,12 +36085,12 @@
           <a:graphicData uri="http://schemas.openxmlformats.org/presentationml/2006/ole">
             <mc:AlternateContent xmlns:mc="http://schemas.openxmlformats.org/markup-compatibility/2006">
               <mc:Choice xmlns:v="urn:schemas-microsoft-com:vml" Requires="v">
-                <p:oleObj spid="_x0000_s34846" name="think-cell Folie" r:id="rId4" imgW="631" imgH="631" progId="TCLayout.ActiveDocument.1">
+                <p:oleObj name="think-cell Folie" r:id="rId3" imgW="631" imgH="631" progId="TCLayout.ActiveDocument.1">
                   <p:embed/>
                 </p:oleObj>
               </mc:Choice>
               <mc:Fallback>
-                <p:oleObj name="think-cell Folie" r:id="rId4" imgW="631" imgH="631" progId="TCLayout.ActiveDocument.1">
+                <p:oleObj name="think-cell Folie" r:id="rId3" imgW="631" imgH="631" progId="TCLayout.ActiveDocument.1">
                   <p:embed/>
                   <p:pic>
                     <p:nvPicPr>
@@ -36485,7 +36099,7 @@
                       <p:nvPr/>
                     </p:nvPicPr>
                     <p:blipFill>
-                      <a:blip r:embed="rId5"/>
+                      <a:blip r:embed="rId4"/>
                       <a:stretch>
                         <a:fillRect/>
                       </a:stretch>
@@ -36915,13 +36529,6 @@
   <p:clrMapOvr>
     <a:masterClrMapping/>
   </p:clrMapOvr>
-  <p:timing>
-    <p:tnLst>
-      <p:par>
-        <p:cTn id="1" dur="indefinite" restart="never" nodeType="tmRoot"/>
-      </p:par>
-    </p:tnLst>
-  </p:timing>
 </p:sld>
 </file>
 
@@ -36950,7 +36557,7 @@
           </p:cNvGraphicFramePr>
           <p:nvPr>
             <p:custDataLst>
-              <p:tags r:id="rId2"/>
+              <p:tags r:id="rId1"/>
             </p:custDataLst>
             <p:extLst>
               <p:ext uri="{D42A27DB-BD31-4B8C-83A1-F6EECF244321}">
@@ -36967,12 +36574,12 @@
           <a:graphicData uri="http://schemas.openxmlformats.org/presentationml/2006/ole">
             <mc:AlternateContent xmlns:mc="http://schemas.openxmlformats.org/markup-compatibility/2006">
               <mc:Choice xmlns:v="urn:schemas-microsoft-com:vml" Requires="v">
-                <p:oleObj spid="_x0000_s35867" name="think-cell Folie" r:id="rId4" imgW="631" imgH="631" progId="TCLayout.ActiveDocument.1">
+                <p:oleObj name="think-cell Folie" r:id="rId3" imgW="631" imgH="631" progId="TCLayout.ActiveDocument.1">
                   <p:embed/>
                 </p:oleObj>
               </mc:Choice>
               <mc:Fallback>
-                <p:oleObj name="think-cell Folie" r:id="rId4" imgW="631" imgH="631" progId="TCLayout.ActiveDocument.1">
+                <p:oleObj name="think-cell Folie" r:id="rId3" imgW="631" imgH="631" progId="TCLayout.ActiveDocument.1">
                   <p:embed/>
                   <p:pic>
                     <p:nvPicPr>
@@ -36981,7 +36588,7 @@
                       <p:nvPr/>
                     </p:nvPicPr>
                     <p:blipFill>
-                      <a:blip r:embed="rId5"/>
+                      <a:blip r:embed="rId4"/>
                       <a:stretch>
                         <a:fillRect/>
                       </a:stretch>
@@ -37210,13 +36817,6 @@
   <p:clrMapOvr>
     <a:masterClrMapping/>
   </p:clrMapOvr>
-  <p:timing>
-    <p:tnLst>
-      <p:par>
-        <p:cTn id="1" dur="indefinite" restart="never" nodeType="tmRoot"/>
-      </p:par>
-    </p:tnLst>
-  </p:timing>
 </p:sld>
 </file>
 
@@ -37245,7 +36845,7 @@
           </p:cNvGraphicFramePr>
           <p:nvPr>
             <p:custDataLst>
-              <p:tags r:id="rId2"/>
+              <p:tags r:id="rId1"/>
             </p:custDataLst>
             <p:extLst>
               <p:ext uri="{D42A27DB-BD31-4B8C-83A1-F6EECF244321}">
@@ -37262,12 +36862,12 @@
           <a:graphicData uri="http://schemas.openxmlformats.org/presentationml/2006/ole">
             <mc:AlternateContent xmlns:mc="http://schemas.openxmlformats.org/markup-compatibility/2006">
               <mc:Choice xmlns:v="urn:schemas-microsoft-com:vml" Requires="v">
-                <p:oleObj spid="_x0000_s36889" name="think-cell Folie" r:id="rId5" imgW="631" imgH="631" progId="TCLayout.ActiveDocument.1">
+                <p:oleObj name="think-cell Folie" r:id="rId4" imgW="631" imgH="631" progId="TCLayout.ActiveDocument.1">
                   <p:embed/>
                 </p:oleObj>
               </mc:Choice>
               <mc:Fallback>
-                <p:oleObj name="think-cell Folie" r:id="rId5" imgW="631" imgH="631" progId="TCLayout.ActiveDocument.1">
+                <p:oleObj name="think-cell Folie" r:id="rId4" imgW="631" imgH="631" progId="TCLayout.ActiveDocument.1">
                   <p:embed/>
                   <p:pic>
                     <p:nvPicPr>
@@ -37276,7 +36876,7 @@
                       <p:nvPr/>
                     </p:nvPicPr>
                     <p:blipFill>
-                      <a:blip r:embed="rId6"/>
+                      <a:blip r:embed="rId5"/>
                       <a:stretch>
                         <a:fillRect/>
                       </a:stretch>
@@ -37305,14 +36905,14 @@
           </p:cNvGrpSpPr>
           <p:nvPr>
             <p:custDataLst>
-              <p:tags r:id="rId3"/>
+              <p:tags r:id="rId2"/>
             </p:custDataLst>
           </p:nvPr>
         </p:nvGrpSpPr>
         <p:grpSpPr>
           <a:xfrm>
-            <a:off x="137161" y="137161"/>
-            <a:ext cx="6924992" cy="6924992"/>
+            <a:off x="251657" y="251657"/>
+            <a:ext cx="6696000" cy="6696000"/>
             <a:chOff x="1270000" y="1270000"/>
             <a:chExt cx="381000" cy="381000"/>
           </a:xfrm>
@@ -37336,9 +36936,9 @@
             <a:solidFill>
               <a:schemeClr val="bg1"/>
             </a:solidFill>
-            <a:ln w="127000">
+            <a:ln w="381000">
               <a:solidFill>
-                <a:schemeClr val="tx1"/>
+                <a:srgbClr val="808080"/>
               </a:solidFill>
             </a:ln>
           </p:spPr>
@@ -37380,18 +36980,18 @@
               <a:off x="1270000" y="1270000"/>
               <a:ext cx="381000" cy="381000"/>
             </a:xfrm>
-            <a:prstGeom prst="pie">
+            <a:prstGeom prst="arc">
               <a:avLst>
                 <a:gd name="adj1" fmla="val 16200000"/>
                 <a:gd name="adj2" fmla="val 9000000"/>
               </a:avLst>
             </a:prstGeom>
             <a:solidFill>
-              <a:schemeClr val="tx1"/>
+              <a:srgbClr val="808080"/>
             </a:solidFill>
-            <a:ln w="127000">
+            <a:ln w="381000">
               <a:solidFill>
-                <a:schemeClr val="tx1"/>
+                <a:srgbClr val="808080"/>
               </a:solidFill>
             </a:ln>
           </p:spPr>
@@ -37463,7 +37063,7 @@
           </p:cNvGraphicFramePr>
           <p:nvPr>
             <p:custDataLst>
-              <p:tags r:id="rId2"/>
+              <p:tags r:id="rId1"/>
             </p:custDataLst>
           </p:nvPr>
         </p:nvGraphicFramePr>
@@ -37475,7 +37075,2692 @@
           <a:graphicData uri="http://schemas.openxmlformats.org/presentationml/2006/ole">
             <mc:AlternateContent xmlns:mc="http://schemas.openxmlformats.org/markup-compatibility/2006">
               <mc:Choice xmlns:v="urn:schemas-microsoft-com:vml" Requires="v">
-                <p:oleObj spid="_x0000_s38936" name="think-cell Folie" r:id="rId5" imgW="631" imgH="631" progId="TCLayout.ActiveDocument.1">
+                <p:oleObj name="think-cell Folie" r:id="rId4" imgW="631" imgH="631" progId="TCLayout.ActiveDocument.1">
+                  <p:embed/>
+                </p:oleObj>
+              </mc:Choice>
+              <mc:Fallback>
+                <p:oleObj name="think-cell Folie" r:id="rId4" imgW="631" imgH="631" progId="TCLayout.ActiveDocument.1">
+                  <p:embed/>
+                  <p:pic>
+                    <p:nvPicPr>
+                      <p:cNvPr id="4" name="Objekt 3" hidden="1"/>
+                      <p:cNvPicPr/>
+                      <p:nvPr/>
+                    </p:nvPicPr>
+                    <p:blipFill>
+                      <a:blip r:embed="rId5"/>
+                      <a:stretch>
+                        <a:fillRect/>
+                      </a:stretch>
+                    </p:blipFill>
+                    <p:spPr>
+                      <a:xfrm>
+                        <a:off x="1588" y="1588"/>
+                        <a:ext cx="1588" cy="1588"/>
+                      </a:xfrm>
+                      <a:prstGeom prst="rect">
+                        <a:avLst/>
+                      </a:prstGeom>
+                    </p:spPr>
+                  </p:pic>
+                </p:oleObj>
+              </mc:Fallback>
+            </mc:AlternateContent>
+          </a:graphicData>
+        </a:graphic>
+      </p:graphicFrame>
+      <p:grpSp>
+        <p:nvGrpSpPr>
+          <p:cNvPr id="7" name="Gruppieren 6"/>
+          <p:cNvGrpSpPr>
+            <a:grpSpLocks noChangeAspect="1"/>
+          </p:cNvGrpSpPr>
+          <p:nvPr>
+            <p:custDataLst>
+              <p:tags r:id="rId2"/>
+            </p:custDataLst>
+          </p:nvPr>
+        </p:nvGrpSpPr>
+        <p:grpSpPr>
+          <a:xfrm>
+            <a:off x="251657" y="251657"/>
+            <a:ext cx="6696000" cy="6696000"/>
+            <a:chOff x="1270000" y="1270000"/>
+            <a:chExt cx="381000" cy="381000"/>
+          </a:xfrm>
+        </p:grpSpPr>
+        <p:sp>
+          <p:nvSpPr>
+            <p:cNvPr id="5" name="Ellipse 4"/>
+            <p:cNvSpPr>
+              <a:spLocks noChangeAspect="1"/>
+            </p:cNvSpPr>
+            <p:nvPr/>
+          </p:nvSpPr>
+          <p:spPr>
+            <a:xfrm>
+              <a:off x="1270000" y="1270000"/>
+              <a:ext cx="381000" cy="381000"/>
+            </a:xfrm>
+            <a:prstGeom prst="ellipse">
+              <a:avLst/>
+            </a:prstGeom>
+            <a:solidFill>
+              <a:schemeClr val="bg1"/>
+            </a:solidFill>
+            <a:ln w="381000">
+              <a:solidFill>
+                <a:srgbClr val="808080"/>
+              </a:solidFill>
+            </a:ln>
+          </p:spPr>
+          <p:style>
+            <a:lnRef idx="2">
+              <a:schemeClr val="accent1">
+                <a:shade val="50000"/>
+              </a:schemeClr>
+            </a:lnRef>
+            <a:fillRef idx="1">
+              <a:schemeClr val="accent1"/>
+            </a:fillRef>
+            <a:effectRef idx="0">
+              <a:schemeClr val="accent1"/>
+            </a:effectRef>
+            <a:fontRef idx="minor">
+              <a:schemeClr val="lt1"/>
+            </a:fontRef>
+          </p:style>
+          <p:txBody>
+            <a:bodyPr rtlCol="0" anchor="ctr"/>
+            <a:lstStyle/>
+            <a:p>
+              <a:pPr algn="ctr"/>
+              <a:endParaRPr lang="en-US"/>
+            </a:p>
+          </p:txBody>
+        </p:sp>
+        <p:sp>
+          <p:nvSpPr>
+            <p:cNvPr id="6" name="Kreis 5"/>
+            <p:cNvSpPr>
+              <a:spLocks noChangeAspect="1"/>
+            </p:cNvSpPr>
+            <p:nvPr/>
+          </p:nvSpPr>
+          <p:spPr>
+            <a:xfrm>
+              <a:off x="1270000" y="1270000"/>
+              <a:ext cx="381000" cy="381000"/>
+            </a:xfrm>
+            <a:prstGeom prst="arc">
+              <a:avLst>
+                <a:gd name="adj1" fmla="val 16200000"/>
+                <a:gd name="adj2" fmla="val 9000000"/>
+              </a:avLst>
+            </a:prstGeom>
+            <a:solidFill>
+              <a:srgbClr val="808080"/>
+            </a:solidFill>
+            <a:ln w="381000">
+              <a:solidFill>
+                <a:srgbClr val="808080"/>
+              </a:solidFill>
+            </a:ln>
+          </p:spPr>
+          <p:style>
+            <a:lnRef idx="2">
+              <a:schemeClr val="accent1">
+                <a:shade val="50000"/>
+              </a:schemeClr>
+            </a:lnRef>
+            <a:fillRef idx="1">
+              <a:schemeClr val="accent1"/>
+            </a:fillRef>
+            <a:effectRef idx="0">
+              <a:schemeClr val="accent1"/>
+            </a:effectRef>
+            <a:fontRef idx="minor">
+              <a:schemeClr val="lt1"/>
+            </a:fontRef>
+          </p:style>
+          <p:txBody>
+            <a:bodyPr rtlCol="0" anchor="ctr"/>
+            <a:lstStyle/>
+            <a:p>
+              <a:pPr algn="ctr"/>
+              <a:endParaRPr lang="en-US">
+                <a:solidFill>
+                  <a:schemeClr val="tx1"/>
+                </a:solidFill>
+              </a:endParaRPr>
+            </a:p>
+          </p:txBody>
+        </p:sp>
+      </p:grpSp>
+      <p:cxnSp>
+        <p:nvCxnSpPr>
+          <p:cNvPr id="3" name="Gerader Verbinder 2">
+            <a:extLst>
+              <a:ext uri="{FF2B5EF4-FFF2-40B4-BE49-F238E27FC236}">
+                <a16:creationId xmlns:a16="http://schemas.microsoft.com/office/drawing/2014/main" id="{C29D2905-884F-FDB5-7C40-AAC6E786FF66}"/>
+              </a:ext>
+            </a:extLst>
+          </p:cNvPr>
+          <p:cNvCxnSpPr>
+            <a:cxnSpLocks/>
+          </p:cNvCxnSpPr>
+          <p:nvPr/>
+        </p:nvCxnSpPr>
+        <p:spPr>
+          <a:xfrm flipH="1" flipV="1">
+            <a:off x="409242" y="3056526"/>
+            <a:ext cx="3139653" cy="492369"/>
+          </a:xfrm>
+          <a:prstGeom prst="line">
+            <a:avLst/>
+          </a:prstGeom>
+          <a:ln w="381000" cap="rnd">
+            <a:solidFill>
+              <a:srgbClr val="808080"/>
+            </a:solidFill>
+            <a:prstDash val="solid"/>
+            <a:round/>
+          </a:ln>
+        </p:spPr>
+        <p:style>
+          <a:lnRef idx="1">
+            <a:schemeClr val="accent1"/>
+          </a:lnRef>
+          <a:fillRef idx="0">
+            <a:schemeClr val="accent1"/>
+          </a:fillRef>
+          <a:effectRef idx="0">
+            <a:schemeClr val="accent1"/>
+          </a:effectRef>
+          <a:fontRef idx="minor">
+            <a:schemeClr val="tx1"/>
+          </a:fontRef>
+        </p:style>
+      </p:cxnSp>
+    </p:spTree>
+    <p:extLst>
+      <p:ext uri="{BB962C8B-B14F-4D97-AF65-F5344CB8AC3E}">
+        <p14:creationId xmlns:p14="http://schemas.microsoft.com/office/powerpoint/2010/main" val="2220507005"/>
+      </p:ext>
+    </p:extLst>
+  </p:cSld>
+  <p:clrMapOvr>
+    <a:masterClrMapping/>
+  </p:clrMapOvr>
+</p:sld>
+</file>
+
+<file path=ppt/slides/slide78.xml><?xml version="1.0" encoding="utf-8"?>
+<p:sld xmlns:a="http://schemas.openxmlformats.org/drawingml/2006/main" xmlns:r="http://schemas.openxmlformats.org/officeDocument/2006/relationships" xmlns:p="http://schemas.openxmlformats.org/presentationml/2006/main">
+  <p:cSld>
+    <p:spTree>
+      <p:nvGrpSpPr>
+        <p:cNvPr id="1" name=""/>
+        <p:cNvGrpSpPr/>
+        <p:nvPr/>
+      </p:nvGrpSpPr>
+      <p:grpSpPr>
+        <a:xfrm>
+          <a:off x="0" y="0"/>
+          <a:ext cx="0" cy="0"/>
+          <a:chOff x="0" y="0"/>
+          <a:chExt cx="0" cy="0"/>
+        </a:xfrm>
+      </p:grpSpPr>
+      <p:graphicFrame>
+        <p:nvGraphicFramePr>
+          <p:cNvPr id="4" name="Objekt 3" hidden="1"/>
+          <p:cNvGraphicFramePr>
+            <a:graphicFrameLocks noChangeAspect="1"/>
+          </p:cNvGraphicFramePr>
+          <p:nvPr>
+            <p:custDataLst>
+              <p:tags r:id="rId1"/>
+            </p:custDataLst>
+          </p:nvPr>
+        </p:nvGraphicFramePr>
+        <p:xfrm>
+          <a:off x="1588" y="1588"/>
+          <a:ext cx="1588" cy="1588"/>
+        </p:xfrm>
+        <a:graphic>
+          <a:graphicData uri="http://schemas.openxmlformats.org/presentationml/2006/ole">
+            <mc:AlternateContent xmlns:mc="http://schemas.openxmlformats.org/markup-compatibility/2006">
+              <mc:Choice xmlns:v="urn:schemas-microsoft-com:vml" Requires="v">
+                <p:oleObj name="think-cell Folie" r:id="rId7" imgW="631" imgH="631" progId="TCLayout.ActiveDocument.1">
+                  <p:embed/>
+                </p:oleObj>
+              </mc:Choice>
+              <mc:Fallback>
+                <p:oleObj name="think-cell Folie" r:id="rId7" imgW="631" imgH="631" progId="TCLayout.ActiveDocument.1">
+                  <p:embed/>
+                  <p:pic>
+                    <p:nvPicPr>
+                      <p:cNvPr id="4" name="Objekt 3" hidden="1"/>
+                      <p:cNvPicPr/>
+                      <p:nvPr/>
+                    </p:nvPicPr>
+                    <p:blipFill>
+                      <a:blip r:embed="rId8"/>
+                      <a:stretch>
+                        <a:fillRect/>
+                      </a:stretch>
+                    </p:blipFill>
+                    <p:spPr>
+                      <a:xfrm>
+                        <a:off x="1588" y="1588"/>
+                        <a:ext cx="1588" cy="1588"/>
+                      </a:xfrm>
+                      <a:prstGeom prst="rect">
+                        <a:avLst/>
+                      </a:prstGeom>
+                    </p:spPr>
+                  </p:pic>
+                </p:oleObj>
+              </mc:Fallback>
+            </mc:AlternateContent>
+          </a:graphicData>
+        </a:graphic>
+      </p:graphicFrame>
+      <p:grpSp>
+        <p:nvGrpSpPr>
+          <p:cNvPr id="7" name="Gruppieren 6"/>
+          <p:cNvGrpSpPr>
+            <a:grpSpLocks noChangeAspect="1"/>
+          </p:cNvGrpSpPr>
+          <p:nvPr>
+            <p:custDataLst>
+              <p:tags r:id="rId2"/>
+            </p:custDataLst>
+          </p:nvPr>
+        </p:nvGrpSpPr>
+        <p:grpSpPr>
+          <a:xfrm>
+            <a:off x="201105" y="169133"/>
+            <a:ext cx="3251874" cy="3251874"/>
+            <a:chOff x="1270000" y="1270000"/>
+            <a:chExt cx="381000" cy="381000"/>
+          </a:xfrm>
+        </p:grpSpPr>
+        <p:sp>
+          <p:nvSpPr>
+            <p:cNvPr id="5" name="Ellipse 4"/>
+            <p:cNvSpPr>
+              <a:spLocks noChangeAspect="1"/>
+            </p:cNvSpPr>
+            <p:nvPr/>
+          </p:nvSpPr>
+          <p:spPr>
+            <a:xfrm>
+              <a:off x="1270000" y="1270000"/>
+              <a:ext cx="381000" cy="381000"/>
+            </a:xfrm>
+            <a:prstGeom prst="ellipse">
+              <a:avLst/>
+            </a:prstGeom>
+            <a:solidFill>
+              <a:schemeClr val="bg1"/>
+            </a:solidFill>
+            <a:ln w="127000">
+              <a:solidFill>
+                <a:schemeClr val="accent2">
+                  <a:lumMod val="100000"/>
+                </a:schemeClr>
+              </a:solidFill>
+            </a:ln>
+          </p:spPr>
+          <p:style>
+            <a:lnRef idx="2">
+              <a:schemeClr val="accent1">
+                <a:shade val="50000"/>
+              </a:schemeClr>
+            </a:lnRef>
+            <a:fillRef idx="1">
+              <a:schemeClr val="accent1"/>
+            </a:fillRef>
+            <a:effectRef idx="0">
+              <a:schemeClr val="accent1"/>
+            </a:effectRef>
+            <a:fontRef idx="minor">
+              <a:schemeClr val="lt1"/>
+            </a:fontRef>
+          </p:style>
+          <p:txBody>
+            <a:bodyPr rtlCol="0" anchor="ctr"/>
+            <a:lstStyle/>
+            <a:p>
+              <a:pPr algn="ctr"/>
+              <a:endParaRPr lang="en-US"/>
+            </a:p>
+          </p:txBody>
+        </p:sp>
+        <p:sp>
+          <p:nvSpPr>
+            <p:cNvPr id="6" name="Kreis 5"/>
+            <p:cNvSpPr>
+              <a:spLocks noChangeAspect="1"/>
+            </p:cNvSpPr>
+            <p:nvPr/>
+          </p:nvSpPr>
+          <p:spPr>
+            <a:xfrm>
+              <a:off x="1270000" y="1270000"/>
+              <a:ext cx="381000" cy="381000"/>
+            </a:xfrm>
+            <a:prstGeom prst="arc">
+              <a:avLst>
+                <a:gd name="adj1" fmla="val 16200000"/>
+                <a:gd name="adj2" fmla="val 1800000"/>
+              </a:avLst>
+            </a:prstGeom>
+            <a:solidFill>
+              <a:schemeClr val="accent2">
+                <a:lumMod val="100000"/>
+              </a:schemeClr>
+            </a:solidFill>
+            <a:ln w="127000">
+              <a:solidFill>
+                <a:schemeClr val="accent2">
+                  <a:lumMod val="100000"/>
+                </a:schemeClr>
+              </a:solidFill>
+            </a:ln>
+          </p:spPr>
+          <p:style>
+            <a:lnRef idx="2">
+              <a:schemeClr val="accent1">
+                <a:shade val="50000"/>
+              </a:schemeClr>
+            </a:lnRef>
+            <a:fillRef idx="1">
+              <a:schemeClr val="accent1"/>
+            </a:fillRef>
+            <a:effectRef idx="0">
+              <a:schemeClr val="accent1"/>
+            </a:effectRef>
+            <a:fontRef idx="minor">
+              <a:schemeClr val="lt1"/>
+            </a:fontRef>
+          </p:style>
+          <p:txBody>
+            <a:bodyPr rtlCol="0" anchor="ctr"/>
+            <a:lstStyle/>
+            <a:p>
+              <a:pPr algn="ctr"/>
+              <a:endParaRPr lang="en-US">
+                <a:solidFill>
+                  <a:schemeClr val="tx1"/>
+                </a:solidFill>
+              </a:endParaRPr>
+            </a:p>
+          </p:txBody>
+        </p:sp>
+      </p:grpSp>
+      <p:grpSp>
+        <p:nvGrpSpPr>
+          <p:cNvPr id="2" name="Gruppieren 1">
+            <a:extLst>
+              <a:ext uri="{FF2B5EF4-FFF2-40B4-BE49-F238E27FC236}">
+                <a16:creationId xmlns:a16="http://schemas.microsoft.com/office/drawing/2014/main" id="{9452202E-C538-22DC-7B02-5DAEF1818020}"/>
+              </a:ext>
+            </a:extLst>
+          </p:cNvPr>
+          <p:cNvGrpSpPr>
+            <a:grpSpLocks noChangeAspect="1"/>
+          </p:cNvGrpSpPr>
+          <p:nvPr>
+            <p:custDataLst>
+              <p:tags r:id="rId3"/>
+            </p:custDataLst>
+          </p:nvPr>
+        </p:nvGrpSpPr>
+        <p:grpSpPr>
+          <a:xfrm>
+            <a:off x="3812979" y="169133"/>
+            <a:ext cx="3251874" cy="3251874"/>
+            <a:chOff x="1270000" y="1270000"/>
+            <a:chExt cx="381000" cy="381000"/>
+          </a:xfrm>
+        </p:grpSpPr>
+        <p:sp>
+          <p:nvSpPr>
+            <p:cNvPr id="3" name="Ellipse 2">
+              <a:extLst>
+                <a:ext uri="{FF2B5EF4-FFF2-40B4-BE49-F238E27FC236}">
+                  <a16:creationId xmlns:a16="http://schemas.microsoft.com/office/drawing/2014/main" id="{BE568A1C-0AA3-B5A7-F594-0C3060C32E4E}"/>
+                </a:ext>
+              </a:extLst>
+            </p:cNvPr>
+            <p:cNvSpPr>
+              <a:spLocks noChangeAspect="1"/>
+            </p:cNvSpPr>
+            <p:nvPr/>
+          </p:nvSpPr>
+          <p:spPr>
+            <a:xfrm>
+              <a:off x="1270000" y="1270000"/>
+              <a:ext cx="381000" cy="381000"/>
+            </a:xfrm>
+            <a:prstGeom prst="ellipse">
+              <a:avLst/>
+            </a:prstGeom>
+            <a:solidFill>
+              <a:schemeClr val="bg1"/>
+            </a:solidFill>
+            <a:ln w="127000">
+              <a:solidFill>
+                <a:schemeClr val="accent5">
+                  <a:lumMod val="100000"/>
+                </a:schemeClr>
+              </a:solidFill>
+            </a:ln>
+          </p:spPr>
+          <p:style>
+            <a:lnRef idx="2">
+              <a:schemeClr val="accent1">
+                <a:shade val="50000"/>
+              </a:schemeClr>
+            </a:lnRef>
+            <a:fillRef idx="1">
+              <a:schemeClr val="accent1"/>
+            </a:fillRef>
+            <a:effectRef idx="0">
+              <a:schemeClr val="accent1"/>
+            </a:effectRef>
+            <a:fontRef idx="minor">
+              <a:schemeClr val="lt1"/>
+            </a:fontRef>
+          </p:style>
+          <p:txBody>
+            <a:bodyPr rtlCol="0" anchor="ctr"/>
+            <a:lstStyle/>
+            <a:p>
+              <a:pPr algn="ctr"/>
+              <a:endParaRPr lang="en-US"/>
+            </a:p>
+          </p:txBody>
+        </p:sp>
+        <p:sp>
+          <p:nvSpPr>
+            <p:cNvPr id="8" name="Kreis 5">
+              <a:extLst>
+                <a:ext uri="{FF2B5EF4-FFF2-40B4-BE49-F238E27FC236}">
+                  <a16:creationId xmlns:a16="http://schemas.microsoft.com/office/drawing/2014/main" id="{02272D26-330F-0D60-05DD-DA458ED33C3E}"/>
+                </a:ext>
+              </a:extLst>
+            </p:cNvPr>
+            <p:cNvSpPr>
+              <a:spLocks noChangeAspect="1"/>
+            </p:cNvSpPr>
+            <p:nvPr/>
+          </p:nvSpPr>
+          <p:spPr>
+            <a:xfrm>
+              <a:off x="1270000" y="1270000"/>
+              <a:ext cx="381000" cy="381000"/>
+            </a:xfrm>
+            <a:prstGeom prst="arc">
+              <a:avLst>
+                <a:gd name="adj1" fmla="val 16200000"/>
+                <a:gd name="adj2" fmla="val 1800000"/>
+              </a:avLst>
+            </a:prstGeom>
+            <a:solidFill>
+              <a:schemeClr val="accent5">
+                <a:lumMod val="100000"/>
+              </a:schemeClr>
+            </a:solidFill>
+            <a:ln w="127000">
+              <a:solidFill>
+                <a:schemeClr val="accent5">
+                  <a:lumMod val="100000"/>
+                </a:schemeClr>
+              </a:solidFill>
+            </a:ln>
+          </p:spPr>
+          <p:style>
+            <a:lnRef idx="2">
+              <a:schemeClr val="accent1">
+                <a:shade val="50000"/>
+              </a:schemeClr>
+            </a:lnRef>
+            <a:fillRef idx="1">
+              <a:schemeClr val="accent1"/>
+            </a:fillRef>
+            <a:effectRef idx="0">
+              <a:schemeClr val="accent1"/>
+            </a:effectRef>
+            <a:fontRef idx="minor">
+              <a:schemeClr val="lt1"/>
+            </a:fontRef>
+          </p:style>
+          <p:txBody>
+            <a:bodyPr rtlCol="0" anchor="ctr"/>
+            <a:lstStyle/>
+            <a:p>
+              <a:pPr algn="ctr"/>
+              <a:endParaRPr lang="en-US">
+                <a:solidFill>
+                  <a:schemeClr val="tx1"/>
+                </a:solidFill>
+              </a:endParaRPr>
+            </a:p>
+          </p:txBody>
+        </p:sp>
+      </p:grpSp>
+      <p:grpSp>
+        <p:nvGrpSpPr>
+          <p:cNvPr id="9" name="Gruppieren 8">
+            <a:extLst>
+              <a:ext uri="{FF2B5EF4-FFF2-40B4-BE49-F238E27FC236}">
+                <a16:creationId xmlns:a16="http://schemas.microsoft.com/office/drawing/2014/main" id="{B91B5900-0EC7-D511-5976-1B31205ECEAA}"/>
+              </a:ext>
+            </a:extLst>
+          </p:cNvPr>
+          <p:cNvGrpSpPr>
+            <a:grpSpLocks noChangeAspect="1"/>
+          </p:cNvGrpSpPr>
+          <p:nvPr>
+            <p:custDataLst>
+              <p:tags r:id="rId4"/>
+            </p:custDataLst>
+          </p:nvPr>
+        </p:nvGrpSpPr>
+        <p:grpSpPr>
+          <a:xfrm>
+            <a:off x="201105" y="3781007"/>
+            <a:ext cx="3251874" cy="3251874"/>
+            <a:chOff x="1270000" y="1270000"/>
+            <a:chExt cx="381000" cy="381000"/>
+          </a:xfrm>
+        </p:grpSpPr>
+        <p:sp>
+          <p:nvSpPr>
+            <p:cNvPr id="10" name="Ellipse 9">
+              <a:extLst>
+                <a:ext uri="{FF2B5EF4-FFF2-40B4-BE49-F238E27FC236}">
+                  <a16:creationId xmlns:a16="http://schemas.microsoft.com/office/drawing/2014/main" id="{0D7B9223-9716-E651-C1EB-4105166D21A1}"/>
+                </a:ext>
+              </a:extLst>
+            </p:cNvPr>
+            <p:cNvSpPr>
+              <a:spLocks noChangeAspect="1"/>
+            </p:cNvSpPr>
+            <p:nvPr/>
+          </p:nvSpPr>
+          <p:spPr>
+            <a:xfrm>
+              <a:off x="1270000" y="1270000"/>
+              <a:ext cx="381000" cy="381000"/>
+            </a:xfrm>
+            <a:prstGeom prst="ellipse">
+              <a:avLst/>
+            </a:prstGeom>
+            <a:solidFill>
+              <a:schemeClr val="bg1"/>
+            </a:solidFill>
+            <a:ln w="127000">
+              <a:solidFill>
+                <a:schemeClr val="accent6">
+                  <a:lumMod val="100000"/>
+                </a:schemeClr>
+              </a:solidFill>
+            </a:ln>
+          </p:spPr>
+          <p:style>
+            <a:lnRef idx="2">
+              <a:schemeClr val="accent1">
+                <a:shade val="50000"/>
+              </a:schemeClr>
+            </a:lnRef>
+            <a:fillRef idx="1">
+              <a:schemeClr val="accent1"/>
+            </a:fillRef>
+            <a:effectRef idx="0">
+              <a:schemeClr val="accent1"/>
+            </a:effectRef>
+            <a:fontRef idx="minor">
+              <a:schemeClr val="lt1"/>
+            </a:fontRef>
+          </p:style>
+          <p:txBody>
+            <a:bodyPr rtlCol="0" anchor="ctr"/>
+            <a:lstStyle/>
+            <a:p>
+              <a:pPr algn="ctr"/>
+              <a:endParaRPr lang="en-US"/>
+            </a:p>
+          </p:txBody>
+        </p:sp>
+        <p:sp>
+          <p:nvSpPr>
+            <p:cNvPr id="11" name="Kreis 5">
+              <a:extLst>
+                <a:ext uri="{FF2B5EF4-FFF2-40B4-BE49-F238E27FC236}">
+                  <a16:creationId xmlns:a16="http://schemas.microsoft.com/office/drawing/2014/main" id="{267CFBCA-1B65-D734-5A19-0F181C0B4B15}"/>
+                </a:ext>
+              </a:extLst>
+            </p:cNvPr>
+            <p:cNvSpPr>
+              <a:spLocks noChangeAspect="1"/>
+            </p:cNvSpPr>
+            <p:nvPr/>
+          </p:nvSpPr>
+          <p:spPr>
+            <a:xfrm>
+              <a:off x="1270000" y="1270000"/>
+              <a:ext cx="381000" cy="381000"/>
+            </a:xfrm>
+            <a:prstGeom prst="arc">
+              <a:avLst>
+                <a:gd name="adj1" fmla="val 16200000"/>
+                <a:gd name="adj2" fmla="val 1800000"/>
+              </a:avLst>
+            </a:prstGeom>
+            <a:solidFill>
+              <a:schemeClr val="accent6">
+                <a:lumMod val="100000"/>
+              </a:schemeClr>
+            </a:solidFill>
+            <a:ln w="127000">
+              <a:solidFill>
+                <a:schemeClr val="accent6">
+                  <a:lumMod val="100000"/>
+                </a:schemeClr>
+              </a:solidFill>
+            </a:ln>
+          </p:spPr>
+          <p:style>
+            <a:lnRef idx="2">
+              <a:schemeClr val="accent1">
+                <a:shade val="50000"/>
+              </a:schemeClr>
+            </a:lnRef>
+            <a:fillRef idx="1">
+              <a:schemeClr val="accent1"/>
+            </a:fillRef>
+            <a:effectRef idx="0">
+              <a:schemeClr val="accent1"/>
+            </a:effectRef>
+            <a:fontRef idx="minor">
+              <a:schemeClr val="lt1"/>
+            </a:fontRef>
+          </p:style>
+          <p:txBody>
+            <a:bodyPr rtlCol="0" anchor="ctr"/>
+            <a:lstStyle/>
+            <a:p>
+              <a:pPr algn="ctr"/>
+              <a:endParaRPr lang="en-US">
+                <a:solidFill>
+                  <a:schemeClr val="tx1"/>
+                </a:solidFill>
+              </a:endParaRPr>
+            </a:p>
+          </p:txBody>
+        </p:sp>
+      </p:grpSp>
+      <p:grpSp>
+        <p:nvGrpSpPr>
+          <p:cNvPr id="12" name="Gruppieren 11">
+            <a:extLst>
+              <a:ext uri="{FF2B5EF4-FFF2-40B4-BE49-F238E27FC236}">
+                <a16:creationId xmlns:a16="http://schemas.microsoft.com/office/drawing/2014/main" id="{15A6F20D-E7CC-7B12-0590-01E2E7D7A188}"/>
+              </a:ext>
+            </a:extLst>
+          </p:cNvPr>
+          <p:cNvGrpSpPr>
+            <a:grpSpLocks noChangeAspect="1"/>
+          </p:cNvGrpSpPr>
+          <p:nvPr>
+            <p:custDataLst>
+              <p:tags r:id="rId5"/>
+            </p:custDataLst>
+          </p:nvPr>
+        </p:nvGrpSpPr>
+        <p:grpSpPr>
+          <a:xfrm>
+            <a:off x="3812979" y="3781007"/>
+            <a:ext cx="3251874" cy="3251874"/>
+            <a:chOff x="1270000" y="1270000"/>
+            <a:chExt cx="381000" cy="381000"/>
+          </a:xfrm>
+        </p:grpSpPr>
+        <p:sp>
+          <p:nvSpPr>
+            <p:cNvPr id="13" name="Ellipse 12">
+              <a:extLst>
+                <a:ext uri="{FF2B5EF4-FFF2-40B4-BE49-F238E27FC236}">
+                  <a16:creationId xmlns:a16="http://schemas.microsoft.com/office/drawing/2014/main" id="{5B6BD1FC-0867-B514-7095-52C28FEA58D4}"/>
+                </a:ext>
+              </a:extLst>
+            </p:cNvPr>
+            <p:cNvSpPr>
+              <a:spLocks noChangeAspect="1"/>
+            </p:cNvSpPr>
+            <p:nvPr/>
+          </p:nvSpPr>
+          <p:spPr>
+            <a:xfrm>
+              <a:off x="1270000" y="1270000"/>
+              <a:ext cx="381000" cy="381000"/>
+            </a:xfrm>
+            <a:prstGeom prst="ellipse">
+              <a:avLst/>
+            </a:prstGeom>
+            <a:solidFill>
+              <a:schemeClr val="bg1"/>
+            </a:solidFill>
+            <a:ln w="127000">
+              <a:solidFill>
+                <a:schemeClr val="accent4">
+                  <a:lumMod val="100000"/>
+                </a:schemeClr>
+              </a:solidFill>
+            </a:ln>
+          </p:spPr>
+          <p:style>
+            <a:lnRef idx="2">
+              <a:schemeClr val="accent1">
+                <a:shade val="50000"/>
+              </a:schemeClr>
+            </a:lnRef>
+            <a:fillRef idx="1">
+              <a:schemeClr val="accent1"/>
+            </a:fillRef>
+            <a:effectRef idx="0">
+              <a:schemeClr val="accent1"/>
+            </a:effectRef>
+            <a:fontRef idx="minor">
+              <a:schemeClr val="lt1"/>
+            </a:fontRef>
+          </p:style>
+          <p:txBody>
+            <a:bodyPr rtlCol="0" anchor="ctr"/>
+            <a:lstStyle/>
+            <a:p>
+              <a:pPr algn="ctr"/>
+              <a:endParaRPr lang="en-US"/>
+            </a:p>
+          </p:txBody>
+        </p:sp>
+        <p:sp>
+          <p:nvSpPr>
+            <p:cNvPr id="14" name="Kreis 5">
+              <a:extLst>
+                <a:ext uri="{FF2B5EF4-FFF2-40B4-BE49-F238E27FC236}">
+                  <a16:creationId xmlns:a16="http://schemas.microsoft.com/office/drawing/2014/main" id="{8A468E29-0E9E-C27D-DA34-264E8639D052}"/>
+                </a:ext>
+              </a:extLst>
+            </p:cNvPr>
+            <p:cNvSpPr>
+              <a:spLocks noChangeAspect="1"/>
+            </p:cNvSpPr>
+            <p:nvPr/>
+          </p:nvSpPr>
+          <p:spPr>
+            <a:xfrm>
+              <a:off x="1270000" y="1270000"/>
+              <a:ext cx="381000" cy="381000"/>
+            </a:xfrm>
+            <a:prstGeom prst="arc">
+              <a:avLst>
+                <a:gd name="adj1" fmla="val 16200000"/>
+                <a:gd name="adj2" fmla="val 1800000"/>
+              </a:avLst>
+            </a:prstGeom>
+            <a:solidFill>
+              <a:schemeClr val="accent4">
+                <a:lumMod val="100000"/>
+              </a:schemeClr>
+            </a:solidFill>
+            <a:ln w="127000">
+              <a:solidFill>
+                <a:schemeClr val="accent4">
+                  <a:lumMod val="100000"/>
+                </a:schemeClr>
+              </a:solidFill>
+            </a:ln>
+          </p:spPr>
+          <p:style>
+            <a:lnRef idx="2">
+              <a:schemeClr val="accent1">
+                <a:shade val="50000"/>
+              </a:schemeClr>
+            </a:lnRef>
+            <a:fillRef idx="1">
+              <a:schemeClr val="accent1"/>
+            </a:fillRef>
+            <a:effectRef idx="0">
+              <a:schemeClr val="accent1"/>
+            </a:effectRef>
+            <a:fontRef idx="minor">
+              <a:schemeClr val="lt1"/>
+            </a:fontRef>
+          </p:style>
+          <p:txBody>
+            <a:bodyPr rtlCol="0" anchor="ctr"/>
+            <a:lstStyle/>
+            <a:p>
+              <a:pPr algn="ctr"/>
+              <a:endParaRPr lang="en-US">
+                <a:solidFill>
+                  <a:schemeClr val="tx1"/>
+                </a:solidFill>
+              </a:endParaRPr>
+            </a:p>
+          </p:txBody>
+        </p:sp>
+      </p:grpSp>
+    </p:spTree>
+    <p:extLst>
+      <p:ext uri="{BB962C8B-B14F-4D97-AF65-F5344CB8AC3E}">
+        <p14:creationId xmlns:p14="http://schemas.microsoft.com/office/powerpoint/2010/main" val="3082963669"/>
+      </p:ext>
+    </p:extLst>
+  </p:cSld>
+  <p:clrMapOvr>
+    <a:masterClrMapping/>
+  </p:clrMapOvr>
+</p:sld>
+</file>
+
+<file path=ppt/slides/slide79.xml><?xml version="1.0" encoding="utf-8"?>
+<p:sld xmlns:a="http://schemas.openxmlformats.org/drawingml/2006/main" xmlns:r="http://schemas.openxmlformats.org/officeDocument/2006/relationships" xmlns:p="http://schemas.openxmlformats.org/presentationml/2006/main">
+  <p:cSld>
+    <p:spTree>
+      <p:nvGrpSpPr>
+        <p:cNvPr id="1" name=""/>
+        <p:cNvGrpSpPr/>
+        <p:nvPr/>
+      </p:nvGrpSpPr>
+      <p:grpSpPr>
+        <a:xfrm>
+          <a:off x="0" y="0"/>
+          <a:ext cx="0" cy="0"/>
+          <a:chOff x="0" y="0"/>
+          <a:chExt cx="0" cy="0"/>
+        </a:xfrm>
+      </p:grpSpPr>
+      <p:graphicFrame>
+        <p:nvGraphicFramePr>
+          <p:cNvPr id="4" name="Objekt 3" hidden="1"/>
+          <p:cNvGraphicFramePr>
+            <a:graphicFrameLocks noChangeAspect="1"/>
+          </p:cNvGraphicFramePr>
+          <p:nvPr>
+            <p:custDataLst>
+              <p:tags r:id="rId1"/>
+            </p:custDataLst>
+          </p:nvPr>
+        </p:nvGraphicFramePr>
+        <p:xfrm>
+          <a:off x="1588" y="1588"/>
+          <a:ext cx="1588" cy="1588"/>
+        </p:xfrm>
+        <a:graphic>
+          <a:graphicData uri="http://schemas.openxmlformats.org/presentationml/2006/ole">
+            <mc:AlternateContent xmlns:mc="http://schemas.openxmlformats.org/markup-compatibility/2006">
+              <mc:Choice xmlns:v="urn:schemas-microsoft-com:vml" Requires="v">
+                <p:oleObj name="think-cell Folie" r:id="rId7" imgW="631" imgH="631" progId="TCLayout.ActiveDocument.1">
+                  <p:embed/>
+                </p:oleObj>
+              </mc:Choice>
+              <mc:Fallback>
+                <p:oleObj name="think-cell Folie" r:id="rId7" imgW="631" imgH="631" progId="TCLayout.ActiveDocument.1">
+                  <p:embed/>
+                  <p:pic>
+                    <p:nvPicPr>
+                      <p:cNvPr id="4" name="Objekt 3" hidden="1"/>
+                      <p:cNvPicPr/>
+                      <p:nvPr/>
+                    </p:nvPicPr>
+                    <p:blipFill>
+                      <a:blip r:embed="rId8"/>
+                      <a:stretch>
+                        <a:fillRect/>
+                      </a:stretch>
+                    </p:blipFill>
+                    <p:spPr>
+                      <a:xfrm>
+                        <a:off x="1588" y="1588"/>
+                        <a:ext cx="1588" cy="1588"/>
+                      </a:xfrm>
+                      <a:prstGeom prst="rect">
+                        <a:avLst/>
+                      </a:prstGeom>
+                    </p:spPr>
+                  </p:pic>
+                </p:oleObj>
+              </mc:Fallback>
+            </mc:AlternateContent>
+          </a:graphicData>
+        </a:graphic>
+      </p:graphicFrame>
+      <p:grpSp>
+        <p:nvGrpSpPr>
+          <p:cNvPr id="7" name="Gruppieren 6"/>
+          <p:cNvGrpSpPr>
+            <a:grpSpLocks noChangeAspect="1"/>
+          </p:cNvGrpSpPr>
+          <p:nvPr>
+            <p:custDataLst>
+              <p:tags r:id="rId2"/>
+            </p:custDataLst>
+          </p:nvPr>
+        </p:nvGrpSpPr>
+        <p:grpSpPr>
+          <a:xfrm>
+            <a:off x="201105" y="169133"/>
+            <a:ext cx="3251874" cy="3251874"/>
+            <a:chOff x="1270000" y="1270000"/>
+            <a:chExt cx="381000" cy="381000"/>
+          </a:xfrm>
+        </p:grpSpPr>
+        <p:sp>
+          <p:nvSpPr>
+            <p:cNvPr id="5" name="Ellipse 4"/>
+            <p:cNvSpPr>
+              <a:spLocks noChangeAspect="1"/>
+            </p:cNvSpPr>
+            <p:nvPr/>
+          </p:nvSpPr>
+          <p:spPr>
+            <a:xfrm>
+              <a:off x="1270000" y="1270000"/>
+              <a:ext cx="381000" cy="381000"/>
+            </a:xfrm>
+            <a:prstGeom prst="ellipse">
+              <a:avLst/>
+            </a:prstGeom>
+            <a:solidFill>
+              <a:schemeClr val="accent2">
+                <a:lumMod val="100000"/>
+              </a:schemeClr>
+            </a:solidFill>
+            <a:ln w="127000">
+              <a:solidFill>
+                <a:srgbClr val="808080"/>
+              </a:solidFill>
+            </a:ln>
+          </p:spPr>
+          <p:style>
+            <a:lnRef idx="2">
+              <a:schemeClr val="accent1">
+                <a:shade val="50000"/>
+              </a:schemeClr>
+            </a:lnRef>
+            <a:fillRef idx="1">
+              <a:schemeClr val="accent1"/>
+            </a:fillRef>
+            <a:effectRef idx="0">
+              <a:schemeClr val="accent1"/>
+            </a:effectRef>
+            <a:fontRef idx="minor">
+              <a:schemeClr val="lt1"/>
+            </a:fontRef>
+          </p:style>
+          <p:txBody>
+            <a:bodyPr rtlCol="0" anchor="ctr"/>
+            <a:lstStyle/>
+            <a:p>
+              <a:pPr algn="ctr"/>
+              <a:endParaRPr lang="en-US"/>
+            </a:p>
+          </p:txBody>
+        </p:sp>
+        <p:sp>
+          <p:nvSpPr>
+            <p:cNvPr id="6" name="Kreis 5"/>
+            <p:cNvSpPr>
+              <a:spLocks noChangeAspect="1"/>
+            </p:cNvSpPr>
+            <p:nvPr/>
+          </p:nvSpPr>
+          <p:spPr>
+            <a:xfrm>
+              <a:off x="1270000" y="1270000"/>
+              <a:ext cx="381000" cy="381000"/>
+            </a:xfrm>
+            <a:prstGeom prst="arc">
+              <a:avLst>
+                <a:gd name="adj1" fmla="val 16200000"/>
+                <a:gd name="adj2" fmla="val 1800000"/>
+              </a:avLst>
+            </a:prstGeom>
+            <a:solidFill>
+              <a:srgbClr val="808080"/>
+            </a:solidFill>
+            <a:ln w="127000">
+              <a:solidFill>
+                <a:srgbClr val="808080"/>
+              </a:solidFill>
+            </a:ln>
+          </p:spPr>
+          <p:style>
+            <a:lnRef idx="2">
+              <a:schemeClr val="accent1">
+                <a:shade val="50000"/>
+              </a:schemeClr>
+            </a:lnRef>
+            <a:fillRef idx="1">
+              <a:schemeClr val="accent1"/>
+            </a:fillRef>
+            <a:effectRef idx="0">
+              <a:schemeClr val="accent1"/>
+            </a:effectRef>
+            <a:fontRef idx="minor">
+              <a:schemeClr val="lt1"/>
+            </a:fontRef>
+          </p:style>
+          <p:txBody>
+            <a:bodyPr rtlCol="0" anchor="ctr"/>
+            <a:lstStyle/>
+            <a:p>
+              <a:pPr algn="ctr"/>
+              <a:endParaRPr lang="en-US">
+                <a:solidFill>
+                  <a:schemeClr val="tx1"/>
+                </a:solidFill>
+              </a:endParaRPr>
+            </a:p>
+          </p:txBody>
+        </p:sp>
+      </p:grpSp>
+      <p:grpSp>
+        <p:nvGrpSpPr>
+          <p:cNvPr id="2" name="Gruppieren 1">
+            <a:extLst>
+              <a:ext uri="{FF2B5EF4-FFF2-40B4-BE49-F238E27FC236}">
+                <a16:creationId xmlns:a16="http://schemas.microsoft.com/office/drawing/2014/main" id="{9452202E-C538-22DC-7B02-5DAEF1818020}"/>
+              </a:ext>
+            </a:extLst>
+          </p:cNvPr>
+          <p:cNvGrpSpPr>
+            <a:grpSpLocks noChangeAspect="1"/>
+          </p:cNvGrpSpPr>
+          <p:nvPr>
+            <p:custDataLst>
+              <p:tags r:id="rId3"/>
+            </p:custDataLst>
+          </p:nvPr>
+        </p:nvGrpSpPr>
+        <p:grpSpPr>
+          <a:xfrm>
+            <a:off x="3812979" y="169133"/>
+            <a:ext cx="3251874" cy="3251874"/>
+            <a:chOff x="1270000" y="1270000"/>
+            <a:chExt cx="381000" cy="381000"/>
+          </a:xfrm>
+        </p:grpSpPr>
+        <p:sp>
+          <p:nvSpPr>
+            <p:cNvPr id="3" name="Ellipse 2">
+              <a:extLst>
+                <a:ext uri="{FF2B5EF4-FFF2-40B4-BE49-F238E27FC236}">
+                  <a16:creationId xmlns:a16="http://schemas.microsoft.com/office/drawing/2014/main" id="{BE568A1C-0AA3-B5A7-F594-0C3060C32E4E}"/>
+                </a:ext>
+              </a:extLst>
+            </p:cNvPr>
+            <p:cNvSpPr>
+              <a:spLocks noChangeAspect="1"/>
+            </p:cNvSpPr>
+            <p:nvPr/>
+          </p:nvSpPr>
+          <p:spPr>
+            <a:xfrm>
+              <a:off x="1270000" y="1270000"/>
+              <a:ext cx="381000" cy="381000"/>
+            </a:xfrm>
+            <a:prstGeom prst="ellipse">
+              <a:avLst/>
+            </a:prstGeom>
+            <a:solidFill>
+              <a:schemeClr val="accent5">
+                <a:lumMod val="100000"/>
+              </a:schemeClr>
+            </a:solidFill>
+            <a:ln w="127000">
+              <a:solidFill>
+                <a:srgbClr val="808080"/>
+              </a:solidFill>
+            </a:ln>
+          </p:spPr>
+          <p:style>
+            <a:lnRef idx="2">
+              <a:schemeClr val="accent1">
+                <a:shade val="50000"/>
+              </a:schemeClr>
+            </a:lnRef>
+            <a:fillRef idx="1">
+              <a:schemeClr val="accent1"/>
+            </a:fillRef>
+            <a:effectRef idx="0">
+              <a:schemeClr val="accent1"/>
+            </a:effectRef>
+            <a:fontRef idx="minor">
+              <a:schemeClr val="lt1"/>
+            </a:fontRef>
+          </p:style>
+          <p:txBody>
+            <a:bodyPr rtlCol="0" anchor="ctr"/>
+            <a:lstStyle/>
+            <a:p>
+              <a:pPr algn="ctr"/>
+              <a:endParaRPr lang="en-US"/>
+            </a:p>
+          </p:txBody>
+        </p:sp>
+        <p:sp>
+          <p:nvSpPr>
+            <p:cNvPr id="8" name="Kreis 5">
+              <a:extLst>
+                <a:ext uri="{FF2B5EF4-FFF2-40B4-BE49-F238E27FC236}">
+                  <a16:creationId xmlns:a16="http://schemas.microsoft.com/office/drawing/2014/main" id="{02272D26-330F-0D60-05DD-DA458ED33C3E}"/>
+                </a:ext>
+              </a:extLst>
+            </p:cNvPr>
+            <p:cNvSpPr>
+              <a:spLocks noChangeAspect="1"/>
+            </p:cNvSpPr>
+            <p:nvPr/>
+          </p:nvSpPr>
+          <p:spPr>
+            <a:xfrm>
+              <a:off x="1270000" y="1270000"/>
+              <a:ext cx="381000" cy="381000"/>
+            </a:xfrm>
+            <a:prstGeom prst="arc">
+              <a:avLst>
+                <a:gd name="adj1" fmla="val 16200000"/>
+                <a:gd name="adj2" fmla="val 1800000"/>
+              </a:avLst>
+            </a:prstGeom>
+            <a:solidFill>
+              <a:srgbClr val="808080"/>
+            </a:solidFill>
+            <a:ln w="127000">
+              <a:solidFill>
+                <a:srgbClr val="808080"/>
+              </a:solidFill>
+            </a:ln>
+          </p:spPr>
+          <p:style>
+            <a:lnRef idx="2">
+              <a:schemeClr val="accent1">
+                <a:shade val="50000"/>
+              </a:schemeClr>
+            </a:lnRef>
+            <a:fillRef idx="1">
+              <a:schemeClr val="accent1"/>
+            </a:fillRef>
+            <a:effectRef idx="0">
+              <a:schemeClr val="accent1"/>
+            </a:effectRef>
+            <a:fontRef idx="minor">
+              <a:schemeClr val="lt1"/>
+            </a:fontRef>
+          </p:style>
+          <p:txBody>
+            <a:bodyPr rtlCol="0" anchor="ctr"/>
+            <a:lstStyle/>
+            <a:p>
+              <a:pPr algn="ctr"/>
+              <a:endParaRPr lang="en-US">
+                <a:solidFill>
+                  <a:schemeClr val="tx1"/>
+                </a:solidFill>
+              </a:endParaRPr>
+            </a:p>
+          </p:txBody>
+        </p:sp>
+      </p:grpSp>
+      <p:grpSp>
+        <p:nvGrpSpPr>
+          <p:cNvPr id="9" name="Gruppieren 8">
+            <a:extLst>
+              <a:ext uri="{FF2B5EF4-FFF2-40B4-BE49-F238E27FC236}">
+                <a16:creationId xmlns:a16="http://schemas.microsoft.com/office/drawing/2014/main" id="{B91B5900-0EC7-D511-5976-1B31205ECEAA}"/>
+              </a:ext>
+            </a:extLst>
+          </p:cNvPr>
+          <p:cNvGrpSpPr>
+            <a:grpSpLocks noChangeAspect="1"/>
+          </p:cNvGrpSpPr>
+          <p:nvPr>
+            <p:custDataLst>
+              <p:tags r:id="rId4"/>
+            </p:custDataLst>
+          </p:nvPr>
+        </p:nvGrpSpPr>
+        <p:grpSpPr>
+          <a:xfrm>
+            <a:off x="201105" y="3781007"/>
+            <a:ext cx="3251874" cy="3251874"/>
+            <a:chOff x="1270000" y="1270000"/>
+            <a:chExt cx="381000" cy="381000"/>
+          </a:xfrm>
+        </p:grpSpPr>
+        <p:sp>
+          <p:nvSpPr>
+            <p:cNvPr id="10" name="Ellipse 9">
+              <a:extLst>
+                <a:ext uri="{FF2B5EF4-FFF2-40B4-BE49-F238E27FC236}">
+                  <a16:creationId xmlns:a16="http://schemas.microsoft.com/office/drawing/2014/main" id="{0D7B9223-9716-E651-C1EB-4105166D21A1}"/>
+                </a:ext>
+              </a:extLst>
+            </p:cNvPr>
+            <p:cNvSpPr>
+              <a:spLocks noChangeAspect="1"/>
+            </p:cNvSpPr>
+            <p:nvPr/>
+          </p:nvSpPr>
+          <p:spPr>
+            <a:xfrm>
+              <a:off x="1270000" y="1270000"/>
+              <a:ext cx="381000" cy="381000"/>
+            </a:xfrm>
+            <a:prstGeom prst="ellipse">
+              <a:avLst/>
+            </a:prstGeom>
+            <a:solidFill>
+              <a:schemeClr val="accent6">
+                <a:lumMod val="100000"/>
+              </a:schemeClr>
+            </a:solidFill>
+            <a:ln w="127000">
+              <a:solidFill>
+                <a:srgbClr val="808080"/>
+              </a:solidFill>
+            </a:ln>
+          </p:spPr>
+          <p:style>
+            <a:lnRef idx="2">
+              <a:schemeClr val="accent1">
+                <a:shade val="50000"/>
+              </a:schemeClr>
+            </a:lnRef>
+            <a:fillRef idx="1">
+              <a:schemeClr val="accent1"/>
+            </a:fillRef>
+            <a:effectRef idx="0">
+              <a:schemeClr val="accent1"/>
+            </a:effectRef>
+            <a:fontRef idx="minor">
+              <a:schemeClr val="lt1"/>
+            </a:fontRef>
+          </p:style>
+          <p:txBody>
+            <a:bodyPr rtlCol="0" anchor="ctr"/>
+            <a:lstStyle/>
+            <a:p>
+              <a:pPr algn="ctr"/>
+              <a:endParaRPr lang="en-US"/>
+            </a:p>
+          </p:txBody>
+        </p:sp>
+        <p:sp>
+          <p:nvSpPr>
+            <p:cNvPr id="11" name="Kreis 5">
+              <a:extLst>
+                <a:ext uri="{FF2B5EF4-FFF2-40B4-BE49-F238E27FC236}">
+                  <a16:creationId xmlns:a16="http://schemas.microsoft.com/office/drawing/2014/main" id="{267CFBCA-1B65-D734-5A19-0F181C0B4B15}"/>
+                </a:ext>
+              </a:extLst>
+            </p:cNvPr>
+            <p:cNvSpPr>
+              <a:spLocks noChangeAspect="1"/>
+            </p:cNvSpPr>
+            <p:nvPr/>
+          </p:nvSpPr>
+          <p:spPr>
+            <a:xfrm>
+              <a:off x="1270000" y="1270000"/>
+              <a:ext cx="381000" cy="381000"/>
+            </a:xfrm>
+            <a:prstGeom prst="arc">
+              <a:avLst>
+                <a:gd name="adj1" fmla="val 16200000"/>
+                <a:gd name="adj2" fmla="val 1800000"/>
+              </a:avLst>
+            </a:prstGeom>
+            <a:solidFill>
+              <a:srgbClr val="808080"/>
+            </a:solidFill>
+            <a:ln w="127000">
+              <a:solidFill>
+                <a:srgbClr val="808080"/>
+              </a:solidFill>
+            </a:ln>
+          </p:spPr>
+          <p:style>
+            <a:lnRef idx="2">
+              <a:schemeClr val="accent1">
+                <a:shade val="50000"/>
+              </a:schemeClr>
+            </a:lnRef>
+            <a:fillRef idx="1">
+              <a:schemeClr val="accent1"/>
+            </a:fillRef>
+            <a:effectRef idx="0">
+              <a:schemeClr val="accent1"/>
+            </a:effectRef>
+            <a:fontRef idx="minor">
+              <a:schemeClr val="lt1"/>
+            </a:fontRef>
+          </p:style>
+          <p:txBody>
+            <a:bodyPr rtlCol="0" anchor="ctr"/>
+            <a:lstStyle/>
+            <a:p>
+              <a:pPr algn="ctr"/>
+              <a:endParaRPr lang="en-US">
+                <a:solidFill>
+                  <a:schemeClr val="tx1"/>
+                </a:solidFill>
+              </a:endParaRPr>
+            </a:p>
+          </p:txBody>
+        </p:sp>
+      </p:grpSp>
+      <p:grpSp>
+        <p:nvGrpSpPr>
+          <p:cNvPr id="12" name="Gruppieren 11">
+            <a:extLst>
+              <a:ext uri="{FF2B5EF4-FFF2-40B4-BE49-F238E27FC236}">
+                <a16:creationId xmlns:a16="http://schemas.microsoft.com/office/drawing/2014/main" id="{15A6F20D-E7CC-7B12-0590-01E2E7D7A188}"/>
+              </a:ext>
+            </a:extLst>
+          </p:cNvPr>
+          <p:cNvGrpSpPr>
+            <a:grpSpLocks noChangeAspect="1"/>
+          </p:cNvGrpSpPr>
+          <p:nvPr>
+            <p:custDataLst>
+              <p:tags r:id="rId5"/>
+            </p:custDataLst>
+          </p:nvPr>
+        </p:nvGrpSpPr>
+        <p:grpSpPr>
+          <a:xfrm>
+            <a:off x="3812979" y="3781007"/>
+            <a:ext cx="3251874" cy="3251874"/>
+            <a:chOff x="1270000" y="1270000"/>
+            <a:chExt cx="381000" cy="381000"/>
+          </a:xfrm>
+        </p:grpSpPr>
+        <p:sp>
+          <p:nvSpPr>
+            <p:cNvPr id="13" name="Ellipse 12">
+              <a:extLst>
+                <a:ext uri="{FF2B5EF4-FFF2-40B4-BE49-F238E27FC236}">
+                  <a16:creationId xmlns:a16="http://schemas.microsoft.com/office/drawing/2014/main" id="{5B6BD1FC-0867-B514-7095-52C28FEA58D4}"/>
+                </a:ext>
+              </a:extLst>
+            </p:cNvPr>
+            <p:cNvSpPr>
+              <a:spLocks noChangeAspect="1"/>
+            </p:cNvSpPr>
+            <p:nvPr/>
+          </p:nvSpPr>
+          <p:spPr>
+            <a:xfrm>
+              <a:off x="1270000" y="1270000"/>
+              <a:ext cx="381000" cy="381000"/>
+            </a:xfrm>
+            <a:prstGeom prst="ellipse">
+              <a:avLst/>
+            </a:prstGeom>
+            <a:solidFill>
+              <a:schemeClr val="accent4">
+                <a:lumMod val="100000"/>
+              </a:schemeClr>
+            </a:solidFill>
+            <a:ln w="127000">
+              <a:solidFill>
+                <a:srgbClr val="808080"/>
+              </a:solidFill>
+            </a:ln>
+          </p:spPr>
+          <p:style>
+            <a:lnRef idx="2">
+              <a:schemeClr val="accent1">
+                <a:shade val="50000"/>
+              </a:schemeClr>
+            </a:lnRef>
+            <a:fillRef idx="1">
+              <a:schemeClr val="accent1"/>
+            </a:fillRef>
+            <a:effectRef idx="0">
+              <a:schemeClr val="accent1"/>
+            </a:effectRef>
+            <a:fontRef idx="minor">
+              <a:schemeClr val="lt1"/>
+            </a:fontRef>
+          </p:style>
+          <p:txBody>
+            <a:bodyPr rtlCol="0" anchor="ctr"/>
+            <a:lstStyle/>
+            <a:p>
+              <a:pPr algn="ctr"/>
+              <a:endParaRPr lang="en-US"/>
+            </a:p>
+          </p:txBody>
+        </p:sp>
+        <p:sp>
+          <p:nvSpPr>
+            <p:cNvPr id="14" name="Kreis 5">
+              <a:extLst>
+                <a:ext uri="{FF2B5EF4-FFF2-40B4-BE49-F238E27FC236}">
+                  <a16:creationId xmlns:a16="http://schemas.microsoft.com/office/drawing/2014/main" id="{8A468E29-0E9E-C27D-DA34-264E8639D052}"/>
+                </a:ext>
+              </a:extLst>
+            </p:cNvPr>
+            <p:cNvSpPr>
+              <a:spLocks noChangeAspect="1"/>
+            </p:cNvSpPr>
+            <p:nvPr/>
+          </p:nvSpPr>
+          <p:spPr>
+            <a:xfrm>
+              <a:off x="1270000" y="1270000"/>
+              <a:ext cx="381000" cy="381000"/>
+            </a:xfrm>
+            <a:prstGeom prst="arc">
+              <a:avLst>
+                <a:gd name="adj1" fmla="val 16200000"/>
+                <a:gd name="adj2" fmla="val 1800000"/>
+              </a:avLst>
+            </a:prstGeom>
+            <a:solidFill>
+              <a:srgbClr val="808080"/>
+            </a:solidFill>
+            <a:ln w="127000">
+              <a:solidFill>
+                <a:srgbClr val="808080"/>
+              </a:solidFill>
+            </a:ln>
+          </p:spPr>
+          <p:style>
+            <a:lnRef idx="2">
+              <a:schemeClr val="accent1">
+                <a:shade val="50000"/>
+              </a:schemeClr>
+            </a:lnRef>
+            <a:fillRef idx="1">
+              <a:schemeClr val="accent1"/>
+            </a:fillRef>
+            <a:effectRef idx="0">
+              <a:schemeClr val="accent1"/>
+            </a:effectRef>
+            <a:fontRef idx="minor">
+              <a:schemeClr val="lt1"/>
+            </a:fontRef>
+          </p:style>
+          <p:txBody>
+            <a:bodyPr rtlCol="0" anchor="ctr"/>
+            <a:lstStyle/>
+            <a:p>
+              <a:pPr algn="ctr"/>
+              <a:endParaRPr lang="en-US">
+                <a:solidFill>
+                  <a:schemeClr val="tx1"/>
+                </a:solidFill>
+              </a:endParaRPr>
+            </a:p>
+          </p:txBody>
+        </p:sp>
+      </p:grpSp>
+    </p:spTree>
+    <p:extLst>
+      <p:ext uri="{BB962C8B-B14F-4D97-AF65-F5344CB8AC3E}">
+        <p14:creationId xmlns:p14="http://schemas.microsoft.com/office/powerpoint/2010/main" val="1000824420"/>
+      </p:ext>
+    </p:extLst>
+  </p:cSld>
+  <p:clrMapOvr>
+    <a:masterClrMapping/>
+  </p:clrMapOvr>
+</p:sld>
+</file>
+
+<file path=ppt/slides/slide8.xml><?xml version="1.0" encoding="utf-8"?>
+<p:sld xmlns:a="http://schemas.openxmlformats.org/drawingml/2006/main" xmlns:r="http://schemas.openxmlformats.org/officeDocument/2006/relationships" xmlns:p="http://schemas.openxmlformats.org/presentationml/2006/main">
+  <p:cSld>
+    <p:spTree>
+      <p:nvGrpSpPr>
+        <p:cNvPr id="1" name=""/>
+        <p:cNvGrpSpPr/>
+        <p:nvPr/>
+      </p:nvGrpSpPr>
+      <p:grpSpPr>
+        <a:xfrm>
+          <a:off x="0" y="0"/>
+          <a:ext cx="0" cy="0"/>
+          <a:chOff x="0" y="0"/>
+          <a:chExt cx="0" cy="0"/>
+        </a:xfrm>
+      </p:grpSpPr>
+      <p:sp>
+        <p:nvSpPr>
+          <p:cNvPr id="44" name="Rechteck 43"/>
+          <p:cNvSpPr/>
+          <p:nvPr/>
+        </p:nvSpPr>
+        <p:spPr>
+          <a:xfrm>
+            <a:off x="1231978" y="1543455"/>
+            <a:ext cx="5761142" cy="5449664"/>
+          </a:xfrm>
+          <a:prstGeom prst="rect">
+            <a:avLst/>
+          </a:prstGeom>
+          <a:solidFill>
+            <a:schemeClr val="accent5"/>
+          </a:solidFill>
+          <a:ln w="76200">
+            <a:solidFill>
+              <a:schemeClr val="tx1"/>
+            </a:solidFill>
+          </a:ln>
+        </p:spPr>
+        <p:style>
+          <a:lnRef idx="2">
+            <a:schemeClr val="accent1">
+              <a:shade val="50000"/>
+            </a:schemeClr>
+          </a:lnRef>
+          <a:fillRef idx="1">
+            <a:schemeClr val="accent1"/>
+          </a:fillRef>
+          <a:effectRef idx="0">
+            <a:schemeClr val="accent1"/>
+          </a:effectRef>
+          <a:fontRef idx="minor">
+            <a:schemeClr val="lt1"/>
+          </a:fontRef>
+        </p:style>
+        <p:txBody>
+          <a:bodyPr rtlCol="0" anchor="ctr"/>
+          <a:lstStyle/>
+          <a:p>
+            <a:pPr algn="ctr"/>
+            <a:endParaRPr lang="de-DE"/>
+          </a:p>
+        </p:txBody>
+      </p:sp>
+      <p:sp>
+        <p:nvSpPr>
+          <p:cNvPr id="45" name="Rechteck 44"/>
+          <p:cNvSpPr/>
+          <p:nvPr/>
+        </p:nvSpPr>
+        <p:spPr>
+          <a:xfrm>
+            <a:off x="168611" y="175097"/>
+            <a:ext cx="5761142" cy="5449664"/>
+          </a:xfrm>
+          <a:prstGeom prst="rect">
+            <a:avLst/>
+          </a:prstGeom>
+          <a:solidFill>
+            <a:schemeClr val="bg1">
+              <a:alpha val="90000"/>
+            </a:schemeClr>
+          </a:solidFill>
+          <a:ln w="76200">
+            <a:solidFill>
+              <a:schemeClr val="tx1"/>
+            </a:solidFill>
+          </a:ln>
+        </p:spPr>
+        <p:style>
+          <a:lnRef idx="2">
+            <a:schemeClr val="accent1">
+              <a:shade val="50000"/>
+            </a:schemeClr>
+          </a:lnRef>
+          <a:fillRef idx="1">
+            <a:schemeClr val="accent1"/>
+          </a:fillRef>
+          <a:effectRef idx="0">
+            <a:schemeClr val="accent1"/>
+          </a:effectRef>
+          <a:fontRef idx="minor">
+            <a:schemeClr val="lt1"/>
+          </a:fontRef>
+        </p:style>
+        <p:txBody>
+          <a:bodyPr rtlCol="0" anchor="ctr"/>
+          <a:lstStyle/>
+          <a:p>
+            <a:pPr algn="ctr"/>
+            <a:endParaRPr lang="de-DE"/>
+          </a:p>
+        </p:txBody>
+      </p:sp>
+    </p:spTree>
+    <p:extLst>
+      <p:ext uri="{BB962C8B-B14F-4D97-AF65-F5344CB8AC3E}">
+        <p14:creationId xmlns:p14="http://schemas.microsoft.com/office/powerpoint/2010/main" val="3822676959"/>
+      </p:ext>
+    </p:extLst>
+  </p:cSld>
+  <p:clrMapOvr>
+    <a:masterClrMapping/>
+  </p:clrMapOvr>
+</p:sld>
+</file>
+
+<file path=ppt/slides/slide80.xml><?xml version="1.0" encoding="utf-8"?>
+<p:sld xmlns:a="http://schemas.openxmlformats.org/drawingml/2006/main" xmlns:r="http://schemas.openxmlformats.org/officeDocument/2006/relationships" xmlns:p="http://schemas.openxmlformats.org/presentationml/2006/main">
+  <p:cSld>
+    <p:spTree>
+      <p:nvGrpSpPr>
+        <p:cNvPr id="1" name=""/>
+        <p:cNvGrpSpPr/>
+        <p:nvPr/>
+      </p:nvGrpSpPr>
+      <p:grpSpPr>
+        <a:xfrm>
+          <a:off x="0" y="0"/>
+          <a:ext cx="0" cy="0"/>
+          <a:chOff x="0" y="0"/>
+          <a:chExt cx="0" cy="0"/>
+        </a:xfrm>
+      </p:grpSpPr>
+      <p:graphicFrame>
+        <p:nvGraphicFramePr>
+          <p:cNvPr id="4" name="Objekt 3" hidden="1"/>
+          <p:cNvGraphicFramePr>
+            <a:graphicFrameLocks noChangeAspect="1"/>
+          </p:cNvGraphicFramePr>
+          <p:nvPr>
+            <p:custDataLst>
+              <p:tags r:id="rId1"/>
+            </p:custDataLst>
+            <p:extLst>
+              <p:ext uri="{D42A27DB-BD31-4B8C-83A1-F6EECF244321}">
+                <p14:modId xmlns:p14="http://schemas.microsoft.com/office/powerpoint/2010/main" val="4136223624"/>
+              </p:ext>
+            </p:extLst>
+          </p:nvPr>
+        </p:nvGraphicFramePr>
+        <p:xfrm>
+          <a:off x="1588" y="1588"/>
+          <a:ext cx="1588" cy="1588"/>
+        </p:xfrm>
+        <a:graphic>
+          <a:graphicData uri="http://schemas.openxmlformats.org/presentationml/2006/ole">
+            <mc:AlternateContent xmlns:mc="http://schemas.openxmlformats.org/markup-compatibility/2006">
+              <mc:Choice xmlns:v="urn:schemas-microsoft-com:vml" Requires="v">
+                <p:oleObj name="think-cell Folie" r:id="rId7" imgW="631" imgH="631" progId="TCLayout.ActiveDocument.1">
+                  <p:embed/>
+                </p:oleObj>
+              </mc:Choice>
+              <mc:Fallback>
+                <p:oleObj name="think-cell Folie" r:id="rId7" imgW="631" imgH="631" progId="TCLayout.ActiveDocument.1">
+                  <p:embed/>
+                  <p:pic>
+                    <p:nvPicPr>
+                      <p:cNvPr id="4" name="Objekt 3" hidden="1"/>
+                      <p:cNvPicPr/>
+                      <p:nvPr/>
+                    </p:nvPicPr>
+                    <p:blipFill>
+                      <a:blip r:embed="rId8"/>
+                      <a:stretch>
+                        <a:fillRect/>
+                      </a:stretch>
+                    </p:blipFill>
+                    <p:spPr>
+                      <a:xfrm>
+                        <a:off x="1588" y="1588"/>
+                        <a:ext cx="1588" cy="1588"/>
+                      </a:xfrm>
+                      <a:prstGeom prst="rect">
+                        <a:avLst/>
+                      </a:prstGeom>
+                    </p:spPr>
+                  </p:pic>
+                </p:oleObj>
+              </mc:Fallback>
+            </mc:AlternateContent>
+          </a:graphicData>
+        </a:graphic>
+      </p:graphicFrame>
+      <p:grpSp>
+        <p:nvGrpSpPr>
+          <p:cNvPr id="2" name="Gruppieren 1">
+            <a:extLst>
+              <a:ext uri="{FF2B5EF4-FFF2-40B4-BE49-F238E27FC236}">
+                <a16:creationId xmlns:a16="http://schemas.microsoft.com/office/drawing/2014/main" id="{9452202E-C538-22DC-7B02-5DAEF1818020}"/>
+              </a:ext>
+            </a:extLst>
+          </p:cNvPr>
+          <p:cNvGrpSpPr>
+            <a:grpSpLocks noChangeAspect="1"/>
+          </p:cNvGrpSpPr>
+          <p:nvPr>
+            <p:custDataLst>
+              <p:tags r:id="rId2"/>
+            </p:custDataLst>
+          </p:nvPr>
+        </p:nvGrpSpPr>
+        <p:grpSpPr>
+          <a:xfrm>
+            <a:off x="3890916" y="247070"/>
+            <a:ext cx="3096000" cy="3096000"/>
+            <a:chOff x="1270000" y="1270000"/>
+            <a:chExt cx="381000" cy="381000"/>
+          </a:xfrm>
+        </p:grpSpPr>
+        <p:sp>
+          <p:nvSpPr>
+            <p:cNvPr id="3" name="Ellipse 2">
+              <a:extLst>
+                <a:ext uri="{FF2B5EF4-FFF2-40B4-BE49-F238E27FC236}">
+                  <a16:creationId xmlns:a16="http://schemas.microsoft.com/office/drawing/2014/main" id="{BE568A1C-0AA3-B5A7-F594-0C3060C32E4E}"/>
+                </a:ext>
+              </a:extLst>
+            </p:cNvPr>
+            <p:cNvSpPr>
+              <a:spLocks noChangeAspect="1"/>
+            </p:cNvSpPr>
+            <p:nvPr/>
+          </p:nvSpPr>
+          <p:spPr>
+            <a:xfrm>
+              <a:off x="1270000" y="1270000"/>
+              <a:ext cx="381000" cy="381000"/>
+            </a:xfrm>
+            <a:prstGeom prst="ellipse">
+              <a:avLst/>
+            </a:prstGeom>
+            <a:solidFill>
+              <a:schemeClr val="bg1">
+                <a:lumMod val="100000"/>
+              </a:schemeClr>
+            </a:solidFill>
+            <a:ln w="381000">
+              <a:solidFill>
+                <a:schemeClr val="accent5">
+                  <a:lumMod val="100000"/>
+                </a:schemeClr>
+              </a:solidFill>
+            </a:ln>
+          </p:spPr>
+          <p:style>
+            <a:lnRef idx="2">
+              <a:schemeClr val="accent1">
+                <a:shade val="50000"/>
+              </a:schemeClr>
+            </a:lnRef>
+            <a:fillRef idx="1">
+              <a:schemeClr val="accent1"/>
+            </a:fillRef>
+            <a:effectRef idx="0">
+              <a:schemeClr val="accent1"/>
+            </a:effectRef>
+            <a:fontRef idx="minor">
+              <a:schemeClr val="lt1"/>
+            </a:fontRef>
+          </p:style>
+          <p:txBody>
+            <a:bodyPr rtlCol="0" anchor="ctr"/>
+            <a:lstStyle/>
+            <a:p>
+              <a:pPr algn="ctr"/>
+              <a:endParaRPr lang="en-US"/>
+            </a:p>
+          </p:txBody>
+        </p:sp>
+        <p:sp>
+          <p:nvSpPr>
+            <p:cNvPr id="8" name="Kreis 5">
+              <a:extLst>
+                <a:ext uri="{FF2B5EF4-FFF2-40B4-BE49-F238E27FC236}">
+                  <a16:creationId xmlns:a16="http://schemas.microsoft.com/office/drawing/2014/main" id="{02272D26-330F-0D60-05DD-DA458ED33C3E}"/>
+                </a:ext>
+              </a:extLst>
+            </p:cNvPr>
+            <p:cNvSpPr>
+              <a:spLocks noChangeAspect="1"/>
+            </p:cNvSpPr>
+            <p:nvPr/>
+          </p:nvSpPr>
+          <p:spPr>
+            <a:xfrm>
+              <a:off x="1270000" y="1270000"/>
+              <a:ext cx="381000" cy="381000"/>
+            </a:xfrm>
+            <a:prstGeom prst="arc">
+              <a:avLst>
+                <a:gd name="adj1" fmla="val 16200000"/>
+                <a:gd name="adj2" fmla="val 1800000"/>
+              </a:avLst>
+            </a:prstGeom>
+            <a:solidFill>
+              <a:srgbClr val="808080"/>
+            </a:solidFill>
+            <a:ln w="381000">
+              <a:solidFill>
+                <a:schemeClr val="accent5">
+                  <a:lumMod val="100000"/>
+                </a:schemeClr>
+              </a:solidFill>
+            </a:ln>
+          </p:spPr>
+          <p:style>
+            <a:lnRef idx="2">
+              <a:schemeClr val="accent1">
+                <a:shade val="50000"/>
+              </a:schemeClr>
+            </a:lnRef>
+            <a:fillRef idx="1">
+              <a:schemeClr val="accent1"/>
+            </a:fillRef>
+            <a:effectRef idx="0">
+              <a:schemeClr val="accent1"/>
+            </a:effectRef>
+            <a:fontRef idx="minor">
+              <a:schemeClr val="lt1"/>
+            </a:fontRef>
+          </p:style>
+          <p:txBody>
+            <a:bodyPr rtlCol="0" anchor="ctr"/>
+            <a:lstStyle/>
+            <a:p>
+              <a:pPr algn="ctr"/>
+              <a:endParaRPr lang="en-US">
+                <a:solidFill>
+                  <a:schemeClr val="tx1"/>
+                </a:solidFill>
+              </a:endParaRPr>
+            </a:p>
+          </p:txBody>
+        </p:sp>
+      </p:grpSp>
+      <p:grpSp>
+        <p:nvGrpSpPr>
+          <p:cNvPr id="9" name="Gruppieren 8">
+            <a:extLst>
+              <a:ext uri="{FF2B5EF4-FFF2-40B4-BE49-F238E27FC236}">
+                <a16:creationId xmlns:a16="http://schemas.microsoft.com/office/drawing/2014/main" id="{B91B5900-0EC7-D511-5976-1B31205ECEAA}"/>
+              </a:ext>
+            </a:extLst>
+          </p:cNvPr>
+          <p:cNvGrpSpPr>
+            <a:grpSpLocks noChangeAspect="1"/>
+          </p:cNvGrpSpPr>
+          <p:nvPr>
+            <p:custDataLst>
+              <p:tags r:id="rId3"/>
+            </p:custDataLst>
+          </p:nvPr>
+        </p:nvGrpSpPr>
+        <p:grpSpPr>
+          <a:xfrm>
+            <a:off x="279042" y="3858944"/>
+            <a:ext cx="3096000" cy="3096000"/>
+            <a:chOff x="1270000" y="1270000"/>
+            <a:chExt cx="381000" cy="381000"/>
+          </a:xfrm>
+        </p:grpSpPr>
+        <p:sp>
+          <p:nvSpPr>
+            <p:cNvPr id="10" name="Ellipse 9">
+              <a:extLst>
+                <a:ext uri="{FF2B5EF4-FFF2-40B4-BE49-F238E27FC236}">
+                  <a16:creationId xmlns:a16="http://schemas.microsoft.com/office/drawing/2014/main" id="{0D7B9223-9716-E651-C1EB-4105166D21A1}"/>
+                </a:ext>
+              </a:extLst>
+            </p:cNvPr>
+            <p:cNvSpPr>
+              <a:spLocks noChangeAspect="1"/>
+            </p:cNvSpPr>
+            <p:nvPr/>
+          </p:nvSpPr>
+          <p:spPr>
+            <a:xfrm>
+              <a:off x="1270000" y="1270000"/>
+              <a:ext cx="381000" cy="381000"/>
+            </a:xfrm>
+            <a:prstGeom prst="ellipse">
+              <a:avLst/>
+            </a:prstGeom>
+            <a:solidFill>
+              <a:schemeClr val="bg1">
+                <a:lumMod val="100000"/>
+              </a:schemeClr>
+            </a:solidFill>
+            <a:ln w="381000">
+              <a:solidFill>
+                <a:schemeClr val="accent6">
+                  <a:lumMod val="100000"/>
+                </a:schemeClr>
+              </a:solidFill>
+            </a:ln>
+          </p:spPr>
+          <p:style>
+            <a:lnRef idx="2">
+              <a:schemeClr val="accent1">
+                <a:shade val="50000"/>
+              </a:schemeClr>
+            </a:lnRef>
+            <a:fillRef idx="1">
+              <a:schemeClr val="accent1"/>
+            </a:fillRef>
+            <a:effectRef idx="0">
+              <a:schemeClr val="accent1"/>
+            </a:effectRef>
+            <a:fontRef idx="minor">
+              <a:schemeClr val="lt1"/>
+            </a:fontRef>
+          </p:style>
+          <p:txBody>
+            <a:bodyPr rtlCol="0" anchor="ctr"/>
+            <a:lstStyle/>
+            <a:p>
+              <a:pPr algn="ctr"/>
+              <a:endParaRPr lang="en-US"/>
+            </a:p>
+          </p:txBody>
+        </p:sp>
+        <p:sp>
+          <p:nvSpPr>
+            <p:cNvPr id="11" name="Kreis 5">
+              <a:extLst>
+                <a:ext uri="{FF2B5EF4-FFF2-40B4-BE49-F238E27FC236}">
+                  <a16:creationId xmlns:a16="http://schemas.microsoft.com/office/drawing/2014/main" id="{267CFBCA-1B65-D734-5A19-0F181C0B4B15}"/>
+                </a:ext>
+              </a:extLst>
+            </p:cNvPr>
+            <p:cNvSpPr>
+              <a:spLocks noChangeAspect="1"/>
+            </p:cNvSpPr>
+            <p:nvPr/>
+          </p:nvSpPr>
+          <p:spPr>
+            <a:xfrm>
+              <a:off x="1270000" y="1270000"/>
+              <a:ext cx="381000" cy="381000"/>
+            </a:xfrm>
+            <a:prstGeom prst="arc">
+              <a:avLst>
+                <a:gd name="adj1" fmla="val 16200000"/>
+                <a:gd name="adj2" fmla="val 1800000"/>
+              </a:avLst>
+            </a:prstGeom>
+            <a:solidFill>
+              <a:srgbClr val="808080"/>
+            </a:solidFill>
+            <a:ln w="381000">
+              <a:solidFill>
+                <a:schemeClr val="accent6">
+                  <a:lumMod val="100000"/>
+                </a:schemeClr>
+              </a:solidFill>
+            </a:ln>
+          </p:spPr>
+          <p:style>
+            <a:lnRef idx="2">
+              <a:schemeClr val="accent1">
+                <a:shade val="50000"/>
+              </a:schemeClr>
+            </a:lnRef>
+            <a:fillRef idx="1">
+              <a:schemeClr val="accent1"/>
+            </a:fillRef>
+            <a:effectRef idx="0">
+              <a:schemeClr val="accent1"/>
+            </a:effectRef>
+            <a:fontRef idx="minor">
+              <a:schemeClr val="lt1"/>
+            </a:fontRef>
+          </p:style>
+          <p:txBody>
+            <a:bodyPr rtlCol="0" anchor="ctr"/>
+            <a:lstStyle/>
+            <a:p>
+              <a:pPr algn="ctr"/>
+              <a:endParaRPr lang="en-US">
+                <a:solidFill>
+                  <a:schemeClr val="tx1"/>
+                </a:solidFill>
+              </a:endParaRPr>
+            </a:p>
+          </p:txBody>
+        </p:sp>
+      </p:grpSp>
+      <p:grpSp>
+        <p:nvGrpSpPr>
+          <p:cNvPr id="12" name="Gruppieren 11">
+            <a:extLst>
+              <a:ext uri="{FF2B5EF4-FFF2-40B4-BE49-F238E27FC236}">
+                <a16:creationId xmlns:a16="http://schemas.microsoft.com/office/drawing/2014/main" id="{15A6F20D-E7CC-7B12-0590-01E2E7D7A188}"/>
+              </a:ext>
+            </a:extLst>
+          </p:cNvPr>
+          <p:cNvGrpSpPr>
+            <a:grpSpLocks noChangeAspect="1"/>
+          </p:cNvGrpSpPr>
+          <p:nvPr>
+            <p:custDataLst>
+              <p:tags r:id="rId4"/>
+            </p:custDataLst>
+          </p:nvPr>
+        </p:nvGrpSpPr>
+        <p:grpSpPr>
+          <a:xfrm>
+            <a:off x="3890916" y="3858944"/>
+            <a:ext cx="3096000" cy="3096000"/>
+            <a:chOff x="1270000" y="1270000"/>
+            <a:chExt cx="381000" cy="381000"/>
+          </a:xfrm>
+        </p:grpSpPr>
+        <p:sp>
+          <p:nvSpPr>
+            <p:cNvPr id="13" name="Ellipse 12">
+              <a:extLst>
+                <a:ext uri="{FF2B5EF4-FFF2-40B4-BE49-F238E27FC236}">
+                  <a16:creationId xmlns:a16="http://schemas.microsoft.com/office/drawing/2014/main" id="{5B6BD1FC-0867-B514-7095-52C28FEA58D4}"/>
+                </a:ext>
+              </a:extLst>
+            </p:cNvPr>
+            <p:cNvSpPr>
+              <a:spLocks noChangeAspect="1"/>
+            </p:cNvSpPr>
+            <p:nvPr/>
+          </p:nvSpPr>
+          <p:spPr>
+            <a:xfrm>
+              <a:off x="1270000" y="1270000"/>
+              <a:ext cx="381000" cy="381000"/>
+            </a:xfrm>
+            <a:prstGeom prst="ellipse">
+              <a:avLst/>
+            </a:prstGeom>
+            <a:solidFill>
+              <a:schemeClr val="bg1">
+                <a:lumMod val="100000"/>
+              </a:schemeClr>
+            </a:solidFill>
+            <a:ln w="381000">
+              <a:solidFill>
+                <a:schemeClr val="accent4">
+                  <a:lumMod val="100000"/>
+                </a:schemeClr>
+              </a:solidFill>
+            </a:ln>
+          </p:spPr>
+          <p:style>
+            <a:lnRef idx="2">
+              <a:schemeClr val="accent1">
+                <a:shade val="50000"/>
+              </a:schemeClr>
+            </a:lnRef>
+            <a:fillRef idx="1">
+              <a:schemeClr val="accent1"/>
+            </a:fillRef>
+            <a:effectRef idx="0">
+              <a:schemeClr val="accent1"/>
+            </a:effectRef>
+            <a:fontRef idx="minor">
+              <a:schemeClr val="lt1"/>
+            </a:fontRef>
+          </p:style>
+          <p:txBody>
+            <a:bodyPr rtlCol="0" anchor="ctr"/>
+            <a:lstStyle/>
+            <a:p>
+              <a:pPr algn="ctr"/>
+              <a:endParaRPr lang="en-US"/>
+            </a:p>
+          </p:txBody>
+        </p:sp>
+        <p:sp>
+          <p:nvSpPr>
+            <p:cNvPr id="14" name="Kreis 5">
+              <a:extLst>
+                <a:ext uri="{FF2B5EF4-FFF2-40B4-BE49-F238E27FC236}">
+                  <a16:creationId xmlns:a16="http://schemas.microsoft.com/office/drawing/2014/main" id="{8A468E29-0E9E-C27D-DA34-264E8639D052}"/>
+                </a:ext>
+              </a:extLst>
+            </p:cNvPr>
+            <p:cNvSpPr>
+              <a:spLocks noChangeAspect="1"/>
+            </p:cNvSpPr>
+            <p:nvPr/>
+          </p:nvSpPr>
+          <p:spPr>
+            <a:xfrm>
+              <a:off x="1270000" y="1270000"/>
+              <a:ext cx="381000" cy="381000"/>
+            </a:xfrm>
+            <a:prstGeom prst="arc">
+              <a:avLst>
+                <a:gd name="adj1" fmla="val 16200000"/>
+                <a:gd name="adj2" fmla="val 1800000"/>
+              </a:avLst>
+            </a:prstGeom>
+            <a:solidFill>
+              <a:srgbClr val="808080"/>
+            </a:solidFill>
+            <a:ln w="381000">
+              <a:solidFill>
+                <a:schemeClr val="accent4">
+                  <a:lumMod val="100000"/>
+                </a:schemeClr>
+              </a:solidFill>
+            </a:ln>
+          </p:spPr>
+          <p:style>
+            <a:lnRef idx="2">
+              <a:schemeClr val="accent1">
+                <a:shade val="50000"/>
+              </a:schemeClr>
+            </a:lnRef>
+            <a:fillRef idx="1">
+              <a:schemeClr val="accent1"/>
+            </a:fillRef>
+            <a:effectRef idx="0">
+              <a:schemeClr val="accent1"/>
+            </a:effectRef>
+            <a:fontRef idx="minor">
+              <a:schemeClr val="lt1"/>
+            </a:fontRef>
+          </p:style>
+          <p:txBody>
+            <a:bodyPr rtlCol="0" anchor="ctr"/>
+            <a:lstStyle/>
+            <a:p>
+              <a:pPr algn="ctr"/>
+              <a:endParaRPr lang="en-US">
+                <a:solidFill>
+                  <a:schemeClr val="tx1"/>
+                </a:solidFill>
+              </a:endParaRPr>
+            </a:p>
+          </p:txBody>
+        </p:sp>
+      </p:grpSp>
+      <p:grpSp>
+        <p:nvGrpSpPr>
+          <p:cNvPr id="32" name="Gruppieren 31">
+            <a:extLst>
+              <a:ext uri="{FF2B5EF4-FFF2-40B4-BE49-F238E27FC236}">
+                <a16:creationId xmlns:a16="http://schemas.microsoft.com/office/drawing/2014/main" id="{B6AF3435-927A-011A-16A6-3936A3D5C730}"/>
+              </a:ext>
+            </a:extLst>
+          </p:cNvPr>
+          <p:cNvGrpSpPr>
+            <a:grpSpLocks noChangeAspect="1"/>
+          </p:cNvGrpSpPr>
+          <p:nvPr>
+            <p:custDataLst>
+              <p:tags r:id="rId5"/>
+            </p:custDataLst>
+          </p:nvPr>
+        </p:nvGrpSpPr>
+        <p:grpSpPr>
+          <a:xfrm>
+            <a:off x="279042" y="247070"/>
+            <a:ext cx="3096000" cy="3096000"/>
+            <a:chOff x="1270000" y="1270000"/>
+            <a:chExt cx="381000" cy="381000"/>
+          </a:xfrm>
+        </p:grpSpPr>
+        <p:sp>
+          <p:nvSpPr>
+            <p:cNvPr id="33" name="Ellipse 32">
+              <a:extLst>
+                <a:ext uri="{FF2B5EF4-FFF2-40B4-BE49-F238E27FC236}">
+                  <a16:creationId xmlns:a16="http://schemas.microsoft.com/office/drawing/2014/main" id="{81A18BB9-2E03-C5D1-8ACF-1AE25CF782A7}"/>
+                </a:ext>
+              </a:extLst>
+            </p:cNvPr>
+            <p:cNvSpPr>
+              <a:spLocks noChangeAspect="1"/>
+            </p:cNvSpPr>
+            <p:nvPr/>
+          </p:nvSpPr>
+          <p:spPr>
+            <a:xfrm>
+              <a:off x="1270000" y="1270000"/>
+              <a:ext cx="381000" cy="381000"/>
+            </a:xfrm>
+            <a:prstGeom prst="ellipse">
+              <a:avLst/>
+            </a:prstGeom>
+            <a:solidFill>
+              <a:schemeClr val="bg1">
+                <a:lumMod val="100000"/>
+              </a:schemeClr>
+            </a:solidFill>
+            <a:ln w="381000" cap="flat" cmpd="sng" algn="ctr">
+              <a:solidFill>
+                <a:schemeClr val="accent2">
+                  <a:lumMod val="100000"/>
+                </a:schemeClr>
+              </a:solidFill>
+              <a:prstDash val="solid"/>
+              <a:miter lim="800000"/>
+            </a:ln>
+            <a:effectLst/>
+          </p:spPr>
+          <p:style>
+            <a:lnRef idx="2">
+              <a:schemeClr val="accent1">
+                <a:shade val="50000"/>
+              </a:schemeClr>
+            </a:lnRef>
+            <a:fillRef idx="1">
+              <a:schemeClr val="accent1"/>
+            </a:fillRef>
+            <a:effectRef idx="0">
+              <a:schemeClr val="accent1"/>
+            </a:effectRef>
+            <a:fontRef idx="minor">
+              <a:schemeClr val="lt1"/>
+            </a:fontRef>
+          </p:style>
+          <p:txBody>
+            <a:bodyPr rtlCol="0" anchor="ctr"/>
+            <a:lstStyle/>
+            <a:p>
+              <a:pPr algn="ctr"/>
+              <a:endParaRPr lang="en-US"/>
+            </a:p>
+          </p:txBody>
+        </p:sp>
+        <p:sp>
+          <p:nvSpPr>
+            <p:cNvPr id="34" name="Kreis 5">
+              <a:extLst>
+                <a:ext uri="{FF2B5EF4-FFF2-40B4-BE49-F238E27FC236}">
+                  <a16:creationId xmlns:a16="http://schemas.microsoft.com/office/drawing/2014/main" id="{20F9DAC0-4EE6-E384-75B0-4E6DAF7A7D29}"/>
+                </a:ext>
+              </a:extLst>
+            </p:cNvPr>
+            <p:cNvSpPr>
+              <a:spLocks noChangeAspect="1"/>
+            </p:cNvSpPr>
+            <p:nvPr/>
+          </p:nvSpPr>
+          <p:spPr>
+            <a:xfrm>
+              <a:off x="1270000" y="1270000"/>
+              <a:ext cx="381000" cy="381000"/>
+            </a:xfrm>
+            <a:prstGeom prst="arc">
+              <a:avLst>
+                <a:gd name="adj1" fmla="val 16200000"/>
+                <a:gd name="adj2" fmla="val 1800000"/>
+              </a:avLst>
+            </a:prstGeom>
+            <a:solidFill>
+              <a:srgbClr val="808080"/>
+            </a:solidFill>
+            <a:ln w="381000" cap="flat" cmpd="sng" algn="ctr">
+              <a:solidFill>
+                <a:schemeClr val="accent2">
+                  <a:lumMod val="100000"/>
+                </a:schemeClr>
+              </a:solidFill>
+              <a:prstDash val="solid"/>
+              <a:miter lim="800000"/>
+            </a:ln>
+            <a:effectLst/>
+          </p:spPr>
+          <p:style>
+            <a:lnRef idx="2">
+              <a:schemeClr val="accent1">
+                <a:shade val="50000"/>
+              </a:schemeClr>
+            </a:lnRef>
+            <a:fillRef idx="1">
+              <a:schemeClr val="accent1"/>
+            </a:fillRef>
+            <a:effectRef idx="0">
+              <a:schemeClr val="accent1"/>
+            </a:effectRef>
+            <a:fontRef idx="minor">
+              <a:schemeClr val="lt1"/>
+            </a:fontRef>
+          </p:style>
+          <p:txBody>
+            <a:bodyPr rtlCol="0" anchor="ctr"/>
+            <a:lstStyle/>
+            <a:p>
+              <a:pPr algn="ctr"/>
+              <a:endParaRPr lang="en-US">
+                <a:solidFill>
+                  <a:schemeClr val="tx1"/>
+                </a:solidFill>
+              </a:endParaRPr>
+            </a:p>
+          </p:txBody>
+        </p:sp>
+      </p:grpSp>
+    </p:spTree>
+    <p:extLst>
+      <p:ext uri="{BB962C8B-B14F-4D97-AF65-F5344CB8AC3E}">
+        <p14:creationId xmlns:p14="http://schemas.microsoft.com/office/powerpoint/2010/main" val="3494945144"/>
+      </p:ext>
+    </p:extLst>
+  </p:cSld>
+  <p:clrMapOvr>
+    <a:masterClrMapping/>
+  </p:clrMapOvr>
+</p:sld>
+</file>
+
+<file path=ppt/slides/slide81.xml><?xml version="1.0" encoding="utf-8"?>
+<p:sld xmlns:a="http://schemas.openxmlformats.org/drawingml/2006/main" xmlns:r="http://schemas.openxmlformats.org/officeDocument/2006/relationships" xmlns:p="http://schemas.openxmlformats.org/presentationml/2006/main">
+  <p:cSld>
+    <p:spTree>
+      <p:nvGrpSpPr>
+        <p:cNvPr id="1" name=""/>
+        <p:cNvGrpSpPr/>
+        <p:nvPr/>
+      </p:nvGrpSpPr>
+      <p:grpSpPr>
+        <a:xfrm>
+          <a:off x="0" y="0"/>
+          <a:ext cx="0" cy="0"/>
+          <a:chOff x="0" y="0"/>
+          <a:chExt cx="0" cy="0"/>
+        </a:xfrm>
+      </p:grpSpPr>
+      <p:graphicFrame>
+        <p:nvGraphicFramePr>
+          <p:cNvPr id="4" name="Objekt 3" hidden="1"/>
+          <p:cNvGraphicFramePr>
+            <a:graphicFrameLocks noChangeAspect="1"/>
+          </p:cNvGraphicFramePr>
+          <p:nvPr>
+            <p:custDataLst>
+              <p:tags r:id="rId1"/>
+            </p:custDataLst>
+          </p:nvPr>
+        </p:nvGraphicFramePr>
+        <p:xfrm>
+          <a:off x="1588" y="1588"/>
+          <a:ext cx="1588" cy="1588"/>
+        </p:xfrm>
+        <a:graphic>
+          <a:graphicData uri="http://schemas.openxmlformats.org/presentationml/2006/ole">
+            <mc:AlternateContent xmlns:mc="http://schemas.openxmlformats.org/markup-compatibility/2006">
+              <mc:Choice xmlns:v="urn:schemas-microsoft-com:vml" Requires="v">
+                <p:oleObj name="think-cell Folie" r:id="rId4" imgW="631" imgH="631" progId="TCLayout.ActiveDocument.1">
+                  <p:embed/>
+                </p:oleObj>
+              </mc:Choice>
+              <mc:Fallback>
+                <p:oleObj name="think-cell Folie" r:id="rId4" imgW="631" imgH="631" progId="TCLayout.ActiveDocument.1">
+                  <p:embed/>
+                  <p:pic>
+                    <p:nvPicPr>
+                      <p:cNvPr id="4" name="Objekt 3" hidden="1"/>
+                      <p:cNvPicPr/>
+                      <p:nvPr/>
+                    </p:nvPicPr>
+                    <p:blipFill>
+                      <a:blip r:embed="rId5"/>
+                      <a:stretch>
+                        <a:fillRect/>
+                      </a:stretch>
+                    </p:blipFill>
+                    <p:spPr>
+                      <a:xfrm>
+                        <a:off x="1588" y="1588"/>
+                        <a:ext cx="1588" cy="1588"/>
+                      </a:xfrm>
+                      <a:prstGeom prst="rect">
+                        <a:avLst/>
+                      </a:prstGeom>
+                    </p:spPr>
+                  </p:pic>
+                </p:oleObj>
+              </mc:Fallback>
+            </mc:AlternateContent>
+          </a:graphicData>
+        </a:graphic>
+      </p:graphicFrame>
+      <p:grpSp>
+        <p:nvGrpSpPr>
+          <p:cNvPr id="32" name="Gruppieren 31">
+            <a:extLst>
+              <a:ext uri="{FF2B5EF4-FFF2-40B4-BE49-F238E27FC236}">
+                <a16:creationId xmlns:a16="http://schemas.microsoft.com/office/drawing/2014/main" id="{B6AF3435-927A-011A-16A6-3936A3D5C730}"/>
+              </a:ext>
+            </a:extLst>
+          </p:cNvPr>
+          <p:cNvGrpSpPr>
+            <a:grpSpLocks noChangeAspect="1"/>
+          </p:cNvGrpSpPr>
+          <p:nvPr>
+            <p:custDataLst>
+              <p:tags r:id="rId2"/>
+            </p:custDataLst>
+          </p:nvPr>
+        </p:nvGrpSpPr>
+        <p:grpSpPr>
+          <a:xfrm>
+            <a:off x="340551" y="340551"/>
+            <a:ext cx="6518211" cy="6518211"/>
+            <a:chOff x="1270000" y="1270000"/>
+            <a:chExt cx="381000" cy="381000"/>
+          </a:xfrm>
+        </p:grpSpPr>
+        <p:sp>
+          <p:nvSpPr>
+            <p:cNvPr id="33" name="Ellipse 32">
+              <a:extLst>
+                <a:ext uri="{FF2B5EF4-FFF2-40B4-BE49-F238E27FC236}">
+                  <a16:creationId xmlns:a16="http://schemas.microsoft.com/office/drawing/2014/main" id="{81A18BB9-2E03-C5D1-8ACF-1AE25CF782A7}"/>
+                </a:ext>
+              </a:extLst>
+            </p:cNvPr>
+            <p:cNvSpPr>
+              <a:spLocks noChangeAspect="1"/>
+            </p:cNvSpPr>
+            <p:nvPr/>
+          </p:nvSpPr>
+          <p:spPr>
+            <a:xfrm>
+              <a:off x="1270000" y="1270000"/>
+              <a:ext cx="381000" cy="381000"/>
+            </a:xfrm>
+            <a:prstGeom prst="ellipse">
+              <a:avLst/>
+            </a:prstGeom>
+            <a:solidFill>
+              <a:schemeClr val="bg1">
+                <a:lumMod val="100000"/>
+              </a:schemeClr>
+            </a:solidFill>
+            <a:ln w="381000" cap="flat" cmpd="sng" algn="ctr">
+              <a:noFill/>
+              <a:prstDash val="solid"/>
+              <a:miter lim="800000"/>
+            </a:ln>
+            <a:effectLst/>
+            <a:extLst>
+              <a:ext uri="{91240B29-F687-4F45-9708-019B960494DF}">
+                <a14:hiddenLine xmlns:a14="http://schemas.microsoft.com/office/drawing/2010/main" w="381000" cap="flat" cmpd="sng" algn="ctr">
+                  <a:solidFill>
+                    <a:schemeClr val="accent2">
+                      <a:lumMod val="100000"/>
+                    </a:schemeClr>
+                  </a:solidFill>
+                  <a:prstDash val="solid"/>
+                  <a:miter lim="800000"/>
+                </a14:hiddenLine>
+              </a:ext>
+            </a:extLst>
+          </p:spPr>
+          <p:style>
+            <a:lnRef idx="2">
+              <a:schemeClr val="accent1">
+                <a:shade val="50000"/>
+              </a:schemeClr>
+            </a:lnRef>
+            <a:fillRef idx="1">
+              <a:schemeClr val="accent1"/>
+            </a:fillRef>
+            <a:effectRef idx="0">
+              <a:schemeClr val="accent1"/>
+            </a:effectRef>
+            <a:fontRef idx="minor">
+              <a:schemeClr val="lt1"/>
+            </a:fontRef>
+          </p:style>
+          <p:txBody>
+            <a:bodyPr rtlCol="0" anchor="ctr"/>
+            <a:lstStyle/>
+            <a:p>
+              <a:pPr algn="ctr"/>
+              <a:endParaRPr lang="en-US"/>
+            </a:p>
+          </p:txBody>
+        </p:sp>
+        <p:sp>
+          <p:nvSpPr>
+            <p:cNvPr id="34" name="Kreis 5">
+              <a:extLst>
+                <a:ext uri="{FF2B5EF4-FFF2-40B4-BE49-F238E27FC236}">
+                  <a16:creationId xmlns:a16="http://schemas.microsoft.com/office/drawing/2014/main" id="{20F9DAC0-4EE6-E384-75B0-4E6DAF7A7D29}"/>
+                </a:ext>
+              </a:extLst>
+            </p:cNvPr>
+            <p:cNvSpPr>
+              <a:spLocks noChangeAspect="1"/>
+            </p:cNvSpPr>
+            <p:nvPr/>
+          </p:nvSpPr>
+          <p:spPr>
+            <a:xfrm>
+              <a:off x="1270000" y="1270000"/>
+              <a:ext cx="381000" cy="381000"/>
+            </a:xfrm>
+            <a:prstGeom prst="arc">
+              <a:avLst>
+                <a:gd name="adj1" fmla="val 16200000"/>
+                <a:gd name="adj2" fmla="val 1800000"/>
+              </a:avLst>
+            </a:prstGeom>
+            <a:solidFill>
+              <a:srgbClr val="808080"/>
+            </a:solidFill>
+            <a:ln w="381000" cap="flat" cmpd="sng" algn="ctr">
+              <a:noFill/>
+              <a:prstDash val="solid"/>
+              <a:miter lim="800000"/>
+            </a:ln>
+            <a:effectLst/>
+            <a:extLst>
+              <a:ext uri="{91240B29-F687-4F45-9708-019B960494DF}">
+                <a14:hiddenLine xmlns:a14="http://schemas.microsoft.com/office/drawing/2010/main" w="381000" cap="flat" cmpd="sng" algn="ctr">
+                  <a:solidFill>
+                    <a:schemeClr val="accent2">
+                      <a:lumMod val="100000"/>
+                    </a:schemeClr>
+                  </a:solidFill>
+                  <a:prstDash val="solid"/>
+                  <a:miter lim="800000"/>
+                </a14:hiddenLine>
+              </a:ext>
+            </a:extLst>
+          </p:spPr>
+          <p:style>
+            <a:lnRef idx="2">
+              <a:schemeClr val="accent1">
+                <a:shade val="50000"/>
+              </a:schemeClr>
+            </a:lnRef>
+            <a:fillRef idx="1">
+              <a:schemeClr val="accent1"/>
+            </a:fillRef>
+            <a:effectRef idx="0">
+              <a:schemeClr val="accent1"/>
+            </a:effectRef>
+            <a:fontRef idx="minor">
+              <a:schemeClr val="lt1"/>
+            </a:fontRef>
+          </p:style>
+          <p:txBody>
+            <a:bodyPr rtlCol="0" anchor="ctr"/>
+            <a:lstStyle/>
+            <a:p>
+              <a:pPr algn="ctr"/>
+              <a:endParaRPr lang="en-US">
+                <a:solidFill>
+                  <a:schemeClr val="tx1"/>
+                </a:solidFill>
+              </a:endParaRPr>
+            </a:p>
+          </p:txBody>
+        </p:sp>
+      </p:grpSp>
+    </p:spTree>
+    <p:extLst>
+      <p:ext uri="{BB962C8B-B14F-4D97-AF65-F5344CB8AC3E}">
+        <p14:creationId xmlns:p14="http://schemas.microsoft.com/office/powerpoint/2010/main" val="2974721412"/>
+      </p:ext>
+    </p:extLst>
+  </p:cSld>
+  <p:clrMapOvr>
+    <a:masterClrMapping/>
+  </p:clrMapOvr>
+</p:sld>
+</file>
+
+<file path=ppt/slides/slide82.xml><?xml version="1.0" encoding="utf-8"?>
+<p:sld xmlns:a="http://schemas.openxmlformats.org/drawingml/2006/main" xmlns:r="http://schemas.openxmlformats.org/officeDocument/2006/relationships" xmlns:p="http://schemas.openxmlformats.org/presentationml/2006/main">
+  <p:cSld>
+    <p:spTree>
+      <p:nvGrpSpPr>
+        <p:cNvPr id="1" name=""/>
+        <p:cNvGrpSpPr/>
+        <p:nvPr/>
+      </p:nvGrpSpPr>
+      <p:grpSpPr>
+        <a:xfrm>
+          <a:off x="0" y="0"/>
+          <a:ext cx="0" cy="0"/>
+          <a:chOff x="0" y="0"/>
+          <a:chExt cx="0" cy="0"/>
+        </a:xfrm>
+      </p:grpSpPr>
+      <p:graphicFrame>
+        <p:nvGraphicFramePr>
+          <p:cNvPr id="4" name="Objekt 3" hidden="1"/>
+          <p:cNvGraphicFramePr>
+            <a:graphicFrameLocks noChangeAspect="1"/>
+          </p:cNvGraphicFramePr>
+          <p:nvPr>
+            <p:custDataLst>
+              <p:tags r:id="rId1"/>
+            </p:custDataLst>
+          </p:nvPr>
+        </p:nvGraphicFramePr>
+        <p:xfrm>
+          <a:off x="1588" y="1588"/>
+          <a:ext cx="1588" cy="1588"/>
+        </p:xfrm>
+        <a:graphic>
+          <a:graphicData uri="http://schemas.openxmlformats.org/presentationml/2006/ole">
+            <mc:AlternateContent xmlns:mc="http://schemas.openxmlformats.org/markup-compatibility/2006">
+              <mc:Choice xmlns:v="urn:schemas-microsoft-com:vml" Requires="v">
+                <p:oleObj name="think-cell Folie" r:id="rId5" imgW="631" imgH="631" progId="TCLayout.ActiveDocument.1">
                   <p:embed/>
                 </p:oleObj>
               </mc:Choice>
@@ -37512,7 +39797,171 @@
       </p:graphicFrame>
       <p:grpSp>
         <p:nvGrpSpPr>
-          <p:cNvPr id="7" name="Gruppieren 6"/>
+          <p:cNvPr id="32" name="Gruppieren 31">
+            <a:extLst>
+              <a:ext uri="{FF2B5EF4-FFF2-40B4-BE49-F238E27FC236}">
+                <a16:creationId xmlns:a16="http://schemas.microsoft.com/office/drawing/2014/main" id="{B6AF3435-927A-011A-16A6-3936A3D5C730}"/>
+              </a:ext>
+            </a:extLst>
+          </p:cNvPr>
+          <p:cNvGrpSpPr>
+            <a:grpSpLocks noChangeAspect="1"/>
+          </p:cNvGrpSpPr>
+          <p:nvPr>
+            <p:custDataLst>
+              <p:tags r:id="rId2"/>
+            </p:custDataLst>
+          </p:nvPr>
+        </p:nvGrpSpPr>
+        <p:grpSpPr>
+          <a:xfrm>
+            <a:off x="3243608" y="3243608"/>
+            <a:ext cx="3744000" cy="3744000"/>
+            <a:chOff x="1270000" y="1270000"/>
+            <a:chExt cx="381000" cy="381000"/>
+          </a:xfrm>
+        </p:grpSpPr>
+        <p:sp>
+          <p:nvSpPr>
+            <p:cNvPr id="33" name="Ellipse 32">
+              <a:extLst>
+                <a:ext uri="{FF2B5EF4-FFF2-40B4-BE49-F238E27FC236}">
+                  <a16:creationId xmlns:a16="http://schemas.microsoft.com/office/drawing/2014/main" id="{81A18BB9-2E03-C5D1-8ACF-1AE25CF782A7}"/>
+                </a:ext>
+              </a:extLst>
+            </p:cNvPr>
+            <p:cNvSpPr>
+              <a:spLocks noChangeAspect="1"/>
+            </p:cNvSpPr>
+            <p:nvPr/>
+          </p:nvSpPr>
+          <p:spPr>
+            <a:xfrm>
+              <a:off x="1270000" y="1270000"/>
+              <a:ext cx="381000" cy="381000"/>
+            </a:xfrm>
+            <a:prstGeom prst="ellipse">
+              <a:avLst/>
+            </a:prstGeom>
+            <a:solidFill>
+              <a:schemeClr val="bg1">
+                <a:lumMod val="100000"/>
+              </a:schemeClr>
+            </a:solidFill>
+            <a:ln w="381000" cap="flat" cmpd="sng" algn="ctr">
+              <a:solidFill>
+                <a:schemeClr val="accent2">
+                  <a:lumMod val="100000"/>
+                </a:schemeClr>
+              </a:solidFill>
+              <a:prstDash val="solid"/>
+              <a:miter lim="800000"/>
+            </a:ln>
+            <a:effectLst/>
+          </p:spPr>
+          <p:style>
+            <a:lnRef idx="2">
+              <a:schemeClr val="accent1">
+                <a:shade val="50000"/>
+              </a:schemeClr>
+            </a:lnRef>
+            <a:fillRef idx="1">
+              <a:schemeClr val="accent1"/>
+            </a:fillRef>
+            <a:effectRef idx="0">
+              <a:schemeClr val="accent1"/>
+            </a:effectRef>
+            <a:fontRef idx="minor">
+              <a:schemeClr val="lt1"/>
+            </a:fontRef>
+          </p:style>
+          <p:txBody>
+            <a:bodyPr rtlCol="0" anchor="ctr"/>
+            <a:lstStyle/>
+            <a:p>
+              <a:pPr algn="ctr"/>
+              <a:endParaRPr lang="en-US"/>
+            </a:p>
+          </p:txBody>
+        </p:sp>
+        <p:sp>
+          <p:nvSpPr>
+            <p:cNvPr id="34" name="Kreis 5">
+              <a:extLst>
+                <a:ext uri="{FF2B5EF4-FFF2-40B4-BE49-F238E27FC236}">
+                  <a16:creationId xmlns:a16="http://schemas.microsoft.com/office/drawing/2014/main" id="{20F9DAC0-4EE6-E384-75B0-4E6DAF7A7D29}"/>
+                </a:ext>
+              </a:extLst>
+            </p:cNvPr>
+            <p:cNvSpPr>
+              <a:spLocks noChangeAspect="1"/>
+            </p:cNvSpPr>
+            <p:nvPr/>
+          </p:nvSpPr>
+          <p:spPr>
+            <a:xfrm>
+              <a:off x="1270000" y="1270000"/>
+              <a:ext cx="381000" cy="381000"/>
+            </a:xfrm>
+            <a:prstGeom prst="pie">
+              <a:avLst>
+                <a:gd name="adj1" fmla="val 16200000"/>
+                <a:gd name="adj2" fmla="val 1800000"/>
+              </a:avLst>
+            </a:prstGeom>
+            <a:solidFill>
+              <a:srgbClr val="808080"/>
+            </a:solidFill>
+            <a:ln w="381000" cap="flat" cmpd="sng" algn="ctr">
+              <a:solidFill>
+                <a:schemeClr val="accent2">
+                  <a:lumMod val="100000"/>
+                </a:schemeClr>
+              </a:solidFill>
+              <a:prstDash val="solid"/>
+              <a:miter lim="800000"/>
+            </a:ln>
+            <a:effectLst/>
+          </p:spPr>
+          <p:style>
+            <a:lnRef idx="2">
+              <a:schemeClr val="accent1">
+                <a:shade val="50000"/>
+              </a:schemeClr>
+            </a:lnRef>
+            <a:fillRef idx="1">
+              <a:schemeClr val="accent1"/>
+            </a:fillRef>
+            <a:effectRef idx="0">
+              <a:schemeClr val="accent1"/>
+            </a:effectRef>
+            <a:fontRef idx="minor">
+              <a:schemeClr val="lt1"/>
+            </a:fontRef>
+          </p:style>
+          <p:txBody>
+            <a:bodyPr rtlCol="0" anchor="ctr"/>
+            <a:lstStyle/>
+            <a:p>
+              <a:pPr algn="ctr"/>
+              <a:endParaRPr lang="en-US">
+                <a:solidFill>
+                  <a:schemeClr val="tx1"/>
+                </a:solidFill>
+              </a:endParaRPr>
+            </a:p>
+          </p:txBody>
+        </p:sp>
+      </p:grpSp>
+      <p:grpSp>
+        <p:nvGrpSpPr>
+          <p:cNvPr id="2" name="Gruppieren 1">
+            <a:extLst>
+              <a:ext uri="{FF2B5EF4-FFF2-40B4-BE49-F238E27FC236}">
+                <a16:creationId xmlns:a16="http://schemas.microsoft.com/office/drawing/2014/main" id="{68D1A566-5DE9-B216-AC0D-87473177472C}"/>
+              </a:ext>
+            </a:extLst>
+          </p:cNvPr>
           <p:cNvGrpSpPr>
             <a:grpSpLocks noChangeAspect="1"/>
           </p:cNvGrpSpPr>
@@ -37524,8 +39973,854 @@
         </p:nvGrpSpPr>
         <p:grpSpPr>
           <a:xfrm>
-            <a:off x="137161" y="137161"/>
-            <a:ext cx="6924992" cy="6924992"/>
+            <a:off x="204621" y="211015"/>
+            <a:ext cx="3744000" cy="3744000"/>
+            <a:chOff x="1270000" y="1270000"/>
+            <a:chExt cx="381000" cy="381000"/>
+          </a:xfrm>
+        </p:grpSpPr>
+        <p:sp>
+          <p:nvSpPr>
+            <p:cNvPr id="3" name="Ellipse 2">
+              <a:extLst>
+                <a:ext uri="{FF2B5EF4-FFF2-40B4-BE49-F238E27FC236}">
+                  <a16:creationId xmlns:a16="http://schemas.microsoft.com/office/drawing/2014/main" id="{7AB1DEA4-2841-FBB0-F63E-63F3BCC7E714}"/>
+                </a:ext>
+              </a:extLst>
+            </p:cNvPr>
+            <p:cNvSpPr>
+              <a:spLocks noChangeAspect="1"/>
+            </p:cNvSpPr>
+            <p:nvPr/>
+          </p:nvSpPr>
+          <p:spPr>
+            <a:xfrm>
+              <a:off x="1270000" y="1270000"/>
+              <a:ext cx="381000" cy="381000"/>
+            </a:xfrm>
+            <a:prstGeom prst="ellipse">
+              <a:avLst/>
+            </a:prstGeom>
+            <a:solidFill>
+              <a:schemeClr val="bg1">
+                <a:lumMod val="100000"/>
+              </a:schemeClr>
+            </a:solidFill>
+            <a:ln w="381000" cap="flat" cmpd="sng" algn="ctr">
+              <a:solidFill>
+                <a:schemeClr val="accent2">
+                  <a:lumMod val="100000"/>
+                </a:schemeClr>
+              </a:solidFill>
+              <a:prstDash val="solid"/>
+              <a:miter lim="800000"/>
+            </a:ln>
+            <a:effectLst/>
+          </p:spPr>
+          <p:style>
+            <a:lnRef idx="2">
+              <a:schemeClr val="accent1">
+                <a:shade val="50000"/>
+              </a:schemeClr>
+            </a:lnRef>
+            <a:fillRef idx="1">
+              <a:schemeClr val="accent1"/>
+            </a:fillRef>
+            <a:effectRef idx="0">
+              <a:schemeClr val="accent1"/>
+            </a:effectRef>
+            <a:fontRef idx="minor">
+              <a:schemeClr val="lt1"/>
+            </a:fontRef>
+          </p:style>
+          <p:txBody>
+            <a:bodyPr rtlCol="0" anchor="ctr"/>
+            <a:lstStyle/>
+            <a:p>
+              <a:pPr algn="ctr"/>
+              <a:endParaRPr lang="en-US"/>
+            </a:p>
+          </p:txBody>
+        </p:sp>
+        <p:sp>
+          <p:nvSpPr>
+            <p:cNvPr id="5" name="Kreis 5">
+              <a:extLst>
+                <a:ext uri="{FF2B5EF4-FFF2-40B4-BE49-F238E27FC236}">
+                  <a16:creationId xmlns:a16="http://schemas.microsoft.com/office/drawing/2014/main" id="{3149805D-F270-A535-F3AA-CA431D354445}"/>
+                </a:ext>
+              </a:extLst>
+            </p:cNvPr>
+            <p:cNvSpPr>
+              <a:spLocks noChangeAspect="1"/>
+            </p:cNvSpPr>
+            <p:nvPr/>
+          </p:nvSpPr>
+          <p:spPr>
+            <a:xfrm>
+              <a:off x="1270000" y="1270000"/>
+              <a:ext cx="381000" cy="381000"/>
+            </a:xfrm>
+            <a:prstGeom prst="arc">
+              <a:avLst>
+                <a:gd name="adj1" fmla="val 16200000"/>
+                <a:gd name="adj2" fmla="val 1800000"/>
+              </a:avLst>
+            </a:prstGeom>
+            <a:solidFill>
+              <a:srgbClr val="808080"/>
+            </a:solidFill>
+            <a:ln w="381000" cap="flat" cmpd="sng" algn="ctr">
+              <a:solidFill>
+                <a:schemeClr val="accent2">
+                  <a:lumMod val="100000"/>
+                </a:schemeClr>
+              </a:solidFill>
+              <a:prstDash val="solid"/>
+              <a:miter lim="800000"/>
+            </a:ln>
+            <a:effectLst/>
+          </p:spPr>
+          <p:style>
+            <a:lnRef idx="2">
+              <a:schemeClr val="accent1">
+                <a:shade val="50000"/>
+              </a:schemeClr>
+            </a:lnRef>
+            <a:fillRef idx="1">
+              <a:schemeClr val="accent1"/>
+            </a:fillRef>
+            <a:effectRef idx="0">
+              <a:schemeClr val="accent1"/>
+            </a:effectRef>
+            <a:fontRef idx="minor">
+              <a:schemeClr val="lt1"/>
+            </a:fontRef>
+          </p:style>
+          <p:txBody>
+            <a:bodyPr rtlCol="0" anchor="ctr"/>
+            <a:lstStyle/>
+            <a:p>
+              <a:pPr algn="ctr"/>
+              <a:endParaRPr lang="en-US">
+                <a:solidFill>
+                  <a:schemeClr val="tx1"/>
+                </a:solidFill>
+              </a:endParaRPr>
+            </a:p>
+          </p:txBody>
+        </p:sp>
+      </p:grpSp>
+      <p:sp>
+        <p:nvSpPr>
+          <p:cNvPr id="9" name="Pfeil: gebogen 8">
+            <a:extLst>
+              <a:ext uri="{FF2B5EF4-FFF2-40B4-BE49-F238E27FC236}">
+                <a16:creationId xmlns:a16="http://schemas.microsoft.com/office/drawing/2014/main" id="{BB841C98-3A72-F6D5-500B-5D69937C5DE3}"/>
+              </a:ext>
+            </a:extLst>
+          </p:cNvPr>
+          <p:cNvSpPr/>
+          <p:nvPr/>
+        </p:nvSpPr>
+        <p:spPr>
+          <a:xfrm rot="3098115">
+            <a:off x="3864182" y="674679"/>
+            <a:ext cx="2535975" cy="2291476"/>
+          </a:xfrm>
+          <a:prstGeom prst="circularArrow">
+            <a:avLst/>
+          </a:prstGeom>
+          <a:solidFill>
+            <a:schemeClr val="accent1">
+              <a:lumMod val="75000"/>
+            </a:schemeClr>
+          </a:solidFill>
+          <a:ln>
+            <a:noFill/>
+          </a:ln>
+        </p:spPr>
+        <p:style>
+          <a:lnRef idx="2">
+            <a:schemeClr val="accent1">
+              <a:shade val="50000"/>
+            </a:schemeClr>
+          </a:lnRef>
+          <a:fillRef idx="1">
+            <a:schemeClr val="accent1"/>
+          </a:fillRef>
+          <a:effectRef idx="0">
+            <a:schemeClr val="accent1"/>
+          </a:effectRef>
+          <a:fontRef idx="minor">
+            <a:schemeClr val="lt1"/>
+          </a:fontRef>
+        </p:style>
+        <p:txBody>
+          <a:bodyPr rtlCol="0" anchor="ctr"/>
+          <a:lstStyle/>
+          <a:p>
+            <a:pPr algn="ctr"/>
+            <a:endParaRPr lang="en-US"/>
+          </a:p>
+        </p:txBody>
+      </p:sp>
+      <p:sp>
+        <p:nvSpPr>
+          <p:cNvPr id="10" name="Pfeil: gebogen 9">
+            <a:extLst>
+              <a:ext uri="{FF2B5EF4-FFF2-40B4-BE49-F238E27FC236}">
+                <a16:creationId xmlns:a16="http://schemas.microsoft.com/office/drawing/2014/main" id="{10E6A648-447D-9E74-778B-E81A53C513B1}"/>
+              </a:ext>
+            </a:extLst>
+          </p:cNvPr>
+          <p:cNvSpPr/>
+          <p:nvPr/>
+        </p:nvSpPr>
+        <p:spPr>
+          <a:xfrm rot="2987690" flipH="1" flipV="1">
+            <a:off x="744396" y="3969870"/>
+            <a:ext cx="2535975" cy="2291476"/>
+          </a:xfrm>
+          <a:prstGeom prst="circularArrow">
+            <a:avLst/>
+          </a:prstGeom>
+          <a:solidFill>
+            <a:schemeClr val="accent1">
+              <a:lumMod val="75000"/>
+            </a:schemeClr>
+          </a:solidFill>
+          <a:ln>
+            <a:noFill/>
+          </a:ln>
+        </p:spPr>
+        <p:style>
+          <a:lnRef idx="2">
+            <a:schemeClr val="accent1">
+              <a:shade val="50000"/>
+            </a:schemeClr>
+          </a:lnRef>
+          <a:fillRef idx="1">
+            <a:schemeClr val="accent1"/>
+          </a:fillRef>
+          <a:effectRef idx="0">
+            <a:schemeClr val="accent1"/>
+          </a:effectRef>
+          <a:fontRef idx="minor">
+            <a:schemeClr val="lt1"/>
+          </a:fontRef>
+        </p:style>
+        <p:txBody>
+          <a:bodyPr rtlCol="0" anchor="ctr"/>
+          <a:lstStyle/>
+          <a:p>
+            <a:pPr algn="ctr"/>
+            <a:endParaRPr lang="en-US"/>
+          </a:p>
+        </p:txBody>
+      </p:sp>
+    </p:spTree>
+    <p:extLst>
+      <p:ext uri="{BB962C8B-B14F-4D97-AF65-F5344CB8AC3E}">
+        <p14:creationId xmlns:p14="http://schemas.microsoft.com/office/powerpoint/2010/main" val="2581216127"/>
+      </p:ext>
+    </p:extLst>
+  </p:cSld>
+  <p:clrMapOvr>
+    <a:masterClrMapping/>
+  </p:clrMapOvr>
+</p:sld>
+</file>
+
+<file path=ppt/slides/slide83.xml><?xml version="1.0" encoding="utf-8"?>
+<p:sld xmlns:a="http://schemas.openxmlformats.org/drawingml/2006/main" xmlns:r="http://schemas.openxmlformats.org/officeDocument/2006/relationships" xmlns:p="http://schemas.openxmlformats.org/presentationml/2006/main">
+  <p:cSld>
+    <p:spTree>
+      <p:nvGrpSpPr>
+        <p:cNvPr id="1" name=""/>
+        <p:cNvGrpSpPr/>
+        <p:nvPr/>
+      </p:nvGrpSpPr>
+      <p:grpSpPr>
+        <a:xfrm>
+          <a:off x="0" y="0"/>
+          <a:ext cx="0" cy="0"/>
+          <a:chOff x="0" y="0"/>
+          <a:chExt cx="0" cy="0"/>
+        </a:xfrm>
+      </p:grpSpPr>
+      <p:graphicFrame>
+        <p:nvGraphicFramePr>
+          <p:cNvPr id="4" name="Objekt 3" hidden="1"/>
+          <p:cNvGraphicFramePr>
+            <a:graphicFrameLocks noChangeAspect="1"/>
+          </p:cNvGraphicFramePr>
+          <p:nvPr>
+            <p:custDataLst>
+              <p:tags r:id="rId1"/>
+            </p:custDataLst>
+          </p:nvPr>
+        </p:nvGraphicFramePr>
+        <p:xfrm>
+          <a:off x="1588" y="1588"/>
+          <a:ext cx="1588" cy="1588"/>
+        </p:xfrm>
+        <a:graphic>
+          <a:graphicData uri="http://schemas.openxmlformats.org/presentationml/2006/ole">
+            <mc:AlternateContent xmlns:mc="http://schemas.openxmlformats.org/markup-compatibility/2006">
+              <mc:Choice xmlns:v="urn:schemas-microsoft-com:vml" Requires="v">
+                <p:oleObj name="think-cell Folie" r:id="rId5" imgW="631" imgH="631" progId="TCLayout.ActiveDocument.1">
+                  <p:embed/>
+                </p:oleObj>
+              </mc:Choice>
+              <mc:Fallback>
+                <p:oleObj name="think-cell Folie" r:id="rId5" imgW="631" imgH="631" progId="TCLayout.ActiveDocument.1">
+                  <p:embed/>
+                  <p:pic>
+                    <p:nvPicPr>
+                      <p:cNvPr id="4" name="Objekt 3" hidden="1"/>
+                      <p:cNvPicPr/>
+                      <p:nvPr/>
+                    </p:nvPicPr>
+                    <p:blipFill>
+                      <a:blip r:embed="rId6"/>
+                      <a:stretch>
+                        <a:fillRect/>
+                      </a:stretch>
+                    </p:blipFill>
+                    <p:spPr>
+                      <a:xfrm>
+                        <a:off x="1588" y="1588"/>
+                        <a:ext cx="1588" cy="1588"/>
+                      </a:xfrm>
+                      <a:prstGeom prst="rect">
+                        <a:avLst/>
+                      </a:prstGeom>
+                    </p:spPr>
+                  </p:pic>
+                </p:oleObj>
+              </mc:Fallback>
+            </mc:AlternateContent>
+          </a:graphicData>
+        </a:graphic>
+      </p:graphicFrame>
+      <p:grpSp>
+        <p:nvGrpSpPr>
+          <p:cNvPr id="2" name="Gruppieren 1">
+            <a:extLst>
+              <a:ext uri="{FF2B5EF4-FFF2-40B4-BE49-F238E27FC236}">
+                <a16:creationId xmlns:a16="http://schemas.microsoft.com/office/drawing/2014/main" id="{68D1A566-5DE9-B216-AC0D-87473177472C}"/>
+              </a:ext>
+            </a:extLst>
+          </p:cNvPr>
+          <p:cNvGrpSpPr>
+            <a:grpSpLocks noChangeAspect="1"/>
+          </p:cNvGrpSpPr>
+          <p:nvPr>
+            <p:custDataLst>
+              <p:tags r:id="rId2"/>
+            </p:custDataLst>
+          </p:nvPr>
+        </p:nvGrpSpPr>
+        <p:grpSpPr>
+          <a:xfrm>
+            <a:off x="204621" y="211015"/>
+            <a:ext cx="3744000" cy="3744000"/>
+            <a:chOff x="1270000" y="1270000"/>
+            <a:chExt cx="381000" cy="381000"/>
+          </a:xfrm>
+        </p:grpSpPr>
+        <p:sp>
+          <p:nvSpPr>
+            <p:cNvPr id="3" name="Ellipse 2">
+              <a:extLst>
+                <a:ext uri="{FF2B5EF4-FFF2-40B4-BE49-F238E27FC236}">
+                  <a16:creationId xmlns:a16="http://schemas.microsoft.com/office/drawing/2014/main" id="{7AB1DEA4-2841-FBB0-F63E-63F3BCC7E714}"/>
+                </a:ext>
+              </a:extLst>
+            </p:cNvPr>
+            <p:cNvSpPr>
+              <a:spLocks noChangeAspect="1"/>
+            </p:cNvSpPr>
+            <p:nvPr/>
+          </p:nvSpPr>
+          <p:spPr>
+            <a:xfrm>
+              <a:off x="1270000" y="1270000"/>
+              <a:ext cx="381000" cy="381000"/>
+            </a:xfrm>
+            <a:prstGeom prst="ellipse">
+              <a:avLst/>
+            </a:prstGeom>
+            <a:solidFill>
+              <a:schemeClr val="bg1">
+                <a:lumMod val="100000"/>
+              </a:schemeClr>
+            </a:solidFill>
+            <a:ln w="127000" cap="flat" cmpd="sng" algn="ctr">
+              <a:solidFill>
+                <a:srgbClr val="808080"/>
+              </a:solidFill>
+              <a:prstDash val="solid"/>
+              <a:miter lim="800000"/>
+            </a:ln>
+            <a:effectLst/>
+          </p:spPr>
+          <p:style>
+            <a:lnRef idx="2">
+              <a:schemeClr val="accent1">
+                <a:shade val="50000"/>
+              </a:schemeClr>
+            </a:lnRef>
+            <a:fillRef idx="1">
+              <a:schemeClr val="accent1"/>
+            </a:fillRef>
+            <a:effectRef idx="0">
+              <a:schemeClr val="accent1"/>
+            </a:effectRef>
+            <a:fontRef idx="minor">
+              <a:schemeClr val="lt1"/>
+            </a:fontRef>
+          </p:style>
+          <p:txBody>
+            <a:bodyPr rtlCol="0" anchor="ctr"/>
+            <a:lstStyle/>
+            <a:p>
+              <a:pPr algn="ctr"/>
+              <a:endParaRPr lang="en-US"/>
+            </a:p>
+          </p:txBody>
+        </p:sp>
+        <p:sp>
+          <p:nvSpPr>
+            <p:cNvPr id="5" name="Kreis 5">
+              <a:extLst>
+                <a:ext uri="{FF2B5EF4-FFF2-40B4-BE49-F238E27FC236}">
+                  <a16:creationId xmlns:a16="http://schemas.microsoft.com/office/drawing/2014/main" id="{3149805D-F270-A535-F3AA-CA431D354445}"/>
+                </a:ext>
+              </a:extLst>
+            </p:cNvPr>
+            <p:cNvSpPr>
+              <a:spLocks noChangeAspect="1"/>
+            </p:cNvSpPr>
+            <p:nvPr/>
+          </p:nvSpPr>
+          <p:spPr>
+            <a:xfrm>
+              <a:off x="1270000" y="1270000"/>
+              <a:ext cx="381000" cy="381000"/>
+            </a:xfrm>
+            <a:prstGeom prst="arc">
+              <a:avLst>
+                <a:gd name="adj1" fmla="val 16200000"/>
+                <a:gd name="adj2" fmla="val 1800000"/>
+              </a:avLst>
+            </a:prstGeom>
+            <a:solidFill>
+              <a:srgbClr val="808080"/>
+            </a:solidFill>
+            <a:ln w="127000" cap="flat" cmpd="sng" algn="ctr">
+              <a:solidFill>
+                <a:srgbClr val="808080"/>
+              </a:solidFill>
+              <a:prstDash val="solid"/>
+              <a:miter lim="800000"/>
+            </a:ln>
+            <a:effectLst/>
+          </p:spPr>
+          <p:style>
+            <a:lnRef idx="2">
+              <a:schemeClr val="accent1">
+                <a:shade val="50000"/>
+              </a:schemeClr>
+            </a:lnRef>
+            <a:fillRef idx="1">
+              <a:schemeClr val="accent1"/>
+            </a:fillRef>
+            <a:effectRef idx="0">
+              <a:schemeClr val="accent1"/>
+            </a:effectRef>
+            <a:fontRef idx="minor">
+              <a:schemeClr val="lt1"/>
+            </a:fontRef>
+          </p:style>
+          <p:txBody>
+            <a:bodyPr rtlCol="0" anchor="ctr"/>
+            <a:lstStyle/>
+            <a:p>
+              <a:pPr algn="ctr"/>
+              <a:endParaRPr lang="en-US">
+                <a:solidFill>
+                  <a:schemeClr val="tx1"/>
+                </a:solidFill>
+              </a:endParaRPr>
+            </a:p>
+          </p:txBody>
+        </p:sp>
+      </p:grpSp>
+      <p:sp>
+        <p:nvSpPr>
+          <p:cNvPr id="7" name="Pfeil: gebogen 6">
+            <a:extLst>
+              <a:ext uri="{FF2B5EF4-FFF2-40B4-BE49-F238E27FC236}">
+                <a16:creationId xmlns:a16="http://schemas.microsoft.com/office/drawing/2014/main" id="{16E88505-D2E4-09B6-C341-083C29D07D31}"/>
+              </a:ext>
+            </a:extLst>
+          </p:cNvPr>
+          <p:cNvSpPr/>
+          <p:nvPr/>
+        </p:nvSpPr>
+        <p:spPr>
+          <a:xfrm rot="3098115">
+            <a:off x="3864182" y="674679"/>
+            <a:ext cx="2535975" cy="2291476"/>
+          </a:xfrm>
+          <a:prstGeom prst="circularArrow">
+            <a:avLst/>
+          </a:prstGeom>
+          <a:solidFill>
+            <a:schemeClr val="accent1">
+              <a:lumMod val="75000"/>
+            </a:schemeClr>
+          </a:solidFill>
+          <a:ln>
+            <a:noFill/>
+          </a:ln>
+        </p:spPr>
+        <p:style>
+          <a:lnRef idx="2">
+            <a:schemeClr val="accent1">
+              <a:shade val="50000"/>
+            </a:schemeClr>
+          </a:lnRef>
+          <a:fillRef idx="1">
+            <a:schemeClr val="accent1"/>
+          </a:fillRef>
+          <a:effectRef idx="0">
+            <a:schemeClr val="accent1"/>
+          </a:effectRef>
+          <a:fontRef idx="minor">
+            <a:schemeClr val="lt1"/>
+          </a:fontRef>
+        </p:style>
+        <p:txBody>
+          <a:bodyPr rtlCol="0" anchor="ctr"/>
+          <a:lstStyle/>
+          <a:p>
+            <a:pPr algn="ctr"/>
+            <a:endParaRPr lang="en-US"/>
+          </a:p>
+        </p:txBody>
+      </p:sp>
+      <p:sp>
+        <p:nvSpPr>
+          <p:cNvPr id="8" name="Pfeil: gebogen 7">
+            <a:extLst>
+              <a:ext uri="{FF2B5EF4-FFF2-40B4-BE49-F238E27FC236}">
+                <a16:creationId xmlns:a16="http://schemas.microsoft.com/office/drawing/2014/main" id="{BD7A6D71-10E1-A0F2-4A22-B7CA3D152ABD}"/>
+              </a:ext>
+            </a:extLst>
+          </p:cNvPr>
+          <p:cNvSpPr/>
+          <p:nvPr/>
+        </p:nvSpPr>
+        <p:spPr>
+          <a:xfrm rot="2987690" flipH="1" flipV="1">
+            <a:off x="744396" y="3969870"/>
+            <a:ext cx="2535975" cy="2291476"/>
+          </a:xfrm>
+          <a:prstGeom prst="circularArrow">
+            <a:avLst/>
+          </a:prstGeom>
+          <a:solidFill>
+            <a:schemeClr val="accent1">
+              <a:lumMod val="75000"/>
+            </a:schemeClr>
+          </a:solidFill>
+          <a:ln>
+            <a:noFill/>
+          </a:ln>
+        </p:spPr>
+        <p:style>
+          <a:lnRef idx="2">
+            <a:schemeClr val="accent1">
+              <a:shade val="50000"/>
+            </a:schemeClr>
+          </a:lnRef>
+          <a:fillRef idx="1">
+            <a:schemeClr val="accent1"/>
+          </a:fillRef>
+          <a:effectRef idx="0">
+            <a:schemeClr val="accent1"/>
+          </a:effectRef>
+          <a:fontRef idx="minor">
+            <a:schemeClr val="lt1"/>
+          </a:fontRef>
+        </p:style>
+        <p:txBody>
+          <a:bodyPr rtlCol="0" anchor="ctr"/>
+          <a:lstStyle/>
+          <a:p>
+            <a:pPr algn="ctr"/>
+            <a:endParaRPr lang="en-US"/>
+          </a:p>
+        </p:txBody>
+      </p:sp>
+      <p:grpSp>
+        <p:nvGrpSpPr>
+          <p:cNvPr id="6" name="Gruppieren 5">
+            <a:extLst>
+              <a:ext uri="{FF2B5EF4-FFF2-40B4-BE49-F238E27FC236}">
+                <a16:creationId xmlns:a16="http://schemas.microsoft.com/office/drawing/2014/main" id="{FB853C6C-750F-E596-A172-366FAFD867F2}"/>
+              </a:ext>
+            </a:extLst>
+          </p:cNvPr>
+          <p:cNvGrpSpPr>
+            <a:grpSpLocks noChangeAspect="1"/>
+          </p:cNvGrpSpPr>
+          <p:nvPr>
+            <p:custDataLst>
+              <p:tags r:id="rId3"/>
+            </p:custDataLst>
+          </p:nvPr>
+        </p:nvGrpSpPr>
+        <p:grpSpPr>
+          <a:xfrm flipH="1">
+            <a:off x="3148351" y="3190808"/>
+            <a:ext cx="3744000" cy="3744000"/>
+            <a:chOff x="1270000" y="1270000"/>
+            <a:chExt cx="381000" cy="381000"/>
+          </a:xfrm>
+        </p:grpSpPr>
+        <p:sp>
+          <p:nvSpPr>
+            <p:cNvPr id="9" name="Ellipse 8">
+              <a:extLst>
+                <a:ext uri="{FF2B5EF4-FFF2-40B4-BE49-F238E27FC236}">
+                  <a16:creationId xmlns:a16="http://schemas.microsoft.com/office/drawing/2014/main" id="{7E65B0E1-354E-B34A-F9F1-85DE1037EFB6}"/>
+                </a:ext>
+              </a:extLst>
+            </p:cNvPr>
+            <p:cNvSpPr>
+              <a:spLocks noChangeAspect="1"/>
+            </p:cNvSpPr>
+            <p:nvPr/>
+          </p:nvSpPr>
+          <p:spPr>
+            <a:xfrm>
+              <a:off x="1270000" y="1270000"/>
+              <a:ext cx="381000" cy="381000"/>
+            </a:xfrm>
+            <a:prstGeom prst="ellipse">
+              <a:avLst/>
+            </a:prstGeom>
+            <a:solidFill>
+              <a:schemeClr val="bg1">
+                <a:lumMod val="100000"/>
+              </a:schemeClr>
+            </a:solidFill>
+            <a:ln w="127000" cap="flat" cmpd="sng" algn="ctr">
+              <a:solidFill>
+                <a:srgbClr val="808080"/>
+              </a:solidFill>
+              <a:prstDash val="solid"/>
+              <a:miter lim="800000"/>
+            </a:ln>
+            <a:effectLst/>
+          </p:spPr>
+          <p:style>
+            <a:lnRef idx="2">
+              <a:schemeClr val="accent1">
+                <a:shade val="50000"/>
+              </a:schemeClr>
+            </a:lnRef>
+            <a:fillRef idx="1">
+              <a:schemeClr val="accent1"/>
+            </a:fillRef>
+            <a:effectRef idx="0">
+              <a:schemeClr val="accent1"/>
+            </a:effectRef>
+            <a:fontRef idx="minor">
+              <a:schemeClr val="lt1"/>
+            </a:fontRef>
+          </p:style>
+          <p:txBody>
+            <a:bodyPr rtlCol="0" anchor="ctr"/>
+            <a:lstStyle/>
+            <a:p>
+              <a:pPr algn="ctr"/>
+              <a:endParaRPr lang="en-US"/>
+            </a:p>
+          </p:txBody>
+        </p:sp>
+        <p:sp>
+          <p:nvSpPr>
+            <p:cNvPr id="10" name="Kreis 5">
+              <a:extLst>
+                <a:ext uri="{FF2B5EF4-FFF2-40B4-BE49-F238E27FC236}">
+                  <a16:creationId xmlns:a16="http://schemas.microsoft.com/office/drawing/2014/main" id="{B7645F7D-AF4E-8318-92B5-878C561B9F34}"/>
+                </a:ext>
+              </a:extLst>
+            </p:cNvPr>
+            <p:cNvSpPr>
+              <a:spLocks noChangeAspect="1"/>
+            </p:cNvSpPr>
+            <p:nvPr/>
+          </p:nvSpPr>
+          <p:spPr>
+            <a:xfrm>
+              <a:off x="1270000" y="1270000"/>
+              <a:ext cx="381000" cy="381000"/>
+            </a:xfrm>
+            <a:prstGeom prst="arc">
+              <a:avLst>
+                <a:gd name="adj1" fmla="val 16200000"/>
+                <a:gd name="adj2" fmla="val 1800000"/>
+              </a:avLst>
+            </a:prstGeom>
+            <a:solidFill>
+              <a:srgbClr val="808080"/>
+            </a:solidFill>
+            <a:ln w="127000" cap="flat" cmpd="sng" algn="ctr">
+              <a:solidFill>
+                <a:srgbClr val="808080"/>
+              </a:solidFill>
+              <a:prstDash val="solid"/>
+              <a:miter lim="800000"/>
+            </a:ln>
+            <a:effectLst/>
+          </p:spPr>
+          <p:style>
+            <a:lnRef idx="2">
+              <a:schemeClr val="accent1">
+                <a:shade val="50000"/>
+              </a:schemeClr>
+            </a:lnRef>
+            <a:fillRef idx="1">
+              <a:schemeClr val="accent1"/>
+            </a:fillRef>
+            <a:effectRef idx="0">
+              <a:schemeClr val="accent1"/>
+            </a:effectRef>
+            <a:fontRef idx="minor">
+              <a:schemeClr val="lt1"/>
+            </a:fontRef>
+          </p:style>
+          <p:txBody>
+            <a:bodyPr rtlCol="0" anchor="ctr"/>
+            <a:lstStyle/>
+            <a:p>
+              <a:pPr algn="ctr"/>
+              <a:endParaRPr lang="en-US">
+                <a:solidFill>
+                  <a:schemeClr val="tx1"/>
+                </a:solidFill>
+              </a:endParaRPr>
+            </a:p>
+          </p:txBody>
+        </p:sp>
+      </p:grpSp>
+    </p:spTree>
+    <p:extLst>
+      <p:ext uri="{BB962C8B-B14F-4D97-AF65-F5344CB8AC3E}">
+        <p14:creationId xmlns:p14="http://schemas.microsoft.com/office/powerpoint/2010/main" val="2293290828"/>
+      </p:ext>
+    </p:extLst>
+  </p:cSld>
+  <p:clrMapOvr>
+    <a:masterClrMapping/>
+  </p:clrMapOvr>
+</p:sld>
+</file>
+
+<file path=ppt/slides/slide84.xml><?xml version="1.0" encoding="utf-8"?>
+<p:sld xmlns:a="http://schemas.openxmlformats.org/drawingml/2006/main" xmlns:r="http://schemas.openxmlformats.org/officeDocument/2006/relationships" xmlns:p="http://schemas.openxmlformats.org/presentationml/2006/main">
+  <p:cSld>
+    <p:spTree>
+      <p:nvGrpSpPr>
+        <p:cNvPr id="1" name=""/>
+        <p:cNvGrpSpPr/>
+        <p:nvPr/>
+      </p:nvGrpSpPr>
+      <p:grpSpPr>
+        <a:xfrm>
+          <a:off x="0" y="0"/>
+          <a:ext cx="0" cy="0"/>
+          <a:chOff x="0" y="0"/>
+          <a:chExt cx="0" cy="0"/>
+        </a:xfrm>
+      </p:grpSpPr>
+      <p:graphicFrame>
+        <p:nvGraphicFramePr>
+          <p:cNvPr id="4" name="Objekt 3" hidden="1"/>
+          <p:cNvGraphicFramePr>
+            <a:graphicFrameLocks noChangeAspect="1"/>
+          </p:cNvGraphicFramePr>
+          <p:nvPr>
+            <p:custDataLst>
+              <p:tags r:id="rId1"/>
+            </p:custDataLst>
+          </p:nvPr>
+        </p:nvGraphicFramePr>
+        <p:xfrm>
+          <a:off x="1588" y="1588"/>
+          <a:ext cx="1588" cy="1588"/>
+        </p:xfrm>
+        <a:graphic>
+          <a:graphicData uri="http://schemas.openxmlformats.org/presentationml/2006/ole">
+            <mc:AlternateContent xmlns:mc="http://schemas.openxmlformats.org/markup-compatibility/2006">
+              <mc:Choice xmlns:v="urn:schemas-microsoft-com:vml" Requires="v">
+                <p:oleObj name="think-cell Folie" r:id="rId4" imgW="631" imgH="631" progId="TCLayout.ActiveDocument.1">
+                  <p:embed/>
+                </p:oleObj>
+              </mc:Choice>
+              <mc:Fallback>
+                <p:oleObj name="think-cell Folie" r:id="rId4" imgW="631" imgH="631" progId="TCLayout.ActiveDocument.1">
+                  <p:embed/>
+                  <p:pic>
+                    <p:nvPicPr>
+                      <p:cNvPr id="4" name="Objekt 3" hidden="1"/>
+                      <p:cNvPicPr/>
+                      <p:nvPr/>
+                    </p:nvPicPr>
+                    <p:blipFill>
+                      <a:blip r:embed="rId5"/>
+                      <a:stretch>
+                        <a:fillRect/>
+                      </a:stretch>
+                    </p:blipFill>
+                    <p:spPr>
+                      <a:xfrm>
+                        <a:off x="1588" y="1588"/>
+                        <a:ext cx="1588" cy="1588"/>
+                      </a:xfrm>
+                      <a:prstGeom prst="rect">
+                        <a:avLst/>
+                      </a:prstGeom>
+                    </p:spPr>
+                  </p:pic>
+                </p:oleObj>
+              </mc:Fallback>
+            </mc:AlternateContent>
+          </a:graphicData>
+        </a:graphic>
+      </p:graphicFrame>
+      <p:grpSp>
+        <p:nvGrpSpPr>
+          <p:cNvPr id="7" name="Gruppieren 6"/>
+          <p:cNvGrpSpPr>
+            <a:grpSpLocks noChangeAspect="1"/>
+          </p:cNvGrpSpPr>
+          <p:nvPr>
+            <p:custDataLst>
+              <p:tags r:id="rId2"/>
+            </p:custDataLst>
+          </p:nvPr>
+        </p:nvGrpSpPr>
+        <p:grpSpPr>
+          <a:xfrm>
+            <a:off x="251657" y="251657"/>
+            <a:ext cx="6696000" cy="6696000"/>
             <a:chOff x="1270000" y="1270000"/>
             <a:chExt cx="381000" cy="381000"/>
           </a:xfrm>
@@ -37549,10 +40844,11 @@
             <a:solidFill>
               <a:schemeClr val="bg1"/>
             </a:solidFill>
-            <a:ln w="127000">
+            <a:ln w="381000">
               <a:solidFill>
-                <a:schemeClr val="tx1"/>
+                <a:srgbClr val="808080"/>
               </a:solidFill>
+              <a:prstDash val="solid"/>
             </a:ln>
           </p:spPr>
           <p:style>
@@ -37593,16 +40889,16 @@
               <a:off x="1308100" y="1308100"/>
               <a:ext cx="304800" cy="304800"/>
             </a:xfrm>
-            <a:prstGeom prst="pie">
+            <a:prstGeom prst="arc">
               <a:avLst>
                 <a:gd name="adj1" fmla="val 16200000"/>
                 <a:gd name="adj2" fmla="val 9000000"/>
               </a:avLst>
             </a:prstGeom>
             <a:solidFill>
-              <a:schemeClr val="tx1"/>
+              <a:srgbClr val="808080"/>
             </a:solidFill>
-            <a:ln w="127000" cap="flat" cmpd="sng" algn="ctr">
+            <a:ln w="381000" cap="flat" cmpd="sng" algn="ctr">
               <a:noFill/>
               <a:prstDash val="solid"/>
               <a:miter lim="800000"/>
@@ -37610,9 +40906,9 @@
             <a:effectLst/>
             <a:extLst>
               <a:ext uri="{91240B29-F687-4F45-9708-019B960494DF}">
-                <a14:hiddenLine xmlns:a14="http://schemas.microsoft.com/office/drawing/2010/main" w="127000" cap="flat" cmpd="sng" algn="ctr">
+                <a14:hiddenLine xmlns:a14="http://schemas.microsoft.com/office/drawing/2010/main" w="381000" cap="flat" cmpd="sng" algn="ctr">
                   <a:solidFill>
-                    <a:schemeClr val="tx1"/>
+                    <a:srgbClr val="808080"/>
                   </a:solidFill>
                   <a:prstDash val="solid"/>
                   <a:miter lim="800000"/>
@@ -37663,7 +40959,224 @@
 </p:sld>
 </file>
 
-<file path=ppt/slides/slide78.xml><?xml version="1.0" encoding="utf-8"?>
+<file path=ppt/slides/slide85.xml><?xml version="1.0" encoding="utf-8"?>
+<p:sld xmlns:a="http://schemas.openxmlformats.org/drawingml/2006/main" xmlns:r="http://schemas.openxmlformats.org/officeDocument/2006/relationships" xmlns:p="http://schemas.openxmlformats.org/presentationml/2006/main">
+  <p:cSld>
+    <p:spTree>
+      <p:nvGrpSpPr>
+        <p:cNvPr id="1" name=""/>
+        <p:cNvGrpSpPr/>
+        <p:nvPr/>
+      </p:nvGrpSpPr>
+      <p:grpSpPr>
+        <a:xfrm>
+          <a:off x="0" y="0"/>
+          <a:ext cx="0" cy="0"/>
+          <a:chOff x="0" y="0"/>
+          <a:chExt cx="0" cy="0"/>
+        </a:xfrm>
+      </p:grpSpPr>
+      <p:graphicFrame>
+        <p:nvGraphicFramePr>
+          <p:cNvPr id="4" name="Objekt 3" hidden="1"/>
+          <p:cNvGraphicFramePr>
+            <a:graphicFrameLocks noChangeAspect="1"/>
+          </p:cNvGraphicFramePr>
+          <p:nvPr>
+            <p:custDataLst>
+              <p:tags r:id="rId1"/>
+            </p:custDataLst>
+          </p:nvPr>
+        </p:nvGraphicFramePr>
+        <p:xfrm>
+          <a:off x="1588" y="1588"/>
+          <a:ext cx="1588" cy="1588"/>
+        </p:xfrm>
+        <a:graphic>
+          <a:graphicData uri="http://schemas.openxmlformats.org/presentationml/2006/ole">
+            <mc:AlternateContent xmlns:mc="http://schemas.openxmlformats.org/markup-compatibility/2006">
+              <mc:Choice xmlns:v="urn:schemas-microsoft-com:vml" Requires="v">
+                <p:oleObj name="think-cell Folie" r:id="rId4" imgW="631" imgH="631" progId="TCLayout.ActiveDocument.1">
+                  <p:embed/>
+                </p:oleObj>
+              </mc:Choice>
+              <mc:Fallback>
+                <p:oleObj name="think-cell Folie" r:id="rId4" imgW="631" imgH="631" progId="TCLayout.ActiveDocument.1">
+                  <p:embed/>
+                  <p:pic>
+                    <p:nvPicPr>
+                      <p:cNvPr id="4" name="Objekt 3" hidden="1"/>
+                      <p:cNvPicPr/>
+                      <p:nvPr/>
+                    </p:nvPicPr>
+                    <p:blipFill>
+                      <a:blip r:embed="rId5"/>
+                      <a:stretch>
+                        <a:fillRect/>
+                      </a:stretch>
+                    </p:blipFill>
+                    <p:spPr>
+                      <a:xfrm>
+                        <a:off x="1588" y="1588"/>
+                        <a:ext cx="1588" cy="1588"/>
+                      </a:xfrm>
+                      <a:prstGeom prst="rect">
+                        <a:avLst/>
+                      </a:prstGeom>
+                    </p:spPr>
+                  </p:pic>
+                </p:oleObj>
+              </mc:Fallback>
+            </mc:AlternateContent>
+          </a:graphicData>
+        </a:graphic>
+      </p:graphicFrame>
+      <p:grpSp>
+        <p:nvGrpSpPr>
+          <p:cNvPr id="7" name="Gruppieren 6"/>
+          <p:cNvGrpSpPr>
+            <a:grpSpLocks noChangeAspect="1"/>
+          </p:cNvGrpSpPr>
+          <p:nvPr>
+            <p:custDataLst>
+              <p:tags r:id="rId2"/>
+            </p:custDataLst>
+          </p:nvPr>
+        </p:nvGrpSpPr>
+        <p:grpSpPr>
+          <a:xfrm>
+            <a:off x="395660" y="395660"/>
+            <a:ext cx="6408001" cy="6408001"/>
+            <a:chOff x="1250950" y="1250950"/>
+            <a:chExt cx="419100" cy="419100"/>
+          </a:xfrm>
+        </p:grpSpPr>
+        <p:sp>
+          <p:nvSpPr>
+            <p:cNvPr id="5" name="Ellipse 4"/>
+            <p:cNvSpPr>
+              <a:spLocks noChangeAspect="1"/>
+            </p:cNvSpPr>
+            <p:nvPr/>
+          </p:nvSpPr>
+          <p:spPr>
+            <a:xfrm>
+              <a:off x="1270000" y="1270000"/>
+              <a:ext cx="381000" cy="381000"/>
+            </a:xfrm>
+            <a:prstGeom prst="ellipse">
+              <a:avLst/>
+            </a:prstGeom>
+            <a:solidFill>
+              <a:schemeClr val="bg1"/>
+            </a:solidFill>
+            <a:ln w="381000">
+              <a:solidFill>
+                <a:srgbClr val="808080"/>
+              </a:solidFill>
+              <a:prstDash val="sysDash"/>
+            </a:ln>
+          </p:spPr>
+          <p:style>
+            <a:lnRef idx="2">
+              <a:schemeClr val="accent1">
+                <a:shade val="50000"/>
+              </a:schemeClr>
+            </a:lnRef>
+            <a:fillRef idx="1">
+              <a:schemeClr val="accent1"/>
+            </a:fillRef>
+            <a:effectRef idx="0">
+              <a:schemeClr val="accent1"/>
+            </a:effectRef>
+            <a:fontRef idx="minor">
+              <a:schemeClr val="lt1"/>
+            </a:fontRef>
+          </p:style>
+          <p:txBody>
+            <a:bodyPr rtlCol="0" anchor="ctr"/>
+            <a:lstStyle/>
+            <a:p>
+              <a:pPr algn="ctr"/>
+              <a:endParaRPr lang="en-US"/>
+            </a:p>
+          </p:txBody>
+        </p:sp>
+        <p:sp>
+          <p:nvSpPr>
+            <p:cNvPr id="6" name="Kreis 5"/>
+            <p:cNvSpPr>
+              <a:spLocks noChangeAspect="1"/>
+            </p:cNvSpPr>
+            <p:nvPr/>
+          </p:nvSpPr>
+          <p:spPr>
+            <a:xfrm>
+              <a:off x="1250950" y="1250950"/>
+              <a:ext cx="419100" cy="419100"/>
+            </a:xfrm>
+            <a:prstGeom prst="arc">
+              <a:avLst>
+                <a:gd name="adj1" fmla="val 16200000"/>
+                <a:gd name="adj2" fmla="val 9000000"/>
+              </a:avLst>
+            </a:prstGeom>
+            <a:solidFill>
+              <a:srgbClr val="808080"/>
+            </a:solidFill>
+            <a:ln w="381000" cap="flat" cmpd="sng" algn="ctr">
+              <a:solidFill>
+                <a:srgbClr val="808080"/>
+              </a:solidFill>
+              <a:prstDash val="solid"/>
+              <a:miter lim="800000"/>
+            </a:ln>
+            <a:effectLst/>
+          </p:spPr>
+          <p:style>
+            <a:lnRef idx="2">
+              <a:schemeClr val="accent1">
+                <a:shade val="50000"/>
+              </a:schemeClr>
+            </a:lnRef>
+            <a:fillRef idx="1">
+              <a:schemeClr val="accent1"/>
+            </a:fillRef>
+            <a:effectRef idx="0">
+              <a:schemeClr val="accent1"/>
+            </a:effectRef>
+            <a:fontRef idx="minor">
+              <a:schemeClr val="lt1"/>
+            </a:fontRef>
+          </p:style>
+          <p:txBody>
+            <a:bodyPr rtlCol="0" anchor="ctr"/>
+            <a:lstStyle/>
+            <a:p>
+              <a:pPr algn="ctr"/>
+              <a:endParaRPr lang="en-US">
+                <a:solidFill>
+                  <a:schemeClr val="tx1"/>
+                </a:solidFill>
+              </a:endParaRPr>
+            </a:p>
+          </p:txBody>
+        </p:sp>
+      </p:grpSp>
+    </p:spTree>
+    <p:extLst>
+      <p:ext uri="{BB962C8B-B14F-4D97-AF65-F5344CB8AC3E}">
+        <p14:creationId xmlns:p14="http://schemas.microsoft.com/office/powerpoint/2010/main" val="3364276292"/>
+      </p:ext>
+    </p:extLst>
+  </p:cSld>
+  <p:clrMapOvr>
+    <a:masterClrMapping/>
+  </p:clrMapOvr>
+</p:sld>
+</file>
+
+<file path=ppt/slides/slide86.xml><?xml version="1.0" encoding="utf-8"?>
 <p:sld xmlns:a="http://schemas.openxmlformats.org/drawingml/2006/main" xmlns:r="http://schemas.openxmlformats.org/officeDocument/2006/relationships" xmlns:p="http://schemas.openxmlformats.org/presentationml/2006/main">
   <p:cSld>
     <p:spTree>
@@ -37688,7 +41201,7 @@
           </p:cNvGraphicFramePr>
           <p:nvPr>
             <p:custDataLst>
-              <p:tags r:id="rId2"/>
+              <p:tags r:id="rId1"/>
             </p:custDataLst>
             <p:extLst>
               <p:ext uri="{D42A27DB-BD31-4B8C-83A1-F6EECF244321}">
@@ -37705,12 +41218,12 @@
           <a:graphicData uri="http://schemas.openxmlformats.org/presentationml/2006/ole">
             <mc:AlternateContent xmlns:mc="http://schemas.openxmlformats.org/markup-compatibility/2006">
               <mc:Choice xmlns:v="urn:schemas-microsoft-com:vml" Requires="v">
-                <p:oleObj spid="_x0000_s39959" name="think-cell Folie" r:id="rId5" imgW="631" imgH="631" progId="TCLayout.ActiveDocument.1">
+                <p:oleObj name="think-cell Folie" r:id="rId4" imgW="631" imgH="631" progId="TCLayout.ActiveDocument.1">
                   <p:embed/>
                 </p:oleObj>
               </mc:Choice>
               <mc:Fallback>
-                <p:oleObj name="think-cell Folie" r:id="rId5" imgW="631" imgH="631" progId="TCLayout.ActiveDocument.1">
+                <p:oleObj name="think-cell Folie" r:id="rId4" imgW="631" imgH="631" progId="TCLayout.ActiveDocument.1">
                   <p:embed/>
                   <p:pic>
                     <p:nvPicPr>
@@ -37719,7 +41232,7 @@
                       <p:nvPr/>
                     </p:nvPicPr>
                     <p:blipFill>
-                      <a:blip r:embed="rId6"/>
+                      <a:blip r:embed="rId5"/>
                       <a:stretch>
                         <a:fillRect/>
                       </a:stretch>
@@ -37748,7 +41261,7 @@
           </p:cNvGrpSpPr>
           <p:nvPr>
             <p:custDataLst>
-              <p:tags r:id="rId3"/>
+              <p:tags r:id="rId2"/>
             </p:custDataLst>
           </p:nvPr>
         </p:nvGrpSpPr>
@@ -37966,7 +41479,7 @@
 </p:sld>
 </file>
 
-<file path=ppt/slides/slide79.xml><?xml version="1.0" encoding="utf-8"?>
+<file path=ppt/slides/slide87.xml><?xml version="1.0" encoding="utf-8"?>
 <p:sld xmlns:a="http://schemas.openxmlformats.org/drawingml/2006/main" xmlns:r="http://schemas.openxmlformats.org/officeDocument/2006/relationships" xmlns:p="http://schemas.openxmlformats.org/presentationml/2006/main">
   <p:cSld>
     <p:spTree>
@@ -37991,7 +41504,7 @@
           </p:cNvGraphicFramePr>
           <p:nvPr>
             <p:custDataLst>
-              <p:tags r:id="rId2"/>
+              <p:tags r:id="rId1"/>
             </p:custDataLst>
             <p:extLst>
               <p:ext uri="{D42A27DB-BD31-4B8C-83A1-F6EECF244321}">
@@ -38008,12 +41521,12 @@
           <a:graphicData uri="http://schemas.openxmlformats.org/presentationml/2006/ole">
             <mc:AlternateContent xmlns:mc="http://schemas.openxmlformats.org/markup-compatibility/2006">
               <mc:Choice xmlns:v="urn:schemas-microsoft-com:vml" Requires="v">
-                <p:oleObj spid="_x0000_s40983" name="think-cell Folie" r:id="rId5" imgW="631" imgH="631" progId="TCLayout.ActiveDocument.1">
+                <p:oleObj name="think-cell Folie" r:id="rId4" imgW="631" imgH="631" progId="TCLayout.ActiveDocument.1">
                   <p:embed/>
                 </p:oleObj>
               </mc:Choice>
               <mc:Fallback>
-                <p:oleObj name="think-cell Folie" r:id="rId5" imgW="631" imgH="631" progId="TCLayout.ActiveDocument.1">
+                <p:oleObj name="think-cell Folie" r:id="rId4" imgW="631" imgH="631" progId="TCLayout.ActiveDocument.1">
                   <p:embed/>
                   <p:pic>
                     <p:nvPicPr>
@@ -38022,7 +41535,7 @@
                       <p:nvPr/>
                     </p:nvPicPr>
                     <p:blipFill>
-                      <a:blip r:embed="rId6"/>
+                      <a:blip r:embed="rId5"/>
                       <a:stretch>
                         <a:fillRect/>
                       </a:stretch>
@@ -38051,7 +41564,7 @@
           </p:cNvGrpSpPr>
           <p:nvPr>
             <p:custDataLst>
-              <p:tags r:id="rId3"/>
+              <p:tags r:id="rId2"/>
             </p:custDataLst>
           </p:nvPr>
         </p:nvGrpSpPr>
@@ -38269,7 +41782,453 @@
 </p:sld>
 </file>
 
-<file path=ppt/slides/slide8.xml><?xml version="1.0" encoding="utf-8"?>
+<file path=ppt/slides/slide88.xml><?xml version="1.0" encoding="utf-8"?>
+<p:sld xmlns:a="http://schemas.openxmlformats.org/drawingml/2006/main" xmlns:r="http://schemas.openxmlformats.org/officeDocument/2006/relationships" xmlns:p="http://schemas.openxmlformats.org/presentationml/2006/main">
+  <p:cSld>
+    <p:spTree>
+      <p:nvGrpSpPr>
+        <p:cNvPr id="1" name=""/>
+        <p:cNvGrpSpPr/>
+        <p:nvPr/>
+      </p:nvGrpSpPr>
+      <p:grpSpPr>
+        <a:xfrm>
+          <a:off x="0" y="0"/>
+          <a:ext cx="0" cy="0"/>
+          <a:chOff x="0" y="0"/>
+          <a:chExt cx="0" cy="0"/>
+        </a:xfrm>
+      </p:grpSpPr>
+      <p:graphicFrame>
+        <p:nvGraphicFramePr>
+          <p:cNvPr id="5" name="Objekt 4" hidden="1"/>
+          <p:cNvGraphicFramePr>
+            <a:graphicFrameLocks noChangeAspect="1"/>
+          </p:cNvGraphicFramePr>
+          <p:nvPr>
+            <p:custDataLst>
+              <p:tags r:id="rId1"/>
+            </p:custDataLst>
+            <p:extLst>
+              <p:ext uri="{D42A27DB-BD31-4B8C-83A1-F6EECF244321}">
+                <p14:modId xmlns:p14="http://schemas.microsoft.com/office/powerpoint/2010/main" val="4033563140"/>
+              </p:ext>
+            </p:extLst>
+          </p:nvPr>
+        </p:nvGraphicFramePr>
+        <p:xfrm>
+          <a:off x="1588" y="1588"/>
+          <a:ext cx="1588" cy="1588"/>
+        </p:xfrm>
+        <a:graphic>
+          <a:graphicData uri="http://schemas.openxmlformats.org/presentationml/2006/ole">
+            <mc:AlternateContent xmlns:mc="http://schemas.openxmlformats.org/markup-compatibility/2006">
+              <mc:Choice xmlns:v="urn:schemas-microsoft-com:vml" Requires="v">
+                <p:oleObj name="think-cell Folie" r:id="rId4" imgW="631" imgH="631" progId="TCLayout.ActiveDocument.1">
+                  <p:embed/>
+                </p:oleObj>
+              </mc:Choice>
+              <mc:Fallback>
+                <p:oleObj name="think-cell Folie" r:id="rId4" imgW="631" imgH="631" progId="TCLayout.ActiveDocument.1">
+                  <p:embed/>
+                  <p:pic>
+                    <p:nvPicPr>
+                      <p:cNvPr id="0" name=""/>
+                      <p:cNvPicPr/>
+                      <p:nvPr/>
+                    </p:nvPicPr>
+                    <p:blipFill>
+                      <a:blip r:embed="rId5"/>
+                      <a:stretch>
+                        <a:fillRect/>
+                      </a:stretch>
+                    </p:blipFill>
+                    <p:spPr>
+                      <a:xfrm>
+                        <a:off x="1588" y="1588"/>
+                        <a:ext cx="1588" cy="1588"/>
+                      </a:xfrm>
+                      <a:prstGeom prst="rect">
+                        <a:avLst/>
+                      </a:prstGeom>
+                    </p:spPr>
+                  </p:pic>
+                </p:oleObj>
+              </mc:Fallback>
+            </mc:AlternateContent>
+          </a:graphicData>
+        </a:graphic>
+      </p:graphicFrame>
+      <p:sp>
+        <p:nvSpPr>
+          <p:cNvPr id="4" name="Ellipse 3"/>
+          <p:cNvSpPr>
+            <a:spLocks noChangeAspect="1"/>
+          </p:cNvSpPr>
+          <p:nvPr>
+            <p:custDataLst>
+              <p:tags r:id="rId2"/>
+            </p:custDataLst>
+          </p:nvPr>
+        </p:nvSpPr>
+        <p:spPr>
+          <a:xfrm>
+            <a:off x="2310131" y="2310131"/>
+            <a:ext cx="2579050" cy="2579050"/>
+          </a:xfrm>
+          <a:prstGeom prst="ellipse">
+            <a:avLst/>
+          </a:prstGeom>
+          <a:solidFill>
+            <a:srgbClr val="FF0000"/>
+          </a:solidFill>
+          <a:ln w="76200">
+            <a:solidFill>
+              <a:srgbClr val="000000"/>
+            </a:solidFill>
+          </a:ln>
+        </p:spPr>
+        <p:style>
+          <a:lnRef idx="2">
+            <a:schemeClr val="accent1">
+              <a:shade val="50000"/>
+            </a:schemeClr>
+          </a:lnRef>
+          <a:fillRef idx="1">
+            <a:schemeClr val="accent1"/>
+          </a:fillRef>
+          <a:effectRef idx="0">
+            <a:schemeClr val="accent1"/>
+          </a:effectRef>
+          <a:fontRef idx="minor">
+            <a:schemeClr val="lt1"/>
+          </a:fontRef>
+        </p:style>
+        <p:txBody>
+          <a:bodyPr rtlCol="0" anchor="ctr"/>
+          <a:lstStyle/>
+          <a:p>
+            <a:pPr algn="ctr"/>
+            <a:endParaRPr lang="en-US"/>
+          </a:p>
+        </p:txBody>
+      </p:sp>
+    </p:spTree>
+    <p:extLst>
+      <p:ext uri="{BB962C8B-B14F-4D97-AF65-F5344CB8AC3E}">
+        <p14:creationId xmlns:p14="http://schemas.microsoft.com/office/powerpoint/2010/main" val="2407890922"/>
+      </p:ext>
+    </p:extLst>
+  </p:cSld>
+  <p:clrMapOvr>
+    <a:masterClrMapping/>
+  </p:clrMapOvr>
+</p:sld>
+</file>
+
+<file path=ppt/slides/slide89.xml><?xml version="1.0" encoding="utf-8"?>
+<p:sld xmlns:a="http://schemas.openxmlformats.org/drawingml/2006/main" xmlns:r="http://schemas.openxmlformats.org/officeDocument/2006/relationships" xmlns:p="http://schemas.openxmlformats.org/presentationml/2006/main">
+  <p:cSld>
+    <p:spTree>
+      <p:nvGrpSpPr>
+        <p:cNvPr id="1" name=""/>
+        <p:cNvGrpSpPr/>
+        <p:nvPr/>
+      </p:nvGrpSpPr>
+      <p:grpSpPr>
+        <a:xfrm>
+          <a:off x="0" y="0"/>
+          <a:ext cx="0" cy="0"/>
+          <a:chOff x="0" y="0"/>
+          <a:chExt cx="0" cy="0"/>
+        </a:xfrm>
+      </p:grpSpPr>
+      <p:graphicFrame>
+        <p:nvGraphicFramePr>
+          <p:cNvPr id="4" name="Objekt 3" hidden="1"/>
+          <p:cNvGraphicFramePr>
+            <a:graphicFrameLocks noChangeAspect="1"/>
+          </p:cNvGraphicFramePr>
+          <p:nvPr>
+            <p:custDataLst>
+              <p:tags r:id="rId1"/>
+            </p:custDataLst>
+          </p:nvPr>
+        </p:nvGraphicFramePr>
+        <p:xfrm>
+          <a:off x="1588" y="1588"/>
+          <a:ext cx="1588" cy="1588"/>
+        </p:xfrm>
+        <a:graphic>
+          <a:graphicData uri="http://schemas.openxmlformats.org/presentationml/2006/ole">
+            <mc:AlternateContent xmlns:mc="http://schemas.openxmlformats.org/markup-compatibility/2006">
+              <mc:Choice xmlns:v="urn:schemas-microsoft-com:vml" Requires="v">
+                <p:oleObj name="think-cell Folie" r:id="rId3" imgW="631" imgH="631" progId="TCLayout.ActiveDocument.1">
+                  <p:embed/>
+                </p:oleObj>
+              </mc:Choice>
+              <mc:Fallback>
+                <p:oleObj name="think-cell Folie" r:id="rId3" imgW="631" imgH="631" progId="TCLayout.ActiveDocument.1">
+                  <p:embed/>
+                  <p:pic>
+                    <p:nvPicPr>
+                      <p:cNvPr id="4" name="Objekt 3" hidden="1"/>
+                      <p:cNvPicPr/>
+                      <p:nvPr/>
+                    </p:nvPicPr>
+                    <p:blipFill>
+                      <a:blip r:embed="rId4"/>
+                      <a:stretch>
+                        <a:fillRect/>
+                      </a:stretch>
+                    </p:blipFill>
+                    <p:spPr>
+                      <a:xfrm>
+                        <a:off x="1588" y="1588"/>
+                        <a:ext cx="1588" cy="1588"/>
+                      </a:xfrm>
+                      <a:prstGeom prst="rect">
+                        <a:avLst/>
+                      </a:prstGeom>
+                    </p:spPr>
+                  </p:pic>
+                </p:oleObj>
+              </mc:Fallback>
+            </mc:AlternateContent>
+          </a:graphicData>
+        </a:graphic>
+      </p:graphicFrame>
+      <p:sp>
+        <p:nvSpPr>
+          <p:cNvPr id="7" name="Rechteck 6"/>
+          <p:cNvSpPr>
+            <a:spLocks noChangeAspect="1"/>
+          </p:cNvSpPr>
+          <p:nvPr/>
+        </p:nvSpPr>
+        <p:spPr>
+          <a:xfrm>
+            <a:off x="165625" y="1592587"/>
+            <a:ext cx="3282046" cy="3282046"/>
+          </a:xfrm>
+          <a:prstGeom prst="rect">
+            <a:avLst/>
+          </a:prstGeom>
+          <a:solidFill>
+            <a:schemeClr val="accent4">
+              <a:lumMod val="100000"/>
+            </a:schemeClr>
+          </a:solidFill>
+          <a:ln w="127000" cap="flat" cmpd="sng" algn="ctr">
+            <a:solidFill>
+              <a:schemeClr val="bg1">
+                <a:lumMod val="100000"/>
+              </a:schemeClr>
+            </a:solidFill>
+            <a:prstDash val="solid"/>
+            <a:miter lim="800000"/>
+          </a:ln>
+          <a:effectLst/>
+        </p:spPr>
+        <p:style>
+          <a:lnRef idx="2">
+            <a:schemeClr val="accent1">
+              <a:shade val="50000"/>
+            </a:schemeClr>
+          </a:lnRef>
+          <a:fillRef idx="1">
+            <a:schemeClr val="accent1"/>
+          </a:fillRef>
+          <a:effectRef idx="0">
+            <a:schemeClr val="accent1"/>
+          </a:effectRef>
+          <a:fontRef idx="minor">
+            <a:schemeClr val="lt1"/>
+          </a:fontRef>
+        </p:style>
+        <p:txBody>
+          <a:bodyPr rtlCol="0" anchor="ctr"/>
+          <a:lstStyle/>
+          <a:p>
+            <a:pPr algn="ctr"/>
+            <a:endParaRPr lang="en-US"/>
+          </a:p>
+        </p:txBody>
+      </p:sp>
+      <p:sp>
+        <p:nvSpPr>
+          <p:cNvPr id="10" name="Rechteck 9"/>
+          <p:cNvSpPr>
+            <a:spLocks noChangeAspect="1"/>
+          </p:cNvSpPr>
+          <p:nvPr/>
+        </p:nvSpPr>
+        <p:spPr>
+          <a:xfrm>
+            <a:off x="1958633" y="1958633"/>
+            <a:ext cx="3282046" cy="3282046"/>
+          </a:xfrm>
+          <a:prstGeom prst="rect">
+            <a:avLst/>
+          </a:prstGeom>
+          <a:solidFill>
+            <a:schemeClr val="accent4">
+              <a:lumMod val="100000"/>
+            </a:schemeClr>
+          </a:solidFill>
+          <a:ln w="127000" cap="flat" cmpd="sng" algn="ctr">
+            <a:solidFill>
+              <a:schemeClr val="bg1">
+                <a:lumMod val="100000"/>
+              </a:schemeClr>
+            </a:solidFill>
+            <a:prstDash val="solid"/>
+            <a:miter lim="800000"/>
+          </a:ln>
+          <a:effectLst/>
+        </p:spPr>
+        <p:style>
+          <a:lnRef idx="2">
+            <a:schemeClr val="accent1">
+              <a:shade val="50000"/>
+            </a:schemeClr>
+          </a:lnRef>
+          <a:fillRef idx="1">
+            <a:schemeClr val="accent1"/>
+          </a:fillRef>
+          <a:effectRef idx="0">
+            <a:schemeClr val="accent1"/>
+          </a:effectRef>
+          <a:fontRef idx="minor">
+            <a:schemeClr val="lt1"/>
+          </a:fontRef>
+        </p:style>
+        <p:txBody>
+          <a:bodyPr rtlCol="0" anchor="ctr"/>
+          <a:lstStyle/>
+          <a:p>
+            <a:pPr algn="ctr"/>
+            <a:endParaRPr lang="en-US"/>
+          </a:p>
+        </p:txBody>
+      </p:sp>
+      <p:sp>
+        <p:nvSpPr>
+          <p:cNvPr id="5" name="Rechteck 4"/>
+          <p:cNvSpPr>
+            <a:spLocks noChangeAspect="1"/>
+          </p:cNvSpPr>
+          <p:nvPr/>
+        </p:nvSpPr>
+        <p:spPr>
+          <a:xfrm>
+            <a:off x="3751641" y="2324679"/>
+            <a:ext cx="3282046" cy="3282046"/>
+          </a:xfrm>
+          <a:prstGeom prst="rect">
+            <a:avLst/>
+          </a:prstGeom>
+          <a:solidFill>
+            <a:schemeClr val="accent1"/>
+          </a:solidFill>
+          <a:ln w="127000" cap="flat" cmpd="sng" algn="ctr">
+            <a:solidFill>
+              <a:schemeClr val="bg1">
+                <a:lumMod val="100000"/>
+              </a:schemeClr>
+            </a:solidFill>
+            <a:prstDash val="solid"/>
+            <a:miter lim="800000"/>
+          </a:ln>
+          <a:effectLst/>
+        </p:spPr>
+        <p:style>
+          <a:lnRef idx="2">
+            <a:schemeClr val="accent1">
+              <a:shade val="50000"/>
+            </a:schemeClr>
+          </a:lnRef>
+          <a:fillRef idx="1">
+            <a:schemeClr val="accent1"/>
+          </a:fillRef>
+          <a:effectRef idx="0">
+            <a:schemeClr val="accent1"/>
+          </a:effectRef>
+          <a:fontRef idx="minor">
+            <a:schemeClr val="lt1"/>
+          </a:fontRef>
+        </p:style>
+        <p:txBody>
+          <a:bodyPr rtlCol="0" anchor="ctr"/>
+          <a:lstStyle/>
+          <a:p>
+            <a:pPr algn="ctr"/>
+            <a:endParaRPr lang="en-US"/>
+          </a:p>
+        </p:txBody>
+      </p:sp>
+      <p:sp>
+        <p:nvSpPr>
+          <p:cNvPr id="15" name="Right Arrow 14"/>
+          <p:cNvSpPr/>
+          <p:nvPr/>
+        </p:nvSpPr>
+        <p:spPr>
+          <a:xfrm>
+            <a:off x="1351509" y="2857535"/>
+            <a:ext cx="3615763" cy="1484242"/>
+          </a:xfrm>
+          <a:prstGeom prst="rightArrow">
+            <a:avLst/>
+          </a:prstGeom>
+          <a:solidFill>
+            <a:schemeClr val="tx1">
+              <a:lumMod val="100000"/>
+            </a:schemeClr>
+          </a:solidFill>
+          <a:ln>
+            <a:noFill/>
+          </a:ln>
+        </p:spPr>
+        <p:style>
+          <a:lnRef idx="2">
+            <a:schemeClr val="accent1">
+              <a:shade val="50000"/>
+            </a:schemeClr>
+          </a:lnRef>
+          <a:fillRef idx="1">
+            <a:schemeClr val="accent1"/>
+          </a:fillRef>
+          <a:effectRef idx="0">
+            <a:schemeClr val="accent1"/>
+          </a:effectRef>
+          <a:fontRef idx="minor">
+            <a:schemeClr val="lt1"/>
+          </a:fontRef>
+        </p:style>
+        <p:txBody>
+          <a:bodyPr rtlCol="0" anchor="ctr"/>
+          <a:lstStyle/>
+          <a:p>
+            <a:pPr algn="ctr"/>
+            <a:endParaRPr lang="en-US"/>
+          </a:p>
+        </p:txBody>
+      </p:sp>
+    </p:spTree>
+    <p:extLst>
+      <p:ext uri="{BB962C8B-B14F-4D97-AF65-F5344CB8AC3E}">
+        <p14:creationId xmlns:p14="http://schemas.microsoft.com/office/powerpoint/2010/main" val="992206538"/>
+      </p:ext>
+    </p:extLst>
+  </p:cSld>
+  <p:clrMapOvr>
+    <a:masterClrMapping/>
+  </p:clrMapOvr>
+</p:sld>
+</file>
+
+<file path=ppt/slides/slide9.xml><?xml version="1.0" encoding="utf-8"?>
 <p:sld xmlns:a="http://schemas.openxmlformats.org/drawingml/2006/main" xmlns:r="http://schemas.openxmlformats.org/officeDocument/2006/relationships" xmlns:p="http://schemas.openxmlformats.org/presentationml/2006/main">
   <p:cSld>
     <p:spTree>
@@ -38350,7 +42309,7 @@
           </a:prstGeom>
           <a:solidFill>
             <a:schemeClr val="bg1">
-              <a:alpha val="90000"/>
+              <a:alpha val="80000"/>
             </a:schemeClr>
           </a:solidFill>
           <a:ln w="76200">
@@ -38387,7 +42346,7 @@
     </p:spTree>
     <p:extLst>
       <p:ext uri="{BB962C8B-B14F-4D97-AF65-F5344CB8AC3E}">
-        <p14:creationId xmlns:p14="http://schemas.microsoft.com/office/powerpoint/2010/main" val="3822676959"/>
+        <p14:creationId xmlns:p14="http://schemas.microsoft.com/office/powerpoint/2010/main" val="86354142"/>
       </p:ext>
     </p:extLst>
   </p:cSld>
@@ -38397,151 +42356,7 @@
 </p:sld>
 </file>
 
-<file path=ppt/slides/slide80.xml><?xml version="1.0" encoding="utf-8"?>
-<p:sld xmlns:a="http://schemas.openxmlformats.org/drawingml/2006/main" xmlns:r="http://schemas.openxmlformats.org/officeDocument/2006/relationships" xmlns:p="http://schemas.openxmlformats.org/presentationml/2006/main">
-  <p:cSld>
-    <p:spTree>
-      <p:nvGrpSpPr>
-        <p:cNvPr id="1" name=""/>
-        <p:cNvGrpSpPr/>
-        <p:nvPr/>
-      </p:nvGrpSpPr>
-      <p:grpSpPr>
-        <a:xfrm>
-          <a:off x="0" y="0"/>
-          <a:ext cx="0" cy="0"/>
-          <a:chOff x="0" y="0"/>
-          <a:chExt cx="0" cy="0"/>
-        </a:xfrm>
-      </p:grpSpPr>
-      <p:graphicFrame>
-        <p:nvGraphicFramePr>
-          <p:cNvPr id="5" name="Objekt 4" hidden="1"/>
-          <p:cNvGraphicFramePr>
-            <a:graphicFrameLocks noChangeAspect="1"/>
-          </p:cNvGraphicFramePr>
-          <p:nvPr>
-            <p:custDataLst>
-              <p:tags r:id="rId2"/>
-            </p:custDataLst>
-            <p:extLst>
-              <p:ext uri="{D42A27DB-BD31-4B8C-83A1-F6EECF244321}">
-                <p14:modId xmlns:p14="http://schemas.microsoft.com/office/powerpoint/2010/main" val="4033563140"/>
-              </p:ext>
-            </p:extLst>
-          </p:nvPr>
-        </p:nvGraphicFramePr>
-        <p:xfrm>
-          <a:off x="1588" y="1588"/>
-          <a:ext cx="1588" cy="1588"/>
-        </p:xfrm>
-        <a:graphic>
-          <a:graphicData uri="http://schemas.openxmlformats.org/presentationml/2006/ole">
-            <mc:AlternateContent xmlns:mc="http://schemas.openxmlformats.org/markup-compatibility/2006">
-              <mc:Choice xmlns:v="urn:schemas-microsoft-com:vml" Requires="v">
-                <p:oleObj spid="_x0000_s44055" name="think-cell Folie" r:id="rId5" imgW="631" imgH="631" progId="TCLayout.ActiveDocument.1">
-                  <p:embed/>
-                </p:oleObj>
-              </mc:Choice>
-              <mc:Fallback>
-                <p:oleObj name="think-cell Folie" r:id="rId5" imgW="631" imgH="631" progId="TCLayout.ActiveDocument.1">
-                  <p:embed/>
-                  <p:pic>
-                    <p:nvPicPr>
-                      <p:cNvPr id="0" name=""/>
-                      <p:cNvPicPr/>
-                      <p:nvPr/>
-                    </p:nvPicPr>
-                    <p:blipFill>
-                      <a:blip r:embed="rId6"/>
-                      <a:stretch>
-                        <a:fillRect/>
-                      </a:stretch>
-                    </p:blipFill>
-                    <p:spPr>
-                      <a:xfrm>
-                        <a:off x="1588" y="1588"/>
-                        <a:ext cx="1588" cy="1588"/>
-                      </a:xfrm>
-                      <a:prstGeom prst="rect">
-                        <a:avLst/>
-                      </a:prstGeom>
-                    </p:spPr>
-                  </p:pic>
-                </p:oleObj>
-              </mc:Fallback>
-            </mc:AlternateContent>
-          </a:graphicData>
-        </a:graphic>
-      </p:graphicFrame>
-      <p:sp>
-        <p:nvSpPr>
-          <p:cNvPr id="4" name="Ellipse 3"/>
-          <p:cNvSpPr>
-            <a:spLocks noChangeAspect="1"/>
-          </p:cNvSpPr>
-          <p:nvPr>
-            <p:custDataLst>
-              <p:tags r:id="rId3"/>
-            </p:custDataLst>
-          </p:nvPr>
-        </p:nvSpPr>
-        <p:spPr>
-          <a:xfrm>
-            <a:off x="2310131" y="2310131"/>
-            <a:ext cx="2579050" cy="2579050"/>
-          </a:xfrm>
-          <a:prstGeom prst="ellipse">
-            <a:avLst/>
-          </a:prstGeom>
-          <a:solidFill>
-            <a:srgbClr val="FF0000"/>
-          </a:solidFill>
-          <a:ln w="76200">
-            <a:solidFill>
-              <a:srgbClr val="000000"/>
-            </a:solidFill>
-          </a:ln>
-        </p:spPr>
-        <p:style>
-          <a:lnRef idx="2">
-            <a:schemeClr val="accent1">
-              <a:shade val="50000"/>
-            </a:schemeClr>
-          </a:lnRef>
-          <a:fillRef idx="1">
-            <a:schemeClr val="accent1"/>
-          </a:fillRef>
-          <a:effectRef idx="0">
-            <a:schemeClr val="accent1"/>
-          </a:effectRef>
-          <a:fontRef idx="minor">
-            <a:schemeClr val="lt1"/>
-          </a:fontRef>
-        </p:style>
-        <p:txBody>
-          <a:bodyPr rtlCol="0" anchor="ctr"/>
-          <a:lstStyle/>
-          <a:p>
-            <a:pPr algn="ctr"/>
-            <a:endParaRPr lang="en-US"/>
-          </a:p>
-        </p:txBody>
-      </p:sp>
-    </p:spTree>
-    <p:extLst>
-      <p:ext uri="{BB962C8B-B14F-4D97-AF65-F5344CB8AC3E}">
-        <p14:creationId xmlns:p14="http://schemas.microsoft.com/office/powerpoint/2010/main" val="2407890922"/>
-      </p:ext>
-    </p:extLst>
-  </p:cSld>
-  <p:clrMapOvr>
-    <a:masterClrMapping/>
-  </p:clrMapOvr>
-</p:sld>
-</file>
-
-<file path=ppt/slides/slide81.xml><?xml version="1.0" encoding="utf-8"?>
+<file path=ppt/slides/slide90.xml><?xml version="1.0" encoding="utf-8"?>
 <p:sld xmlns:a="http://schemas.openxmlformats.org/drawingml/2006/main" xmlns:r="http://schemas.openxmlformats.org/officeDocument/2006/relationships" xmlns:p="http://schemas.openxmlformats.org/presentationml/2006/main">
   <p:cSld>
     <p:spTree>
@@ -38566,319 +42381,7 @@
           </p:cNvGraphicFramePr>
           <p:nvPr>
             <p:custDataLst>
-              <p:tags r:id="rId2"/>
-            </p:custDataLst>
-            <p:extLst/>
-          </p:nvPr>
-        </p:nvGraphicFramePr>
-        <p:xfrm>
-          <a:off x="1588" y="1588"/>
-          <a:ext cx="1588" cy="1588"/>
-        </p:xfrm>
-        <a:graphic>
-          <a:graphicData uri="http://schemas.openxmlformats.org/presentationml/2006/ole">
-            <mc:AlternateContent xmlns:mc="http://schemas.openxmlformats.org/markup-compatibility/2006">
-              <mc:Choice xmlns:v="urn:schemas-microsoft-com:vml" Requires="v">
-                <p:oleObj spid="_x0000_s45077" name="think-cell Folie" r:id="rId4" imgW="631" imgH="631" progId="TCLayout.ActiveDocument.1">
-                  <p:embed/>
-                </p:oleObj>
-              </mc:Choice>
-              <mc:Fallback>
-                <p:oleObj name="think-cell Folie" r:id="rId4" imgW="631" imgH="631" progId="TCLayout.ActiveDocument.1">
-                  <p:embed/>
-                  <p:pic>
-                    <p:nvPicPr>
-                      <p:cNvPr id="4" name="Objekt 3" hidden="1"/>
-                      <p:cNvPicPr/>
-                      <p:nvPr/>
-                    </p:nvPicPr>
-                    <p:blipFill>
-                      <a:blip r:embed="rId5"/>
-                      <a:stretch>
-                        <a:fillRect/>
-                      </a:stretch>
-                    </p:blipFill>
-                    <p:spPr>
-                      <a:xfrm>
-                        <a:off x="1588" y="1588"/>
-                        <a:ext cx="1588" cy="1588"/>
-                      </a:xfrm>
-                      <a:prstGeom prst="rect">
-                        <a:avLst/>
-                      </a:prstGeom>
-                    </p:spPr>
-                  </p:pic>
-                </p:oleObj>
-              </mc:Fallback>
-            </mc:AlternateContent>
-          </a:graphicData>
-        </a:graphic>
-      </p:graphicFrame>
-      <p:sp>
-        <p:nvSpPr>
-          <p:cNvPr id="7" name="Rechteck 6"/>
-          <p:cNvSpPr>
-            <a:spLocks noChangeAspect="1"/>
-          </p:cNvSpPr>
-          <p:nvPr/>
-        </p:nvSpPr>
-        <p:spPr>
-          <a:xfrm>
-            <a:off x="165625" y="1592587"/>
-            <a:ext cx="3282046" cy="3282046"/>
-          </a:xfrm>
-          <a:prstGeom prst="rect">
-            <a:avLst/>
-          </a:prstGeom>
-          <a:solidFill>
-            <a:schemeClr val="accent4">
-              <a:lumMod val="100000"/>
-            </a:schemeClr>
-          </a:solidFill>
-          <a:ln w="127000" cap="flat" cmpd="sng" algn="ctr">
-            <a:solidFill>
-              <a:schemeClr val="bg1">
-                <a:lumMod val="100000"/>
-              </a:schemeClr>
-            </a:solidFill>
-            <a:prstDash val="solid"/>
-            <a:miter lim="800000"/>
-          </a:ln>
-          <a:effectLst/>
-        </p:spPr>
-        <p:style>
-          <a:lnRef idx="2">
-            <a:schemeClr val="accent1">
-              <a:shade val="50000"/>
-            </a:schemeClr>
-          </a:lnRef>
-          <a:fillRef idx="1">
-            <a:schemeClr val="accent1"/>
-          </a:fillRef>
-          <a:effectRef idx="0">
-            <a:schemeClr val="accent1"/>
-          </a:effectRef>
-          <a:fontRef idx="minor">
-            <a:schemeClr val="lt1"/>
-          </a:fontRef>
-        </p:style>
-        <p:txBody>
-          <a:bodyPr rtlCol="0" anchor="ctr"/>
-          <a:lstStyle/>
-          <a:p>
-            <a:pPr algn="ctr"/>
-            <a:endParaRPr lang="en-US"/>
-          </a:p>
-        </p:txBody>
-      </p:sp>
-      <p:sp>
-        <p:nvSpPr>
-          <p:cNvPr id="10" name="Rechteck 9"/>
-          <p:cNvSpPr>
-            <a:spLocks noChangeAspect="1"/>
-          </p:cNvSpPr>
-          <p:nvPr/>
-        </p:nvSpPr>
-        <p:spPr>
-          <a:xfrm>
-            <a:off x="1958633" y="1958633"/>
-            <a:ext cx="3282046" cy="3282046"/>
-          </a:xfrm>
-          <a:prstGeom prst="rect">
-            <a:avLst/>
-          </a:prstGeom>
-          <a:solidFill>
-            <a:schemeClr val="accent4">
-              <a:lumMod val="100000"/>
-            </a:schemeClr>
-          </a:solidFill>
-          <a:ln w="127000" cap="flat" cmpd="sng" algn="ctr">
-            <a:solidFill>
-              <a:schemeClr val="bg1">
-                <a:lumMod val="100000"/>
-              </a:schemeClr>
-            </a:solidFill>
-            <a:prstDash val="solid"/>
-            <a:miter lim="800000"/>
-          </a:ln>
-          <a:effectLst/>
-          <a:extLst/>
-        </p:spPr>
-        <p:style>
-          <a:lnRef idx="2">
-            <a:schemeClr val="accent1">
-              <a:shade val="50000"/>
-            </a:schemeClr>
-          </a:lnRef>
-          <a:fillRef idx="1">
-            <a:schemeClr val="accent1"/>
-          </a:fillRef>
-          <a:effectRef idx="0">
-            <a:schemeClr val="accent1"/>
-          </a:effectRef>
-          <a:fontRef idx="minor">
-            <a:schemeClr val="lt1"/>
-          </a:fontRef>
-        </p:style>
-        <p:txBody>
-          <a:bodyPr rtlCol="0" anchor="ctr"/>
-          <a:lstStyle/>
-          <a:p>
-            <a:pPr algn="ctr"/>
-            <a:endParaRPr lang="en-US"/>
-          </a:p>
-        </p:txBody>
-      </p:sp>
-      <p:sp>
-        <p:nvSpPr>
-          <p:cNvPr id="5" name="Rechteck 4"/>
-          <p:cNvSpPr>
-            <a:spLocks noChangeAspect="1"/>
-          </p:cNvSpPr>
-          <p:nvPr/>
-        </p:nvSpPr>
-        <p:spPr>
-          <a:xfrm>
-            <a:off x="3751641" y="2324679"/>
-            <a:ext cx="3282046" cy="3282046"/>
-          </a:xfrm>
-          <a:prstGeom prst="rect">
-            <a:avLst/>
-          </a:prstGeom>
-          <a:solidFill>
-            <a:schemeClr val="accent1"/>
-          </a:solidFill>
-          <a:ln w="127000" cap="flat" cmpd="sng" algn="ctr">
-            <a:solidFill>
-              <a:schemeClr val="bg1">
-                <a:lumMod val="100000"/>
-              </a:schemeClr>
-            </a:solidFill>
-            <a:prstDash val="solid"/>
-            <a:miter lim="800000"/>
-          </a:ln>
-          <a:effectLst/>
-          <a:extLst/>
-        </p:spPr>
-        <p:style>
-          <a:lnRef idx="2">
-            <a:schemeClr val="accent1">
-              <a:shade val="50000"/>
-            </a:schemeClr>
-          </a:lnRef>
-          <a:fillRef idx="1">
-            <a:schemeClr val="accent1"/>
-          </a:fillRef>
-          <a:effectRef idx="0">
-            <a:schemeClr val="accent1"/>
-          </a:effectRef>
-          <a:fontRef idx="minor">
-            <a:schemeClr val="lt1"/>
-          </a:fontRef>
-        </p:style>
-        <p:txBody>
-          <a:bodyPr rtlCol="0" anchor="ctr"/>
-          <a:lstStyle/>
-          <a:p>
-            <a:pPr algn="ctr"/>
-            <a:endParaRPr lang="en-US"/>
-          </a:p>
-        </p:txBody>
-      </p:sp>
-      <p:sp>
-        <p:nvSpPr>
-          <p:cNvPr id="15" name="Right Arrow 14"/>
-          <p:cNvSpPr/>
-          <p:nvPr/>
-        </p:nvSpPr>
-        <p:spPr>
-          <a:xfrm>
-            <a:off x="1351509" y="2857535"/>
-            <a:ext cx="3615763" cy="1484242"/>
-          </a:xfrm>
-          <a:prstGeom prst="rightArrow">
-            <a:avLst/>
-          </a:prstGeom>
-          <a:solidFill>
-            <a:schemeClr val="tx1">
-              <a:lumMod val="100000"/>
-            </a:schemeClr>
-          </a:solidFill>
-          <a:ln>
-            <a:noFill/>
-          </a:ln>
-        </p:spPr>
-        <p:style>
-          <a:lnRef idx="2">
-            <a:schemeClr val="accent1">
-              <a:shade val="50000"/>
-            </a:schemeClr>
-          </a:lnRef>
-          <a:fillRef idx="1">
-            <a:schemeClr val="accent1"/>
-          </a:fillRef>
-          <a:effectRef idx="0">
-            <a:schemeClr val="accent1"/>
-          </a:effectRef>
-          <a:fontRef idx="minor">
-            <a:schemeClr val="lt1"/>
-          </a:fontRef>
-        </p:style>
-        <p:txBody>
-          <a:bodyPr rtlCol="0" anchor="ctr"/>
-          <a:lstStyle/>
-          <a:p>
-            <a:pPr algn="ctr"/>
-            <a:endParaRPr lang="en-US"/>
-          </a:p>
-        </p:txBody>
-      </p:sp>
-    </p:spTree>
-    <p:extLst>
-      <p:ext uri="{BB962C8B-B14F-4D97-AF65-F5344CB8AC3E}">
-        <p14:creationId xmlns:p14="http://schemas.microsoft.com/office/powerpoint/2010/main" val="992206538"/>
-      </p:ext>
-    </p:extLst>
-  </p:cSld>
-  <p:clrMapOvr>
-    <a:masterClrMapping/>
-  </p:clrMapOvr>
-  <p:timing>
-    <p:tnLst>
-      <p:par>
-        <p:cTn id="1" dur="indefinite" restart="never" nodeType="tmRoot"/>
-      </p:par>
-    </p:tnLst>
-  </p:timing>
-</p:sld>
-</file>
-
-<file path=ppt/slides/slide82.xml><?xml version="1.0" encoding="utf-8"?>
-<p:sld xmlns:a="http://schemas.openxmlformats.org/drawingml/2006/main" xmlns:r="http://schemas.openxmlformats.org/officeDocument/2006/relationships" xmlns:p="http://schemas.openxmlformats.org/presentationml/2006/main">
-  <p:cSld>
-    <p:spTree>
-      <p:nvGrpSpPr>
-        <p:cNvPr id="1" name=""/>
-        <p:cNvGrpSpPr/>
-        <p:nvPr/>
-      </p:nvGrpSpPr>
-      <p:grpSpPr>
-        <a:xfrm>
-          <a:off x="0" y="0"/>
-          <a:ext cx="0" cy="0"/>
-          <a:chOff x="0" y="0"/>
-          <a:chExt cx="0" cy="0"/>
-        </a:xfrm>
-      </p:grpSpPr>
-      <p:graphicFrame>
-        <p:nvGraphicFramePr>
-          <p:cNvPr id="4" name="Objekt 3" hidden="1"/>
-          <p:cNvGraphicFramePr>
-            <a:graphicFrameLocks noChangeAspect="1"/>
-          </p:cNvGraphicFramePr>
-          <p:nvPr>
-            <p:custDataLst>
-              <p:tags r:id="rId2"/>
+              <p:tags r:id="rId1"/>
             </p:custDataLst>
             <p:extLst>
               <p:ext uri="{D42A27DB-BD31-4B8C-83A1-F6EECF244321}">
@@ -38895,12 +42398,12 @@
           <a:graphicData uri="http://schemas.openxmlformats.org/presentationml/2006/ole">
             <mc:AlternateContent xmlns:mc="http://schemas.openxmlformats.org/markup-compatibility/2006">
               <mc:Choice xmlns:v="urn:schemas-microsoft-com:vml" Requires="v">
-                <p:oleObj spid="_x0000_s47118" name="think-cell Folie" r:id="rId4" imgW="631" imgH="631" progId="TCLayout.ActiveDocument.1">
+                <p:oleObj name="think-cell Folie" r:id="rId3" imgW="631" imgH="631" progId="TCLayout.ActiveDocument.1">
                   <p:embed/>
                 </p:oleObj>
               </mc:Choice>
               <mc:Fallback>
-                <p:oleObj name="think-cell Folie" r:id="rId4" imgW="631" imgH="631" progId="TCLayout.ActiveDocument.1">
+                <p:oleObj name="think-cell Folie" r:id="rId3" imgW="631" imgH="631" progId="TCLayout.ActiveDocument.1">
                   <p:embed/>
                   <p:pic>
                     <p:nvPicPr>
@@ -38909,7 +42412,7 @@
                       <p:nvPr/>
                     </p:nvPicPr>
                     <p:blipFill>
-                      <a:blip r:embed="rId5"/>
+                      <a:blip r:embed="rId4"/>
                       <a:stretch>
                         <a:fillRect/>
                       </a:stretch>
@@ -38961,7 +42464,6 @@
             <a:miter lim="800000"/>
           </a:ln>
           <a:effectLst/>
-          <a:extLst/>
         </p:spPr>
         <p:style>
           <a:lnRef idx="2">
@@ -39019,7 +42521,6 @@
             <a:miter lim="800000"/>
           </a:ln>
           <a:effectLst/>
-          <a:extLst/>
         </p:spPr>
         <p:style>
           <a:lnRef idx="2">
@@ -39159,17 +42660,10 @@
   <p:clrMapOvr>
     <a:masterClrMapping/>
   </p:clrMapOvr>
-  <p:timing>
-    <p:tnLst>
-      <p:par>
-        <p:cTn id="1" dur="indefinite" restart="never" nodeType="tmRoot"/>
-      </p:par>
-    </p:tnLst>
-  </p:timing>
 </p:sld>
 </file>
 
-<file path=ppt/slides/slide83.xml><?xml version="1.0" encoding="utf-8"?>
+<file path=ppt/slides/slide91.xml><?xml version="1.0" encoding="utf-8"?>
 <p:sld xmlns:a="http://schemas.openxmlformats.org/drawingml/2006/main" xmlns:r="http://schemas.openxmlformats.org/officeDocument/2006/relationships" xmlns:p="http://schemas.openxmlformats.org/presentationml/2006/main">
   <p:cSld>
     <p:spTree>
@@ -39194,9 +42688,8 @@
           </p:cNvGraphicFramePr>
           <p:nvPr>
             <p:custDataLst>
-              <p:tags r:id="rId2"/>
+              <p:tags r:id="rId1"/>
             </p:custDataLst>
-            <p:extLst/>
           </p:nvPr>
         </p:nvGraphicFramePr>
         <p:xfrm>
@@ -39207,12 +42700,12 @@
           <a:graphicData uri="http://schemas.openxmlformats.org/presentationml/2006/ole">
             <mc:AlternateContent xmlns:mc="http://schemas.openxmlformats.org/markup-compatibility/2006">
               <mc:Choice xmlns:v="urn:schemas-microsoft-com:vml" Requires="v">
-                <p:oleObj spid="_x0000_s46098" name="think-cell Folie" r:id="rId4" imgW="631" imgH="631" progId="TCLayout.ActiveDocument.1">
+                <p:oleObj name="think-cell Folie" r:id="rId3" imgW="631" imgH="631" progId="TCLayout.ActiveDocument.1">
                   <p:embed/>
                 </p:oleObj>
               </mc:Choice>
               <mc:Fallback>
-                <p:oleObj name="think-cell Folie" r:id="rId4" imgW="631" imgH="631" progId="TCLayout.ActiveDocument.1">
+                <p:oleObj name="think-cell Folie" r:id="rId3" imgW="631" imgH="631" progId="TCLayout.ActiveDocument.1">
                   <p:embed/>
                   <p:pic>
                     <p:nvPicPr>
@@ -39221,7 +42714,7 @@
                       <p:nvPr/>
                     </p:nvPicPr>
                     <p:blipFill>
-                      <a:blip r:embed="rId5"/>
+                      <a:blip r:embed="rId4"/>
                       <a:stretch>
                         <a:fillRect/>
                       </a:stretch>
@@ -39330,7 +42823,6 @@
             <a:miter lim="800000"/>
           </a:ln>
           <a:effectLst/>
-          <a:extLst/>
         </p:spPr>
         <p:style>
           <a:lnRef idx="2">
@@ -39386,7 +42878,6 @@
             <a:miter lim="800000"/>
           </a:ln>
           <a:effectLst/>
-          <a:extLst/>
         </p:spPr>
         <p:style>
           <a:lnRef idx="2">
@@ -39471,17 +42962,10 @@
   <p:clrMapOvr>
     <a:masterClrMapping/>
   </p:clrMapOvr>
-  <p:timing>
-    <p:tnLst>
-      <p:par>
-        <p:cTn id="1" dur="indefinite" restart="never" nodeType="tmRoot"/>
-      </p:par>
-    </p:tnLst>
-  </p:timing>
 </p:sld>
 </file>
 
-<file path=ppt/slides/slide84.xml><?xml version="1.0" encoding="utf-8"?>
+<file path=ppt/slides/slide92.xml><?xml version="1.0" encoding="utf-8"?>
 <p:sld xmlns:a="http://schemas.openxmlformats.org/drawingml/2006/main" xmlns:r="http://schemas.openxmlformats.org/officeDocument/2006/relationships" xmlns:p="http://schemas.openxmlformats.org/presentationml/2006/main">
   <p:cSld>
     <p:spTree>
@@ -39506,7 +42990,7 @@
           </p:cNvGraphicFramePr>
           <p:nvPr>
             <p:custDataLst>
-              <p:tags r:id="rId2"/>
+              <p:tags r:id="rId1"/>
             </p:custDataLst>
             <p:extLst>
               <p:ext uri="{D42A27DB-BD31-4B8C-83A1-F6EECF244321}">
@@ -39523,12 +43007,12 @@
           <a:graphicData uri="http://schemas.openxmlformats.org/presentationml/2006/ole">
             <mc:AlternateContent xmlns:mc="http://schemas.openxmlformats.org/markup-compatibility/2006">
               <mc:Choice xmlns:v="urn:schemas-microsoft-com:vml" Requires="v">
-                <p:oleObj spid="_x0000_s48142" name="think-cell Folie" r:id="rId4" imgW="631" imgH="631" progId="TCLayout.ActiveDocument.1">
+                <p:oleObj name="think-cell Folie" r:id="rId3" imgW="631" imgH="631" progId="TCLayout.ActiveDocument.1">
                   <p:embed/>
                 </p:oleObj>
               </mc:Choice>
               <mc:Fallback>
-                <p:oleObj name="think-cell Folie" r:id="rId4" imgW="631" imgH="631" progId="TCLayout.ActiveDocument.1">
+                <p:oleObj name="think-cell Folie" r:id="rId3" imgW="631" imgH="631" progId="TCLayout.ActiveDocument.1">
                   <p:embed/>
                   <p:pic>
                     <p:nvPicPr>
@@ -39537,7 +43021,7 @@
                       <p:nvPr/>
                     </p:nvPicPr>
                     <p:blipFill>
-                      <a:blip r:embed="rId5"/>
+                      <a:blip r:embed="rId4"/>
                       <a:stretch>
                         <a:fillRect/>
                       </a:stretch>
@@ -39589,7 +43073,6 @@
             <a:miter lim="800000"/>
           </a:ln>
           <a:effectLst/>
-          <a:extLst/>
         </p:spPr>
         <p:style>
           <a:lnRef idx="2">
@@ -39647,7 +43130,6 @@
             <a:miter lim="800000"/>
           </a:ln>
           <a:effectLst/>
-          <a:extLst/>
         </p:spPr>
         <p:style>
           <a:lnRef idx="2">
@@ -39787,17 +43269,10 @@
   <p:clrMapOvr>
     <a:masterClrMapping/>
   </p:clrMapOvr>
-  <p:timing>
-    <p:tnLst>
-      <p:par>
-        <p:cTn id="1" dur="indefinite" restart="never" nodeType="tmRoot"/>
-      </p:par>
-    </p:tnLst>
-  </p:timing>
 </p:sld>
 </file>
 
-<file path=ppt/slides/slide85.xml><?xml version="1.0" encoding="utf-8"?>
+<file path=ppt/slides/slide93.xml><?xml version="1.0" encoding="utf-8"?>
 <p:sld xmlns:a="http://schemas.openxmlformats.org/drawingml/2006/main" xmlns:r="http://schemas.openxmlformats.org/officeDocument/2006/relationships" xmlns:p="http://schemas.openxmlformats.org/presentationml/2006/main">
   <p:cSld>
     <p:spTree>
@@ -39822,7 +43297,7 @@
           </p:cNvGraphicFramePr>
           <p:nvPr>
             <p:custDataLst>
-              <p:tags r:id="rId2"/>
+              <p:tags r:id="rId1"/>
             </p:custDataLst>
             <p:extLst>
               <p:ext uri="{D42A27DB-BD31-4B8C-83A1-F6EECF244321}">
@@ -39839,12 +43314,12 @@
           <a:graphicData uri="http://schemas.openxmlformats.org/presentationml/2006/ole">
             <mc:AlternateContent xmlns:mc="http://schemas.openxmlformats.org/markup-compatibility/2006">
               <mc:Choice xmlns:v="urn:schemas-microsoft-com:vml" Requires="v">
-                <p:oleObj spid="_x0000_s49165" name="think-cell Folie" r:id="rId4" imgW="526" imgH="526" progId="TCLayout.ActiveDocument.1">
+                <p:oleObj name="think-cell Folie" r:id="rId3" imgW="526" imgH="526" progId="TCLayout.ActiveDocument.1">
                   <p:embed/>
                 </p:oleObj>
               </mc:Choice>
               <mc:Fallback>
-                <p:oleObj name="think-cell Folie" r:id="rId4" imgW="526" imgH="526" progId="TCLayout.ActiveDocument.1">
+                <p:oleObj name="think-cell Folie" r:id="rId3" imgW="526" imgH="526" progId="TCLayout.ActiveDocument.1">
                   <p:embed/>
                   <p:pic>
                     <p:nvPicPr>
@@ -39853,7 +43328,7 @@
                       <p:nvPr/>
                     </p:nvPicPr>
                     <p:blipFill>
-                      <a:blip r:embed="rId5"/>
+                      <a:blip r:embed="rId4"/>
                       <a:stretch>
                         <a:fillRect/>
                       </a:stretch>
@@ -39901,7 +43376,6 @@
             <a:miter lim="800000"/>
           </a:ln>
           <a:effectLst/>
-          <a:extLst/>
         </p:spPr>
         <p:style>
           <a:lnRef idx="2">
@@ -40061,7 +43535,6 @@
             <a:miter lim="800000"/>
           </a:ln>
           <a:effectLst/>
-          <a:extLst/>
         </p:spPr>
         <p:style>
           <a:lnRef idx="2">
@@ -40115,7 +43588,6 @@
             <a:miter lim="800000"/>
           </a:ln>
           <a:effectLst/>
-          <a:extLst/>
         </p:spPr>
         <p:style>
           <a:lnRef idx="2">
@@ -40169,7 +43641,6 @@
             <a:miter lim="800000"/>
           </a:ln>
           <a:effectLst/>
-          <a:extLst/>
         </p:spPr>
         <p:style>
           <a:lnRef idx="2">
@@ -40223,7 +43694,6 @@
             <a:miter lim="800000"/>
           </a:ln>
           <a:effectLst/>
-          <a:extLst/>
         </p:spPr>
         <p:style>
           <a:lnRef idx="2">
@@ -40277,7 +43747,6 @@
             <a:miter lim="800000"/>
           </a:ln>
           <a:effectLst/>
-          <a:extLst/>
         </p:spPr>
         <p:style>
           <a:lnRef idx="2">
@@ -40314,17 +43783,10 @@
   <p:clrMapOvr>
     <a:masterClrMapping/>
   </p:clrMapOvr>
-  <p:timing>
-    <p:tnLst>
-      <p:par>
-        <p:cTn id="1" dur="indefinite" restart="never" nodeType="tmRoot"/>
-      </p:par>
-    </p:tnLst>
-  </p:timing>
 </p:sld>
 </file>
 
-<file path=ppt/slides/slide86.xml><?xml version="1.0" encoding="utf-8"?>
+<file path=ppt/slides/slide94.xml><?xml version="1.0" encoding="utf-8"?>
 <p:sld xmlns:a="http://schemas.openxmlformats.org/drawingml/2006/main" xmlns:r="http://schemas.openxmlformats.org/officeDocument/2006/relationships" xmlns:p="http://schemas.openxmlformats.org/presentationml/2006/main">
   <p:cSld>
     <p:spTree>
@@ -40349,7 +43811,7 @@
           </p:cNvGraphicFramePr>
           <p:nvPr>
             <p:custDataLst>
-              <p:tags r:id="rId2"/>
+              <p:tags r:id="rId1"/>
             </p:custDataLst>
           </p:nvPr>
         </p:nvGraphicFramePr>
@@ -40361,12 +43823,12 @@
           <a:graphicData uri="http://schemas.openxmlformats.org/presentationml/2006/ole">
             <mc:AlternateContent xmlns:mc="http://schemas.openxmlformats.org/markup-compatibility/2006">
               <mc:Choice xmlns:v="urn:schemas-microsoft-com:vml" Requires="v">
-                <p:oleObj spid="_x0000_s50189" name="think-cell Folie" r:id="rId4" imgW="526" imgH="526" progId="TCLayout.ActiveDocument.1">
+                <p:oleObj name="think-cell Folie" r:id="rId3" imgW="526" imgH="526" progId="TCLayout.ActiveDocument.1">
                   <p:embed/>
                 </p:oleObj>
               </mc:Choice>
               <mc:Fallback>
-                <p:oleObj name="think-cell Folie" r:id="rId4" imgW="526" imgH="526" progId="TCLayout.ActiveDocument.1">
+                <p:oleObj name="think-cell Folie" r:id="rId3" imgW="526" imgH="526" progId="TCLayout.ActiveDocument.1">
                   <p:embed/>
                   <p:pic>
                     <p:nvPicPr>
@@ -40375,7 +43837,7 @@
                       <p:nvPr/>
                     </p:nvPicPr>
                     <p:blipFill>
-                      <a:blip r:embed="rId5"/>
+                      <a:blip r:embed="rId4"/>
                       <a:stretch>
                         <a:fillRect/>
                       </a:stretch>
@@ -40544,7 +44006,6 @@
             <a:miter lim="800000"/>
           </a:ln>
           <a:effectLst/>
-          <a:extLst/>
         </p:spPr>
         <p:style>
           <a:lnRef idx="2">
@@ -40598,7 +44059,6 @@
             <a:miter lim="800000"/>
           </a:ln>
           <a:effectLst/>
-          <a:extLst/>
         </p:spPr>
         <p:style>
           <a:lnRef idx="2">
@@ -40652,7 +44112,6 @@
             <a:miter lim="800000"/>
           </a:ln>
           <a:effectLst/>
-          <a:extLst/>
         </p:spPr>
         <p:style>
           <a:lnRef idx="2">
@@ -40706,7 +44165,6 @@
             <a:miter lim="800000"/>
           </a:ln>
           <a:effectLst/>
-          <a:extLst/>
         </p:spPr>
         <p:style>
           <a:lnRef idx="2">
@@ -40760,7 +44218,6 @@
             <a:miter lim="800000"/>
           </a:ln>
           <a:effectLst/>
-          <a:extLst/>
         </p:spPr>
         <p:style>
           <a:lnRef idx="2">
@@ -40797,17 +44254,10 @@
   <p:clrMapOvr>
     <a:masterClrMapping/>
   </p:clrMapOvr>
-  <p:timing>
-    <p:tnLst>
-      <p:par>
-        <p:cTn id="1" dur="indefinite" restart="never" nodeType="tmRoot"/>
-      </p:par>
-    </p:tnLst>
-  </p:timing>
 </p:sld>
 </file>
 
-<file path=ppt/slides/slide87.xml><?xml version="1.0" encoding="utf-8"?>
+<file path=ppt/slides/slide95.xml><?xml version="1.0" encoding="utf-8"?>
 <p:sld xmlns:a="http://schemas.openxmlformats.org/drawingml/2006/main" xmlns:r="http://schemas.openxmlformats.org/officeDocument/2006/relationships" xmlns:p="http://schemas.openxmlformats.org/presentationml/2006/main">
   <p:cSld>
     <p:spTree>
@@ -40832,7 +44282,7 @@
           </p:cNvGraphicFramePr>
           <p:nvPr>
             <p:custDataLst>
-              <p:tags r:id="rId2"/>
+              <p:tags r:id="rId1"/>
             </p:custDataLst>
             <p:extLst>
               <p:ext uri="{D42A27DB-BD31-4B8C-83A1-F6EECF244321}">
@@ -40849,12 +44299,12 @@
           <a:graphicData uri="http://schemas.openxmlformats.org/presentationml/2006/ole">
             <mc:AlternateContent xmlns:mc="http://schemas.openxmlformats.org/markup-compatibility/2006">
               <mc:Choice xmlns:v="urn:schemas-microsoft-com:vml" Requires="v">
-                <p:oleObj spid="_x0000_s51211" name="think-cell Folie" r:id="rId4" imgW="526" imgH="526" progId="TCLayout.ActiveDocument.1">
+                <p:oleObj name="think-cell Folie" r:id="rId3" imgW="526" imgH="526" progId="TCLayout.ActiveDocument.1">
                   <p:embed/>
                 </p:oleObj>
               </mc:Choice>
               <mc:Fallback>
-                <p:oleObj name="think-cell Folie" r:id="rId4" imgW="526" imgH="526" progId="TCLayout.ActiveDocument.1">
+                <p:oleObj name="think-cell Folie" r:id="rId3" imgW="526" imgH="526" progId="TCLayout.ActiveDocument.1">
                   <p:embed/>
                   <p:pic>
                     <p:nvPicPr>
@@ -40863,7 +44313,7 @@
                       <p:nvPr/>
                     </p:nvPicPr>
                     <p:blipFill>
-                      <a:blip r:embed="rId5"/>
+                      <a:blip r:embed="rId4"/>
                       <a:stretch>
                         <a:fillRect/>
                       </a:stretch>
@@ -41032,7 +44482,6 @@
             <a:miter lim="800000"/>
           </a:ln>
           <a:effectLst/>
-          <a:extLst/>
         </p:spPr>
         <p:style>
           <a:lnRef idx="2">
@@ -41086,7 +44535,6 @@
             <a:miter lim="800000"/>
           </a:ln>
           <a:effectLst/>
-          <a:extLst/>
         </p:spPr>
         <p:style>
           <a:lnRef idx="2">
@@ -41140,7 +44588,6 @@
             <a:miter lim="800000"/>
           </a:ln>
           <a:effectLst/>
-          <a:extLst/>
         </p:spPr>
         <p:style>
           <a:lnRef idx="2">
@@ -41194,7 +44641,6 @@
             <a:miter lim="800000"/>
           </a:ln>
           <a:effectLst/>
-          <a:extLst/>
         </p:spPr>
         <p:style>
           <a:lnRef idx="2">
@@ -41248,7 +44694,6 @@
             <a:miter lim="800000"/>
           </a:ln>
           <a:effectLst/>
-          <a:extLst/>
         </p:spPr>
         <p:style>
           <a:lnRef idx="2">
@@ -41279,141 +44724,6 @@
     <p:extLst>
       <p:ext uri="{BB962C8B-B14F-4D97-AF65-F5344CB8AC3E}">
         <p14:creationId xmlns:p14="http://schemas.microsoft.com/office/powerpoint/2010/main" val="2006263100"/>
-      </p:ext>
-    </p:extLst>
-  </p:cSld>
-  <p:clrMapOvr>
-    <a:masterClrMapping/>
-  </p:clrMapOvr>
-  <p:timing>
-    <p:tnLst>
-      <p:par>
-        <p:cTn id="1" dur="indefinite" restart="never" nodeType="tmRoot"/>
-      </p:par>
-    </p:tnLst>
-  </p:timing>
-</p:sld>
-</file>
-
-<file path=ppt/slides/slide9.xml><?xml version="1.0" encoding="utf-8"?>
-<p:sld xmlns:a="http://schemas.openxmlformats.org/drawingml/2006/main" xmlns:r="http://schemas.openxmlformats.org/officeDocument/2006/relationships" xmlns:p="http://schemas.openxmlformats.org/presentationml/2006/main">
-  <p:cSld>
-    <p:spTree>
-      <p:nvGrpSpPr>
-        <p:cNvPr id="1" name=""/>
-        <p:cNvGrpSpPr/>
-        <p:nvPr/>
-      </p:nvGrpSpPr>
-      <p:grpSpPr>
-        <a:xfrm>
-          <a:off x="0" y="0"/>
-          <a:ext cx="0" cy="0"/>
-          <a:chOff x="0" y="0"/>
-          <a:chExt cx="0" cy="0"/>
-        </a:xfrm>
-      </p:grpSpPr>
-      <p:sp>
-        <p:nvSpPr>
-          <p:cNvPr id="44" name="Rechteck 43"/>
-          <p:cNvSpPr/>
-          <p:nvPr/>
-        </p:nvSpPr>
-        <p:spPr>
-          <a:xfrm>
-            <a:off x="1231978" y="1543455"/>
-            <a:ext cx="5761142" cy="5449664"/>
-          </a:xfrm>
-          <a:prstGeom prst="rect">
-            <a:avLst/>
-          </a:prstGeom>
-          <a:solidFill>
-            <a:schemeClr val="accent5"/>
-          </a:solidFill>
-          <a:ln w="76200">
-            <a:solidFill>
-              <a:schemeClr val="tx1"/>
-            </a:solidFill>
-          </a:ln>
-        </p:spPr>
-        <p:style>
-          <a:lnRef idx="2">
-            <a:schemeClr val="accent1">
-              <a:shade val="50000"/>
-            </a:schemeClr>
-          </a:lnRef>
-          <a:fillRef idx="1">
-            <a:schemeClr val="accent1"/>
-          </a:fillRef>
-          <a:effectRef idx="0">
-            <a:schemeClr val="accent1"/>
-          </a:effectRef>
-          <a:fontRef idx="minor">
-            <a:schemeClr val="lt1"/>
-          </a:fontRef>
-        </p:style>
-        <p:txBody>
-          <a:bodyPr rtlCol="0" anchor="ctr"/>
-          <a:lstStyle/>
-          <a:p>
-            <a:pPr algn="ctr"/>
-            <a:endParaRPr lang="de-DE"/>
-          </a:p>
-        </p:txBody>
-      </p:sp>
-      <p:sp>
-        <p:nvSpPr>
-          <p:cNvPr id="45" name="Rechteck 44"/>
-          <p:cNvSpPr/>
-          <p:nvPr/>
-        </p:nvSpPr>
-        <p:spPr>
-          <a:xfrm>
-            <a:off x="168611" y="175097"/>
-            <a:ext cx="5761142" cy="5449664"/>
-          </a:xfrm>
-          <a:prstGeom prst="rect">
-            <a:avLst/>
-          </a:prstGeom>
-          <a:solidFill>
-            <a:schemeClr val="bg1">
-              <a:alpha val="80000"/>
-            </a:schemeClr>
-          </a:solidFill>
-          <a:ln w="76200">
-            <a:solidFill>
-              <a:schemeClr val="tx1"/>
-            </a:solidFill>
-          </a:ln>
-        </p:spPr>
-        <p:style>
-          <a:lnRef idx="2">
-            <a:schemeClr val="accent1">
-              <a:shade val="50000"/>
-            </a:schemeClr>
-          </a:lnRef>
-          <a:fillRef idx="1">
-            <a:schemeClr val="accent1"/>
-          </a:fillRef>
-          <a:effectRef idx="0">
-            <a:schemeClr val="accent1"/>
-          </a:effectRef>
-          <a:fontRef idx="minor">
-            <a:schemeClr val="lt1"/>
-          </a:fontRef>
-        </p:style>
-        <p:txBody>
-          <a:bodyPr rtlCol="0" anchor="ctr"/>
-          <a:lstStyle/>
-          <a:p>
-            <a:pPr algn="ctr"/>
-            <a:endParaRPr lang="de-DE"/>
-          </a:p>
-        </p:txBody>
-      </p:sp>
-    </p:spTree>
-    <p:extLst>
-      <p:ext uri="{BB962C8B-B14F-4D97-AF65-F5344CB8AC3E}">
-        <p14:creationId xmlns:p14="http://schemas.microsoft.com/office/powerpoint/2010/main" val="86354142"/>
       </p:ext>
     </p:extLst>
   </p:cSld>
@@ -41653,9 +44963,9 @@
 
 <file path=ppt/tags/tag44.xml><?xml version="1.0" encoding="utf-8"?>
 <p:tagLst xmlns:a="http://schemas.openxmlformats.org/drawingml/2006/main" xmlns:r="http://schemas.openxmlformats.org/officeDocument/2006/relationships" xmlns:p="http://schemas.openxmlformats.org/presentationml/2006/main">
-  <p:tag name="BKT_SHAPE_HARVEY" val="BKT_HARVEY_V1"/>
   <p:tag name="BKT_CONTEXTDIALOG" val="BKT_SHAPE_HARVEY"/>
   <p:tag name="BKT_HARVEY_DENOM_TAG" val="3"/>
+  <p:tag name="BKT_SHAPE_HARVEY" val="BKT_HARVEY_V2"/>
 </p:tagLst>
 </file>
 
@@ -41667,9 +44977,9 @@
 
 <file path=ppt/tags/tag46.xml><?xml version="1.0" encoding="utf-8"?>
 <p:tagLst xmlns:a="http://schemas.openxmlformats.org/drawingml/2006/main" xmlns:r="http://schemas.openxmlformats.org/officeDocument/2006/relationships" xmlns:p="http://schemas.openxmlformats.org/presentationml/2006/main">
-  <p:tag name="BKT_SHAPE_HARVEY" val="BKT_HARVEY_V1"/>
   <p:tag name="BKT_CONTEXTDIALOG" val="BKT_SHAPE_HARVEY"/>
   <p:tag name="BKT_HARVEY_DENOM_TAG" val="3"/>
+  <p:tag name="BKT_SHAPE_HARVEY" val="BKT_HARVEY_V2"/>
 </p:tagLst>
 </file>
 
@@ -41681,13 +44991,17 @@
 
 <file path=ppt/tags/tag48.xml><?xml version="1.0" encoding="utf-8"?>
 <p:tagLst xmlns:a="http://schemas.openxmlformats.org/drawingml/2006/main" xmlns:r="http://schemas.openxmlformats.org/officeDocument/2006/relationships" xmlns:p="http://schemas.openxmlformats.org/presentationml/2006/main">
-  <p:tag name="BKT_CONTEXTDIALOG" val="BKT_DIALOG_AMPEL3"/>
+  <p:tag name="BKT_CONTEXTDIALOG" val="BKT_SHAPE_HARVEY"/>
+  <p:tag name="BKT_HARVEY_DENOM_TAG" val="3"/>
+  <p:tag name="BKT_SHAPE_HARVEY" val="BKT_HARVEY_V2"/>
 </p:tagLst>
 </file>
 
 <file path=ppt/tags/tag49.xml><?xml version="1.0" encoding="utf-8"?>
 <p:tagLst xmlns:a="http://schemas.openxmlformats.org/drawingml/2006/main" xmlns:r="http://schemas.openxmlformats.org/officeDocument/2006/relationships" xmlns:p="http://schemas.openxmlformats.org/presentationml/2006/main">
-  <p:tag name="THINKCELLSHAPEDONOTDELETE" val="thinkcellActiveDocDoNotDelete"/>
+  <p:tag name="BKT_CONTEXTDIALOG" val="BKT_SHAPE_HARVEY"/>
+  <p:tag name="BKT_HARVEY_DENOM_TAG" val="3"/>
+  <p:tag name="BKT_SHAPE_HARVEY" val="BKT_HARVEY_V2"/>
 </p:tagLst>
 </file>
 
@@ -41699,43 +45013,55 @@
 
 <file path=ppt/tags/tag50.xml><?xml version="1.0" encoding="utf-8"?>
 <p:tagLst xmlns:a="http://schemas.openxmlformats.org/drawingml/2006/main" xmlns:r="http://schemas.openxmlformats.org/officeDocument/2006/relationships" xmlns:p="http://schemas.openxmlformats.org/presentationml/2006/main">
-  <p:tag name="BKT_CONTEXTDIALOG" val="BKT_DIALOG_AMPEL3"/>
+  <p:tag name="BKT_CONTEXTDIALOG" val="BKT_SHAPE_HARVEY"/>
+  <p:tag name="BKT_HARVEY_DENOM_TAG" val="3"/>
+  <p:tag name="BKT_SHAPE_HARVEY" val="BKT_HARVEY_V2"/>
 </p:tagLst>
 </file>
 
 <file path=ppt/tags/tag51.xml><?xml version="1.0" encoding="utf-8"?>
 <p:tagLst xmlns:a="http://schemas.openxmlformats.org/drawingml/2006/main" xmlns:r="http://schemas.openxmlformats.org/officeDocument/2006/relationships" xmlns:p="http://schemas.openxmlformats.org/presentationml/2006/main">
-  <p:tag name="THINKCELLSHAPEDONOTDELETE" val="thinkcellActiveDocDoNotDelete"/>
+  <p:tag name="BKT_CONTEXTDIALOG" val="BKT_SHAPE_HARVEY"/>
+  <p:tag name="BKT_HARVEY_DENOM_TAG" val="3"/>
+  <p:tag name="BKT_SHAPE_HARVEY" val="BKT_HARVEY_V2"/>
 </p:tagLst>
 </file>
 
 <file path=ppt/tags/tag52.xml><?xml version="1.0" encoding="utf-8"?>
 <p:tagLst xmlns:a="http://schemas.openxmlformats.org/drawingml/2006/main" xmlns:r="http://schemas.openxmlformats.org/officeDocument/2006/relationships" xmlns:p="http://schemas.openxmlformats.org/presentationml/2006/main">
-  <p:tag name="BKT_CONTEXTDIALOG" val="BKT_DIALOG_AMPEL3"/>
+  <p:tag name="THINKCELLSHAPEDONOTDELETE" val="thinkcellActiveDocDoNotDelete"/>
 </p:tagLst>
 </file>
 
 <file path=ppt/tags/tag53.xml><?xml version="1.0" encoding="utf-8"?>
 <p:tagLst xmlns:a="http://schemas.openxmlformats.org/drawingml/2006/main" xmlns:r="http://schemas.openxmlformats.org/officeDocument/2006/relationships" xmlns:p="http://schemas.openxmlformats.org/presentationml/2006/main">
-  <p:tag name="THINKCELLSHAPEDONOTDELETE" val="thinkcellActiveDocDoNotDelete"/>
+  <p:tag name="BKT_CONTEXTDIALOG" val="BKT_SHAPE_HARVEY"/>
+  <p:tag name="BKT_HARVEY_DENOM_TAG" val="3"/>
+  <p:tag name="BKT_SHAPE_HARVEY" val="BKT_HARVEY_V2"/>
 </p:tagLst>
 </file>
 
 <file path=ppt/tags/tag54.xml><?xml version="1.0" encoding="utf-8"?>
 <p:tagLst xmlns:a="http://schemas.openxmlformats.org/drawingml/2006/main" xmlns:r="http://schemas.openxmlformats.org/officeDocument/2006/relationships" xmlns:p="http://schemas.openxmlformats.org/presentationml/2006/main">
-  <p:tag name="THINKCELLSHAPEDONOTDELETE" val="thinkcellActiveDocDoNotDelete"/>
+  <p:tag name="BKT_CONTEXTDIALOG" val="BKT_SHAPE_HARVEY"/>
+  <p:tag name="BKT_HARVEY_DENOM_TAG" val="3"/>
+  <p:tag name="BKT_SHAPE_HARVEY" val="BKT_HARVEY_V2"/>
 </p:tagLst>
 </file>
 
 <file path=ppt/tags/tag55.xml><?xml version="1.0" encoding="utf-8"?>
 <p:tagLst xmlns:a="http://schemas.openxmlformats.org/drawingml/2006/main" xmlns:r="http://schemas.openxmlformats.org/officeDocument/2006/relationships" xmlns:p="http://schemas.openxmlformats.org/presentationml/2006/main">
-  <p:tag name="THINKCELLSHAPEDONOTDELETE" val="thinkcellActiveDocDoNotDelete"/>
+  <p:tag name="BKT_CONTEXTDIALOG" val="BKT_SHAPE_HARVEY"/>
+  <p:tag name="BKT_HARVEY_DENOM_TAG" val="3"/>
+  <p:tag name="BKT_SHAPE_HARVEY" val="BKT_HARVEY_V2"/>
 </p:tagLst>
 </file>
 
 <file path=ppt/tags/tag56.xml><?xml version="1.0" encoding="utf-8"?>
 <p:tagLst xmlns:a="http://schemas.openxmlformats.org/drawingml/2006/main" xmlns:r="http://schemas.openxmlformats.org/officeDocument/2006/relationships" xmlns:p="http://schemas.openxmlformats.org/presentationml/2006/main">
-  <p:tag name="THINKCELLSHAPEDONOTDELETE" val="thinkcellActiveDocDoNotDelete"/>
+  <p:tag name="BKT_CONTEXTDIALOG" val="BKT_SHAPE_HARVEY"/>
+  <p:tag name="BKT_HARVEY_DENOM_TAG" val="3"/>
+  <p:tag name="BKT_SHAPE_HARVEY" val="BKT_HARVEY_V2"/>
 </p:tagLst>
 </file>
 
@@ -41747,13 +45073,17 @@
 
 <file path=ppt/tags/tag58.xml><?xml version="1.0" encoding="utf-8"?>
 <p:tagLst xmlns:a="http://schemas.openxmlformats.org/drawingml/2006/main" xmlns:r="http://schemas.openxmlformats.org/officeDocument/2006/relationships" xmlns:p="http://schemas.openxmlformats.org/presentationml/2006/main">
-  <p:tag name="THINKCELLSHAPEDONOTDELETE" val="thinkcellActiveDocDoNotDelete"/>
+  <p:tag name="BKT_CONTEXTDIALOG" val="BKT_SHAPE_HARVEY"/>
+  <p:tag name="BKT_HARVEY_DENOM_TAG" val="3"/>
+  <p:tag name="BKT_SHAPE_HARVEY" val="BKT_HARVEY_V2"/>
 </p:tagLst>
 </file>
 
 <file path=ppt/tags/tag59.xml><?xml version="1.0" encoding="utf-8"?>
 <p:tagLst xmlns:a="http://schemas.openxmlformats.org/drawingml/2006/main" xmlns:r="http://schemas.openxmlformats.org/officeDocument/2006/relationships" xmlns:p="http://schemas.openxmlformats.org/presentationml/2006/main">
-  <p:tag name="THINKCELLSHAPEDONOTDELETE" val="thinkcellActiveDocDoNotDelete"/>
+  <p:tag name="BKT_CONTEXTDIALOG" val="BKT_SHAPE_HARVEY"/>
+  <p:tag name="BKT_HARVEY_DENOM_TAG" val="3"/>
+  <p:tag name="BKT_SHAPE_HARVEY" val="BKT_HARVEY_V2"/>
 </p:tagLst>
 </file>
 
@@ -41763,13 +45093,193 @@
 </p:tagLst>
 </file>
 
+<file path=ppt/tags/tag60.xml><?xml version="1.0" encoding="utf-8"?>
+<p:tagLst xmlns:a="http://schemas.openxmlformats.org/drawingml/2006/main" xmlns:r="http://schemas.openxmlformats.org/officeDocument/2006/relationships" xmlns:p="http://schemas.openxmlformats.org/presentationml/2006/main">
+  <p:tag name="BKT_CONTEXTDIALOG" val="BKT_SHAPE_HARVEY"/>
+  <p:tag name="BKT_HARVEY_DENOM_TAG" val="3"/>
+  <p:tag name="BKT_SHAPE_HARVEY" val="BKT_HARVEY_V2"/>
+</p:tagLst>
+</file>
+
+<file path=ppt/tags/tag61.xml><?xml version="1.0" encoding="utf-8"?>
+<p:tagLst xmlns:a="http://schemas.openxmlformats.org/drawingml/2006/main" xmlns:r="http://schemas.openxmlformats.org/officeDocument/2006/relationships" xmlns:p="http://schemas.openxmlformats.org/presentationml/2006/main">
+  <p:tag name="BKT_CONTEXTDIALOG" val="BKT_SHAPE_HARVEY"/>
+  <p:tag name="BKT_SHAPE_HARVEY" val="BKT_HARVEY_V2"/>
+  <p:tag name="BKT_HARVEY_DENOM_TAG" val="3"/>
+</p:tagLst>
+</file>
+
+<file path=ppt/tags/tag62.xml><?xml version="1.0" encoding="utf-8"?>
+<p:tagLst xmlns:a="http://schemas.openxmlformats.org/drawingml/2006/main" xmlns:r="http://schemas.openxmlformats.org/officeDocument/2006/relationships" xmlns:p="http://schemas.openxmlformats.org/presentationml/2006/main">
+  <p:tag name="THINKCELLSHAPEDONOTDELETE" val="thinkcellActiveDocDoNotDelete"/>
+</p:tagLst>
+</file>
+
+<file path=ppt/tags/tag63.xml><?xml version="1.0" encoding="utf-8"?>
+<p:tagLst xmlns:a="http://schemas.openxmlformats.org/drawingml/2006/main" xmlns:r="http://schemas.openxmlformats.org/officeDocument/2006/relationships" xmlns:p="http://schemas.openxmlformats.org/presentationml/2006/main">
+  <p:tag name="BKT_CONTEXTDIALOG" val="BKT_SHAPE_HARVEY"/>
+  <p:tag name="BKT_SHAPE_HARVEY" val="BKT_HARVEY_V2"/>
+  <p:tag name="BKT_HARVEY_DENOM_TAG" val="3"/>
+</p:tagLst>
+</file>
+
+<file path=ppt/tags/tag64.xml><?xml version="1.0" encoding="utf-8"?>
+<p:tagLst xmlns:a="http://schemas.openxmlformats.org/drawingml/2006/main" xmlns:r="http://schemas.openxmlformats.org/officeDocument/2006/relationships" xmlns:p="http://schemas.openxmlformats.org/presentationml/2006/main">
+  <p:tag name="THINKCELLSHAPEDONOTDELETE" val="thinkcellActiveDocDoNotDelete"/>
+</p:tagLst>
+</file>
+
+<file path=ppt/tags/tag65.xml><?xml version="1.0" encoding="utf-8"?>
+<p:tagLst xmlns:a="http://schemas.openxmlformats.org/drawingml/2006/main" xmlns:r="http://schemas.openxmlformats.org/officeDocument/2006/relationships" xmlns:p="http://schemas.openxmlformats.org/presentationml/2006/main">
+  <p:tag name="BKT_CONTEXTDIALOG" val="BKT_SHAPE_HARVEY"/>
+  <p:tag name="BKT_SHAPE_HARVEY" val="BKT_HARVEY_V2"/>
+  <p:tag name="BKT_HARVEY_DENOM_TAG" val="3"/>
+</p:tagLst>
+</file>
+
+<file path=ppt/tags/tag66.xml><?xml version="1.0" encoding="utf-8"?>
+<p:tagLst xmlns:a="http://schemas.openxmlformats.org/drawingml/2006/main" xmlns:r="http://schemas.openxmlformats.org/officeDocument/2006/relationships" xmlns:p="http://schemas.openxmlformats.org/presentationml/2006/main">
+  <p:tag name="BKT_CONTEXTDIALOG" val="BKT_SHAPE_HARVEY"/>
+  <p:tag name="BKT_SHAPE_HARVEY" val="BKT_HARVEY_V2"/>
+  <p:tag name="BKT_HARVEY_DENOM_TAG" val="3"/>
+</p:tagLst>
+</file>
+
+<file path=ppt/tags/tag67.xml><?xml version="1.0" encoding="utf-8"?>
+<p:tagLst xmlns:a="http://schemas.openxmlformats.org/drawingml/2006/main" xmlns:r="http://schemas.openxmlformats.org/officeDocument/2006/relationships" xmlns:p="http://schemas.openxmlformats.org/presentationml/2006/main">
+  <p:tag name="THINKCELLSHAPEDONOTDELETE" val="thinkcellActiveDocDoNotDelete"/>
+</p:tagLst>
+</file>
+
+<file path=ppt/tags/tag68.xml><?xml version="1.0" encoding="utf-8"?>
+<p:tagLst xmlns:a="http://schemas.openxmlformats.org/drawingml/2006/main" xmlns:r="http://schemas.openxmlformats.org/officeDocument/2006/relationships" xmlns:p="http://schemas.openxmlformats.org/presentationml/2006/main">
+  <p:tag name="BKT_CONTEXTDIALOG" val="BKT_SHAPE_HARVEY"/>
+  <p:tag name="BKT_SHAPE_HARVEY" val="BKT_HARVEY_V2"/>
+  <p:tag name="BKT_HARVEY_DENOM_TAG" val="3"/>
+</p:tagLst>
+</file>
+
+<file path=ppt/tags/tag69.xml><?xml version="1.0" encoding="utf-8"?>
+<p:tagLst xmlns:a="http://schemas.openxmlformats.org/drawingml/2006/main" xmlns:r="http://schemas.openxmlformats.org/officeDocument/2006/relationships" xmlns:p="http://schemas.openxmlformats.org/presentationml/2006/main">
+  <p:tag name="BKT_CONTEXTDIALOG" val="BKT_SHAPE_HARVEY"/>
+  <p:tag name="BKT_SHAPE_HARVEY" val="BKT_HARVEY_V2"/>
+  <p:tag name="BKT_HARVEY_DENOM_TAG" val="3"/>
+</p:tagLst>
+</file>
+
 <file path=ppt/tags/tag7.xml><?xml version="1.0" encoding="utf-8"?>
 <p:tagLst xmlns:a="http://schemas.openxmlformats.org/drawingml/2006/main" xmlns:r="http://schemas.openxmlformats.org/officeDocument/2006/relationships" xmlns:p="http://schemas.openxmlformats.org/presentationml/2006/main">
   <p:tag name="THINKCELLSHAPEDONOTDELETE" val="thinkcellActiveDocDoNotDelete"/>
 </p:tagLst>
 </file>
 
+<file path=ppt/tags/tag70.xml><?xml version="1.0" encoding="utf-8"?>
+<p:tagLst xmlns:a="http://schemas.openxmlformats.org/drawingml/2006/main" xmlns:r="http://schemas.openxmlformats.org/officeDocument/2006/relationships" xmlns:p="http://schemas.openxmlformats.org/presentationml/2006/main">
+  <p:tag name="THINKCELLSHAPEDONOTDELETE" val="thinkcellActiveDocDoNotDelete"/>
+</p:tagLst>
+</file>
+
+<file path=ppt/tags/tag71.xml><?xml version="1.0" encoding="utf-8"?>
+<p:tagLst xmlns:a="http://schemas.openxmlformats.org/drawingml/2006/main" xmlns:r="http://schemas.openxmlformats.org/officeDocument/2006/relationships" xmlns:p="http://schemas.openxmlformats.org/presentationml/2006/main">
+  <p:tag name="BKT_CONTEXTDIALOG" val="BKT_SHAPE_HARVEY"/>
+  <p:tag name="BKT_HARVEY_DENOM_TAG" val="3"/>
+  <p:tag name="BKT_SHAPE_HARVEY" val="BKT_HARVEY_V2"/>
+</p:tagLst>
+</file>
+
+<file path=ppt/tags/tag72.xml><?xml version="1.0" encoding="utf-8"?>
+<p:tagLst xmlns:a="http://schemas.openxmlformats.org/drawingml/2006/main" xmlns:r="http://schemas.openxmlformats.org/officeDocument/2006/relationships" xmlns:p="http://schemas.openxmlformats.org/presentationml/2006/main">
+  <p:tag name="THINKCELLSHAPEDONOTDELETE" val="thinkcellActiveDocDoNotDelete"/>
+</p:tagLst>
+</file>
+
+<file path=ppt/tags/tag73.xml><?xml version="1.0" encoding="utf-8"?>
+<p:tagLst xmlns:a="http://schemas.openxmlformats.org/drawingml/2006/main" xmlns:r="http://schemas.openxmlformats.org/officeDocument/2006/relationships" xmlns:p="http://schemas.openxmlformats.org/presentationml/2006/main">
+  <p:tag name="BKT_CONTEXTDIALOG" val="BKT_SHAPE_HARVEY"/>
+  <p:tag name="BKT_HARVEY_DENOM_TAG" val="3"/>
+  <p:tag name="BKT_SHAPE_HARVEY" val="BKT_HARVEY_V2"/>
+</p:tagLst>
+</file>
+
+<file path=ppt/tags/tag74.xml><?xml version="1.0" encoding="utf-8"?>
+<p:tagLst xmlns:a="http://schemas.openxmlformats.org/drawingml/2006/main" xmlns:r="http://schemas.openxmlformats.org/officeDocument/2006/relationships" xmlns:p="http://schemas.openxmlformats.org/presentationml/2006/main">
+  <p:tag name="THINKCELLSHAPEDONOTDELETE" val="thinkcellActiveDocDoNotDelete"/>
+</p:tagLst>
+</file>
+
+<file path=ppt/tags/tag75.xml><?xml version="1.0" encoding="utf-8"?>
+<p:tagLst xmlns:a="http://schemas.openxmlformats.org/drawingml/2006/main" xmlns:r="http://schemas.openxmlformats.org/officeDocument/2006/relationships" xmlns:p="http://schemas.openxmlformats.org/presentationml/2006/main">
+  <p:tag name="BKT_CONTEXTDIALOG" val="BKT_DIALOG_AMPEL3"/>
+</p:tagLst>
+</file>
+
+<file path=ppt/tags/tag76.xml><?xml version="1.0" encoding="utf-8"?>
+<p:tagLst xmlns:a="http://schemas.openxmlformats.org/drawingml/2006/main" xmlns:r="http://schemas.openxmlformats.org/officeDocument/2006/relationships" xmlns:p="http://schemas.openxmlformats.org/presentationml/2006/main">
+  <p:tag name="THINKCELLSHAPEDONOTDELETE" val="thinkcellActiveDocDoNotDelete"/>
+</p:tagLst>
+</file>
+
+<file path=ppt/tags/tag77.xml><?xml version="1.0" encoding="utf-8"?>
+<p:tagLst xmlns:a="http://schemas.openxmlformats.org/drawingml/2006/main" xmlns:r="http://schemas.openxmlformats.org/officeDocument/2006/relationships" xmlns:p="http://schemas.openxmlformats.org/presentationml/2006/main">
+  <p:tag name="BKT_CONTEXTDIALOG" val="BKT_DIALOG_AMPEL3"/>
+</p:tagLst>
+</file>
+
+<file path=ppt/tags/tag78.xml><?xml version="1.0" encoding="utf-8"?>
+<p:tagLst xmlns:a="http://schemas.openxmlformats.org/drawingml/2006/main" xmlns:r="http://schemas.openxmlformats.org/officeDocument/2006/relationships" xmlns:p="http://schemas.openxmlformats.org/presentationml/2006/main">
+  <p:tag name="THINKCELLSHAPEDONOTDELETE" val="thinkcellActiveDocDoNotDelete"/>
+</p:tagLst>
+</file>
+
+<file path=ppt/tags/tag79.xml><?xml version="1.0" encoding="utf-8"?>
+<p:tagLst xmlns:a="http://schemas.openxmlformats.org/drawingml/2006/main" xmlns:r="http://schemas.openxmlformats.org/officeDocument/2006/relationships" xmlns:p="http://schemas.openxmlformats.org/presentationml/2006/main">
+  <p:tag name="BKT_CONTEXTDIALOG" val="BKT_DIALOG_AMPEL3"/>
+</p:tagLst>
+</file>
+
 <file path=ppt/tags/tag8.xml><?xml version="1.0" encoding="utf-8"?>
+<p:tagLst xmlns:a="http://schemas.openxmlformats.org/drawingml/2006/main" xmlns:r="http://schemas.openxmlformats.org/officeDocument/2006/relationships" xmlns:p="http://schemas.openxmlformats.org/presentationml/2006/main">
+  <p:tag name="THINKCELLSHAPEDONOTDELETE" val="thinkcellActiveDocDoNotDelete"/>
+</p:tagLst>
+</file>
+
+<file path=ppt/tags/tag80.xml><?xml version="1.0" encoding="utf-8"?>
+<p:tagLst xmlns:a="http://schemas.openxmlformats.org/drawingml/2006/main" xmlns:r="http://schemas.openxmlformats.org/officeDocument/2006/relationships" xmlns:p="http://schemas.openxmlformats.org/presentationml/2006/main">
+  <p:tag name="THINKCELLSHAPEDONOTDELETE" val="thinkcellActiveDocDoNotDelete"/>
+</p:tagLst>
+</file>
+
+<file path=ppt/tags/tag81.xml><?xml version="1.0" encoding="utf-8"?>
+<p:tagLst xmlns:a="http://schemas.openxmlformats.org/drawingml/2006/main" xmlns:r="http://schemas.openxmlformats.org/officeDocument/2006/relationships" xmlns:p="http://schemas.openxmlformats.org/presentationml/2006/main">
+  <p:tag name="THINKCELLSHAPEDONOTDELETE" val="thinkcellActiveDocDoNotDelete"/>
+</p:tagLst>
+</file>
+
+<file path=ppt/tags/tag82.xml><?xml version="1.0" encoding="utf-8"?>
+<p:tagLst xmlns:a="http://schemas.openxmlformats.org/drawingml/2006/main" xmlns:r="http://schemas.openxmlformats.org/officeDocument/2006/relationships" xmlns:p="http://schemas.openxmlformats.org/presentationml/2006/main">
+  <p:tag name="THINKCELLSHAPEDONOTDELETE" val="thinkcellActiveDocDoNotDelete"/>
+</p:tagLst>
+</file>
+
+<file path=ppt/tags/tag83.xml><?xml version="1.0" encoding="utf-8"?>
+<p:tagLst xmlns:a="http://schemas.openxmlformats.org/drawingml/2006/main" xmlns:r="http://schemas.openxmlformats.org/officeDocument/2006/relationships" xmlns:p="http://schemas.openxmlformats.org/presentationml/2006/main">
+  <p:tag name="THINKCELLSHAPEDONOTDELETE" val="thinkcellActiveDocDoNotDelete"/>
+</p:tagLst>
+</file>
+
+<file path=ppt/tags/tag84.xml><?xml version="1.0" encoding="utf-8"?>
+<p:tagLst xmlns:a="http://schemas.openxmlformats.org/drawingml/2006/main" xmlns:r="http://schemas.openxmlformats.org/officeDocument/2006/relationships" xmlns:p="http://schemas.openxmlformats.org/presentationml/2006/main">
+  <p:tag name="THINKCELLSHAPEDONOTDELETE" val="thinkcellActiveDocDoNotDelete"/>
+</p:tagLst>
+</file>
+
+<file path=ppt/tags/tag85.xml><?xml version="1.0" encoding="utf-8"?>
+<p:tagLst xmlns:a="http://schemas.openxmlformats.org/drawingml/2006/main" xmlns:r="http://schemas.openxmlformats.org/officeDocument/2006/relationships" xmlns:p="http://schemas.openxmlformats.org/presentationml/2006/main">
+  <p:tag name="THINKCELLSHAPEDONOTDELETE" val="thinkcellActiveDocDoNotDelete"/>
+</p:tagLst>
+</file>
+
+<file path=ppt/tags/tag86.xml><?xml version="1.0" encoding="utf-8"?>
 <p:tagLst xmlns:a="http://schemas.openxmlformats.org/drawingml/2006/main" xmlns:r="http://schemas.openxmlformats.org/officeDocument/2006/relationships" xmlns:p="http://schemas.openxmlformats.org/presentationml/2006/main">
   <p:tag name="THINKCELLSHAPEDONOTDELETE" val="thinkcellActiveDocDoNotDelete"/>
 </p:tagLst>

--- a/features/dev_florian/resources/Icons.pptx
+++ b/features/dev_florian/resources/Icons.pptx
@@ -97,14 +97,16 @@
     <p:sldId id="341" r:id="rId91"/>
     <p:sldId id="340" r:id="rId92"/>
     <p:sldId id="342" r:id="rId93"/>
-    <p:sldId id="343" r:id="rId94"/>
+    <p:sldId id="355" r:id="rId94"/>
     <p:sldId id="344" r:id="rId95"/>
-    <p:sldId id="345" r:id="rId96"/>
+    <p:sldId id="357" r:id="rId96"/>
+    <p:sldId id="356" r:id="rId97"/>
+    <p:sldId id="345" r:id="rId98"/>
   </p:sldIdLst>
   <p:sldSz cx="7199313" cy="7199313"/>
   <p:notesSz cx="6858000" cy="9144000"/>
   <p:custDataLst>
-    <p:tags r:id="rId97"/>
+    <p:tags r:id="rId99"/>
   </p:custDataLst>
   <p:defaultTextStyle>
     <a:defPPr>
@@ -400,7 +402,7 @@
           <a:p>
             <a:fld id="{311EFB77-D67C-4B41-8660-F7D06438CC8C}" type="datetimeFigureOut">
               <a:rPr lang="de-DE" smtClean="0"/>
-              <a:t>11.12.2022</a:t>
+              <a:t>24.01.2025</a:t>
             </a:fld>
             <a:endParaRPr lang="de-DE"/>
           </a:p>
@@ -570,7 +572,7 @@
           <a:p>
             <a:fld id="{311EFB77-D67C-4B41-8660-F7D06438CC8C}" type="datetimeFigureOut">
               <a:rPr lang="de-DE" smtClean="0"/>
-              <a:t>11.12.2022</a:t>
+              <a:t>24.01.2025</a:t>
             </a:fld>
             <a:endParaRPr lang="de-DE"/>
           </a:p>
@@ -750,7 +752,7 @@
           <a:p>
             <a:fld id="{311EFB77-D67C-4B41-8660-F7D06438CC8C}" type="datetimeFigureOut">
               <a:rPr lang="de-DE" smtClean="0"/>
-              <a:t>11.12.2022</a:t>
+              <a:t>24.01.2025</a:t>
             </a:fld>
             <a:endParaRPr lang="de-DE"/>
           </a:p>
@@ -980,7 +982,7 @@
           <a:p>
             <a:fld id="{311EFB77-D67C-4B41-8660-F7D06438CC8C}" type="datetimeFigureOut">
               <a:rPr lang="de-DE" smtClean="0"/>
-              <a:t>11.12.2022</a:t>
+              <a:t>24.01.2025</a:t>
             </a:fld>
             <a:endParaRPr lang="de-DE"/>
           </a:p>
@@ -1224,7 +1226,7 @@
           <a:p>
             <a:fld id="{311EFB77-D67C-4B41-8660-F7D06438CC8C}" type="datetimeFigureOut">
               <a:rPr lang="de-DE" smtClean="0"/>
-              <a:t>11.12.2022</a:t>
+              <a:t>24.01.2025</a:t>
             </a:fld>
             <a:endParaRPr lang="de-DE"/>
           </a:p>
@@ -1456,7 +1458,7 @@
           <a:p>
             <a:fld id="{311EFB77-D67C-4B41-8660-F7D06438CC8C}" type="datetimeFigureOut">
               <a:rPr lang="de-DE" smtClean="0"/>
-              <a:t>11.12.2022</a:t>
+              <a:t>24.01.2025</a:t>
             </a:fld>
             <a:endParaRPr lang="de-DE"/>
           </a:p>
@@ -1823,7 +1825,7 @@
           <a:p>
             <a:fld id="{311EFB77-D67C-4B41-8660-F7D06438CC8C}" type="datetimeFigureOut">
               <a:rPr lang="de-DE" smtClean="0"/>
-              <a:t>11.12.2022</a:t>
+              <a:t>24.01.2025</a:t>
             </a:fld>
             <a:endParaRPr lang="de-DE"/>
           </a:p>
@@ -1941,7 +1943,7 @@
           <a:p>
             <a:fld id="{311EFB77-D67C-4B41-8660-F7D06438CC8C}" type="datetimeFigureOut">
               <a:rPr lang="de-DE" smtClean="0"/>
-              <a:t>11.12.2022</a:t>
+              <a:t>24.01.2025</a:t>
             </a:fld>
             <a:endParaRPr lang="de-DE"/>
           </a:p>
@@ -2036,7 +2038,7 @@
           <a:p>
             <a:fld id="{311EFB77-D67C-4B41-8660-F7D06438CC8C}" type="datetimeFigureOut">
               <a:rPr lang="de-DE" smtClean="0"/>
-              <a:t>11.12.2022</a:t>
+              <a:t>24.01.2025</a:t>
             </a:fld>
             <a:endParaRPr lang="de-DE"/>
           </a:p>
@@ -2313,7 +2315,7 @@
           <a:p>
             <a:fld id="{311EFB77-D67C-4B41-8660-F7D06438CC8C}" type="datetimeFigureOut">
               <a:rPr lang="de-DE" smtClean="0"/>
-              <a:t>11.12.2022</a:t>
+              <a:t>24.01.2025</a:t>
             </a:fld>
             <a:endParaRPr lang="de-DE"/>
           </a:p>
@@ -2570,7 +2572,7 @@
           <a:p>
             <a:fld id="{311EFB77-D67C-4B41-8660-F7D06438CC8C}" type="datetimeFigureOut">
               <a:rPr lang="de-DE" smtClean="0"/>
-              <a:t>11.12.2022</a:t>
+              <a:t>24.01.2025</a:t>
             </a:fld>
             <a:endParaRPr lang="de-DE"/>
           </a:p>
@@ -2902,7 +2904,7 @@
           <a:p>
             <a:fld id="{311EFB77-D67C-4B41-8660-F7D06438CC8C}" type="datetimeFigureOut">
               <a:rPr lang="de-DE" smtClean="0"/>
-              <a:t>11.12.2022</a:t>
+              <a:t>24.01.2025</a:t>
             </a:fld>
             <a:endParaRPr lang="de-DE"/>
           </a:p>
@@ -43277,7 +43279,13 @@
   <p:cSld>
     <p:spTree>
       <p:nvGrpSpPr>
-        <p:cNvPr id="1" name=""/>
+        <p:cNvPr id="1" name="">
+          <a:extLst>
+            <a:ext uri="{FF2B5EF4-FFF2-40B4-BE49-F238E27FC236}">
+              <a16:creationId xmlns:a16="http://schemas.microsoft.com/office/drawing/2014/main" id="{2892FD4D-6796-1D31-08CF-1C8A8BDA673E}"/>
+            </a:ext>
+          </a:extLst>
+        </p:cNvPr>
         <p:cNvGrpSpPr/>
         <p:nvPr/>
       </p:nvGrpSpPr>
@@ -43291,7 +43299,13 @@
       </p:grpSpPr>
       <p:graphicFrame>
         <p:nvGraphicFramePr>
-          <p:cNvPr id="4" name="Objekt 3" hidden="1"/>
+          <p:cNvPr id="4" name="Objekt 3" hidden="1">
+            <a:extLst>
+              <a:ext uri="{FF2B5EF4-FFF2-40B4-BE49-F238E27FC236}">
+                <a16:creationId xmlns:a16="http://schemas.microsoft.com/office/drawing/2014/main" id="{8F3592E3-FD7C-A61F-9886-C454A00E0C68}"/>
+              </a:ext>
+            </a:extLst>
+          </p:cNvPr>
           <p:cNvGraphicFramePr>
             <a:graphicFrameLocks noChangeAspect="1"/>
           </p:cNvGraphicFramePr>
@@ -43299,11 +43313,6 @@
             <p:custDataLst>
               <p:tags r:id="rId1"/>
             </p:custDataLst>
-            <p:extLst>
-              <p:ext uri="{D42A27DB-BD31-4B8C-83A1-F6EECF244321}">
-                <p14:modId xmlns:p14="http://schemas.microsoft.com/office/powerpoint/2010/main" val="1385730514"/>
-              </p:ext>
-            </p:extLst>
           </p:nvPr>
         </p:nvGraphicFramePr>
         <p:xfrm>
@@ -43323,7 +43332,7 @@
                   <p:embed/>
                   <p:pic>
                     <p:nvPicPr>
-                      <p:cNvPr id="0" name=""/>
+                      <p:cNvPr id="4" name="Objekt 3" hidden="1"/>
                       <p:cNvPicPr/>
                       <p:nvPr/>
                     </p:nvPicPr>
@@ -43351,36 +43360,37 @@
       </p:graphicFrame>
       <p:sp>
         <p:nvSpPr>
-          <p:cNvPr id="5" name="Rechteck 4"/>
-          <p:cNvSpPr>
-            <a:spLocks/>
-          </p:cNvSpPr>
+          <p:cNvPr id="2" name="Rechteck 1">
+            <a:extLst>
+              <a:ext uri="{FF2B5EF4-FFF2-40B4-BE49-F238E27FC236}">
+                <a16:creationId xmlns:a16="http://schemas.microsoft.com/office/drawing/2014/main" id="{8F7B4CA7-B3FE-D619-C711-3567DF757815}"/>
+              </a:ext>
+            </a:extLst>
+          </p:cNvPr>
+          <p:cNvSpPr/>
           <p:nvPr/>
         </p:nvSpPr>
         <p:spPr>
           <a:xfrm>
-            <a:off x="3428009" y="1012277"/>
-            <a:ext cx="3384000" cy="216000"/>
+            <a:off x="4771" y="0"/>
+            <a:ext cx="7194542" cy="7199313"/>
           </a:xfrm>
           <a:prstGeom prst="rect">
             <a:avLst/>
           </a:prstGeom>
           <a:solidFill>
-            <a:schemeClr val="tx1">
-              <a:lumMod val="100000"/>
+            <a:schemeClr val="bg1">
+              <a:alpha val="0"/>
             </a:schemeClr>
           </a:solidFill>
-          <a:ln w="57150" cap="flat" cmpd="sng" algn="ctr">
+          <a:ln>
             <a:noFill/>
-            <a:prstDash val="solid"/>
-            <a:miter lim="800000"/>
           </a:ln>
-          <a:effectLst/>
         </p:spPr>
         <p:style>
           <a:lnRef idx="2">
             <a:schemeClr val="accent1">
-              <a:shade val="50000"/>
+              <a:shade val="15000"/>
             </a:schemeClr>
           </a:lnRef>
           <a:fillRef idx="1">
@@ -43404,24 +43414,30 @@
       </p:sp>
       <p:sp>
         <p:nvSpPr>
-          <p:cNvPr id="6" name="Rechteck 5"/>
-          <p:cNvSpPr/>
+          <p:cNvPr id="5" name="Rechteck 4">
+            <a:extLst>
+              <a:ext uri="{FF2B5EF4-FFF2-40B4-BE49-F238E27FC236}">
+                <a16:creationId xmlns:a16="http://schemas.microsoft.com/office/drawing/2014/main" id="{4DA5FB9F-D325-0434-4DD6-4E5A385D330A}"/>
+              </a:ext>
+            </a:extLst>
+          </p:cNvPr>
+          <p:cNvSpPr>
+            <a:spLocks/>
+          </p:cNvSpPr>
           <p:nvPr/>
         </p:nvSpPr>
         <p:spPr>
           <a:xfrm>
-            <a:off x="291385" y="773137"/>
-            <a:ext cx="1596932" cy="654406"/>
+            <a:off x="4096265" y="956340"/>
+            <a:ext cx="2715744" cy="288000"/>
           </a:xfrm>
           <a:prstGeom prst="rect">
             <a:avLst/>
           </a:prstGeom>
           <a:solidFill>
-            <a:schemeClr val="accent1">
-              <a:lumMod val="75000"/>
-            </a:schemeClr>
+            <a:srgbClr val="808080"/>
           </a:solidFill>
-          <a:ln w="12700" cap="flat" cmpd="sng" algn="ctr">
+          <a:ln w="57150" cap="flat" cmpd="sng" algn="ctr">
             <a:noFill/>
             <a:prstDash val="solid"/>
             <a:miter lim="800000"/>
@@ -43455,17 +43471,84 @@
       </p:sp>
       <p:sp>
         <p:nvSpPr>
-          <p:cNvPr id="7" name="Eingekerbter Richtungspfeil 16"/>
+          <p:cNvPr id="6" name="Rechteck 5">
+            <a:extLst>
+              <a:ext uri="{FF2B5EF4-FFF2-40B4-BE49-F238E27FC236}">
+                <a16:creationId xmlns:a16="http://schemas.microsoft.com/office/drawing/2014/main" id="{3B92D99E-8FA5-635B-6696-C597A2840ADB}"/>
+              </a:ext>
+            </a:extLst>
+          </p:cNvPr>
+          <p:cNvSpPr>
+            <a:spLocks/>
+          </p:cNvSpPr>
+          <p:nvPr/>
+        </p:nvSpPr>
+        <p:spPr>
+          <a:xfrm>
+            <a:off x="291384" y="812340"/>
+            <a:ext cx="2414745" cy="576000"/>
+          </a:xfrm>
+          <a:prstGeom prst="rect">
+            <a:avLst/>
+          </a:prstGeom>
+          <a:solidFill>
+            <a:schemeClr val="accent1">
+              <a:lumMod val="75000"/>
+            </a:schemeClr>
+          </a:solidFill>
+          <a:ln w="12700" cap="flat" cmpd="sng" algn="ctr">
+            <a:noFill/>
+            <a:prstDash val="solid"/>
+            <a:miter lim="800000"/>
+          </a:ln>
+          <a:effectLst/>
+        </p:spPr>
+        <p:style>
+          <a:lnRef idx="2">
+            <a:schemeClr val="accent1">
+              <a:shade val="50000"/>
+            </a:schemeClr>
+          </a:lnRef>
+          <a:fillRef idx="1">
+            <a:schemeClr val="accent1"/>
+          </a:fillRef>
+          <a:effectRef idx="0">
+            <a:schemeClr val="accent1"/>
+          </a:effectRef>
+          <a:fontRef idx="minor">
+            <a:schemeClr val="lt1"/>
+          </a:fontRef>
+        </p:style>
+        <p:txBody>
+          <a:bodyPr rtlCol="0" anchor="ctr"/>
+          <a:lstStyle/>
+          <a:p>
+            <a:pPr algn="ctr"/>
+            <a:endParaRPr lang="en-US" dirty="0"/>
+          </a:p>
+        </p:txBody>
+      </p:sp>
+      <p:sp>
+        <p:nvSpPr>
+          <p:cNvPr id="7" name="Eingekerbter Richtungspfeil 16">
+            <a:extLst>
+              <a:ext uri="{FF2B5EF4-FFF2-40B4-BE49-F238E27FC236}">
+                <a16:creationId xmlns:a16="http://schemas.microsoft.com/office/drawing/2014/main" id="{1B54CC91-B254-694E-4816-1A39517764EB}"/>
+              </a:ext>
+            </a:extLst>
+          </p:cNvPr>
           <p:cNvSpPr/>
           <p:nvPr/>
         </p:nvSpPr>
         <p:spPr>
           <a:xfrm>
-            <a:off x="1183981" y="68884"/>
-            <a:ext cx="1334570" cy="2062912"/>
+            <a:off x="1672073" y="68884"/>
+            <a:ext cx="1800176" cy="2062912"/>
           </a:xfrm>
           <a:prstGeom prst="chevron">
-            <a:avLst/>
+            <a:avLst>
+              <a:gd name="adj" fmla="val 53995"/>
+            </a:avLst>
           </a:prstGeom>
           <a:solidFill>
             <a:schemeClr val="accent1">
@@ -43510,7 +43593,13 @@
       </p:sp>
       <p:sp>
         <p:nvSpPr>
-          <p:cNvPr id="9" name="Rechteck 8"/>
+          <p:cNvPr id="9" name="Rechteck 8">
+            <a:extLst>
+              <a:ext uri="{FF2B5EF4-FFF2-40B4-BE49-F238E27FC236}">
+                <a16:creationId xmlns:a16="http://schemas.microsoft.com/office/drawing/2014/main" id="{DD860FC4-5DAC-25D0-F4CF-C505C06023B1}"/>
+              </a:ext>
+            </a:extLst>
+          </p:cNvPr>
           <p:cNvSpPr>
             <a:spLocks/>
           </p:cNvSpPr>
@@ -43518,16 +43607,14 @@
         </p:nvSpPr>
         <p:spPr>
           <a:xfrm>
-            <a:off x="291385" y="2166877"/>
-            <a:ext cx="6520624" cy="216000"/>
+            <a:off x="291385" y="2792340"/>
+            <a:ext cx="6520624" cy="288000"/>
           </a:xfrm>
           <a:prstGeom prst="rect">
             <a:avLst/>
           </a:prstGeom>
           <a:solidFill>
-            <a:schemeClr val="tx1">
-              <a:lumMod val="100000"/>
-            </a:schemeClr>
+            <a:srgbClr val="808080"/>
           </a:solidFill>
           <a:ln w="57150" cap="flat" cmpd="sng" algn="ctr">
             <a:noFill/>
@@ -43563,7 +43650,13 @@
       </p:sp>
       <p:sp>
         <p:nvSpPr>
-          <p:cNvPr id="10" name="Rechteck 9"/>
+          <p:cNvPr id="10" name="Rechteck 9">
+            <a:extLst>
+              <a:ext uri="{FF2B5EF4-FFF2-40B4-BE49-F238E27FC236}">
+                <a16:creationId xmlns:a16="http://schemas.microsoft.com/office/drawing/2014/main" id="{DC9CE496-F188-BF6F-6E5A-8E4E14246972}"/>
+              </a:ext>
+            </a:extLst>
+          </p:cNvPr>
           <p:cNvSpPr>
             <a:spLocks/>
           </p:cNvSpPr>
@@ -43571,16 +43664,14 @@
         </p:nvSpPr>
         <p:spPr>
           <a:xfrm>
-            <a:off x="291385" y="3321477"/>
-            <a:ext cx="6520624" cy="216000"/>
+            <a:off x="291385" y="4628340"/>
+            <a:ext cx="6520624" cy="288000"/>
           </a:xfrm>
           <a:prstGeom prst="rect">
             <a:avLst/>
           </a:prstGeom>
           <a:solidFill>
-            <a:schemeClr val="tx1">
-              <a:lumMod val="100000"/>
-            </a:schemeClr>
+            <a:srgbClr val="808080"/>
           </a:solidFill>
           <a:ln w="57150" cap="flat" cmpd="sng" algn="ctr">
             <a:noFill/>
@@ -43616,7 +43707,13 @@
       </p:sp>
       <p:sp>
         <p:nvSpPr>
-          <p:cNvPr id="11" name="Rechteck 10"/>
+          <p:cNvPr id="11" name="Rechteck 10">
+            <a:extLst>
+              <a:ext uri="{FF2B5EF4-FFF2-40B4-BE49-F238E27FC236}">
+                <a16:creationId xmlns:a16="http://schemas.microsoft.com/office/drawing/2014/main" id="{A6B44527-00E4-EF66-29D8-CCAB3398008A}"/>
+              </a:ext>
+            </a:extLst>
+          </p:cNvPr>
           <p:cNvSpPr>
             <a:spLocks/>
           </p:cNvSpPr>
@@ -43624,122 +43721,14 @@
         </p:nvSpPr>
         <p:spPr>
           <a:xfrm>
-            <a:off x="291385" y="4476077"/>
-            <a:ext cx="6520624" cy="216000"/>
+            <a:off x="291385" y="6464340"/>
+            <a:ext cx="6520624" cy="288000"/>
           </a:xfrm>
           <a:prstGeom prst="rect">
             <a:avLst/>
           </a:prstGeom>
           <a:solidFill>
-            <a:schemeClr val="tx1">
-              <a:lumMod val="100000"/>
-            </a:schemeClr>
-          </a:solidFill>
-          <a:ln w="57150" cap="flat" cmpd="sng" algn="ctr">
-            <a:noFill/>
-            <a:prstDash val="solid"/>
-            <a:miter lim="800000"/>
-          </a:ln>
-          <a:effectLst/>
-        </p:spPr>
-        <p:style>
-          <a:lnRef idx="2">
-            <a:schemeClr val="accent1">
-              <a:shade val="50000"/>
-            </a:schemeClr>
-          </a:lnRef>
-          <a:fillRef idx="1">
-            <a:schemeClr val="accent1"/>
-          </a:fillRef>
-          <a:effectRef idx="0">
-            <a:schemeClr val="accent1"/>
-          </a:effectRef>
-          <a:fontRef idx="minor">
-            <a:schemeClr val="lt1"/>
-          </a:fontRef>
-        </p:style>
-        <p:txBody>
-          <a:bodyPr rtlCol="0" anchor="ctr"/>
-          <a:lstStyle/>
-          <a:p>
-            <a:pPr algn="ctr"/>
-            <a:endParaRPr lang="en-US"/>
-          </a:p>
-        </p:txBody>
-      </p:sp>
-      <p:sp>
-        <p:nvSpPr>
-          <p:cNvPr id="12" name="Rechteck 11"/>
-          <p:cNvSpPr>
-            <a:spLocks/>
-          </p:cNvSpPr>
-          <p:nvPr/>
-        </p:nvSpPr>
-        <p:spPr>
-          <a:xfrm>
-            <a:off x="291385" y="6785279"/>
-            <a:ext cx="6520624" cy="216000"/>
-          </a:xfrm>
-          <a:prstGeom prst="rect">
-            <a:avLst/>
-          </a:prstGeom>
-          <a:solidFill>
-            <a:schemeClr val="tx1">
-              <a:lumMod val="100000"/>
-            </a:schemeClr>
-          </a:solidFill>
-          <a:ln w="57150" cap="flat" cmpd="sng" algn="ctr">
-            <a:noFill/>
-            <a:prstDash val="solid"/>
-            <a:miter lim="800000"/>
-          </a:ln>
-          <a:effectLst/>
-        </p:spPr>
-        <p:style>
-          <a:lnRef idx="2">
-            <a:schemeClr val="accent1">
-              <a:shade val="50000"/>
-            </a:schemeClr>
-          </a:lnRef>
-          <a:fillRef idx="1">
-            <a:schemeClr val="accent1"/>
-          </a:fillRef>
-          <a:effectRef idx="0">
-            <a:schemeClr val="accent1"/>
-          </a:effectRef>
-          <a:fontRef idx="minor">
-            <a:schemeClr val="lt1"/>
-          </a:fontRef>
-        </p:style>
-        <p:txBody>
-          <a:bodyPr rtlCol="0" anchor="ctr"/>
-          <a:lstStyle/>
-          <a:p>
-            <a:pPr algn="ctr"/>
-            <a:endParaRPr lang="en-US"/>
-          </a:p>
-        </p:txBody>
-      </p:sp>
-      <p:sp>
-        <p:nvSpPr>
-          <p:cNvPr id="13" name="Rechteck 12"/>
-          <p:cNvSpPr>
-            <a:spLocks/>
-          </p:cNvSpPr>
-          <p:nvPr/>
-        </p:nvSpPr>
-        <p:spPr>
-          <a:xfrm>
-            <a:off x="291385" y="5630677"/>
-            <a:ext cx="6520624" cy="216000"/>
-          </a:xfrm>
-          <a:prstGeom prst="rect">
-            <a:avLst/>
-          </a:prstGeom>
-          <a:solidFill>
-            <a:schemeClr val="tx1">
-              <a:lumMod val="100000"/>
-            </a:schemeClr>
+            <a:srgbClr val="808080"/>
           </a:solidFill>
           <a:ln w="57150" cap="flat" cmpd="sng" algn="ctr">
             <a:noFill/>
@@ -43776,7 +43765,7 @@
     </p:spTree>
     <p:extLst>
       <p:ext uri="{BB962C8B-B14F-4D97-AF65-F5344CB8AC3E}">
-        <p14:creationId xmlns:p14="http://schemas.microsoft.com/office/powerpoint/2010/main" val="3270665891"/>
+        <p14:creationId xmlns:p14="http://schemas.microsoft.com/office/powerpoint/2010/main" val="2130455267"/>
       </p:ext>
     </p:extLst>
   </p:cSld>
@@ -43806,6 +43795,923 @@
       <p:graphicFrame>
         <p:nvGraphicFramePr>
           <p:cNvPr id="4" name="Objekt 3" hidden="1"/>
+          <p:cNvGraphicFramePr>
+            <a:graphicFrameLocks noChangeAspect="1"/>
+          </p:cNvGraphicFramePr>
+          <p:nvPr>
+            <p:custDataLst>
+              <p:tags r:id="rId1"/>
+            </p:custDataLst>
+            <p:extLst>
+              <p:ext uri="{D42A27DB-BD31-4B8C-83A1-F6EECF244321}">
+                <p14:modId xmlns:p14="http://schemas.microsoft.com/office/powerpoint/2010/main" val="1073468970"/>
+              </p:ext>
+            </p:extLst>
+          </p:nvPr>
+        </p:nvGraphicFramePr>
+        <p:xfrm>
+          <a:off x="1588" y="1588"/>
+          <a:ext cx="1588" cy="1588"/>
+        </p:xfrm>
+        <a:graphic>
+          <a:graphicData uri="http://schemas.openxmlformats.org/presentationml/2006/ole">
+            <mc:AlternateContent xmlns:mc="http://schemas.openxmlformats.org/markup-compatibility/2006">
+              <mc:Choice xmlns:v="urn:schemas-microsoft-com:vml" Requires="v">
+                <p:oleObj name="think-cell Folie" r:id="rId3" imgW="526" imgH="526" progId="TCLayout.ActiveDocument.1">
+                  <p:embed/>
+                </p:oleObj>
+              </mc:Choice>
+              <mc:Fallback>
+                <p:oleObj name="think-cell Folie" r:id="rId3" imgW="526" imgH="526" progId="TCLayout.ActiveDocument.1">
+                  <p:embed/>
+                  <p:pic>
+                    <p:nvPicPr>
+                      <p:cNvPr id="4" name="Objekt 3" hidden="1"/>
+                      <p:cNvPicPr/>
+                      <p:nvPr/>
+                    </p:nvPicPr>
+                    <p:blipFill>
+                      <a:blip r:embed="rId4"/>
+                      <a:stretch>
+                        <a:fillRect/>
+                      </a:stretch>
+                    </p:blipFill>
+                    <p:spPr>
+                      <a:xfrm>
+                        <a:off x="1588" y="1588"/>
+                        <a:ext cx="1588" cy="1588"/>
+                      </a:xfrm>
+                      <a:prstGeom prst="rect">
+                        <a:avLst/>
+                      </a:prstGeom>
+                    </p:spPr>
+                  </p:pic>
+                </p:oleObj>
+              </mc:Fallback>
+            </mc:AlternateContent>
+          </a:graphicData>
+        </a:graphic>
+      </p:graphicFrame>
+      <p:sp>
+        <p:nvSpPr>
+          <p:cNvPr id="3" name="Rechteck 2">
+            <a:extLst>
+              <a:ext uri="{FF2B5EF4-FFF2-40B4-BE49-F238E27FC236}">
+                <a16:creationId xmlns:a16="http://schemas.microsoft.com/office/drawing/2014/main" id="{2D009BB6-F860-4A87-1204-9F29016CE277}"/>
+              </a:ext>
+            </a:extLst>
+          </p:cNvPr>
+          <p:cNvSpPr/>
+          <p:nvPr/>
+        </p:nvSpPr>
+        <p:spPr>
+          <a:xfrm>
+            <a:off x="4771" y="0"/>
+            <a:ext cx="7194542" cy="7199313"/>
+          </a:xfrm>
+          <a:prstGeom prst="rect">
+            <a:avLst/>
+          </a:prstGeom>
+          <a:solidFill>
+            <a:schemeClr val="bg1">
+              <a:alpha val="0"/>
+            </a:schemeClr>
+          </a:solidFill>
+          <a:ln>
+            <a:noFill/>
+          </a:ln>
+        </p:spPr>
+        <p:style>
+          <a:lnRef idx="2">
+            <a:schemeClr val="accent1">
+              <a:shade val="15000"/>
+            </a:schemeClr>
+          </a:lnRef>
+          <a:fillRef idx="1">
+            <a:schemeClr val="accent1"/>
+          </a:fillRef>
+          <a:effectRef idx="0">
+            <a:schemeClr val="accent1"/>
+          </a:effectRef>
+          <a:fontRef idx="minor">
+            <a:schemeClr val="lt1"/>
+          </a:fontRef>
+        </p:style>
+        <p:txBody>
+          <a:bodyPr rtlCol="0" anchor="ctr"/>
+          <a:lstStyle/>
+          <a:p>
+            <a:pPr algn="ctr"/>
+            <a:endParaRPr lang="en-US"/>
+          </a:p>
+        </p:txBody>
+      </p:sp>
+      <p:sp>
+        <p:nvSpPr>
+          <p:cNvPr id="9" name="Rechteck 8"/>
+          <p:cNvSpPr>
+            <a:spLocks/>
+          </p:cNvSpPr>
+          <p:nvPr/>
+        </p:nvSpPr>
+        <p:spPr>
+          <a:xfrm>
+            <a:off x="339345" y="4040701"/>
+            <a:ext cx="6520624" cy="288000"/>
+          </a:xfrm>
+          <a:prstGeom prst="rect">
+            <a:avLst/>
+          </a:prstGeom>
+          <a:solidFill>
+            <a:srgbClr val="808080"/>
+          </a:solidFill>
+          <a:ln w="57150" cap="flat" cmpd="sng" algn="ctr">
+            <a:noFill/>
+            <a:prstDash val="solid"/>
+            <a:miter lim="800000"/>
+          </a:ln>
+          <a:effectLst/>
+        </p:spPr>
+        <p:style>
+          <a:lnRef idx="2">
+            <a:schemeClr val="accent1">
+              <a:shade val="50000"/>
+            </a:schemeClr>
+          </a:lnRef>
+          <a:fillRef idx="1">
+            <a:schemeClr val="accent1"/>
+          </a:fillRef>
+          <a:effectRef idx="0">
+            <a:schemeClr val="accent1"/>
+          </a:effectRef>
+          <a:fontRef idx="minor">
+            <a:schemeClr val="lt1"/>
+          </a:fontRef>
+        </p:style>
+        <p:txBody>
+          <a:bodyPr rtlCol="0" anchor="ctr"/>
+          <a:lstStyle/>
+          <a:p>
+            <a:pPr algn="ctr"/>
+            <a:endParaRPr lang="en-US"/>
+          </a:p>
+        </p:txBody>
+      </p:sp>
+      <p:sp>
+        <p:nvSpPr>
+          <p:cNvPr id="10" name="Rechteck 9"/>
+          <p:cNvSpPr>
+            <a:spLocks/>
+          </p:cNvSpPr>
+          <p:nvPr/>
+        </p:nvSpPr>
+        <p:spPr>
+          <a:xfrm>
+            <a:off x="339345" y="5336701"/>
+            <a:ext cx="6520624" cy="288000"/>
+          </a:xfrm>
+          <a:prstGeom prst="rect">
+            <a:avLst/>
+          </a:prstGeom>
+          <a:solidFill>
+            <a:srgbClr val="808080"/>
+          </a:solidFill>
+          <a:ln w="57150" cap="flat" cmpd="sng" algn="ctr">
+            <a:noFill/>
+            <a:prstDash val="solid"/>
+            <a:miter lim="800000"/>
+          </a:ln>
+          <a:effectLst/>
+        </p:spPr>
+        <p:style>
+          <a:lnRef idx="2">
+            <a:schemeClr val="accent1">
+              <a:shade val="50000"/>
+            </a:schemeClr>
+          </a:lnRef>
+          <a:fillRef idx="1">
+            <a:schemeClr val="accent1"/>
+          </a:fillRef>
+          <a:effectRef idx="0">
+            <a:schemeClr val="accent1"/>
+          </a:effectRef>
+          <a:fontRef idx="minor">
+            <a:schemeClr val="lt1"/>
+          </a:fontRef>
+        </p:style>
+        <p:txBody>
+          <a:bodyPr rtlCol="0" anchor="ctr"/>
+          <a:lstStyle/>
+          <a:p>
+            <a:pPr algn="ctr"/>
+            <a:endParaRPr lang="en-US"/>
+          </a:p>
+        </p:txBody>
+      </p:sp>
+      <p:sp>
+        <p:nvSpPr>
+          <p:cNvPr id="11" name="Rechteck 10"/>
+          <p:cNvSpPr>
+            <a:spLocks/>
+          </p:cNvSpPr>
+          <p:nvPr/>
+        </p:nvSpPr>
+        <p:spPr>
+          <a:xfrm>
+            <a:off x="339345" y="6632701"/>
+            <a:ext cx="6520624" cy="288000"/>
+          </a:xfrm>
+          <a:prstGeom prst="rect">
+            <a:avLst/>
+          </a:prstGeom>
+          <a:solidFill>
+            <a:srgbClr val="808080"/>
+          </a:solidFill>
+          <a:ln w="57150" cap="flat" cmpd="sng" algn="ctr">
+            <a:noFill/>
+            <a:prstDash val="solid"/>
+            <a:miter lim="800000"/>
+          </a:ln>
+          <a:effectLst/>
+        </p:spPr>
+        <p:style>
+          <a:lnRef idx="2">
+            <a:schemeClr val="accent1">
+              <a:shade val="50000"/>
+            </a:schemeClr>
+          </a:lnRef>
+          <a:fillRef idx="1">
+            <a:schemeClr val="accent1"/>
+          </a:fillRef>
+          <a:effectRef idx="0">
+            <a:schemeClr val="accent1"/>
+          </a:effectRef>
+          <a:fontRef idx="minor">
+            <a:schemeClr val="lt1"/>
+          </a:fontRef>
+        </p:style>
+        <p:txBody>
+          <a:bodyPr rtlCol="0" anchor="ctr"/>
+          <a:lstStyle/>
+          <a:p>
+            <a:pPr algn="ctr"/>
+            <a:endParaRPr lang="en-US"/>
+          </a:p>
+        </p:txBody>
+      </p:sp>
+      <p:grpSp>
+        <p:nvGrpSpPr>
+          <p:cNvPr id="14" name="Gruppieren 13">
+            <a:extLst>
+              <a:ext uri="{FF2B5EF4-FFF2-40B4-BE49-F238E27FC236}">
+                <a16:creationId xmlns:a16="http://schemas.microsoft.com/office/drawing/2014/main" id="{A46588BA-C7F9-6339-42AC-8923CC8B04AC}"/>
+              </a:ext>
+            </a:extLst>
+          </p:cNvPr>
+          <p:cNvGrpSpPr/>
+          <p:nvPr/>
+        </p:nvGrpSpPr>
+        <p:grpSpPr>
+          <a:xfrm rot="5400000">
+            <a:off x="2009224" y="804242"/>
+            <a:ext cx="3180865" cy="2062912"/>
+            <a:chOff x="291384" y="68884"/>
+            <a:chExt cx="3180865" cy="2062912"/>
+          </a:xfrm>
+        </p:grpSpPr>
+        <p:sp>
+          <p:nvSpPr>
+            <p:cNvPr id="5" name="Rechteck 4">
+              <a:extLst>
+                <a:ext uri="{FF2B5EF4-FFF2-40B4-BE49-F238E27FC236}">
+                  <a16:creationId xmlns:a16="http://schemas.microsoft.com/office/drawing/2014/main" id="{7889132B-48AA-4921-4674-E66CD99AFF3C}"/>
+                </a:ext>
+              </a:extLst>
+            </p:cNvPr>
+            <p:cNvSpPr>
+              <a:spLocks/>
+            </p:cNvSpPr>
+            <p:nvPr/>
+          </p:nvSpPr>
+          <p:spPr>
+            <a:xfrm>
+              <a:off x="291384" y="812340"/>
+              <a:ext cx="2414745" cy="576000"/>
+            </a:xfrm>
+            <a:prstGeom prst="rect">
+              <a:avLst/>
+            </a:prstGeom>
+            <a:solidFill>
+              <a:schemeClr val="accent1">
+                <a:lumMod val="75000"/>
+              </a:schemeClr>
+            </a:solidFill>
+            <a:ln w="12700" cap="flat" cmpd="sng" algn="ctr">
+              <a:noFill/>
+              <a:prstDash val="solid"/>
+              <a:miter lim="800000"/>
+            </a:ln>
+            <a:effectLst/>
+          </p:spPr>
+          <p:style>
+            <a:lnRef idx="2">
+              <a:schemeClr val="accent1">
+                <a:shade val="50000"/>
+              </a:schemeClr>
+            </a:lnRef>
+            <a:fillRef idx="1">
+              <a:schemeClr val="accent1"/>
+            </a:fillRef>
+            <a:effectRef idx="0">
+              <a:schemeClr val="accent1"/>
+            </a:effectRef>
+            <a:fontRef idx="minor">
+              <a:schemeClr val="lt1"/>
+            </a:fontRef>
+          </p:style>
+          <p:txBody>
+            <a:bodyPr rtlCol="0" anchor="ctr"/>
+            <a:lstStyle/>
+            <a:p>
+              <a:pPr algn="ctr"/>
+              <a:endParaRPr lang="en-US" dirty="0"/>
+            </a:p>
+          </p:txBody>
+        </p:sp>
+        <p:sp>
+          <p:nvSpPr>
+            <p:cNvPr id="8" name="Eingekerbter Richtungspfeil 16">
+              <a:extLst>
+                <a:ext uri="{FF2B5EF4-FFF2-40B4-BE49-F238E27FC236}">
+                  <a16:creationId xmlns:a16="http://schemas.microsoft.com/office/drawing/2014/main" id="{53C27B88-26AF-BAE8-7A90-677CAD6ED17D}"/>
+                </a:ext>
+              </a:extLst>
+            </p:cNvPr>
+            <p:cNvSpPr/>
+            <p:nvPr/>
+          </p:nvSpPr>
+          <p:spPr>
+            <a:xfrm>
+              <a:off x="1672073" y="68884"/>
+              <a:ext cx="1800176" cy="2062912"/>
+            </a:xfrm>
+            <a:prstGeom prst="chevron">
+              <a:avLst>
+                <a:gd name="adj" fmla="val 53995"/>
+              </a:avLst>
+            </a:prstGeom>
+            <a:solidFill>
+              <a:schemeClr val="accent1">
+                <a:lumMod val="75000"/>
+              </a:schemeClr>
+            </a:solidFill>
+            <a:ln w="12700" cap="flat" cmpd="sng" algn="ctr">
+              <a:noFill/>
+              <a:prstDash val="solid"/>
+              <a:miter lim="800000"/>
+            </a:ln>
+            <a:effectLst/>
+          </p:spPr>
+          <p:style>
+            <a:lnRef idx="2">
+              <a:schemeClr val="accent1">
+                <a:shade val="50000"/>
+              </a:schemeClr>
+            </a:lnRef>
+            <a:fillRef idx="1">
+              <a:schemeClr val="accent1"/>
+            </a:fillRef>
+            <a:effectRef idx="0">
+              <a:schemeClr val="accent1"/>
+            </a:effectRef>
+            <a:fontRef idx="minor">
+              <a:schemeClr val="lt1"/>
+            </a:fontRef>
+          </p:style>
+          <p:txBody>
+            <a:bodyPr rtlCol="0" anchor="ctr"/>
+            <a:lstStyle/>
+            <a:p>
+              <a:pPr algn="ctr"/>
+              <a:endParaRPr lang="en-US">
+                <a:solidFill>
+                  <a:schemeClr val="tx1"/>
+                </a:solidFill>
+              </a:endParaRPr>
+            </a:p>
+          </p:txBody>
+        </p:sp>
+      </p:grpSp>
+    </p:spTree>
+    <p:extLst>
+      <p:ext uri="{BB962C8B-B14F-4D97-AF65-F5344CB8AC3E}">
+        <p14:creationId xmlns:p14="http://schemas.microsoft.com/office/powerpoint/2010/main" val="2339647210"/>
+      </p:ext>
+    </p:extLst>
+  </p:cSld>
+  <p:clrMapOvr>
+    <a:masterClrMapping/>
+  </p:clrMapOvr>
+</p:sld>
+</file>
+
+<file path=ppt/slides/slide95.xml><?xml version="1.0" encoding="utf-8"?>
+<p:sld xmlns:a="http://schemas.openxmlformats.org/drawingml/2006/main" xmlns:r="http://schemas.openxmlformats.org/officeDocument/2006/relationships" xmlns:p="http://schemas.openxmlformats.org/presentationml/2006/main">
+  <p:cSld>
+    <p:spTree>
+      <p:nvGrpSpPr>
+        <p:cNvPr id="1" name="">
+          <a:extLst>
+            <a:ext uri="{FF2B5EF4-FFF2-40B4-BE49-F238E27FC236}">
+              <a16:creationId xmlns:a16="http://schemas.microsoft.com/office/drawing/2014/main" id="{119C5832-8489-5303-649A-9CE8078FEAA7}"/>
+            </a:ext>
+          </a:extLst>
+        </p:cNvPr>
+        <p:cNvGrpSpPr/>
+        <p:nvPr/>
+      </p:nvGrpSpPr>
+      <p:grpSpPr>
+        <a:xfrm>
+          <a:off x="0" y="0"/>
+          <a:ext cx="0" cy="0"/>
+          <a:chOff x="0" y="0"/>
+          <a:chExt cx="0" cy="0"/>
+        </a:xfrm>
+      </p:grpSpPr>
+      <p:graphicFrame>
+        <p:nvGraphicFramePr>
+          <p:cNvPr id="4" name="Objekt 3" hidden="1">
+            <a:extLst>
+              <a:ext uri="{FF2B5EF4-FFF2-40B4-BE49-F238E27FC236}">
+                <a16:creationId xmlns:a16="http://schemas.microsoft.com/office/drawing/2014/main" id="{F87C0A9C-587E-B3B3-7831-DEEC4E59AFC3}"/>
+              </a:ext>
+            </a:extLst>
+          </p:cNvPr>
+          <p:cNvGraphicFramePr>
+            <a:graphicFrameLocks noChangeAspect="1"/>
+          </p:cNvGraphicFramePr>
+          <p:nvPr>
+            <p:custDataLst>
+              <p:tags r:id="rId1"/>
+            </p:custDataLst>
+          </p:nvPr>
+        </p:nvGraphicFramePr>
+        <p:xfrm>
+          <a:off x="1588" y="1588"/>
+          <a:ext cx="1588" cy="1588"/>
+        </p:xfrm>
+        <a:graphic>
+          <a:graphicData uri="http://schemas.openxmlformats.org/presentationml/2006/ole">
+            <mc:AlternateContent xmlns:mc="http://schemas.openxmlformats.org/markup-compatibility/2006">
+              <mc:Choice xmlns:v="urn:schemas-microsoft-com:vml" Requires="v">
+                <p:oleObj name="think-cell Folie" r:id="rId3" imgW="526" imgH="526" progId="TCLayout.ActiveDocument.1">
+                  <p:embed/>
+                </p:oleObj>
+              </mc:Choice>
+              <mc:Fallback>
+                <p:oleObj name="think-cell Folie" r:id="rId3" imgW="526" imgH="526" progId="TCLayout.ActiveDocument.1">
+                  <p:embed/>
+                  <p:pic>
+                    <p:nvPicPr>
+                      <p:cNvPr id="4" name="Objekt 3" hidden="1"/>
+                      <p:cNvPicPr/>
+                      <p:nvPr/>
+                    </p:nvPicPr>
+                    <p:blipFill>
+                      <a:blip r:embed="rId4"/>
+                      <a:stretch>
+                        <a:fillRect/>
+                      </a:stretch>
+                    </p:blipFill>
+                    <p:spPr>
+                      <a:xfrm>
+                        <a:off x="1588" y="1588"/>
+                        <a:ext cx="1588" cy="1588"/>
+                      </a:xfrm>
+                      <a:prstGeom prst="rect">
+                        <a:avLst/>
+                      </a:prstGeom>
+                    </p:spPr>
+                  </p:pic>
+                </p:oleObj>
+              </mc:Fallback>
+            </mc:AlternateContent>
+          </a:graphicData>
+        </a:graphic>
+      </p:graphicFrame>
+      <p:sp>
+        <p:nvSpPr>
+          <p:cNvPr id="3" name="Rechteck 2">
+            <a:extLst>
+              <a:ext uri="{FF2B5EF4-FFF2-40B4-BE49-F238E27FC236}">
+                <a16:creationId xmlns:a16="http://schemas.microsoft.com/office/drawing/2014/main" id="{AF3468C5-F87A-6CD4-6DAA-3BF9BC2F3977}"/>
+              </a:ext>
+            </a:extLst>
+          </p:cNvPr>
+          <p:cNvSpPr/>
+          <p:nvPr/>
+        </p:nvSpPr>
+        <p:spPr>
+          <a:xfrm>
+            <a:off x="4771" y="0"/>
+            <a:ext cx="7194542" cy="7199313"/>
+          </a:xfrm>
+          <a:prstGeom prst="rect">
+            <a:avLst/>
+          </a:prstGeom>
+          <a:solidFill>
+            <a:schemeClr val="bg1">
+              <a:alpha val="0"/>
+            </a:schemeClr>
+          </a:solidFill>
+          <a:ln>
+            <a:noFill/>
+          </a:ln>
+        </p:spPr>
+        <p:style>
+          <a:lnRef idx="2">
+            <a:schemeClr val="accent1">
+              <a:shade val="15000"/>
+            </a:schemeClr>
+          </a:lnRef>
+          <a:fillRef idx="1">
+            <a:schemeClr val="accent1"/>
+          </a:fillRef>
+          <a:effectRef idx="0">
+            <a:schemeClr val="accent1"/>
+          </a:effectRef>
+          <a:fontRef idx="minor">
+            <a:schemeClr val="lt1"/>
+          </a:fontRef>
+        </p:style>
+        <p:txBody>
+          <a:bodyPr rtlCol="0" anchor="ctr"/>
+          <a:lstStyle/>
+          <a:p>
+            <a:pPr algn="ctr"/>
+            <a:endParaRPr lang="en-US"/>
+          </a:p>
+        </p:txBody>
+      </p:sp>
+      <p:sp>
+        <p:nvSpPr>
+          <p:cNvPr id="9" name="Rechteck 8">
+            <a:extLst>
+              <a:ext uri="{FF2B5EF4-FFF2-40B4-BE49-F238E27FC236}">
+                <a16:creationId xmlns:a16="http://schemas.microsoft.com/office/drawing/2014/main" id="{A8F625F4-416C-6C94-3279-275E4C92B33D}"/>
+              </a:ext>
+            </a:extLst>
+          </p:cNvPr>
+          <p:cNvSpPr>
+            <a:spLocks/>
+          </p:cNvSpPr>
+          <p:nvPr/>
+        </p:nvSpPr>
+        <p:spPr>
+          <a:xfrm>
+            <a:off x="339345" y="344444"/>
+            <a:ext cx="6520624" cy="288000"/>
+          </a:xfrm>
+          <a:prstGeom prst="rect">
+            <a:avLst/>
+          </a:prstGeom>
+          <a:solidFill>
+            <a:srgbClr val="808080"/>
+          </a:solidFill>
+          <a:ln w="57150" cap="flat" cmpd="sng" algn="ctr">
+            <a:noFill/>
+            <a:prstDash val="solid"/>
+            <a:miter lim="800000"/>
+          </a:ln>
+          <a:effectLst/>
+        </p:spPr>
+        <p:style>
+          <a:lnRef idx="2">
+            <a:schemeClr val="accent1">
+              <a:shade val="50000"/>
+            </a:schemeClr>
+          </a:lnRef>
+          <a:fillRef idx="1">
+            <a:schemeClr val="accent1"/>
+          </a:fillRef>
+          <a:effectRef idx="0">
+            <a:schemeClr val="accent1"/>
+          </a:effectRef>
+          <a:fontRef idx="minor">
+            <a:schemeClr val="lt1"/>
+          </a:fontRef>
+        </p:style>
+        <p:txBody>
+          <a:bodyPr rtlCol="0" anchor="ctr"/>
+          <a:lstStyle/>
+          <a:p>
+            <a:pPr algn="ctr"/>
+            <a:endParaRPr lang="en-US"/>
+          </a:p>
+        </p:txBody>
+      </p:sp>
+      <p:sp>
+        <p:nvSpPr>
+          <p:cNvPr id="10" name="Rechteck 9">
+            <a:extLst>
+              <a:ext uri="{FF2B5EF4-FFF2-40B4-BE49-F238E27FC236}">
+                <a16:creationId xmlns:a16="http://schemas.microsoft.com/office/drawing/2014/main" id="{D4D76F9A-F1E5-EEF3-256C-4C11E2DE656E}"/>
+              </a:ext>
+            </a:extLst>
+          </p:cNvPr>
+          <p:cNvSpPr>
+            <a:spLocks/>
+          </p:cNvSpPr>
+          <p:nvPr/>
+        </p:nvSpPr>
+        <p:spPr>
+          <a:xfrm>
+            <a:off x="339345" y="1640444"/>
+            <a:ext cx="6520624" cy="288000"/>
+          </a:xfrm>
+          <a:prstGeom prst="rect">
+            <a:avLst/>
+          </a:prstGeom>
+          <a:solidFill>
+            <a:srgbClr val="808080"/>
+          </a:solidFill>
+          <a:ln w="57150" cap="flat" cmpd="sng" algn="ctr">
+            <a:noFill/>
+            <a:prstDash val="solid"/>
+            <a:miter lim="800000"/>
+          </a:ln>
+          <a:effectLst/>
+        </p:spPr>
+        <p:style>
+          <a:lnRef idx="2">
+            <a:schemeClr val="accent1">
+              <a:shade val="50000"/>
+            </a:schemeClr>
+          </a:lnRef>
+          <a:fillRef idx="1">
+            <a:schemeClr val="accent1"/>
+          </a:fillRef>
+          <a:effectRef idx="0">
+            <a:schemeClr val="accent1"/>
+          </a:effectRef>
+          <a:fontRef idx="minor">
+            <a:schemeClr val="lt1"/>
+          </a:fontRef>
+        </p:style>
+        <p:txBody>
+          <a:bodyPr rtlCol="0" anchor="ctr"/>
+          <a:lstStyle/>
+          <a:p>
+            <a:pPr algn="ctr"/>
+            <a:endParaRPr lang="en-US"/>
+          </a:p>
+        </p:txBody>
+      </p:sp>
+      <p:sp>
+        <p:nvSpPr>
+          <p:cNvPr id="11" name="Rechteck 10">
+            <a:extLst>
+              <a:ext uri="{FF2B5EF4-FFF2-40B4-BE49-F238E27FC236}">
+                <a16:creationId xmlns:a16="http://schemas.microsoft.com/office/drawing/2014/main" id="{BF391696-5AE0-6119-D7B2-2C01B9576037}"/>
+              </a:ext>
+            </a:extLst>
+          </p:cNvPr>
+          <p:cNvSpPr>
+            <a:spLocks/>
+          </p:cNvSpPr>
+          <p:nvPr/>
+        </p:nvSpPr>
+        <p:spPr>
+          <a:xfrm>
+            <a:off x="339345" y="2936444"/>
+            <a:ext cx="6520624" cy="288000"/>
+          </a:xfrm>
+          <a:prstGeom prst="rect">
+            <a:avLst/>
+          </a:prstGeom>
+          <a:solidFill>
+            <a:srgbClr val="808080"/>
+          </a:solidFill>
+          <a:ln w="57150" cap="flat" cmpd="sng" algn="ctr">
+            <a:noFill/>
+            <a:prstDash val="solid"/>
+            <a:miter lim="800000"/>
+          </a:ln>
+          <a:effectLst/>
+        </p:spPr>
+        <p:style>
+          <a:lnRef idx="2">
+            <a:schemeClr val="accent1">
+              <a:shade val="50000"/>
+            </a:schemeClr>
+          </a:lnRef>
+          <a:fillRef idx="1">
+            <a:schemeClr val="accent1"/>
+          </a:fillRef>
+          <a:effectRef idx="0">
+            <a:schemeClr val="accent1"/>
+          </a:effectRef>
+          <a:fontRef idx="minor">
+            <a:schemeClr val="lt1"/>
+          </a:fontRef>
+        </p:style>
+        <p:txBody>
+          <a:bodyPr rtlCol="0" anchor="ctr"/>
+          <a:lstStyle/>
+          <a:p>
+            <a:pPr algn="ctr"/>
+            <a:endParaRPr lang="en-US"/>
+          </a:p>
+        </p:txBody>
+      </p:sp>
+      <p:grpSp>
+        <p:nvGrpSpPr>
+          <p:cNvPr id="14" name="Gruppieren 13">
+            <a:extLst>
+              <a:ext uri="{FF2B5EF4-FFF2-40B4-BE49-F238E27FC236}">
+                <a16:creationId xmlns:a16="http://schemas.microsoft.com/office/drawing/2014/main" id="{B0718681-8836-BF43-CAE0-7FD3279DA5B3}"/>
+              </a:ext>
+            </a:extLst>
+          </p:cNvPr>
+          <p:cNvGrpSpPr/>
+          <p:nvPr/>
+        </p:nvGrpSpPr>
+        <p:grpSpPr>
+          <a:xfrm rot="5400000">
+            <a:off x="2009224" y="4305245"/>
+            <a:ext cx="3180865" cy="2062912"/>
+            <a:chOff x="291384" y="68884"/>
+            <a:chExt cx="3180865" cy="2062912"/>
+          </a:xfrm>
+        </p:grpSpPr>
+        <p:sp>
+          <p:nvSpPr>
+            <p:cNvPr id="5" name="Rechteck 4">
+              <a:extLst>
+                <a:ext uri="{FF2B5EF4-FFF2-40B4-BE49-F238E27FC236}">
+                  <a16:creationId xmlns:a16="http://schemas.microsoft.com/office/drawing/2014/main" id="{6FF0F233-F2FA-4B42-A1CB-89DD1B1BC8FA}"/>
+                </a:ext>
+              </a:extLst>
+            </p:cNvPr>
+            <p:cNvSpPr>
+              <a:spLocks/>
+            </p:cNvSpPr>
+            <p:nvPr/>
+          </p:nvSpPr>
+          <p:spPr>
+            <a:xfrm>
+              <a:off x="291384" y="812340"/>
+              <a:ext cx="2414745" cy="576000"/>
+            </a:xfrm>
+            <a:prstGeom prst="rect">
+              <a:avLst/>
+            </a:prstGeom>
+            <a:solidFill>
+              <a:schemeClr val="accent1">
+                <a:lumMod val="75000"/>
+              </a:schemeClr>
+            </a:solidFill>
+            <a:ln w="12700" cap="flat" cmpd="sng" algn="ctr">
+              <a:noFill/>
+              <a:prstDash val="solid"/>
+              <a:miter lim="800000"/>
+            </a:ln>
+            <a:effectLst/>
+          </p:spPr>
+          <p:style>
+            <a:lnRef idx="2">
+              <a:schemeClr val="accent1">
+                <a:shade val="50000"/>
+              </a:schemeClr>
+            </a:lnRef>
+            <a:fillRef idx="1">
+              <a:schemeClr val="accent1"/>
+            </a:fillRef>
+            <a:effectRef idx="0">
+              <a:schemeClr val="accent1"/>
+            </a:effectRef>
+            <a:fontRef idx="minor">
+              <a:schemeClr val="lt1"/>
+            </a:fontRef>
+          </p:style>
+          <p:txBody>
+            <a:bodyPr rtlCol="0" anchor="ctr"/>
+            <a:lstStyle/>
+            <a:p>
+              <a:pPr algn="ctr"/>
+              <a:endParaRPr lang="en-US" dirty="0"/>
+            </a:p>
+          </p:txBody>
+        </p:sp>
+        <p:sp>
+          <p:nvSpPr>
+            <p:cNvPr id="8" name="Eingekerbter Richtungspfeil 16">
+              <a:extLst>
+                <a:ext uri="{FF2B5EF4-FFF2-40B4-BE49-F238E27FC236}">
+                  <a16:creationId xmlns:a16="http://schemas.microsoft.com/office/drawing/2014/main" id="{5674ECE9-347C-43DC-90AD-B79DDBF979A2}"/>
+                </a:ext>
+              </a:extLst>
+            </p:cNvPr>
+            <p:cNvSpPr/>
+            <p:nvPr/>
+          </p:nvSpPr>
+          <p:spPr>
+            <a:xfrm>
+              <a:off x="1672073" y="68884"/>
+              <a:ext cx="1800176" cy="2062912"/>
+            </a:xfrm>
+            <a:prstGeom prst="chevron">
+              <a:avLst>
+                <a:gd name="adj" fmla="val 53995"/>
+              </a:avLst>
+            </a:prstGeom>
+            <a:solidFill>
+              <a:schemeClr val="accent1">
+                <a:lumMod val="75000"/>
+              </a:schemeClr>
+            </a:solidFill>
+            <a:ln w="12700" cap="flat" cmpd="sng" algn="ctr">
+              <a:noFill/>
+              <a:prstDash val="solid"/>
+              <a:miter lim="800000"/>
+            </a:ln>
+            <a:effectLst/>
+          </p:spPr>
+          <p:style>
+            <a:lnRef idx="2">
+              <a:schemeClr val="accent1">
+                <a:shade val="50000"/>
+              </a:schemeClr>
+            </a:lnRef>
+            <a:fillRef idx="1">
+              <a:schemeClr val="accent1"/>
+            </a:fillRef>
+            <a:effectRef idx="0">
+              <a:schemeClr val="accent1"/>
+            </a:effectRef>
+            <a:fontRef idx="minor">
+              <a:schemeClr val="lt1"/>
+            </a:fontRef>
+          </p:style>
+          <p:txBody>
+            <a:bodyPr rtlCol="0" anchor="ctr"/>
+            <a:lstStyle/>
+            <a:p>
+              <a:pPr algn="ctr"/>
+              <a:endParaRPr lang="en-US">
+                <a:solidFill>
+                  <a:schemeClr val="tx1"/>
+                </a:solidFill>
+              </a:endParaRPr>
+            </a:p>
+          </p:txBody>
+        </p:sp>
+      </p:grpSp>
+    </p:spTree>
+    <p:extLst>
+      <p:ext uri="{BB962C8B-B14F-4D97-AF65-F5344CB8AC3E}">
+        <p14:creationId xmlns:p14="http://schemas.microsoft.com/office/powerpoint/2010/main" val="4074864638"/>
+      </p:ext>
+    </p:extLst>
+  </p:cSld>
+  <p:clrMapOvr>
+    <a:masterClrMapping/>
+  </p:clrMapOvr>
+</p:sld>
+</file>
+
+<file path=ppt/slides/slide96.xml><?xml version="1.0" encoding="utf-8"?>
+<p:sld xmlns:a="http://schemas.openxmlformats.org/drawingml/2006/main" xmlns:r="http://schemas.openxmlformats.org/officeDocument/2006/relationships" xmlns:p="http://schemas.openxmlformats.org/presentationml/2006/main">
+  <p:cSld>
+    <p:spTree>
+      <p:nvGrpSpPr>
+        <p:cNvPr id="1" name="">
+          <a:extLst>
+            <a:ext uri="{FF2B5EF4-FFF2-40B4-BE49-F238E27FC236}">
+              <a16:creationId xmlns:a16="http://schemas.microsoft.com/office/drawing/2014/main" id="{9536A4A6-B6A7-FA47-A109-D7188A043C3D}"/>
+            </a:ext>
+          </a:extLst>
+        </p:cNvPr>
+        <p:cNvGrpSpPr/>
+        <p:nvPr/>
+      </p:nvGrpSpPr>
+      <p:grpSpPr>
+        <a:xfrm>
+          <a:off x="0" y="0"/>
+          <a:ext cx="0" cy="0"/>
+          <a:chOff x="0" y="0"/>
+          <a:chExt cx="0" cy="0"/>
+        </a:xfrm>
+      </p:grpSpPr>
+      <p:graphicFrame>
+        <p:nvGraphicFramePr>
+          <p:cNvPr id="4" name="Objekt 3" hidden="1">
+            <a:extLst>
+              <a:ext uri="{FF2B5EF4-FFF2-40B4-BE49-F238E27FC236}">
+                <a16:creationId xmlns:a16="http://schemas.microsoft.com/office/drawing/2014/main" id="{B8EF43C6-583E-BD16-7550-5A1E1894F60E}"/>
+              </a:ext>
+            </a:extLst>
+          </p:cNvPr>
           <p:cNvGraphicFramePr>
             <a:graphicFrameLocks noChangeAspect="1"/>
           </p:cNvGraphicFramePr>
@@ -43860,7 +44766,13 @@
       </p:graphicFrame>
       <p:grpSp>
         <p:nvGrpSpPr>
-          <p:cNvPr id="2" name="Gruppieren 1"/>
+          <p:cNvPr id="2" name="Gruppieren 1">
+            <a:extLst>
+              <a:ext uri="{FF2B5EF4-FFF2-40B4-BE49-F238E27FC236}">
+                <a16:creationId xmlns:a16="http://schemas.microsoft.com/office/drawing/2014/main" id="{01B76726-28AB-2853-9790-9098AFC6B802}"/>
+              </a:ext>
+            </a:extLst>
+          </p:cNvPr>
           <p:cNvGrpSpPr/>
           <p:nvPr/>
         </p:nvGrpSpPr>
@@ -43874,7 +44786,13 @@
         </p:grpSpPr>
         <p:sp>
           <p:nvSpPr>
-            <p:cNvPr id="6" name="Rechteck 5"/>
+            <p:cNvPr id="6" name="Rechteck 5">
+              <a:extLst>
+                <a:ext uri="{FF2B5EF4-FFF2-40B4-BE49-F238E27FC236}">
+                  <a16:creationId xmlns:a16="http://schemas.microsoft.com/office/drawing/2014/main" id="{C6241164-C78B-F030-167D-9AE502BA58DA}"/>
+                </a:ext>
+              </a:extLst>
+            </p:cNvPr>
             <p:cNvSpPr/>
             <p:nvPr/>
           </p:nvSpPr>
@@ -43925,7 +44843,13 @@
         </p:sp>
         <p:sp>
           <p:nvSpPr>
-            <p:cNvPr id="7" name="Eingekerbter Richtungspfeil 16"/>
+            <p:cNvPr id="7" name="Eingekerbter Richtungspfeil 16">
+              <a:extLst>
+                <a:ext uri="{FF2B5EF4-FFF2-40B4-BE49-F238E27FC236}">
+                  <a16:creationId xmlns:a16="http://schemas.microsoft.com/office/drawing/2014/main" id="{49247139-FF04-C1DC-FB71-EC572BCF775D}"/>
+                </a:ext>
+              </a:extLst>
+            </p:cNvPr>
             <p:cNvSpPr/>
             <p:nvPr/>
           </p:nvSpPr>
@@ -43981,7 +44905,13 @@
       </p:grpSp>
       <p:sp>
         <p:nvSpPr>
-          <p:cNvPr id="9" name="Rechteck 8"/>
+          <p:cNvPr id="9" name="Rechteck 8">
+            <a:extLst>
+              <a:ext uri="{FF2B5EF4-FFF2-40B4-BE49-F238E27FC236}">
+                <a16:creationId xmlns:a16="http://schemas.microsoft.com/office/drawing/2014/main" id="{410B1241-E2BA-8258-7F83-2C9125CF6D1D}"/>
+              </a:ext>
+            </a:extLst>
+          </p:cNvPr>
           <p:cNvSpPr>
             <a:spLocks/>
           </p:cNvSpPr>
@@ -44034,7 +44964,13 @@
       </p:sp>
       <p:sp>
         <p:nvSpPr>
-          <p:cNvPr id="10" name="Rechteck 9"/>
+          <p:cNvPr id="10" name="Rechteck 9">
+            <a:extLst>
+              <a:ext uri="{FF2B5EF4-FFF2-40B4-BE49-F238E27FC236}">
+                <a16:creationId xmlns:a16="http://schemas.microsoft.com/office/drawing/2014/main" id="{74165ED1-F31D-E1E2-B85F-3EB2F03D6B97}"/>
+              </a:ext>
+            </a:extLst>
+          </p:cNvPr>
           <p:cNvSpPr>
             <a:spLocks/>
           </p:cNvSpPr>
@@ -44087,7 +45023,13 @@
       </p:sp>
       <p:sp>
         <p:nvSpPr>
-          <p:cNvPr id="11" name="Rechteck 10"/>
+          <p:cNvPr id="11" name="Rechteck 10">
+            <a:extLst>
+              <a:ext uri="{FF2B5EF4-FFF2-40B4-BE49-F238E27FC236}">
+                <a16:creationId xmlns:a16="http://schemas.microsoft.com/office/drawing/2014/main" id="{706D8E49-4EFE-38F8-55C3-17C7AE6E6AA3}"/>
+              </a:ext>
+            </a:extLst>
+          </p:cNvPr>
           <p:cNvSpPr>
             <a:spLocks/>
           </p:cNvSpPr>
@@ -44140,7 +45082,13 @@
       </p:sp>
       <p:sp>
         <p:nvSpPr>
-          <p:cNvPr id="12" name="Rechteck 11"/>
+          <p:cNvPr id="12" name="Rechteck 11">
+            <a:extLst>
+              <a:ext uri="{FF2B5EF4-FFF2-40B4-BE49-F238E27FC236}">
+                <a16:creationId xmlns:a16="http://schemas.microsoft.com/office/drawing/2014/main" id="{AE1FAEEC-86F2-D648-2CEF-69417FD2541E}"/>
+              </a:ext>
+            </a:extLst>
+          </p:cNvPr>
           <p:cNvSpPr>
             <a:spLocks/>
           </p:cNvSpPr>
@@ -44193,7 +45141,13 @@
       </p:sp>
       <p:sp>
         <p:nvSpPr>
-          <p:cNvPr id="13" name="Rechteck 12"/>
+          <p:cNvPr id="13" name="Rechteck 12">
+            <a:extLst>
+              <a:ext uri="{FF2B5EF4-FFF2-40B4-BE49-F238E27FC236}">
+                <a16:creationId xmlns:a16="http://schemas.microsoft.com/office/drawing/2014/main" id="{11709D3E-188C-D7D5-756A-AFF86B6723BF}"/>
+              </a:ext>
+            </a:extLst>
+          </p:cNvPr>
           <p:cNvSpPr>
             <a:spLocks/>
           </p:cNvSpPr>
@@ -44247,7 +45201,7 @@
     </p:spTree>
     <p:extLst>
       <p:ext uri="{BB962C8B-B14F-4D97-AF65-F5344CB8AC3E}">
-        <p14:creationId xmlns:p14="http://schemas.microsoft.com/office/powerpoint/2010/main" val="2339647210"/>
+        <p14:creationId xmlns:p14="http://schemas.microsoft.com/office/powerpoint/2010/main" val="2600523922"/>
       </p:ext>
     </p:extLst>
   </p:cSld>
@@ -44257,7 +45211,7 @@
 </p:sld>
 </file>
 
-<file path=ppt/slides/slide95.xml><?xml version="1.0" encoding="utf-8"?>
+<file path=ppt/slides/slide97.xml><?xml version="1.0" encoding="utf-8"?>
 <p:sld xmlns:a="http://schemas.openxmlformats.org/drawingml/2006/main" xmlns:r="http://schemas.openxmlformats.org/officeDocument/2006/relationships" xmlns:p="http://schemas.openxmlformats.org/presentationml/2006/main">
   <p:cSld>
     <p:spTree>
@@ -45285,6 +46239,18 @@
 </p:tagLst>
 </file>
 
+<file path=ppt/tags/tag87.xml><?xml version="1.0" encoding="utf-8"?>
+<p:tagLst xmlns:a="http://schemas.openxmlformats.org/drawingml/2006/main" xmlns:r="http://schemas.openxmlformats.org/officeDocument/2006/relationships" xmlns:p="http://schemas.openxmlformats.org/presentationml/2006/main">
+  <p:tag name="THINKCELLSHAPEDONOTDELETE" val="thinkcellActiveDocDoNotDelete"/>
+</p:tagLst>
+</file>
+
+<file path=ppt/tags/tag88.xml><?xml version="1.0" encoding="utf-8"?>
+<p:tagLst xmlns:a="http://schemas.openxmlformats.org/drawingml/2006/main" xmlns:r="http://schemas.openxmlformats.org/officeDocument/2006/relationships" xmlns:p="http://schemas.openxmlformats.org/presentationml/2006/main">
+  <p:tag name="THINKCELLSHAPEDONOTDELETE" val="thinkcellActiveDocDoNotDelete"/>
+</p:tagLst>
+</file>
+
 <file path=ppt/tags/tag9.xml><?xml version="1.0" encoding="utf-8"?>
 <p:tagLst xmlns:a="http://schemas.openxmlformats.org/drawingml/2006/main" xmlns:r="http://schemas.openxmlformats.org/officeDocument/2006/relationships" xmlns:p="http://schemas.openxmlformats.org/presentationml/2006/main">
   <p:tag name="THINKCELLSHAPEDONOTDELETE" val="thinkcellActiveDocDoNotDelete"/>
